--- a/module-1/01-09 Identity in your Web API/01-09 Identity in your Web API.pptx
+++ b/module-1/01-09 Identity in your Web API/01-09 Identity in your Web API.pptx
@@ -2,7 +2,7 @@
 <file path=ppt/presentation.xml><?xml version="1.0" encoding="utf-8"?>
 <p:presentation xmlns:a="http://schemas.openxmlformats.org/drawingml/2006/main" xmlns:r="http://schemas.openxmlformats.org/officeDocument/2006/relationships" xmlns:p="http://schemas.openxmlformats.org/presentationml/2006/main" saveSubsetFonts="1">
   <p:sldMasterIdLst>
-    <p:sldMasterId id="2147483672" r:id="rId1"/>
+    <p:sldMasterId id="2147483684" r:id="rId1"/>
   </p:sldMasterIdLst>
   <p:sldIdLst>
     <p:sldId id="256" r:id="rId2"/>
@@ -104,6 +104,11 @@
       </a:defRPr>
     </a:lvl9pPr>
   </p:defaultTextStyle>
+  <p:extLst>
+    <p:ext uri="{EFAFB233-063F-42B5-8137-9DF3F51BA10A}">
+      <p15:sldGuideLst xmlns:p15="http://schemas.microsoft.com/office/powerpoint/2012/main"/>
+    </p:ext>
+  </p:extLst>
 </p:presentation>
 </file>
 
@@ -139,7 +144,9 @@
             <a:avLst/>
           </a:prstGeom>
           <a:solidFill>
-            <a:schemeClr val="accent2"/>
+            <a:schemeClr val="accent1">
+              <a:lumMod val="75000"/>
+            </a:schemeClr>
           </a:solidFill>
           <a:ln>
             <a:noFill/>
@@ -333,7 +340,7 @@
           <a:p>
             <a:fld id="{EBB1B3D4-265D-4665-ADC9-1438520F930D}" type="datetimeFigureOut">
               <a:rPr lang="en-US" smtClean="0"/>
-              <a:t>8/30/2021</a:t>
+              <a:t>9/14/2021</a:t>
             </a:fld>
             <a:endParaRPr lang="en-US"/>
           </a:p>
@@ -422,7 +429,7 @@
     </p:spTree>
     <p:extLst>
       <p:ext uri="{BB962C8B-B14F-4D97-AF65-F5344CB8AC3E}">
-        <p14:creationId xmlns:p14="http://schemas.microsoft.com/office/powerpoint/2010/main" val="713108474"/>
+        <p14:creationId xmlns:p14="http://schemas.microsoft.com/office/powerpoint/2010/main" val="2350610617"/>
       </p:ext>
     </p:extLst>
   </p:cSld>
@@ -541,7 +548,7 @@
           <a:p>
             <a:fld id="{EBB1B3D4-265D-4665-ADC9-1438520F930D}" type="datetimeFigureOut">
               <a:rPr lang="en-US" smtClean="0"/>
-              <a:t>8/30/2021</a:t>
+              <a:t>9/14/2021</a:t>
             </a:fld>
             <a:endParaRPr lang="en-US"/>
           </a:p>
@@ -592,7 +599,7 @@
     </p:spTree>
     <p:extLst>
       <p:ext uri="{BB962C8B-B14F-4D97-AF65-F5344CB8AC3E}">
-        <p14:creationId xmlns:p14="http://schemas.microsoft.com/office/powerpoint/2010/main" val="3284640363"/>
+        <p14:creationId xmlns:p14="http://schemas.microsoft.com/office/powerpoint/2010/main" val="456924091"/>
       </p:ext>
     </p:extLst>
   </p:cSld>
@@ -634,7 +641,9 @@
             <a:avLst/>
           </a:prstGeom>
           <a:solidFill>
-            <a:schemeClr val="accent2"/>
+            <a:schemeClr val="accent1">
+              <a:lumMod val="75000"/>
+            </a:schemeClr>
           </a:solidFill>
           <a:ln>
             <a:noFill/>
@@ -797,7 +806,7 @@
           <a:p>
             <a:fld id="{EBB1B3D4-265D-4665-ADC9-1438520F930D}" type="datetimeFigureOut">
               <a:rPr lang="en-US" smtClean="0"/>
-              <a:t>8/30/2021</a:t>
+              <a:t>9/14/2021</a:t>
             </a:fld>
             <a:endParaRPr lang="en-US"/>
           </a:p>
@@ -848,7 +857,7 @@
     </p:spTree>
     <p:extLst>
       <p:ext uri="{BB962C8B-B14F-4D97-AF65-F5344CB8AC3E}">
-        <p14:creationId xmlns:p14="http://schemas.microsoft.com/office/powerpoint/2010/main" val="2922040586"/>
+        <p14:creationId xmlns:p14="http://schemas.microsoft.com/office/powerpoint/2010/main" val="2989840145"/>
       </p:ext>
     </p:extLst>
   </p:cSld>
@@ -967,7 +976,7 @@
           <a:p>
             <a:fld id="{EBB1B3D4-265D-4665-ADC9-1438520F930D}" type="datetimeFigureOut">
               <a:rPr lang="en-US" smtClean="0"/>
-              <a:t>8/30/2021</a:t>
+              <a:t>9/14/2021</a:t>
             </a:fld>
             <a:endParaRPr lang="en-US"/>
           </a:p>
@@ -1018,7 +1027,7 @@
     </p:spTree>
     <p:extLst>
       <p:ext uri="{BB962C8B-B14F-4D97-AF65-F5344CB8AC3E}">
-        <p14:creationId xmlns:p14="http://schemas.microsoft.com/office/powerpoint/2010/main" val="1354769920"/>
+        <p14:creationId xmlns:p14="http://schemas.microsoft.com/office/powerpoint/2010/main" val="4139327224"/>
       </p:ext>
     </p:extLst>
   </p:cSld>
@@ -1031,14 +1040,6 @@
 <file path=ppt/slideLayouts/slideLayout3.xml><?xml version="1.0" encoding="utf-8"?>
 <p:sldLayout xmlns:a="http://schemas.openxmlformats.org/drawingml/2006/main" xmlns:r="http://schemas.openxmlformats.org/officeDocument/2006/relationships" xmlns:p="http://schemas.openxmlformats.org/presentationml/2006/main" showMasterSp="0" type="secHead" preserve="1">
   <p:cSld name="Section Header">
-    <p:bg>
-      <p:bgPr>
-        <a:solidFill>
-          <a:schemeClr val="bg1"/>
-        </a:solidFill>
-        <a:effectLst/>
-      </p:bgPr>
-    </p:bg>
     <p:spTree>
       <p:nvGrpSpPr>
         <p:cNvPr id="1" name=""/>
@@ -1068,7 +1069,9 @@
             <a:avLst/>
           </a:prstGeom>
           <a:solidFill>
-            <a:schemeClr val="accent2"/>
+            <a:schemeClr val="accent1">
+              <a:lumMod val="75000"/>
+            </a:schemeClr>
           </a:solidFill>
           <a:ln>
             <a:noFill/>
@@ -1310,7 +1313,7 @@
           <a:p>
             <a:fld id="{EBB1B3D4-265D-4665-ADC9-1438520F930D}" type="datetimeFigureOut">
               <a:rPr lang="en-US" smtClean="0"/>
-              <a:t>8/30/2021</a:t>
+              <a:t>9/14/2021</a:t>
             </a:fld>
             <a:endParaRPr lang="en-US"/>
           </a:p>
@@ -1399,7 +1402,7 @@
     </p:spTree>
     <p:extLst>
       <p:ext uri="{BB962C8B-B14F-4D97-AF65-F5344CB8AC3E}">
-        <p14:creationId xmlns:p14="http://schemas.microsoft.com/office/powerpoint/2010/main" val="3113753579"/>
+        <p14:creationId xmlns:p14="http://schemas.microsoft.com/office/powerpoint/2010/main" val="3108890593"/>
       </p:ext>
     </p:extLst>
   </p:cSld>
@@ -1467,7 +1470,7 @@
         <p:spPr>
           <a:xfrm>
             <a:off x="1097278" y="1845734"/>
-            <a:ext cx="4937760" cy="4023360"/>
+            <a:ext cx="4937760" cy="4023359"/>
           </a:xfrm>
         </p:spPr>
         <p:txBody>
@@ -1585,7 +1588,7 @@
           <a:p>
             <a:fld id="{EBB1B3D4-265D-4665-ADC9-1438520F930D}" type="datetimeFigureOut">
               <a:rPr lang="en-US" smtClean="0"/>
-              <a:t>8/30/2021</a:t>
+              <a:t>9/14/2021</a:t>
             </a:fld>
             <a:endParaRPr lang="en-US"/>
           </a:p>
@@ -1636,7 +1639,7 @@
     </p:spTree>
     <p:extLst>
       <p:ext uri="{BB962C8B-B14F-4D97-AF65-F5344CB8AC3E}">
-        <p14:creationId xmlns:p14="http://schemas.microsoft.com/office/powerpoint/2010/main" val="1820689761"/>
+        <p14:creationId xmlns:p14="http://schemas.microsoft.com/office/powerpoint/2010/main" val="837955731"/>
       </p:ext>
     </p:extLst>
   </p:cSld>
@@ -1716,7 +1719,9 @@
               <a:buNone/>
               <a:defRPr sz="2000" b="0" cap="all" baseline="0">
                 <a:solidFill>
-                  <a:schemeClr val="tx2"/>
+                  <a:schemeClr val="tx2">
+                    <a:lumMod val="90000"/>
+                  </a:schemeClr>
                 </a:solidFill>
               </a:defRPr>
             </a:lvl1pPr>
@@ -1844,7 +1849,9 @@
               <a:buNone/>
               <a:defRPr sz="2000" b="0" cap="all" baseline="0">
                 <a:solidFill>
-                  <a:schemeClr val="tx2"/>
+                  <a:schemeClr val="tx2">
+                    <a:lumMod val="90000"/>
+                  </a:schemeClr>
                 </a:solidFill>
               </a:defRPr>
             </a:lvl1pPr>
@@ -1964,7 +1971,7 @@
           <a:p>
             <a:fld id="{EBB1B3D4-265D-4665-ADC9-1438520F930D}" type="datetimeFigureOut">
               <a:rPr lang="en-US" smtClean="0"/>
-              <a:t>8/30/2021</a:t>
+              <a:t>9/14/2021</a:t>
             </a:fld>
             <a:endParaRPr lang="en-US"/>
           </a:p>
@@ -2015,7 +2022,7 @@
     </p:spTree>
     <p:extLst>
       <p:ext uri="{BB962C8B-B14F-4D97-AF65-F5344CB8AC3E}">
-        <p14:creationId xmlns:p14="http://schemas.microsoft.com/office/powerpoint/2010/main" val="432020932"/>
+        <p14:creationId xmlns:p14="http://schemas.microsoft.com/office/powerpoint/2010/main" val="2218251866"/>
       </p:ext>
     </p:extLst>
   </p:cSld>
@@ -2082,7 +2089,7 @@
           <a:p>
             <a:fld id="{EBB1B3D4-265D-4665-ADC9-1438520F930D}" type="datetimeFigureOut">
               <a:rPr lang="en-US" smtClean="0"/>
-              <a:t>8/30/2021</a:t>
+              <a:t>9/14/2021</a:t>
             </a:fld>
             <a:endParaRPr lang="en-US"/>
           </a:p>
@@ -2133,7 +2140,7 @@
     </p:spTree>
     <p:extLst>
       <p:ext uri="{BB962C8B-B14F-4D97-AF65-F5344CB8AC3E}">
-        <p14:creationId xmlns:p14="http://schemas.microsoft.com/office/powerpoint/2010/main" val="1032020771"/>
+        <p14:creationId xmlns:p14="http://schemas.microsoft.com/office/powerpoint/2010/main" val="4056327079"/>
       </p:ext>
     </p:extLst>
   </p:cSld>
@@ -2175,7 +2182,9 @@
             <a:avLst/>
           </a:prstGeom>
           <a:solidFill>
-            <a:schemeClr val="accent2"/>
+            <a:schemeClr val="accent1">
+              <a:lumMod val="75000"/>
+            </a:schemeClr>
           </a:solidFill>
           <a:ln>
             <a:noFill/>
@@ -2253,7 +2262,7 @@
           <a:p>
             <a:fld id="{EBB1B3D4-265D-4665-ADC9-1438520F930D}" type="datetimeFigureOut">
               <a:rPr lang="en-US" smtClean="0"/>
-              <a:t>8/30/2021</a:t>
+              <a:t>9/14/2021</a:t>
             </a:fld>
             <a:endParaRPr lang="en-US"/>
           </a:p>
@@ -2312,7 +2321,7 @@
     </p:spTree>
     <p:extLst>
       <p:ext uri="{BB962C8B-B14F-4D97-AF65-F5344CB8AC3E}">
-        <p14:creationId xmlns:p14="http://schemas.microsoft.com/office/powerpoint/2010/main" val="966564124"/>
+        <p14:creationId xmlns:p14="http://schemas.microsoft.com/office/powerpoint/2010/main" val="1845356466"/>
       </p:ext>
     </p:extLst>
   </p:cSld>
@@ -2347,14 +2356,16 @@
         </p:nvSpPr>
         <p:spPr>
           <a:xfrm>
-            <a:off x="16" y="0"/>
+            <a:off x="0" y="0"/>
             <a:ext cx="4050791" cy="6858000"/>
           </a:xfrm>
           <a:prstGeom prst="rect">
             <a:avLst/>
           </a:prstGeom>
           <a:solidFill>
-            <a:schemeClr val="accent2"/>
+            <a:schemeClr val="accent1">
+              <a:lumMod val="75000"/>
+            </a:schemeClr>
           </a:solidFill>
           <a:ln>
             <a:noFill/>
@@ -2607,7 +2618,7 @@
           <a:p>
             <a:fld id="{EBB1B3D4-265D-4665-ADC9-1438520F930D}" type="datetimeFigureOut">
               <a:rPr lang="en-US" smtClean="0"/>
-              <a:t>8/30/2021</a:t>
+              <a:t>9/14/2021</a:t>
             </a:fld>
             <a:endParaRPr lang="en-US"/>
           </a:p>
@@ -2679,7 +2690,7 @@
     </p:spTree>
     <p:extLst>
       <p:ext uri="{BB962C8B-B14F-4D97-AF65-F5344CB8AC3E}">
-        <p14:creationId xmlns:p14="http://schemas.microsoft.com/office/powerpoint/2010/main" val="1554839122"/>
+        <p14:creationId xmlns:p14="http://schemas.microsoft.com/office/powerpoint/2010/main" val="2589827366"/>
       </p:ext>
     </p:extLst>
   </p:cSld>
@@ -2708,20 +2719,20 @@
       </p:grpSpPr>
       <p:sp>
         <p:nvSpPr>
-          <p:cNvPr id="8" name="Rectangle 7"/>
+          <p:cNvPr id="9" name="Rectangle 8"/>
           <p:cNvSpPr/>
           <p:nvPr/>
         </p:nvSpPr>
         <p:spPr>
           <a:xfrm>
-            <a:off x="0" y="4953000"/>
-            <a:ext cx="12188825" cy="1905000"/>
+            <a:off x="15" y="4915076"/>
+            <a:ext cx="12188825" cy="64008"/>
           </a:xfrm>
           <a:prstGeom prst="rect">
             <a:avLst/>
           </a:prstGeom>
           <a:solidFill>
-            <a:schemeClr val="accent2"/>
+            <a:schemeClr val="accent1"/>
           </a:solidFill>
           <a:ln>
             <a:noFill/>
@@ -2746,20 +2757,338 @@
       </p:sp>
       <p:sp>
         <p:nvSpPr>
-          <p:cNvPr id="9" name="Rectangle 8"/>
+          <p:cNvPr id="2" name="Title 1"/>
+          <p:cNvSpPr>
+            <a:spLocks noGrp="1"/>
+          </p:cNvSpPr>
+          <p:nvPr>
+            <p:ph type="title"/>
+          </p:nvPr>
+        </p:nvSpPr>
+        <p:spPr>
+          <a:xfrm>
+            <a:off x="1097280" y="5074920"/>
+            <a:ext cx="10113645" cy="822960"/>
+          </a:xfrm>
+        </p:spPr>
+        <p:txBody>
+          <a:bodyPr tIns="0" bIns="0" anchor="b">
+            <a:noAutofit/>
+          </a:bodyPr>
+          <a:lstStyle>
+            <a:lvl1pPr>
+              <a:defRPr sz="3600" b="0">
+                <a:solidFill>
+                  <a:schemeClr val="tx1"/>
+                </a:solidFill>
+              </a:defRPr>
+            </a:lvl1pPr>
+          </a:lstStyle>
+          <a:p>
+            <a:r>
+              <a:rPr lang="en-US"/>
+              <a:t>Click to edit Master title style</a:t>
+            </a:r>
+            <a:endParaRPr lang="en-US" dirty="0"/>
+          </a:p>
+        </p:txBody>
+      </p:sp>
+      <p:sp>
+        <p:nvSpPr>
+          <p:cNvPr id="3" name="Picture Placeholder 2"/>
+          <p:cNvSpPr>
+            <a:spLocks noGrp="1" noChangeAspect="1"/>
+          </p:cNvSpPr>
+          <p:nvPr>
+            <p:ph type="pic" idx="1"/>
+          </p:nvPr>
+        </p:nvSpPr>
+        <p:spPr>
+          <a:xfrm>
+            <a:off x="15" y="0"/>
+            <a:ext cx="12191985" cy="4915076"/>
+          </a:xfrm>
+          <a:solidFill>
+            <a:schemeClr val="bg1">
+              <a:lumMod val="50000"/>
+              <a:lumOff val="50000"/>
+            </a:schemeClr>
+          </a:solidFill>
+        </p:spPr>
+        <p:txBody>
+          <a:bodyPr lIns="457200" tIns="457200" anchor="t"/>
+          <a:lstStyle>
+            <a:lvl1pPr marL="0" indent="0">
+              <a:buNone/>
+              <a:defRPr sz="3200"/>
+            </a:lvl1pPr>
+            <a:lvl2pPr marL="457200" indent="0">
+              <a:buNone/>
+              <a:defRPr sz="2800"/>
+            </a:lvl2pPr>
+            <a:lvl3pPr marL="914400" indent="0">
+              <a:buNone/>
+              <a:defRPr sz="2400"/>
+            </a:lvl3pPr>
+            <a:lvl4pPr marL="1371600" indent="0">
+              <a:buNone/>
+              <a:defRPr sz="2000"/>
+            </a:lvl4pPr>
+            <a:lvl5pPr marL="1828800" indent="0">
+              <a:buNone/>
+              <a:defRPr sz="2000"/>
+            </a:lvl5pPr>
+            <a:lvl6pPr marL="2286000" indent="0">
+              <a:buNone/>
+              <a:defRPr sz="2000"/>
+            </a:lvl6pPr>
+            <a:lvl7pPr marL="2743200" indent="0">
+              <a:buNone/>
+              <a:defRPr sz="2000"/>
+            </a:lvl7pPr>
+            <a:lvl8pPr marL="3200400" indent="0">
+              <a:buNone/>
+              <a:defRPr sz="2000"/>
+            </a:lvl8pPr>
+            <a:lvl9pPr marL="3657600" indent="0">
+              <a:buNone/>
+              <a:defRPr sz="2000"/>
+            </a:lvl9pPr>
+          </a:lstStyle>
+          <a:p>
+            <a:r>
+              <a:rPr lang="en-US"/>
+              <a:t>Click icon to add picture</a:t>
+            </a:r>
+            <a:endParaRPr lang="en-US" dirty="0"/>
+          </a:p>
+        </p:txBody>
+      </p:sp>
+      <p:sp>
+        <p:nvSpPr>
+          <p:cNvPr id="4" name="Text Placeholder 3"/>
+          <p:cNvSpPr>
+            <a:spLocks noGrp="1"/>
+          </p:cNvSpPr>
+          <p:nvPr>
+            <p:ph type="body" sz="half" idx="2"/>
+          </p:nvPr>
+        </p:nvSpPr>
+        <p:spPr>
+          <a:xfrm>
+            <a:off x="1097280" y="5907024"/>
+            <a:ext cx="10113264" cy="594360"/>
+          </a:xfrm>
+        </p:spPr>
+        <p:txBody>
+          <a:bodyPr lIns="91440" tIns="0" rIns="91440" bIns="0">
+            <a:normAutofit/>
+          </a:bodyPr>
+          <a:lstStyle>
+            <a:lvl1pPr marL="0" indent="0">
+              <a:spcBef>
+                <a:spcPts val="0"/>
+              </a:spcBef>
+              <a:spcAft>
+                <a:spcPts val="600"/>
+              </a:spcAft>
+              <a:buNone/>
+              <a:defRPr sz="1500">
+                <a:solidFill>
+                  <a:schemeClr val="tx1"/>
+                </a:solidFill>
+              </a:defRPr>
+            </a:lvl1pPr>
+            <a:lvl2pPr marL="457200" indent="0">
+              <a:buNone/>
+              <a:defRPr sz="1200"/>
+            </a:lvl2pPr>
+            <a:lvl3pPr marL="914400" indent="0">
+              <a:buNone/>
+              <a:defRPr sz="1000"/>
+            </a:lvl3pPr>
+            <a:lvl4pPr marL="1371600" indent="0">
+              <a:buNone/>
+              <a:defRPr sz="900"/>
+            </a:lvl4pPr>
+            <a:lvl5pPr marL="1828800" indent="0">
+              <a:buNone/>
+              <a:defRPr sz="900"/>
+            </a:lvl5pPr>
+            <a:lvl6pPr marL="2286000" indent="0">
+              <a:buNone/>
+              <a:defRPr sz="900"/>
+            </a:lvl6pPr>
+            <a:lvl7pPr marL="2743200" indent="0">
+              <a:buNone/>
+              <a:defRPr sz="900"/>
+            </a:lvl7pPr>
+            <a:lvl8pPr marL="3200400" indent="0">
+              <a:buNone/>
+              <a:defRPr sz="900"/>
+            </a:lvl8pPr>
+            <a:lvl9pPr marL="3657600" indent="0">
+              <a:buNone/>
+              <a:defRPr sz="900"/>
+            </a:lvl9pPr>
+          </a:lstStyle>
+          <a:p>
+            <a:pPr lvl="0"/>
+            <a:r>
+              <a:rPr lang="en-US"/>
+              <a:t>Click to edit Master text styles</a:t>
+            </a:r>
+          </a:p>
+        </p:txBody>
+      </p:sp>
+      <p:sp>
+        <p:nvSpPr>
+          <p:cNvPr id="5" name="Date Placeholder 4"/>
+          <p:cNvSpPr>
+            <a:spLocks noGrp="1"/>
+          </p:cNvSpPr>
+          <p:nvPr>
+            <p:ph type="dt" sz="half" idx="10"/>
+          </p:nvPr>
+        </p:nvSpPr>
+        <p:spPr/>
+        <p:txBody>
+          <a:bodyPr/>
+          <a:lstStyle>
+            <a:lvl1pPr>
+              <a:defRPr>
+                <a:solidFill>
+                  <a:schemeClr val="tx2"/>
+                </a:solidFill>
+              </a:defRPr>
+            </a:lvl1pPr>
+          </a:lstStyle>
+          <a:p>
+            <a:fld id="{EBB1B3D4-265D-4665-ADC9-1438520F930D}" type="datetimeFigureOut">
+              <a:rPr lang="en-US" smtClean="0"/>
+              <a:t>9/14/2021</a:t>
+            </a:fld>
+            <a:endParaRPr lang="en-US"/>
+          </a:p>
+        </p:txBody>
+      </p:sp>
+      <p:sp>
+        <p:nvSpPr>
+          <p:cNvPr id="6" name="Footer Placeholder 5"/>
+          <p:cNvSpPr>
+            <a:spLocks noGrp="1"/>
+          </p:cNvSpPr>
+          <p:nvPr>
+            <p:ph type="ftr" sz="quarter" idx="11"/>
+          </p:nvPr>
+        </p:nvSpPr>
+        <p:spPr/>
+        <p:txBody>
+          <a:bodyPr/>
+          <a:lstStyle>
+            <a:lvl1pPr>
+              <a:defRPr>
+                <a:solidFill>
+                  <a:schemeClr val="tx2"/>
+                </a:solidFill>
+              </a:defRPr>
+            </a:lvl1pPr>
+          </a:lstStyle>
+          <a:p>
+            <a:endParaRPr lang="en-US"/>
+          </a:p>
+        </p:txBody>
+      </p:sp>
+      <p:sp>
+        <p:nvSpPr>
+          <p:cNvPr id="7" name="Slide Number Placeholder 6"/>
+          <p:cNvSpPr>
+            <a:spLocks noGrp="1"/>
+          </p:cNvSpPr>
+          <p:nvPr>
+            <p:ph type="sldNum" sz="quarter" idx="12"/>
+          </p:nvPr>
+        </p:nvSpPr>
+        <p:spPr/>
+        <p:txBody>
+          <a:bodyPr/>
+          <a:lstStyle>
+            <a:lvl1pPr>
+              <a:defRPr>
+                <a:solidFill>
+                  <a:schemeClr val="tx2"/>
+                </a:solidFill>
+              </a:defRPr>
+            </a:lvl1pPr>
+          </a:lstStyle>
+          <a:p>
+            <a:fld id="{810B3BF4-5675-48A4-8055-843A454B2F97}" type="slidenum">
+              <a:rPr lang="en-US" smtClean="0"/>
+              <a:t>‹#›</a:t>
+            </a:fld>
+            <a:endParaRPr lang="en-US"/>
+          </a:p>
+        </p:txBody>
+      </p:sp>
+    </p:spTree>
+    <p:extLst>
+      <p:ext uri="{BB962C8B-B14F-4D97-AF65-F5344CB8AC3E}">
+        <p14:creationId xmlns:p14="http://schemas.microsoft.com/office/powerpoint/2010/main" val="3816873321"/>
+      </p:ext>
+    </p:extLst>
+  </p:cSld>
+  <p:clrMapOvr>
+    <a:masterClrMapping/>
+  </p:clrMapOvr>
+</p:sldLayout>
+</file>
+
+<file path=ppt/slideMasters/slideMaster1.xml><?xml version="1.0" encoding="utf-8"?>
+<p:sldMaster xmlns:a="http://schemas.openxmlformats.org/drawingml/2006/main" xmlns:r="http://schemas.openxmlformats.org/officeDocument/2006/relationships" xmlns:p="http://schemas.openxmlformats.org/presentationml/2006/main">
+  <p:cSld>
+    <p:bg>
+      <p:bgPr>
+        <a:solidFill>
+          <a:schemeClr val="bg1">
+            <a:lumMod val="75000"/>
+            <a:lumOff val="25000"/>
+          </a:schemeClr>
+        </a:solidFill>
+        <a:effectLst/>
+      </p:bgPr>
+    </p:bg>
+    <p:spTree>
+      <p:nvGrpSpPr>
+        <p:cNvPr id="1" name=""/>
+        <p:cNvGrpSpPr/>
+        <p:nvPr/>
+      </p:nvGrpSpPr>
+      <p:grpSpPr>
+        <a:xfrm>
+          <a:off x="0" y="0"/>
+          <a:ext cx="0" cy="0"/>
+          <a:chOff x="0" y="0"/>
+          <a:chExt cx="0" cy="0"/>
+        </a:xfrm>
+      </p:grpSpPr>
+      <p:sp>
+        <p:nvSpPr>
+          <p:cNvPr id="7" name="Rectangle 6"/>
           <p:cNvSpPr/>
           <p:nvPr/>
         </p:nvSpPr>
         <p:spPr>
           <a:xfrm>
-            <a:off x="15" y="4915076"/>
-            <a:ext cx="12188825" cy="64008"/>
+            <a:off x="1" y="6400800"/>
+            <a:ext cx="12192000" cy="457200"/>
           </a:xfrm>
           <a:prstGeom prst="rect">
             <a:avLst/>
           </a:prstGeom>
           <a:solidFill>
-            <a:schemeClr val="accent1"/>
+            <a:schemeClr val="accent1">
+              <a:lumMod val="75000"/>
+            </a:schemeClr>
           </a:solidFill>
           <a:ln>
             <a:noFill/>
@@ -2784,305 +3113,20 @@
       </p:sp>
       <p:sp>
         <p:nvSpPr>
-          <p:cNvPr id="2" name="Title 1"/>
-          <p:cNvSpPr>
-            <a:spLocks noGrp="1"/>
-          </p:cNvSpPr>
-          <p:nvPr>
-            <p:ph type="title"/>
-          </p:nvPr>
-        </p:nvSpPr>
-        <p:spPr>
-          <a:xfrm>
-            <a:off x="1097280" y="5074920"/>
-            <a:ext cx="10113645" cy="822960"/>
-          </a:xfrm>
-        </p:spPr>
-        <p:txBody>
-          <a:bodyPr lIns="91440" tIns="0" rIns="91440" bIns="0" anchor="b">
-            <a:noAutofit/>
-          </a:bodyPr>
-          <a:lstStyle>
-            <a:lvl1pPr>
-              <a:defRPr sz="3600" b="0">
-                <a:solidFill>
-                  <a:srgbClr val="FFFFFF"/>
-                </a:solidFill>
-              </a:defRPr>
-            </a:lvl1pPr>
-          </a:lstStyle>
-          <a:p>
-            <a:r>
-              <a:rPr lang="en-US"/>
-              <a:t>Click to edit Master title style</a:t>
-            </a:r>
-            <a:endParaRPr lang="en-US" dirty="0"/>
-          </a:p>
-        </p:txBody>
-      </p:sp>
-      <p:sp>
-        <p:nvSpPr>
-          <p:cNvPr id="3" name="Picture Placeholder 2"/>
-          <p:cNvSpPr>
-            <a:spLocks noGrp="1" noChangeAspect="1"/>
-          </p:cNvSpPr>
-          <p:nvPr>
-            <p:ph type="pic" idx="1"/>
-          </p:nvPr>
-        </p:nvSpPr>
-        <p:spPr>
-          <a:xfrm>
-            <a:off x="15" y="0"/>
-            <a:ext cx="12191985" cy="4915076"/>
-          </a:xfrm>
-          <a:solidFill>
-            <a:schemeClr val="bg2">
-              <a:lumMod val="90000"/>
-            </a:schemeClr>
-          </a:solidFill>
-        </p:spPr>
-        <p:txBody>
-          <a:bodyPr lIns="457200" tIns="457200" anchor="t"/>
-          <a:lstStyle>
-            <a:lvl1pPr marL="0" indent="0">
-              <a:buNone/>
-              <a:defRPr sz="3200"/>
-            </a:lvl1pPr>
-            <a:lvl2pPr marL="457200" indent="0">
-              <a:buNone/>
-              <a:defRPr sz="2800"/>
-            </a:lvl2pPr>
-            <a:lvl3pPr marL="914400" indent="0">
-              <a:buNone/>
-              <a:defRPr sz="2400"/>
-            </a:lvl3pPr>
-            <a:lvl4pPr marL="1371600" indent="0">
-              <a:buNone/>
-              <a:defRPr sz="2000"/>
-            </a:lvl4pPr>
-            <a:lvl5pPr marL="1828800" indent="0">
-              <a:buNone/>
-              <a:defRPr sz="2000"/>
-            </a:lvl5pPr>
-            <a:lvl6pPr marL="2286000" indent="0">
-              <a:buNone/>
-              <a:defRPr sz="2000"/>
-            </a:lvl6pPr>
-            <a:lvl7pPr marL="2743200" indent="0">
-              <a:buNone/>
-              <a:defRPr sz="2000"/>
-            </a:lvl7pPr>
-            <a:lvl8pPr marL="3200400" indent="0">
-              <a:buNone/>
-              <a:defRPr sz="2000"/>
-            </a:lvl8pPr>
-            <a:lvl9pPr marL="3657600" indent="0">
-              <a:buNone/>
-              <a:defRPr sz="2000"/>
-            </a:lvl9pPr>
-          </a:lstStyle>
-          <a:p>
-            <a:r>
-              <a:rPr lang="en-US"/>
-              <a:t>Click icon to add picture</a:t>
-            </a:r>
-            <a:endParaRPr lang="en-US" dirty="0"/>
-          </a:p>
-        </p:txBody>
-      </p:sp>
-      <p:sp>
-        <p:nvSpPr>
-          <p:cNvPr id="4" name="Text Placeholder 3"/>
-          <p:cNvSpPr>
-            <a:spLocks noGrp="1"/>
-          </p:cNvSpPr>
-          <p:nvPr>
-            <p:ph type="body" sz="half" idx="2"/>
-          </p:nvPr>
-        </p:nvSpPr>
-        <p:spPr>
-          <a:xfrm>
-            <a:off x="1097280" y="5907024"/>
-            <a:ext cx="10113264" cy="594360"/>
-          </a:xfrm>
-        </p:spPr>
-        <p:txBody>
-          <a:bodyPr lIns="91440" tIns="0" rIns="91440" bIns="0">
-            <a:normAutofit/>
-          </a:bodyPr>
-          <a:lstStyle>
-            <a:lvl1pPr marL="0" indent="0">
-              <a:spcBef>
-                <a:spcPts val="0"/>
-              </a:spcBef>
-              <a:spcAft>
-                <a:spcPts val="600"/>
-              </a:spcAft>
-              <a:buNone/>
-              <a:defRPr sz="1500">
-                <a:solidFill>
-                  <a:srgbClr val="FFFFFF"/>
-                </a:solidFill>
-              </a:defRPr>
-            </a:lvl1pPr>
-            <a:lvl2pPr marL="457200" indent="0">
-              <a:buNone/>
-              <a:defRPr sz="1200"/>
-            </a:lvl2pPr>
-            <a:lvl3pPr marL="914400" indent="0">
-              <a:buNone/>
-              <a:defRPr sz="1000"/>
-            </a:lvl3pPr>
-            <a:lvl4pPr marL="1371600" indent="0">
-              <a:buNone/>
-              <a:defRPr sz="900"/>
-            </a:lvl4pPr>
-            <a:lvl5pPr marL="1828800" indent="0">
-              <a:buNone/>
-              <a:defRPr sz="900"/>
-            </a:lvl5pPr>
-            <a:lvl6pPr marL="2286000" indent="0">
-              <a:buNone/>
-              <a:defRPr sz="900"/>
-            </a:lvl6pPr>
-            <a:lvl7pPr marL="2743200" indent="0">
-              <a:buNone/>
-              <a:defRPr sz="900"/>
-            </a:lvl7pPr>
-            <a:lvl8pPr marL="3200400" indent="0">
-              <a:buNone/>
-              <a:defRPr sz="900"/>
-            </a:lvl8pPr>
-            <a:lvl9pPr marL="3657600" indent="0">
-              <a:buNone/>
-              <a:defRPr sz="900"/>
-            </a:lvl9pPr>
-          </a:lstStyle>
-          <a:p>
-            <a:pPr lvl="0"/>
-            <a:r>
-              <a:rPr lang="en-US"/>
-              <a:t>Click to edit Master text styles</a:t>
-            </a:r>
-          </a:p>
-        </p:txBody>
-      </p:sp>
-      <p:sp>
-        <p:nvSpPr>
-          <p:cNvPr id="5" name="Date Placeholder 4"/>
-          <p:cNvSpPr>
-            <a:spLocks noGrp="1"/>
-          </p:cNvSpPr>
-          <p:nvPr>
-            <p:ph type="dt" sz="half" idx="10"/>
-          </p:nvPr>
-        </p:nvSpPr>
-        <p:spPr/>
-        <p:txBody>
-          <a:bodyPr/>
-          <a:lstStyle/>
-          <a:p>
-            <a:fld id="{EBB1B3D4-265D-4665-ADC9-1438520F930D}" type="datetimeFigureOut">
-              <a:rPr lang="en-US" smtClean="0"/>
-              <a:t>8/30/2021</a:t>
-            </a:fld>
-            <a:endParaRPr lang="en-US"/>
-          </a:p>
-        </p:txBody>
-      </p:sp>
-      <p:sp>
-        <p:nvSpPr>
-          <p:cNvPr id="6" name="Footer Placeholder 5"/>
-          <p:cNvSpPr>
-            <a:spLocks noGrp="1"/>
-          </p:cNvSpPr>
-          <p:nvPr>
-            <p:ph type="ftr" sz="quarter" idx="11"/>
-          </p:nvPr>
-        </p:nvSpPr>
-        <p:spPr/>
-        <p:txBody>
-          <a:bodyPr/>
-          <a:lstStyle/>
-          <a:p>
-            <a:endParaRPr lang="en-US"/>
-          </a:p>
-        </p:txBody>
-      </p:sp>
-      <p:sp>
-        <p:nvSpPr>
-          <p:cNvPr id="7" name="Slide Number Placeholder 6"/>
-          <p:cNvSpPr>
-            <a:spLocks noGrp="1"/>
-          </p:cNvSpPr>
-          <p:nvPr>
-            <p:ph type="sldNum" sz="quarter" idx="12"/>
-          </p:nvPr>
-        </p:nvSpPr>
-        <p:spPr/>
-        <p:txBody>
-          <a:bodyPr/>
-          <a:lstStyle/>
-          <a:p>
-            <a:fld id="{810B3BF4-5675-48A4-8055-843A454B2F97}" type="slidenum">
-              <a:rPr lang="en-US" smtClean="0"/>
-              <a:t>‹#›</a:t>
-            </a:fld>
-            <a:endParaRPr lang="en-US"/>
-          </a:p>
-        </p:txBody>
-      </p:sp>
-    </p:spTree>
-    <p:extLst>
-      <p:ext uri="{BB962C8B-B14F-4D97-AF65-F5344CB8AC3E}">
-        <p14:creationId xmlns:p14="http://schemas.microsoft.com/office/powerpoint/2010/main" val="2789141841"/>
-      </p:ext>
-    </p:extLst>
-  </p:cSld>
-  <p:clrMapOvr>
-    <a:masterClrMapping/>
-  </p:clrMapOvr>
-</p:sldLayout>
-</file>
-
-<file path=ppt/slideMasters/slideMaster1.xml><?xml version="1.0" encoding="utf-8"?>
-<p:sldMaster xmlns:a="http://schemas.openxmlformats.org/drawingml/2006/main" xmlns:r="http://schemas.openxmlformats.org/officeDocument/2006/relationships" xmlns:p="http://schemas.openxmlformats.org/presentationml/2006/main">
-  <p:cSld>
-    <p:bg>
-      <p:bgRef idx="1001">
-        <a:schemeClr val="bg1"/>
-      </p:bgRef>
-    </p:bg>
-    <p:spTree>
-      <p:nvGrpSpPr>
-        <p:cNvPr id="1" name=""/>
-        <p:cNvGrpSpPr/>
-        <p:nvPr/>
-      </p:nvGrpSpPr>
-      <p:grpSpPr>
-        <a:xfrm>
-          <a:off x="0" y="0"/>
-          <a:ext cx="0" cy="0"/>
-          <a:chOff x="0" y="0"/>
-          <a:chExt cx="0" cy="0"/>
-        </a:xfrm>
-      </p:grpSpPr>
-      <p:sp>
-        <p:nvSpPr>
-          <p:cNvPr id="7" name="Rectangle 6"/>
+          <p:cNvPr id="9" name="Rectangle 8"/>
           <p:cNvSpPr/>
           <p:nvPr/>
         </p:nvSpPr>
         <p:spPr>
           <a:xfrm>
-            <a:off x="1" y="6400800"/>
-            <a:ext cx="12192000" cy="457200"/>
+            <a:off x="1" y="6334316"/>
+            <a:ext cx="12192000" cy="66484"/>
           </a:xfrm>
           <a:prstGeom prst="rect">
             <a:avLst/>
           </a:prstGeom>
           <a:solidFill>
-            <a:schemeClr val="accent2"/>
+            <a:schemeClr val="accent1"/>
           </a:solidFill>
           <a:ln>
             <a:noFill/>
@@ -3107,44 +3151,6 @@
       </p:sp>
       <p:sp>
         <p:nvSpPr>
-          <p:cNvPr id="9" name="Rectangle 8"/>
-          <p:cNvSpPr/>
-          <p:nvPr/>
-        </p:nvSpPr>
-        <p:spPr>
-          <a:xfrm>
-            <a:off x="15" y="6334316"/>
-            <a:ext cx="12191985" cy="66484"/>
-          </a:xfrm>
-          <a:prstGeom prst="rect">
-            <a:avLst/>
-          </a:prstGeom>
-          <a:solidFill>
-            <a:schemeClr val="accent1"/>
-          </a:solidFill>
-          <a:ln>
-            <a:noFill/>
-          </a:ln>
-        </p:spPr>
-        <p:style>
-          <a:lnRef idx="2">
-            <a:schemeClr val="accent1">
-              <a:shade val="50000"/>
-            </a:schemeClr>
-          </a:lnRef>
-          <a:fillRef idx="1">
-            <a:schemeClr val="accent1"/>
-          </a:fillRef>
-          <a:effectRef idx="0">
-            <a:schemeClr val="accent1"/>
-          </a:effectRef>
-          <a:fontRef idx="minor">
-            <a:schemeClr val="lt1"/>
-          </a:fontRef>
-        </p:style>
-      </p:sp>
-      <p:sp>
-        <p:nvSpPr>
           <p:cNvPr id="2" name="Title Placeholder 1"/>
           <p:cNvSpPr>
             <a:spLocks noGrp="1"/>
@@ -3271,7 +3277,7 @@
           <a:p>
             <a:fld id="{EBB1B3D4-265D-4665-ADC9-1438520F930D}" type="datetimeFigureOut">
               <a:rPr lang="en-US" smtClean="0"/>
-              <a:t>8/30/2021</a:t>
+              <a:t>9/14/2021</a:t>
             </a:fld>
             <a:endParaRPr lang="en-US"/>
           </a:p>
@@ -3392,23 +3398,23 @@
     </p:spTree>
     <p:extLst>
       <p:ext uri="{BB962C8B-B14F-4D97-AF65-F5344CB8AC3E}">
-        <p14:creationId xmlns:p14="http://schemas.microsoft.com/office/powerpoint/2010/main" val="443405788"/>
+        <p14:creationId xmlns:p14="http://schemas.microsoft.com/office/powerpoint/2010/main" val="768759312"/>
       </p:ext>
     </p:extLst>
   </p:cSld>
-  <p:clrMap bg1="lt1" tx1="dk1" bg2="lt2" tx2="dk2" accent1="accent1" accent2="accent2" accent3="accent3" accent4="accent4" accent5="accent5" accent6="accent6" hlink="hlink" folHlink="folHlink"/>
+  <p:clrMap bg1="dk1" tx1="lt1" bg2="dk2" tx2="lt2" accent1="accent1" accent2="accent2" accent3="accent3" accent4="accent4" accent5="accent5" accent6="accent6" hlink="hlink" folHlink="folHlink"/>
   <p:sldLayoutIdLst>
-    <p:sldLayoutId id="2147483673" r:id="rId1"/>
-    <p:sldLayoutId id="2147483674" r:id="rId2"/>
-    <p:sldLayoutId id="2147483675" r:id="rId3"/>
-    <p:sldLayoutId id="2147483676" r:id="rId4"/>
-    <p:sldLayoutId id="2147483677" r:id="rId5"/>
-    <p:sldLayoutId id="2147483678" r:id="rId6"/>
-    <p:sldLayoutId id="2147483679" r:id="rId7"/>
-    <p:sldLayoutId id="2147483680" r:id="rId8"/>
-    <p:sldLayoutId id="2147483681" r:id="rId9"/>
-    <p:sldLayoutId id="2147483682" r:id="rId10"/>
-    <p:sldLayoutId id="2147483683" r:id="rId11"/>
+    <p:sldLayoutId id="2147483685" r:id="rId1"/>
+    <p:sldLayoutId id="2147483686" r:id="rId2"/>
+    <p:sldLayoutId id="2147483687" r:id="rId3"/>
+    <p:sldLayoutId id="2147483688" r:id="rId4"/>
+    <p:sldLayoutId id="2147483689" r:id="rId5"/>
+    <p:sldLayoutId id="2147483690" r:id="rId6"/>
+    <p:sldLayoutId id="2147483691" r:id="rId7"/>
+    <p:sldLayoutId id="2147483692" r:id="rId8"/>
+    <p:sldLayoutId id="2147483693" r:id="rId9"/>
+    <p:sldLayoutId id="2147483694" r:id="rId10"/>
+    <p:sldLayoutId id="2147483695" r:id="rId11"/>
   </p:sldLayoutIdLst>
   <p:txStyles>
     <p:titleStyle>
@@ -3445,7 +3451,7 @@
           <a:spcPts val="200"/>
         </a:spcAft>
         <a:buClr>
-          <a:schemeClr val="accent1"/>
+          <a:schemeClr val="accent3"/>
         </a:buClr>
         <a:buSzPct val="100000"/>
         <a:buFont typeface="Calibri" panose="020F0502020204030204" pitchFamily="34" charset="0"/>
@@ -3473,7 +3479,7 @@
           <a:spcPts val="400"/>
         </a:spcAft>
         <a:buClr>
-          <a:schemeClr val="accent1"/>
+          <a:schemeClr val="accent3"/>
         </a:buClr>
         <a:buFont typeface="Calibri" pitchFamily="34" charset="0"/>
         <a:buChar char="◦"/>
@@ -3500,7 +3506,7 @@
           <a:spcPts val="400"/>
         </a:spcAft>
         <a:buClr>
-          <a:schemeClr val="accent1"/>
+          <a:schemeClr val="accent3"/>
         </a:buClr>
         <a:buFont typeface="Calibri" pitchFamily="34" charset="0"/>
         <a:buChar char="◦"/>
@@ -3527,7 +3533,7 @@
           <a:spcPts val="400"/>
         </a:spcAft>
         <a:buClr>
-          <a:schemeClr val="accent1"/>
+          <a:schemeClr val="accent3"/>
         </a:buClr>
         <a:buFont typeface="Calibri" pitchFamily="34" charset="0"/>
         <a:buChar char="◦"/>
@@ -3554,7 +3560,7 @@
           <a:spcPts val="400"/>
         </a:spcAft>
         <a:buClr>
-          <a:schemeClr val="accent1"/>
+          <a:schemeClr val="accent3"/>
         </a:buClr>
         <a:buFont typeface="Calibri" pitchFamily="34" charset="0"/>
         <a:buChar char="◦"/>
@@ -3581,7 +3587,7 @@
           <a:spcPts val="400"/>
         </a:spcAft>
         <a:buClr>
-          <a:schemeClr val="accent1"/>
+          <a:schemeClr val="accent3"/>
         </a:buClr>
         <a:buFont typeface="Calibri" pitchFamily="34" charset="0"/>
         <a:buChar char="◦"/>
@@ -3608,7 +3614,7 @@
           <a:spcPts val="400"/>
         </a:spcAft>
         <a:buClr>
-          <a:schemeClr val="accent1"/>
+          <a:schemeClr val="accent3"/>
         </a:buClr>
         <a:buFont typeface="Calibri" pitchFamily="34" charset="0"/>
         <a:buChar char="◦"/>
@@ -3635,7 +3641,7 @@
           <a:spcPts val="400"/>
         </a:spcAft>
         <a:buClr>
-          <a:schemeClr val="accent1"/>
+          <a:schemeClr val="accent3"/>
         </a:buClr>
         <a:buFont typeface="Calibri" pitchFamily="34" charset="0"/>
         <a:buChar char="◦"/>
@@ -3662,7 +3668,7 @@
           <a:spcPts val="400"/>
         </a:spcAft>
         <a:buClr>
-          <a:schemeClr val="accent1"/>
+          <a:schemeClr val="accent3"/>
         </a:buClr>
         <a:buFont typeface="Calibri" pitchFamily="34" charset="0"/>
         <a:buChar char="◦"/>
@@ -3856,7 +3862,10 @@
           </a:bodyPr>
           <a:lstStyle/>
           <a:p>
-            <a:endParaRPr lang="en-US"/>
+            <a:r>
+              <a:rPr lang="en-US" dirty="0"/>
+              <a:t>Identity in your Web API</a:t>
+            </a:r>
           </a:p>
         </p:txBody>
       </p:sp>
@@ -3883,7 +3892,41 @@
           </a:bodyPr>
           <a:lstStyle/>
           <a:p>
-            <a:endParaRPr lang="en-US"/>
+            <a:r>
+              <a:rPr lang="en-US" b="0" i="0" dirty="0">
+                <a:solidFill>
+                  <a:schemeClr val="tx1"/>
+                </a:solidFill>
+                <a:effectLst/>
+                <a:latin typeface="Roboto" panose="02000000000000000000" pitchFamily="2" charset="0"/>
+              </a:rPr>
+              <a:t>Learn to Produce Effective</a:t>
+            </a:r>
+            <a:br>
+              <a:rPr lang="en-US" dirty="0">
+                <a:solidFill>
+                  <a:schemeClr val="tx1"/>
+                </a:solidFill>
+              </a:rPr>
+            </a:br>
+            <a:r>
+              <a:rPr lang="en-US" b="0" i="0" dirty="0">
+                <a:solidFill>
+                  <a:schemeClr val="tx1"/>
+                </a:solidFill>
+                <a:effectLst/>
+                <a:latin typeface="Roboto" panose="02000000000000000000" pitchFamily="2" charset="0"/>
+              </a:rPr>
+              <a:t>Web APIs with ASP.NET 5</a:t>
+            </a:r>
+            <a:endParaRPr lang="en-US" dirty="0">
+              <a:solidFill>
+                <a:schemeClr val="tx1"/>
+              </a:solidFill>
+            </a:endParaRPr>
+          </a:p>
+          <a:p>
+            <a:endParaRPr lang="en-US" dirty="0"/>
           </a:p>
         </p:txBody>
       </p:sp>
@@ -3911,34 +3954,34 @@
         <a:sysClr val="window" lastClr="FFFFFF"/>
       </a:lt1>
       <a:dk2>
-        <a:srgbClr val="455F51"/>
+        <a:srgbClr val="564B3C"/>
       </a:dk2>
       <a:lt2>
-        <a:srgbClr val="E2DFCC"/>
+        <a:srgbClr val="ECEDD1"/>
       </a:lt2>
       <a:accent1>
-        <a:srgbClr val="99CB38"/>
+        <a:srgbClr val="93A299"/>
       </a:accent1>
       <a:accent2>
-        <a:srgbClr val="63A537"/>
+        <a:srgbClr val="CF543F"/>
       </a:accent2>
       <a:accent3>
-        <a:srgbClr val="37A76F"/>
+        <a:srgbClr val="B5AE53"/>
       </a:accent3>
       <a:accent4>
-        <a:srgbClr val="44C1A3"/>
+        <a:srgbClr val="848058"/>
       </a:accent4>
       <a:accent5>
-        <a:srgbClr val="4EB3CF"/>
+        <a:srgbClr val="E8B54D"/>
       </a:accent5>
       <a:accent6>
-        <a:srgbClr val="51C3F9"/>
+        <a:srgbClr val="786C71"/>
       </a:accent6>
       <a:hlink>
-        <a:srgbClr val="6B9F25"/>
+        <a:srgbClr val="CCCC00"/>
       </a:hlink>
       <a:folHlink>
-        <a:srgbClr val="B26B02"/>
+        <a:srgbClr val="B2B2B2"/>
       </a:folHlink>
     </a:clrScheme>
     <a:fontScheme name="Retrospect">
@@ -4177,7 +4220,7 @@
   <a:extraClrSchemeLst/>
   <a:extLst>
     <a:ext uri="{05A4C25C-085E-4340-85A3-A5531E510DB2}">
-      <thm15:themeFamily xmlns:thm15="http://schemas.microsoft.com/office/thememl/2012/main" name="Retrospect" id="{5F128B03-DCCA-4EEB-AB3B-CF2899314A46}" vid="{D26EA377-59BD-4C9C-9D94-EE8416EE4C79}"/>
+      <thm15:themeFamily xmlns:thm15="http://schemas.microsoft.com/office/thememl/2012/main" name="Retrospect" id="{5F128B03-DCCA-4EEB-AB3B-CF2899314A46}" vid="{E3DA18C2-75F1-4980-A5F0-165F6F71DE6D}"/>
     </a:ext>
   </a:extLst>
 </a:theme>

--- a/module-1/01-09 Identity in your Web API/01-09 Identity in your Web API.pptx
+++ b/module-1/01-09 Identity in your Web API/01-09 Identity in your Web API.pptx
@@ -6,6 +6,7 @@
   </p:sldMasterIdLst>
   <p:sldIdLst>
     <p:sldId id="256" r:id="rId2"/>
+    <p:sldId id="257" r:id="rId3"/>
   </p:sldIdLst>
   <p:sldSz cx="12192000" cy="6858000"/>
   <p:notesSz cx="6858000" cy="9144000"/>
@@ -340,7 +341,7 @@
           <a:p>
             <a:fld id="{EBB1B3D4-265D-4665-ADC9-1438520F930D}" type="datetimeFigureOut">
               <a:rPr lang="en-US" smtClean="0"/>
-              <a:t>9/14/2021</a:t>
+              <a:t>9/15/2021</a:t>
             </a:fld>
             <a:endParaRPr lang="en-US"/>
           </a:p>
@@ -548,7 +549,7 @@
           <a:p>
             <a:fld id="{EBB1B3D4-265D-4665-ADC9-1438520F930D}" type="datetimeFigureOut">
               <a:rPr lang="en-US" smtClean="0"/>
-              <a:t>9/14/2021</a:t>
+              <a:t>9/15/2021</a:t>
             </a:fld>
             <a:endParaRPr lang="en-US"/>
           </a:p>
@@ -806,7 +807,7 @@
           <a:p>
             <a:fld id="{EBB1B3D4-265D-4665-ADC9-1438520F930D}" type="datetimeFigureOut">
               <a:rPr lang="en-US" smtClean="0"/>
-              <a:t>9/14/2021</a:t>
+              <a:t>9/15/2021</a:t>
             </a:fld>
             <a:endParaRPr lang="en-US"/>
           </a:p>
@@ -976,7 +977,7 @@
           <a:p>
             <a:fld id="{EBB1B3D4-265D-4665-ADC9-1438520F930D}" type="datetimeFigureOut">
               <a:rPr lang="en-US" smtClean="0"/>
-              <a:t>9/14/2021</a:t>
+              <a:t>9/15/2021</a:t>
             </a:fld>
             <a:endParaRPr lang="en-US"/>
           </a:p>
@@ -1313,7 +1314,7 @@
           <a:p>
             <a:fld id="{EBB1B3D4-265D-4665-ADC9-1438520F930D}" type="datetimeFigureOut">
               <a:rPr lang="en-US" smtClean="0"/>
-              <a:t>9/14/2021</a:t>
+              <a:t>9/15/2021</a:t>
             </a:fld>
             <a:endParaRPr lang="en-US"/>
           </a:p>
@@ -1588,7 +1589,7 @@
           <a:p>
             <a:fld id="{EBB1B3D4-265D-4665-ADC9-1438520F930D}" type="datetimeFigureOut">
               <a:rPr lang="en-US" smtClean="0"/>
-              <a:t>9/14/2021</a:t>
+              <a:t>9/15/2021</a:t>
             </a:fld>
             <a:endParaRPr lang="en-US"/>
           </a:p>
@@ -1971,7 +1972,7 @@
           <a:p>
             <a:fld id="{EBB1B3D4-265D-4665-ADC9-1438520F930D}" type="datetimeFigureOut">
               <a:rPr lang="en-US" smtClean="0"/>
-              <a:t>9/14/2021</a:t>
+              <a:t>9/15/2021</a:t>
             </a:fld>
             <a:endParaRPr lang="en-US"/>
           </a:p>
@@ -2089,7 +2090,7 @@
           <a:p>
             <a:fld id="{EBB1B3D4-265D-4665-ADC9-1438520F930D}" type="datetimeFigureOut">
               <a:rPr lang="en-US" smtClean="0"/>
-              <a:t>9/14/2021</a:t>
+              <a:t>9/15/2021</a:t>
             </a:fld>
             <a:endParaRPr lang="en-US"/>
           </a:p>
@@ -2262,7 +2263,7 @@
           <a:p>
             <a:fld id="{EBB1B3D4-265D-4665-ADC9-1438520F930D}" type="datetimeFigureOut">
               <a:rPr lang="en-US" smtClean="0"/>
-              <a:t>9/14/2021</a:t>
+              <a:t>9/15/2021</a:t>
             </a:fld>
             <a:endParaRPr lang="en-US"/>
           </a:p>
@@ -2618,7 +2619,7 @@
           <a:p>
             <a:fld id="{EBB1B3D4-265D-4665-ADC9-1438520F930D}" type="datetimeFigureOut">
               <a:rPr lang="en-US" smtClean="0"/>
-              <a:t>9/14/2021</a:t>
+              <a:t>9/15/2021</a:t>
             </a:fld>
             <a:endParaRPr lang="en-US"/>
           </a:p>
@@ -2966,7 +2967,7 @@
           <a:p>
             <a:fld id="{EBB1B3D4-265D-4665-ADC9-1438520F930D}" type="datetimeFigureOut">
               <a:rPr lang="en-US" smtClean="0"/>
-              <a:t>9/14/2021</a:t>
+              <a:t>9/15/2021</a:t>
             </a:fld>
             <a:endParaRPr lang="en-US"/>
           </a:p>
@@ -3277,7 +3278,7 @@
           <a:p>
             <a:fld id="{EBB1B3D4-265D-4665-ADC9-1438520F930D}" type="datetimeFigureOut">
               <a:rPr lang="en-US" smtClean="0"/>
-              <a:t>9/14/2021</a:t>
+              <a:t>9/15/2021</a:t>
             </a:fld>
             <a:endParaRPr lang="en-US"/>
           </a:p>
@@ -3943,6 +3944,330 @@
 </p:sld>
 </file>
 
+<file path=ppt/slides/slide2.xml><?xml version="1.0" encoding="utf-8"?>
+<p:sld xmlns:a="http://schemas.openxmlformats.org/drawingml/2006/main" xmlns:r="http://schemas.openxmlformats.org/officeDocument/2006/relationships" xmlns:p="http://schemas.openxmlformats.org/presentationml/2006/main">
+  <p:cSld>
+    <p:bg>
+      <p:bgPr>
+        <a:solidFill>
+          <a:schemeClr val="bg1">
+            <a:lumMod val="75000"/>
+            <a:lumOff val="25000"/>
+          </a:schemeClr>
+        </a:solidFill>
+        <a:effectLst/>
+      </p:bgPr>
+    </p:bg>
+    <p:spTree>
+      <p:nvGrpSpPr>
+        <p:cNvPr id="1" name=""/>
+        <p:cNvGrpSpPr/>
+        <p:nvPr/>
+      </p:nvGrpSpPr>
+      <p:grpSpPr>
+        <a:xfrm>
+          <a:off x="0" y="0"/>
+          <a:ext cx="0" cy="0"/>
+          <a:chOff x="0" y="0"/>
+          <a:chExt cx="0" cy="0"/>
+        </a:xfrm>
+      </p:grpSpPr>
+      <p:sp useBgFill="1">
+        <p:nvSpPr>
+          <p:cNvPr id="71" name="Rectangle 70">
+            <a:extLst>
+              <a:ext uri="{FF2B5EF4-FFF2-40B4-BE49-F238E27FC236}">
+                <a16:creationId xmlns:a16="http://schemas.microsoft.com/office/drawing/2014/main" id="{E7DC2CE1-D34F-4F85-BAE5-2F53DC3CD2A9}"/>
+              </a:ext>
+              <a:ext uri="{C183D7F6-B498-43B3-948B-1728B52AA6E4}">
+                <adec:decorative xmlns:adec="http://schemas.microsoft.com/office/drawing/2017/decorative" val="1"/>
+              </a:ext>
+            </a:extLst>
+          </p:cNvPr>
+          <p:cNvSpPr>
+            <a:spLocks noGrp="1" noRot="1" noChangeAspect="1" noMove="1" noResize="1" noEditPoints="1" noAdjustHandles="1" noChangeArrowheads="1" noChangeShapeType="1" noTextEdit="1"/>
+          </p:cNvSpPr>
+          <p:nvPr>
+            <p:extLst>
+              <p:ext uri="{386F3935-93C4-4BCD-93E2-E3B085C9AB24}">
+                <p16:designElem xmlns:p16="http://schemas.microsoft.com/office/powerpoint/2015/main" val="1"/>
+              </p:ext>
+            </p:extLst>
+          </p:nvPr>
+        </p:nvSpPr>
+        <p:spPr>
+          <a:xfrm>
+            <a:off x="0" y="0"/>
+            <a:ext cx="12186315" cy="6858000"/>
+          </a:xfrm>
+          <a:prstGeom prst="rect">
+            <a:avLst/>
+          </a:prstGeom>
+          <a:ln>
+            <a:noFill/>
+          </a:ln>
+        </p:spPr>
+        <p:style>
+          <a:lnRef idx="2">
+            <a:schemeClr val="accent6">
+              <a:shade val="50000"/>
+            </a:schemeClr>
+          </a:lnRef>
+          <a:fillRef idx="1001">
+            <a:schemeClr val="lt1"/>
+          </a:fillRef>
+          <a:effectRef idx="0">
+            <a:schemeClr val="accent6"/>
+          </a:effectRef>
+          <a:fontRef idx="minor">
+            <a:schemeClr val="lt1"/>
+          </a:fontRef>
+        </p:style>
+        <p:txBody>
+          <a:bodyPr rtlCol="0" anchor="ctr"/>
+          <a:lstStyle/>
+          <a:p>
+            <a:pPr algn="ctr"/>
+            <a:endParaRPr lang="en-US"/>
+          </a:p>
+        </p:txBody>
+      </p:sp>
+      <p:sp>
+        <p:nvSpPr>
+          <p:cNvPr id="73" name="Rectangle 72">
+            <a:extLst>
+              <a:ext uri="{FF2B5EF4-FFF2-40B4-BE49-F238E27FC236}">
+                <a16:creationId xmlns:a16="http://schemas.microsoft.com/office/drawing/2014/main" id="{F2569884-A250-4E9E-88E7-C85486D443CC}"/>
+              </a:ext>
+              <a:ext uri="{C183D7F6-B498-43B3-948B-1728B52AA6E4}">
+                <adec:decorative xmlns:adec="http://schemas.microsoft.com/office/drawing/2017/decorative" val="1"/>
+              </a:ext>
+            </a:extLst>
+          </p:cNvPr>
+          <p:cNvSpPr>
+            <a:spLocks noGrp="1" noRot="1" noChangeAspect="1" noMove="1" noResize="1" noEditPoints="1" noAdjustHandles="1" noChangeArrowheads="1" noChangeShapeType="1" noTextEdit="1"/>
+          </p:cNvSpPr>
+          <p:nvPr>
+            <p:extLst>
+              <p:ext uri="{386F3935-93C4-4BCD-93E2-E3B085C9AB24}">
+                <p16:designElem xmlns:p16="http://schemas.microsoft.com/office/powerpoint/2015/main" val="1"/>
+              </p:ext>
+            </p:extLst>
+          </p:nvPr>
+        </p:nvSpPr>
+        <p:spPr>
+          <a:xfrm>
+            <a:off x="16" y="0"/>
+            <a:ext cx="4050791" cy="6858000"/>
+          </a:xfrm>
+          <a:prstGeom prst="rect">
+            <a:avLst/>
+          </a:prstGeom>
+          <a:solidFill>
+            <a:schemeClr val="accent1">
+              <a:lumMod val="75000"/>
+            </a:schemeClr>
+          </a:solidFill>
+          <a:ln>
+            <a:noFill/>
+          </a:ln>
+        </p:spPr>
+        <p:style>
+          <a:lnRef idx="2">
+            <a:schemeClr val="accent1">
+              <a:shade val="50000"/>
+            </a:schemeClr>
+          </a:lnRef>
+          <a:fillRef idx="1">
+            <a:schemeClr val="accent1"/>
+          </a:fillRef>
+          <a:effectRef idx="0">
+            <a:schemeClr val="accent1"/>
+          </a:effectRef>
+          <a:fontRef idx="minor">
+            <a:schemeClr val="lt1"/>
+          </a:fontRef>
+        </p:style>
+      </p:sp>
+      <p:sp>
+        <p:nvSpPr>
+          <p:cNvPr id="2" name="Title 1">
+            <a:extLst>
+              <a:ext uri="{FF2B5EF4-FFF2-40B4-BE49-F238E27FC236}">
+                <a16:creationId xmlns:a16="http://schemas.microsoft.com/office/drawing/2014/main" id="{6605EE70-F30D-4DEE-BAF6-E326D17E8367}"/>
+              </a:ext>
+            </a:extLst>
+          </p:cNvPr>
+          <p:cNvSpPr>
+            <a:spLocks noGrp="1"/>
+          </p:cNvSpPr>
+          <p:nvPr>
+            <p:ph type="title"/>
+          </p:nvPr>
+        </p:nvSpPr>
+        <p:spPr>
+          <a:xfrm>
+            <a:off x="492370" y="516835"/>
+            <a:ext cx="3084844" cy="2103875"/>
+          </a:xfrm>
+        </p:spPr>
+        <p:txBody>
+          <a:bodyPr>
+            <a:normAutofit/>
+          </a:bodyPr>
+          <a:lstStyle/>
+          <a:p>
+            <a:r>
+              <a:rPr lang="en-US" sz="3600">
+                <a:solidFill>
+                  <a:srgbClr val="FFFFFF"/>
+                </a:solidFill>
+              </a:rPr>
+              <a:t>What is happening?</a:t>
+            </a:r>
+          </a:p>
+        </p:txBody>
+      </p:sp>
+      <p:sp>
+        <p:nvSpPr>
+          <p:cNvPr id="3" name="Content Placeholder 2">
+            <a:extLst>
+              <a:ext uri="{FF2B5EF4-FFF2-40B4-BE49-F238E27FC236}">
+                <a16:creationId xmlns:a16="http://schemas.microsoft.com/office/drawing/2014/main" id="{BBB66C74-B3CD-48F9-B8F2-C605E1883ECE}"/>
+              </a:ext>
+            </a:extLst>
+          </p:cNvPr>
+          <p:cNvSpPr>
+            <a:spLocks noGrp="1"/>
+          </p:cNvSpPr>
+          <p:nvPr>
+            <p:ph idx="1"/>
+          </p:nvPr>
+        </p:nvSpPr>
+        <p:spPr>
+          <a:xfrm>
+            <a:off x="492371" y="2653800"/>
+            <a:ext cx="3084844" cy="3335519"/>
+          </a:xfrm>
+        </p:spPr>
+        <p:txBody>
+          <a:bodyPr>
+            <a:normAutofit/>
+          </a:bodyPr>
+          <a:lstStyle/>
+          <a:p>
+            <a:endParaRPr lang="en-US" sz="1500">
+              <a:solidFill>
+                <a:srgbClr val="FFFFFF"/>
+              </a:solidFill>
+            </a:endParaRPr>
+          </a:p>
+        </p:txBody>
+      </p:sp>
+      <p:sp>
+        <p:nvSpPr>
+          <p:cNvPr id="75" name="Rectangle 74">
+            <a:extLst>
+              <a:ext uri="{FF2B5EF4-FFF2-40B4-BE49-F238E27FC236}">
+                <a16:creationId xmlns:a16="http://schemas.microsoft.com/office/drawing/2014/main" id="{0D50E585-5213-4D3B-9844-D6CF30DFFE04}"/>
+              </a:ext>
+              <a:ext uri="{C183D7F6-B498-43B3-948B-1728B52AA6E4}">
+                <adec:decorative xmlns:adec="http://schemas.microsoft.com/office/drawing/2017/decorative" val="1"/>
+              </a:ext>
+            </a:extLst>
+          </p:cNvPr>
+          <p:cNvSpPr>
+            <a:spLocks noGrp="1" noRot="1" noChangeAspect="1" noMove="1" noResize="1" noEditPoints="1" noAdjustHandles="1" noChangeArrowheads="1" noChangeShapeType="1" noTextEdit="1"/>
+          </p:cNvSpPr>
+          <p:nvPr>
+            <p:extLst>
+              <p:ext uri="{386F3935-93C4-4BCD-93E2-E3B085C9AB24}">
+                <p16:designElem xmlns:p16="http://schemas.microsoft.com/office/powerpoint/2015/main" val="1"/>
+              </p:ext>
+            </p:extLst>
+          </p:nvPr>
+        </p:nvSpPr>
+        <p:spPr>
+          <a:xfrm>
+            <a:off x="4040071" y="0"/>
+            <a:ext cx="64008" cy="6858000"/>
+          </a:xfrm>
+          <a:prstGeom prst="rect">
+            <a:avLst/>
+          </a:prstGeom>
+          <a:solidFill>
+            <a:schemeClr val="accent1"/>
+          </a:solidFill>
+          <a:ln>
+            <a:noFill/>
+          </a:ln>
+        </p:spPr>
+        <p:style>
+          <a:lnRef idx="2">
+            <a:schemeClr val="accent1">
+              <a:shade val="50000"/>
+            </a:schemeClr>
+          </a:lnRef>
+          <a:fillRef idx="1">
+            <a:schemeClr val="accent1"/>
+          </a:fillRef>
+          <a:effectRef idx="0">
+            <a:schemeClr val="accent1"/>
+          </a:effectRef>
+          <a:fontRef idx="minor">
+            <a:schemeClr val="lt1"/>
+          </a:fontRef>
+        </p:style>
+      </p:sp>
+      <p:pic>
+        <p:nvPicPr>
+          <p:cNvPr id="1026" name="Picture 2" descr="Diagram&#10;&#10;Description automatically generated">
+            <a:extLst>
+              <a:ext uri="{FF2B5EF4-FFF2-40B4-BE49-F238E27FC236}">
+                <a16:creationId xmlns:a16="http://schemas.microsoft.com/office/drawing/2014/main" id="{D29F99B3-F84F-4066-8082-A8567EA83AA3}"/>
+              </a:ext>
+            </a:extLst>
+          </p:cNvPr>
+          <p:cNvPicPr>
+            <a:picLocks noChangeAspect="1" noChangeArrowheads="1"/>
+          </p:cNvPicPr>
+          <p:nvPr/>
+        </p:nvPicPr>
+        <p:blipFill rotWithShape="1">
+          <a:blip r:embed="rId2">
+            <a:extLst>
+              <a:ext uri="{28A0092B-C50C-407E-A947-70E740481C1C}">
+                <a14:useLocalDpi xmlns:a14="http://schemas.microsoft.com/office/drawing/2010/main" val="0"/>
+              </a:ext>
+            </a:extLst>
+          </a:blip>
+          <a:srcRect r="8594" b="1"/>
+          <a:stretch/>
+        </p:blipFill>
+        <p:spPr bwMode="auto">
+          <a:xfrm>
+            <a:off x="4219290" y="204144"/>
+            <a:ext cx="7827397" cy="6422395"/>
+          </a:xfrm>
+          <a:prstGeom prst="rect">
+            <a:avLst/>
+          </a:prstGeom>
+          <a:noFill/>
+        </p:spPr>
+      </p:pic>
+    </p:spTree>
+    <p:extLst>
+      <p:ext uri="{BB962C8B-B14F-4D97-AF65-F5344CB8AC3E}">
+        <p14:creationId xmlns:p14="http://schemas.microsoft.com/office/powerpoint/2010/main" val="1568774553"/>
+      </p:ext>
+    </p:extLst>
+  </p:cSld>
+  <p:clrMapOvr>
+    <a:masterClrMapping/>
+  </p:clrMapOvr>
+</p:sld>
+</file>
+
 <file path=ppt/theme/theme1.xml><?xml version="1.0" encoding="utf-8"?>
 <a:theme xmlns:a="http://schemas.openxmlformats.org/drawingml/2006/main" name="Retrospect">
   <a:themeElements>

--- a/module-1/01-09 Identity in your Web API/01-09 Identity in your Web API.pptx
+++ b/module-1/01-09 Identity in your Web API/01-09 Identity in your Web API.pptx
@@ -3,10 +3,15 @@
 <p:presentation xmlns:a="http://schemas.openxmlformats.org/drawingml/2006/main" xmlns:r="http://schemas.openxmlformats.org/officeDocument/2006/relationships" xmlns:p="http://schemas.openxmlformats.org/presentationml/2006/main" saveSubsetFonts="1">
   <p:sldMasterIdLst>
     <p:sldMasterId id="2147483684" r:id="rId1"/>
+    <p:sldMasterId id="2147483696" r:id="rId2"/>
   </p:sldMasterIdLst>
+  <p:notesMasterIdLst>
+    <p:notesMasterId r:id="rId6"/>
+  </p:notesMasterIdLst>
   <p:sldIdLst>
-    <p:sldId id="256" r:id="rId2"/>
-    <p:sldId id="257" r:id="rId3"/>
+    <p:sldId id="261" r:id="rId3"/>
+    <p:sldId id="256" r:id="rId4"/>
+    <p:sldId id="257" r:id="rId5"/>
   </p:sldIdLst>
   <p:sldSz cx="12192000" cy="6858000"/>
   <p:notesSz cx="6858000" cy="9144000"/>
@@ -113,6 +118,507 @@
 </p:presentation>
 </file>
 
+<file path=ppt/notesMasters/notesMaster1.xml><?xml version="1.0" encoding="utf-8"?>
+<p:notesMaster xmlns:a="http://schemas.openxmlformats.org/drawingml/2006/main" xmlns:r="http://schemas.openxmlformats.org/officeDocument/2006/relationships" xmlns:p="http://schemas.openxmlformats.org/presentationml/2006/main">
+  <p:cSld>
+    <p:bg>
+      <p:bgRef idx="1001">
+        <a:schemeClr val="bg1"/>
+      </p:bgRef>
+    </p:bg>
+    <p:spTree>
+      <p:nvGrpSpPr>
+        <p:cNvPr id="1" name=""/>
+        <p:cNvGrpSpPr/>
+        <p:nvPr/>
+      </p:nvGrpSpPr>
+      <p:grpSpPr>
+        <a:xfrm>
+          <a:off x="0" y="0"/>
+          <a:ext cx="0" cy="0"/>
+          <a:chOff x="0" y="0"/>
+          <a:chExt cx="0" cy="0"/>
+        </a:xfrm>
+      </p:grpSpPr>
+      <p:sp>
+        <p:nvSpPr>
+          <p:cNvPr id="2" name="Header Placeholder 1"/>
+          <p:cNvSpPr>
+            <a:spLocks noGrp="1"/>
+          </p:cNvSpPr>
+          <p:nvPr>
+            <p:ph type="hdr" sz="quarter"/>
+          </p:nvPr>
+        </p:nvSpPr>
+        <p:spPr>
+          <a:xfrm>
+            <a:off x="0" y="0"/>
+            <a:ext cx="2971800" cy="458788"/>
+          </a:xfrm>
+          <a:prstGeom prst="rect">
+            <a:avLst/>
+          </a:prstGeom>
+        </p:spPr>
+        <p:txBody>
+          <a:bodyPr vert="horz" lIns="91440" tIns="45720" rIns="91440" bIns="45720" rtlCol="0"/>
+          <a:lstStyle>
+            <a:lvl1pPr algn="l">
+              <a:defRPr sz="1200"/>
+            </a:lvl1pPr>
+          </a:lstStyle>
+          <a:p>
+            <a:endParaRPr lang="en-US"/>
+          </a:p>
+        </p:txBody>
+      </p:sp>
+      <p:sp>
+        <p:nvSpPr>
+          <p:cNvPr id="3" name="Date Placeholder 2"/>
+          <p:cNvSpPr>
+            <a:spLocks noGrp="1"/>
+          </p:cNvSpPr>
+          <p:nvPr>
+            <p:ph type="dt" idx="1"/>
+          </p:nvPr>
+        </p:nvSpPr>
+        <p:spPr>
+          <a:xfrm>
+            <a:off x="3884613" y="0"/>
+            <a:ext cx="2971800" cy="458788"/>
+          </a:xfrm>
+          <a:prstGeom prst="rect">
+            <a:avLst/>
+          </a:prstGeom>
+        </p:spPr>
+        <p:txBody>
+          <a:bodyPr vert="horz" lIns="91440" tIns="45720" rIns="91440" bIns="45720" rtlCol="0"/>
+          <a:lstStyle>
+            <a:lvl1pPr algn="r">
+              <a:defRPr sz="1200"/>
+            </a:lvl1pPr>
+          </a:lstStyle>
+          <a:p>
+            <a:fld id="{4D7C8D95-C581-49F4-AE96-C88D2E3102AD}" type="datetimeFigureOut">
+              <a:rPr lang="en-US" smtClean="0"/>
+              <a:t>9/22/2021</a:t>
+            </a:fld>
+            <a:endParaRPr lang="en-US"/>
+          </a:p>
+        </p:txBody>
+      </p:sp>
+      <p:sp>
+        <p:nvSpPr>
+          <p:cNvPr id="4" name="Slide Image Placeholder 3"/>
+          <p:cNvSpPr>
+            <a:spLocks noGrp="1" noRot="1" noChangeAspect="1"/>
+          </p:cNvSpPr>
+          <p:nvPr>
+            <p:ph type="sldImg" idx="2"/>
+          </p:nvPr>
+        </p:nvSpPr>
+        <p:spPr>
+          <a:xfrm>
+            <a:off x="685800" y="1143000"/>
+            <a:ext cx="5486400" cy="3086100"/>
+          </a:xfrm>
+          <a:prstGeom prst="rect">
+            <a:avLst/>
+          </a:prstGeom>
+          <a:noFill/>
+          <a:ln w="12700">
+            <a:solidFill>
+              <a:prstClr val="black"/>
+            </a:solidFill>
+          </a:ln>
+        </p:spPr>
+        <p:txBody>
+          <a:bodyPr vert="horz" lIns="91440" tIns="45720" rIns="91440" bIns="45720" rtlCol="0" anchor="ctr"/>
+          <a:lstStyle/>
+          <a:p>
+            <a:endParaRPr lang="en-US"/>
+          </a:p>
+        </p:txBody>
+      </p:sp>
+      <p:sp>
+        <p:nvSpPr>
+          <p:cNvPr id="5" name="Notes Placeholder 4"/>
+          <p:cNvSpPr>
+            <a:spLocks noGrp="1"/>
+          </p:cNvSpPr>
+          <p:nvPr>
+            <p:ph type="body" sz="quarter" idx="3"/>
+          </p:nvPr>
+        </p:nvSpPr>
+        <p:spPr>
+          <a:xfrm>
+            <a:off x="685800" y="4400550"/>
+            <a:ext cx="5486400" cy="3600450"/>
+          </a:xfrm>
+          <a:prstGeom prst="rect">
+            <a:avLst/>
+          </a:prstGeom>
+        </p:spPr>
+        <p:txBody>
+          <a:bodyPr vert="horz" lIns="91440" tIns="45720" rIns="91440" bIns="45720" rtlCol="0"/>
+          <a:lstStyle/>
+          <a:p>
+            <a:pPr lvl="0"/>
+            <a:r>
+              <a:rPr lang="en-US"/>
+              <a:t>Click to edit Master text styles</a:t>
+            </a:r>
+          </a:p>
+          <a:p>
+            <a:pPr lvl="1"/>
+            <a:r>
+              <a:rPr lang="en-US"/>
+              <a:t>Second level</a:t>
+            </a:r>
+          </a:p>
+          <a:p>
+            <a:pPr lvl="2"/>
+            <a:r>
+              <a:rPr lang="en-US"/>
+              <a:t>Third level</a:t>
+            </a:r>
+          </a:p>
+          <a:p>
+            <a:pPr lvl="3"/>
+            <a:r>
+              <a:rPr lang="en-US"/>
+              <a:t>Fourth level</a:t>
+            </a:r>
+          </a:p>
+          <a:p>
+            <a:pPr lvl="4"/>
+            <a:r>
+              <a:rPr lang="en-US"/>
+              <a:t>Fifth level</a:t>
+            </a:r>
+          </a:p>
+        </p:txBody>
+      </p:sp>
+      <p:sp>
+        <p:nvSpPr>
+          <p:cNvPr id="6" name="Footer Placeholder 5"/>
+          <p:cNvSpPr>
+            <a:spLocks noGrp="1"/>
+          </p:cNvSpPr>
+          <p:nvPr>
+            <p:ph type="ftr" sz="quarter" idx="4"/>
+          </p:nvPr>
+        </p:nvSpPr>
+        <p:spPr>
+          <a:xfrm>
+            <a:off x="0" y="8685213"/>
+            <a:ext cx="2971800" cy="458787"/>
+          </a:xfrm>
+          <a:prstGeom prst="rect">
+            <a:avLst/>
+          </a:prstGeom>
+        </p:spPr>
+        <p:txBody>
+          <a:bodyPr vert="horz" lIns="91440" tIns="45720" rIns="91440" bIns="45720" rtlCol="0" anchor="b"/>
+          <a:lstStyle>
+            <a:lvl1pPr algn="l">
+              <a:defRPr sz="1200"/>
+            </a:lvl1pPr>
+          </a:lstStyle>
+          <a:p>
+            <a:endParaRPr lang="en-US"/>
+          </a:p>
+        </p:txBody>
+      </p:sp>
+      <p:sp>
+        <p:nvSpPr>
+          <p:cNvPr id="7" name="Slide Number Placeholder 6"/>
+          <p:cNvSpPr>
+            <a:spLocks noGrp="1"/>
+          </p:cNvSpPr>
+          <p:nvPr>
+            <p:ph type="sldNum" sz="quarter" idx="5"/>
+          </p:nvPr>
+        </p:nvSpPr>
+        <p:spPr>
+          <a:xfrm>
+            <a:off x="3884613" y="8685213"/>
+            <a:ext cx="2971800" cy="458787"/>
+          </a:xfrm>
+          <a:prstGeom prst="rect">
+            <a:avLst/>
+          </a:prstGeom>
+        </p:spPr>
+        <p:txBody>
+          <a:bodyPr vert="horz" lIns="91440" tIns="45720" rIns="91440" bIns="45720" rtlCol="0" anchor="b"/>
+          <a:lstStyle>
+            <a:lvl1pPr algn="r">
+              <a:defRPr sz="1200"/>
+            </a:lvl1pPr>
+          </a:lstStyle>
+          <a:p>
+            <a:fld id="{94B3D77F-4D6E-4430-B776-F6B4CEEE35CA}" type="slidenum">
+              <a:rPr lang="en-US" smtClean="0"/>
+              <a:t>‹#›</a:t>
+            </a:fld>
+            <a:endParaRPr lang="en-US"/>
+          </a:p>
+        </p:txBody>
+      </p:sp>
+    </p:spTree>
+    <p:extLst>
+      <p:ext uri="{BB962C8B-B14F-4D97-AF65-F5344CB8AC3E}">
+        <p14:creationId xmlns:p14="http://schemas.microsoft.com/office/powerpoint/2010/main" val="1801797401"/>
+      </p:ext>
+    </p:extLst>
+  </p:cSld>
+  <p:clrMap bg1="lt1" tx1="dk1" bg2="lt2" tx2="dk2" accent1="accent1" accent2="accent2" accent3="accent3" accent4="accent4" accent5="accent5" accent6="accent6" hlink="hlink" folHlink="folHlink"/>
+  <p:notesStyle>
+    <a:lvl1pPr marL="0" algn="l" defTabSz="914400" rtl="0" eaLnBrk="1" latinLnBrk="0" hangingPunct="1">
+      <a:defRPr sz="1200" kern="1200">
+        <a:solidFill>
+          <a:schemeClr val="tx1"/>
+        </a:solidFill>
+        <a:latin typeface="+mn-lt"/>
+        <a:ea typeface="+mn-ea"/>
+        <a:cs typeface="+mn-cs"/>
+      </a:defRPr>
+    </a:lvl1pPr>
+    <a:lvl2pPr marL="457200" algn="l" defTabSz="914400" rtl="0" eaLnBrk="1" latinLnBrk="0" hangingPunct="1">
+      <a:defRPr sz="1200" kern="1200">
+        <a:solidFill>
+          <a:schemeClr val="tx1"/>
+        </a:solidFill>
+        <a:latin typeface="+mn-lt"/>
+        <a:ea typeface="+mn-ea"/>
+        <a:cs typeface="+mn-cs"/>
+      </a:defRPr>
+    </a:lvl2pPr>
+    <a:lvl3pPr marL="914400" algn="l" defTabSz="914400" rtl="0" eaLnBrk="1" latinLnBrk="0" hangingPunct="1">
+      <a:defRPr sz="1200" kern="1200">
+        <a:solidFill>
+          <a:schemeClr val="tx1"/>
+        </a:solidFill>
+        <a:latin typeface="+mn-lt"/>
+        <a:ea typeface="+mn-ea"/>
+        <a:cs typeface="+mn-cs"/>
+      </a:defRPr>
+    </a:lvl3pPr>
+    <a:lvl4pPr marL="1371600" algn="l" defTabSz="914400" rtl="0" eaLnBrk="1" latinLnBrk="0" hangingPunct="1">
+      <a:defRPr sz="1200" kern="1200">
+        <a:solidFill>
+          <a:schemeClr val="tx1"/>
+        </a:solidFill>
+        <a:latin typeface="+mn-lt"/>
+        <a:ea typeface="+mn-ea"/>
+        <a:cs typeface="+mn-cs"/>
+      </a:defRPr>
+    </a:lvl4pPr>
+    <a:lvl5pPr marL="1828800" algn="l" defTabSz="914400" rtl="0" eaLnBrk="1" latinLnBrk="0" hangingPunct="1">
+      <a:defRPr sz="1200" kern="1200">
+        <a:solidFill>
+          <a:schemeClr val="tx1"/>
+        </a:solidFill>
+        <a:latin typeface="+mn-lt"/>
+        <a:ea typeface="+mn-ea"/>
+        <a:cs typeface="+mn-cs"/>
+      </a:defRPr>
+    </a:lvl5pPr>
+    <a:lvl6pPr marL="2286000" algn="l" defTabSz="914400" rtl="0" eaLnBrk="1" latinLnBrk="0" hangingPunct="1">
+      <a:defRPr sz="1200" kern="1200">
+        <a:solidFill>
+          <a:schemeClr val="tx1"/>
+        </a:solidFill>
+        <a:latin typeface="+mn-lt"/>
+        <a:ea typeface="+mn-ea"/>
+        <a:cs typeface="+mn-cs"/>
+      </a:defRPr>
+    </a:lvl6pPr>
+    <a:lvl7pPr marL="2743200" algn="l" defTabSz="914400" rtl="0" eaLnBrk="1" latinLnBrk="0" hangingPunct="1">
+      <a:defRPr sz="1200" kern="1200">
+        <a:solidFill>
+          <a:schemeClr val="tx1"/>
+        </a:solidFill>
+        <a:latin typeface="+mn-lt"/>
+        <a:ea typeface="+mn-ea"/>
+        <a:cs typeface="+mn-cs"/>
+      </a:defRPr>
+    </a:lvl7pPr>
+    <a:lvl8pPr marL="3200400" algn="l" defTabSz="914400" rtl="0" eaLnBrk="1" latinLnBrk="0" hangingPunct="1">
+      <a:defRPr sz="1200" kern="1200">
+        <a:solidFill>
+          <a:schemeClr val="tx1"/>
+        </a:solidFill>
+        <a:latin typeface="+mn-lt"/>
+        <a:ea typeface="+mn-ea"/>
+        <a:cs typeface="+mn-cs"/>
+      </a:defRPr>
+    </a:lvl8pPr>
+    <a:lvl9pPr marL="3657600" algn="l" defTabSz="914400" rtl="0" eaLnBrk="1" latinLnBrk="0" hangingPunct="1">
+      <a:defRPr sz="1200" kern="1200">
+        <a:solidFill>
+          <a:schemeClr val="tx1"/>
+        </a:solidFill>
+        <a:latin typeface="+mn-lt"/>
+        <a:ea typeface="+mn-ea"/>
+        <a:cs typeface="+mn-cs"/>
+      </a:defRPr>
+    </a:lvl9pPr>
+  </p:notesStyle>
+</p:notesMaster>
+</file>
+
+<file path=ppt/notesSlides/notesSlide1.xml><?xml version="1.0" encoding="utf-8"?>
+<p:notes xmlns:a="http://schemas.openxmlformats.org/drawingml/2006/main" xmlns:r="http://schemas.openxmlformats.org/officeDocument/2006/relationships" xmlns:p="http://schemas.openxmlformats.org/presentationml/2006/main">
+  <p:cSld>
+    <p:spTree>
+      <p:nvGrpSpPr>
+        <p:cNvPr id="1" name=""/>
+        <p:cNvGrpSpPr/>
+        <p:nvPr/>
+      </p:nvGrpSpPr>
+      <p:grpSpPr>
+        <a:xfrm>
+          <a:off x="0" y="0"/>
+          <a:ext cx="0" cy="0"/>
+          <a:chOff x="0" y="0"/>
+          <a:chExt cx="0" cy="0"/>
+        </a:xfrm>
+      </p:grpSpPr>
+      <p:sp>
+        <p:nvSpPr>
+          <p:cNvPr id="2" name="Slide Image Placeholder 1"/>
+          <p:cNvSpPr>
+            <a:spLocks noGrp="1" noRot="1" noChangeAspect="1"/>
+          </p:cNvSpPr>
+          <p:nvPr>
+            <p:ph type="sldImg"/>
+          </p:nvPr>
+        </p:nvSpPr>
+        <p:spPr/>
+      </p:sp>
+      <p:sp>
+        <p:nvSpPr>
+          <p:cNvPr id="3" name="Notes Placeholder 2"/>
+          <p:cNvSpPr>
+            <a:spLocks noGrp="1"/>
+          </p:cNvSpPr>
+          <p:nvPr>
+            <p:ph type="body" idx="1"/>
+          </p:nvPr>
+        </p:nvSpPr>
+        <p:spPr/>
+        <p:txBody>
+          <a:bodyPr/>
+          <a:lstStyle/>
+          <a:p>
+            <a:endParaRPr lang="en-US" dirty="0"/>
+          </a:p>
+        </p:txBody>
+      </p:sp>
+      <p:sp>
+        <p:nvSpPr>
+          <p:cNvPr id="4" name="Slide Number Placeholder 3"/>
+          <p:cNvSpPr>
+            <a:spLocks noGrp="1"/>
+          </p:cNvSpPr>
+          <p:nvPr>
+            <p:ph type="sldNum" sz="quarter" idx="10"/>
+          </p:nvPr>
+        </p:nvSpPr>
+        <p:spPr>
+          <a:xfrm>
+            <a:off x="3884613" y="8685213"/>
+            <a:ext cx="2971800" cy="457200"/>
+          </a:xfrm>
+          <a:prstGeom prst="rect">
+            <a:avLst/>
+          </a:prstGeom>
+        </p:spPr>
+        <p:txBody>
+          <a:bodyPr/>
+          <a:lstStyle/>
+          <a:p>
+            <a:pPr marL="0" marR="0" lvl="0" indent="0" algn="l" defTabSz="914400" rtl="0" eaLnBrk="1" fontAlgn="auto" latinLnBrk="0" hangingPunct="1">
+              <a:lnSpc>
+                <a:spcPct val="100000"/>
+              </a:lnSpc>
+              <a:spcBef>
+                <a:spcPts val="0"/>
+              </a:spcBef>
+              <a:spcAft>
+                <a:spcPts val="0"/>
+              </a:spcAft>
+              <a:buClrTx/>
+              <a:buSzTx/>
+              <a:buFontTx/>
+              <a:buNone/>
+              <a:tabLst/>
+              <a:defRPr/>
+            </a:pPr>
+            <a:fld id="{DE326DE0-BACA-4EA0-B73F-CC7DC1D7F4A1}" type="slidenum">
+              <a:rPr kumimoji="0" lang="en-US" sz="1800" b="0" i="0" u="none" strike="noStrike" kern="1200" cap="none" spc="0" normalizeH="0" baseline="0" noProof="0" smtClean="0">
+                <a:ln>
+                  <a:noFill/>
+                </a:ln>
+                <a:solidFill>
+                  <a:prstClr val="black"/>
+                </a:solidFill>
+                <a:effectLst/>
+                <a:uLnTx/>
+                <a:uFillTx/>
+                <a:latin typeface="Calibri"/>
+                <a:ea typeface="+mn-ea"/>
+                <a:cs typeface="+mn-cs"/>
+              </a:rPr>
+              <a:pPr marL="0" marR="0" lvl="0" indent="0" algn="l" defTabSz="914400" rtl="0" eaLnBrk="1" fontAlgn="auto" latinLnBrk="0" hangingPunct="1">
+                <a:lnSpc>
+                  <a:spcPct val="100000"/>
+                </a:lnSpc>
+                <a:spcBef>
+                  <a:spcPts val="0"/>
+                </a:spcBef>
+                <a:spcAft>
+                  <a:spcPts val="0"/>
+                </a:spcAft>
+                <a:buClrTx/>
+                <a:buSzTx/>
+                <a:buFontTx/>
+                <a:buNone/>
+                <a:tabLst/>
+                <a:defRPr/>
+              </a:pPr>
+              <a:t>1</a:t>
+            </a:fld>
+            <a:endParaRPr kumimoji="0" lang="en-US" sz="1800" b="0" i="0" u="none" strike="noStrike" kern="1200" cap="none" spc="0" normalizeH="0" baseline="0" noProof="0">
+              <a:ln>
+                <a:noFill/>
+              </a:ln>
+              <a:solidFill>
+                <a:prstClr val="black"/>
+              </a:solidFill>
+              <a:effectLst/>
+              <a:uLnTx/>
+              <a:uFillTx/>
+              <a:latin typeface="Calibri"/>
+              <a:ea typeface="+mn-ea"/>
+              <a:cs typeface="+mn-cs"/>
+            </a:endParaRPr>
+          </a:p>
+        </p:txBody>
+      </p:sp>
+    </p:spTree>
+    <p:extLst>
+      <p:ext uri="{BB962C8B-B14F-4D97-AF65-F5344CB8AC3E}">
+        <p14:creationId xmlns:p14="http://schemas.microsoft.com/office/powerpoint/2010/main" val="4261198586"/>
+      </p:ext>
+    </p:extLst>
+  </p:cSld>
+  <p:clrMapOvr>
+    <a:masterClrMapping/>
+  </p:clrMapOvr>
+</p:notes>
+</file>
+
 <file path=ppt/slideLayouts/slideLayout1.xml><?xml version="1.0" encoding="utf-8"?>
 <p:sldLayout xmlns:a="http://schemas.openxmlformats.org/drawingml/2006/main" xmlns:r="http://schemas.openxmlformats.org/officeDocument/2006/relationships" xmlns:p="http://schemas.openxmlformats.org/presentationml/2006/main" showMasterSp="0" type="title" preserve="1">
   <p:cSld name="Title Slide">
@@ -341,7 +847,7 @@
           <a:p>
             <a:fld id="{EBB1B3D4-265D-4665-ADC9-1438520F930D}" type="datetimeFigureOut">
               <a:rPr lang="en-US" smtClean="0"/>
-              <a:t>9/15/2021</a:t>
+              <a:t>9/22/2021</a:t>
             </a:fld>
             <a:endParaRPr lang="en-US"/>
           </a:p>
@@ -549,7 +1055,7 @@
           <a:p>
             <a:fld id="{EBB1B3D4-265D-4665-ADC9-1438520F930D}" type="datetimeFigureOut">
               <a:rPr lang="en-US" smtClean="0"/>
-              <a:t>9/15/2021</a:t>
+              <a:t>9/22/2021</a:t>
             </a:fld>
             <a:endParaRPr lang="en-US"/>
           </a:p>
@@ -807,7 +1313,7 @@
           <a:p>
             <a:fld id="{EBB1B3D4-265D-4665-ADC9-1438520F930D}" type="datetimeFigureOut">
               <a:rPr lang="en-US" smtClean="0"/>
-              <a:t>9/15/2021</a:t>
+              <a:t>9/22/2021</a:t>
             </a:fld>
             <a:endParaRPr lang="en-US"/>
           </a:p>
@@ -859,6 +1365,1850 @@
     <p:extLst>
       <p:ext uri="{BB962C8B-B14F-4D97-AF65-F5344CB8AC3E}">
         <p14:creationId xmlns:p14="http://schemas.microsoft.com/office/powerpoint/2010/main" val="2989840145"/>
+      </p:ext>
+    </p:extLst>
+  </p:cSld>
+  <p:clrMapOvr>
+    <a:masterClrMapping/>
+  </p:clrMapOvr>
+</p:sldLayout>
+</file>
+
+<file path=ppt/slideLayouts/slideLayout12.xml><?xml version="1.0" encoding="utf-8"?>
+<p:sldLayout xmlns:a="http://schemas.openxmlformats.org/drawingml/2006/main" xmlns:r="http://schemas.openxmlformats.org/officeDocument/2006/relationships" xmlns:p="http://schemas.openxmlformats.org/presentationml/2006/main" type="title" preserve="1">
+  <p:cSld name="Title Slide">
+    <p:spTree>
+      <p:nvGrpSpPr>
+        <p:cNvPr id="1" name=""/>
+        <p:cNvGrpSpPr/>
+        <p:nvPr/>
+      </p:nvGrpSpPr>
+      <p:grpSpPr>
+        <a:xfrm>
+          <a:off x="0" y="0"/>
+          <a:ext cx="0" cy="0"/>
+          <a:chOff x="0" y="0"/>
+          <a:chExt cx="0" cy="0"/>
+        </a:xfrm>
+      </p:grpSpPr>
+      <p:sp>
+        <p:nvSpPr>
+          <p:cNvPr id="2" name="Title 1"/>
+          <p:cNvSpPr>
+            <a:spLocks noGrp="1"/>
+          </p:cNvSpPr>
+          <p:nvPr>
+            <p:ph type="ctrTitle"/>
+          </p:nvPr>
+        </p:nvSpPr>
+        <p:spPr>
+          <a:xfrm>
+            <a:off x="914400" y="2131485"/>
+            <a:ext cx="10363200" cy="1468967"/>
+          </a:xfrm>
+        </p:spPr>
+        <p:txBody>
+          <a:bodyPr/>
+          <a:lstStyle/>
+          <a:p>
+            <a:r>
+              <a:rPr lang="en-US"/>
+              <a:t>Click to edit Master title style</a:t>
+            </a:r>
+          </a:p>
+        </p:txBody>
+      </p:sp>
+      <p:sp>
+        <p:nvSpPr>
+          <p:cNvPr id="3" name="Subtitle 2"/>
+          <p:cNvSpPr>
+            <a:spLocks noGrp="1"/>
+          </p:cNvSpPr>
+          <p:nvPr>
+            <p:ph type="subTitle" idx="1"/>
+          </p:nvPr>
+        </p:nvSpPr>
+        <p:spPr>
+          <a:xfrm>
+            <a:off x="1828800" y="3886200"/>
+            <a:ext cx="8534400" cy="1752600"/>
+          </a:xfrm>
+        </p:spPr>
+        <p:txBody>
+          <a:bodyPr/>
+          <a:lstStyle>
+            <a:lvl1pPr marL="0" indent="0" algn="ctr">
+              <a:buNone/>
+              <a:defRPr>
+                <a:solidFill>
+                  <a:schemeClr val="tx1">
+                    <a:tint val="75000"/>
+                  </a:schemeClr>
+                </a:solidFill>
+              </a:defRPr>
+            </a:lvl1pPr>
+            <a:lvl2pPr marL="609585" indent="0" algn="ctr">
+              <a:buNone/>
+              <a:defRPr>
+                <a:solidFill>
+                  <a:schemeClr val="tx1">
+                    <a:tint val="75000"/>
+                  </a:schemeClr>
+                </a:solidFill>
+              </a:defRPr>
+            </a:lvl2pPr>
+            <a:lvl3pPr marL="1219170" indent="0" algn="ctr">
+              <a:buNone/>
+              <a:defRPr>
+                <a:solidFill>
+                  <a:schemeClr val="tx1">
+                    <a:tint val="75000"/>
+                  </a:schemeClr>
+                </a:solidFill>
+              </a:defRPr>
+            </a:lvl3pPr>
+            <a:lvl4pPr marL="1828754" indent="0" algn="ctr">
+              <a:buNone/>
+              <a:defRPr>
+                <a:solidFill>
+                  <a:schemeClr val="tx1">
+                    <a:tint val="75000"/>
+                  </a:schemeClr>
+                </a:solidFill>
+              </a:defRPr>
+            </a:lvl4pPr>
+            <a:lvl5pPr marL="2438339" indent="0" algn="ctr">
+              <a:buNone/>
+              <a:defRPr>
+                <a:solidFill>
+                  <a:schemeClr val="tx1">
+                    <a:tint val="75000"/>
+                  </a:schemeClr>
+                </a:solidFill>
+              </a:defRPr>
+            </a:lvl5pPr>
+            <a:lvl6pPr marL="3047924" indent="0" algn="ctr">
+              <a:buNone/>
+              <a:defRPr>
+                <a:solidFill>
+                  <a:schemeClr val="tx1">
+                    <a:tint val="75000"/>
+                  </a:schemeClr>
+                </a:solidFill>
+              </a:defRPr>
+            </a:lvl6pPr>
+            <a:lvl7pPr marL="3657509" indent="0" algn="ctr">
+              <a:buNone/>
+              <a:defRPr>
+                <a:solidFill>
+                  <a:schemeClr val="tx1">
+                    <a:tint val="75000"/>
+                  </a:schemeClr>
+                </a:solidFill>
+              </a:defRPr>
+            </a:lvl7pPr>
+            <a:lvl8pPr marL="4267093" indent="0" algn="ctr">
+              <a:buNone/>
+              <a:defRPr>
+                <a:solidFill>
+                  <a:schemeClr val="tx1">
+                    <a:tint val="75000"/>
+                  </a:schemeClr>
+                </a:solidFill>
+              </a:defRPr>
+            </a:lvl8pPr>
+            <a:lvl9pPr marL="4876678" indent="0" algn="ctr">
+              <a:buNone/>
+              <a:defRPr>
+                <a:solidFill>
+                  <a:schemeClr val="tx1">
+                    <a:tint val="75000"/>
+                  </a:schemeClr>
+                </a:solidFill>
+              </a:defRPr>
+            </a:lvl9pPr>
+          </a:lstStyle>
+          <a:p>
+            <a:r>
+              <a:rPr lang="en-US"/>
+              <a:t>Click to edit Master subtitle style</a:t>
+            </a:r>
+          </a:p>
+        </p:txBody>
+      </p:sp>
+      <p:sp>
+        <p:nvSpPr>
+          <p:cNvPr id="4" name="Date Placeholder 3"/>
+          <p:cNvSpPr>
+            <a:spLocks noGrp="1"/>
+          </p:cNvSpPr>
+          <p:nvPr>
+            <p:ph type="dt" sz="half" idx="10"/>
+          </p:nvPr>
+        </p:nvSpPr>
+        <p:spPr/>
+        <p:txBody>
+          <a:bodyPr/>
+          <a:lstStyle/>
+          <a:p>
+            <a:fld id="{D088F999-7A4E-6B4F-9FED-EF75B73AD044}" type="datetimeFigureOut">
+              <a:rPr lang="en-US" smtClean="0"/>
+              <a:t>9/22/2021</a:t>
+            </a:fld>
+            <a:endParaRPr lang="en-US"/>
+          </a:p>
+        </p:txBody>
+      </p:sp>
+      <p:sp>
+        <p:nvSpPr>
+          <p:cNvPr id="5" name="Footer Placeholder 4"/>
+          <p:cNvSpPr>
+            <a:spLocks noGrp="1"/>
+          </p:cNvSpPr>
+          <p:nvPr>
+            <p:ph type="ftr" sz="quarter" idx="11"/>
+          </p:nvPr>
+        </p:nvSpPr>
+        <p:spPr/>
+        <p:txBody>
+          <a:bodyPr/>
+          <a:lstStyle/>
+          <a:p>
+            <a:endParaRPr lang="en-US"/>
+          </a:p>
+        </p:txBody>
+      </p:sp>
+      <p:sp>
+        <p:nvSpPr>
+          <p:cNvPr id="6" name="Slide Number Placeholder 5"/>
+          <p:cNvSpPr>
+            <a:spLocks noGrp="1"/>
+          </p:cNvSpPr>
+          <p:nvPr>
+            <p:ph type="sldNum" sz="quarter" idx="12"/>
+          </p:nvPr>
+        </p:nvSpPr>
+        <p:spPr/>
+        <p:txBody>
+          <a:bodyPr/>
+          <a:lstStyle/>
+          <a:p>
+            <a:fld id="{5D024AAD-DF78-DE44-A1F3-EEB19EDC9165}" type="slidenum">
+              <a:rPr lang="en-US" smtClean="0"/>
+              <a:t>‹#›</a:t>
+            </a:fld>
+            <a:endParaRPr lang="en-US"/>
+          </a:p>
+        </p:txBody>
+      </p:sp>
+    </p:spTree>
+    <p:extLst>
+      <p:ext uri="{BB962C8B-B14F-4D97-AF65-F5344CB8AC3E}">
+        <p14:creationId xmlns:p14="http://schemas.microsoft.com/office/powerpoint/2010/main" val="1018154031"/>
+      </p:ext>
+    </p:extLst>
+  </p:cSld>
+  <p:clrMapOvr>
+    <a:masterClrMapping/>
+  </p:clrMapOvr>
+</p:sldLayout>
+</file>
+
+<file path=ppt/slideLayouts/slideLayout13.xml><?xml version="1.0" encoding="utf-8"?>
+<p:sldLayout xmlns:a="http://schemas.openxmlformats.org/drawingml/2006/main" xmlns:r="http://schemas.openxmlformats.org/officeDocument/2006/relationships" xmlns:p="http://schemas.openxmlformats.org/presentationml/2006/main" type="obj" preserve="1">
+  <p:cSld name="Title and Content">
+    <p:spTree>
+      <p:nvGrpSpPr>
+        <p:cNvPr id="1" name=""/>
+        <p:cNvGrpSpPr/>
+        <p:nvPr/>
+      </p:nvGrpSpPr>
+      <p:grpSpPr>
+        <a:xfrm>
+          <a:off x="0" y="0"/>
+          <a:ext cx="0" cy="0"/>
+          <a:chOff x="0" y="0"/>
+          <a:chExt cx="0" cy="0"/>
+        </a:xfrm>
+      </p:grpSpPr>
+      <p:sp>
+        <p:nvSpPr>
+          <p:cNvPr id="2" name="Title 1"/>
+          <p:cNvSpPr>
+            <a:spLocks noGrp="1"/>
+          </p:cNvSpPr>
+          <p:nvPr>
+            <p:ph type="title"/>
+          </p:nvPr>
+        </p:nvSpPr>
+        <p:spPr/>
+        <p:txBody>
+          <a:bodyPr/>
+          <a:lstStyle/>
+          <a:p>
+            <a:r>
+              <a:rPr lang="en-US"/>
+              <a:t>Click to edit Master title style</a:t>
+            </a:r>
+          </a:p>
+        </p:txBody>
+      </p:sp>
+      <p:sp>
+        <p:nvSpPr>
+          <p:cNvPr id="3" name="Content Placeholder 2"/>
+          <p:cNvSpPr>
+            <a:spLocks noGrp="1"/>
+          </p:cNvSpPr>
+          <p:nvPr>
+            <p:ph idx="1"/>
+          </p:nvPr>
+        </p:nvSpPr>
+        <p:spPr/>
+        <p:txBody>
+          <a:bodyPr/>
+          <a:lstStyle/>
+          <a:p>
+            <a:pPr lvl="0"/>
+            <a:r>
+              <a:rPr lang="en-US"/>
+              <a:t>Click to edit Master text styles</a:t>
+            </a:r>
+          </a:p>
+          <a:p>
+            <a:pPr lvl="1"/>
+            <a:r>
+              <a:rPr lang="en-US"/>
+              <a:t>Second level</a:t>
+            </a:r>
+          </a:p>
+          <a:p>
+            <a:pPr lvl="2"/>
+            <a:r>
+              <a:rPr lang="en-US"/>
+              <a:t>Third level</a:t>
+            </a:r>
+          </a:p>
+          <a:p>
+            <a:pPr lvl="3"/>
+            <a:r>
+              <a:rPr lang="en-US"/>
+              <a:t>Fourth level</a:t>
+            </a:r>
+          </a:p>
+          <a:p>
+            <a:pPr lvl="4"/>
+            <a:r>
+              <a:rPr lang="en-US"/>
+              <a:t>Fifth level</a:t>
+            </a:r>
+          </a:p>
+        </p:txBody>
+      </p:sp>
+      <p:sp>
+        <p:nvSpPr>
+          <p:cNvPr id="4" name="Date Placeholder 3"/>
+          <p:cNvSpPr>
+            <a:spLocks noGrp="1"/>
+          </p:cNvSpPr>
+          <p:nvPr>
+            <p:ph type="dt" sz="half" idx="10"/>
+          </p:nvPr>
+        </p:nvSpPr>
+        <p:spPr/>
+        <p:txBody>
+          <a:bodyPr/>
+          <a:lstStyle/>
+          <a:p>
+            <a:fld id="{D088F999-7A4E-6B4F-9FED-EF75B73AD044}" type="datetimeFigureOut">
+              <a:rPr lang="en-US" smtClean="0"/>
+              <a:t>9/22/2021</a:t>
+            </a:fld>
+            <a:endParaRPr lang="en-US"/>
+          </a:p>
+        </p:txBody>
+      </p:sp>
+      <p:sp>
+        <p:nvSpPr>
+          <p:cNvPr id="5" name="Footer Placeholder 4"/>
+          <p:cNvSpPr>
+            <a:spLocks noGrp="1"/>
+          </p:cNvSpPr>
+          <p:nvPr>
+            <p:ph type="ftr" sz="quarter" idx="11"/>
+          </p:nvPr>
+        </p:nvSpPr>
+        <p:spPr/>
+        <p:txBody>
+          <a:bodyPr/>
+          <a:lstStyle/>
+          <a:p>
+            <a:endParaRPr lang="en-US"/>
+          </a:p>
+        </p:txBody>
+      </p:sp>
+      <p:sp>
+        <p:nvSpPr>
+          <p:cNvPr id="6" name="Slide Number Placeholder 5"/>
+          <p:cNvSpPr>
+            <a:spLocks noGrp="1"/>
+          </p:cNvSpPr>
+          <p:nvPr>
+            <p:ph type="sldNum" sz="quarter" idx="12"/>
+          </p:nvPr>
+        </p:nvSpPr>
+        <p:spPr/>
+        <p:txBody>
+          <a:bodyPr/>
+          <a:lstStyle/>
+          <a:p>
+            <a:fld id="{5D024AAD-DF78-DE44-A1F3-EEB19EDC9165}" type="slidenum">
+              <a:rPr lang="en-US" smtClean="0"/>
+              <a:t>‹#›</a:t>
+            </a:fld>
+            <a:endParaRPr lang="en-US"/>
+          </a:p>
+        </p:txBody>
+      </p:sp>
+    </p:spTree>
+    <p:extLst>
+      <p:ext uri="{BB962C8B-B14F-4D97-AF65-F5344CB8AC3E}">
+        <p14:creationId xmlns:p14="http://schemas.microsoft.com/office/powerpoint/2010/main" val="1686204012"/>
+      </p:ext>
+    </p:extLst>
+  </p:cSld>
+  <p:clrMapOvr>
+    <a:masterClrMapping/>
+  </p:clrMapOvr>
+</p:sldLayout>
+</file>
+
+<file path=ppt/slideLayouts/slideLayout14.xml><?xml version="1.0" encoding="utf-8"?>
+<p:sldLayout xmlns:a="http://schemas.openxmlformats.org/drawingml/2006/main" xmlns:r="http://schemas.openxmlformats.org/officeDocument/2006/relationships" xmlns:p="http://schemas.openxmlformats.org/presentationml/2006/main" type="secHead" preserve="1">
+  <p:cSld name="Section Header">
+    <p:spTree>
+      <p:nvGrpSpPr>
+        <p:cNvPr id="1" name=""/>
+        <p:cNvGrpSpPr/>
+        <p:nvPr/>
+      </p:nvGrpSpPr>
+      <p:grpSpPr>
+        <a:xfrm>
+          <a:off x="0" y="0"/>
+          <a:ext cx="0" cy="0"/>
+          <a:chOff x="0" y="0"/>
+          <a:chExt cx="0" cy="0"/>
+        </a:xfrm>
+      </p:grpSpPr>
+      <p:sp>
+        <p:nvSpPr>
+          <p:cNvPr id="2" name="Title 1"/>
+          <p:cNvSpPr>
+            <a:spLocks noGrp="1"/>
+          </p:cNvSpPr>
+          <p:nvPr>
+            <p:ph type="title"/>
+          </p:nvPr>
+        </p:nvSpPr>
+        <p:spPr>
+          <a:xfrm>
+            <a:off x="963084" y="4406900"/>
+            <a:ext cx="10363200" cy="1363133"/>
+          </a:xfrm>
+        </p:spPr>
+        <p:txBody>
+          <a:bodyPr anchor="t"/>
+          <a:lstStyle>
+            <a:lvl1pPr algn="l">
+              <a:defRPr sz="5333" b="1" cap="all"/>
+            </a:lvl1pPr>
+          </a:lstStyle>
+          <a:p>
+            <a:r>
+              <a:rPr lang="en-US"/>
+              <a:t>Click to edit Master title style</a:t>
+            </a:r>
+          </a:p>
+        </p:txBody>
+      </p:sp>
+      <p:sp>
+        <p:nvSpPr>
+          <p:cNvPr id="3" name="Text Placeholder 2"/>
+          <p:cNvSpPr>
+            <a:spLocks noGrp="1"/>
+          </p:cNvSpPr>
+          <p:nvPr>
+            <p:ph type="body" idx="1"/>
+          </p:nvPr>
+        </p:nvSpPr>
+        <p:spPr>
+          <a:xfrm>
+            <a:off x="963084" y="2906185"/>
+            <a:ext cx="10363200" cy="1500716"/>
+          </a:xfrm>
+        </p:spPr>
+        <p:txBody>
+          <a:bodyPr anchor="b"/>
+          <a:lstStyle>
+            <a:lvl1pPr marL="0" indent="0">
+              <a:buNone/>
+              <a:defRPr sz="2667">
+                <a:solidFill>
+                  <a:schemeClr val="tx1">
+                    <a:tint val="75000"/>
+                  </a:schemeClr>
+                </a:solidFill>
+              </a:defRPr>
+            </a:lvl1pPr>
+            <a:lvl2pPr marL="609585" indent="0">
+              <a:buNone/>
+              <a:defRPr sz="2400">
+                <a:solidFill>
+                  <a:schemeClr val="tx1">
+                    <a:tint val="75000"/>
+                  </a:schemeClr>
+                </a:solidFill>
+              </a:defRPr>
+            </a:lvl2pPr>
+            <a:lvl3pPr marL="1219170" indent="0">
+              <a:buNone/>
+              <a:defRPr sz="2133">
+                <a:solidFill>
+                  <a:schemeClr val="tx1">
+                    <a:tint val="75000"/>
+                  </a:schemeClr>
+                </a:solidFill>
+              </a:defRPr>
+            </a:lvl3pPr>
+            <a:lvl4pPr marL="1828754" indent="0">
+              <a:buNone/>
+              <a:defRPr sz="1867">
+                <a:solidFill>
+                  <a:schemeClr val="tx1">
+                    <a:tint val="75000"/>
+                  </a:schemeClr>
+                </a:solidFill>
+              </a:defRPr>
+            </a:lvl4pPr>
+            <a:lvl5pPr marL="2438339" indent="0">
+              <a:buNone/>
+              <a:defRPr sz="1867">
+                <a:solidFill>
+                  <a:schemeClr val="tx1">
+                    <a:tint val="75000"/>
+                  </a:schemeClr>
+                </a:solidFill>
+              </a:defRPr>
+            </a:lvl5pPr>
+            <a:lvl6pPr marL="3047924" indent="0">
+              <a:buNone/>
+              <a:defRPr sz="1867">
+                <a:solidFill>
+                  <a:schemeClr val="tx1">
+                    <a:tint val="75000"/>
+                  </a:schemeClr>
+                </a:solidFill>
+              </a:defRPr>
+            </a:lvl6pPr>
+            <a:lvl7pPr marL="3657509" indent="0">
+              <a:buNone/>
+              <a:defRPr sz="1867">
+                <a:solidFill>
+                  <a:schemeClr val="tx1">
+                    <a:tint val="75000"/>
+                  </a:schemeClr>
+                </a:solidFill>
+              </a:defRPr>
+            </a:lvl7pPr>
+            <a:lvl8pPr marL="4267093" indent="0">
+              <a:buNone/>
+              <a:defRPr sz="1867">
+                <a:solidFill>
+                  <a:schemeClr val="tx1">
+                    <a:tint val="75000"/>
+                  </a:schemeClr>
+                </a:solidFill>
+              </a:defRPr>
+            </a:lvl8pPr>
+            <a:lvl9pPr marL="4876678" indent="0">
+              <a:buNone/>
+              <a:defRPr sz="1867">
+                <a:solidFill>
+                  <a:schemeClr val="tx1">
+                    <a:tint val="75000"/>
+                  </a:schemeClr>
+                </a:solidFill>
+              </a:defRPr>
+            </a:lvl9pPr>
+          </a:lstStyle>
+          <a:p>
+            <a:pPr lvl="0"/>
+            <a:r>
+              <a:rPr lang="en-US"/>
+              <a:t>Click to edit Master text styles</a:t>
+            </a:r>
+          </a:p>
+        </p:txBody>
+      </p:sp>
+      <p:sp>
+        <p:nvSpPr>
+          <p:cNvPr id="4" name="Date Placeholder 3"/>
+          <p:cNvSpPr>
+            <a:spLocks noGrp="1"/>
+          </p:cNvSpPr>
+          <p:nvPr>
+            <p:ph type="dt" sz="half" idx="10"/>
+          </p:nvPr>
+        </p:nvSpPr>
+        <p:spPr/>
+        <p:txBody>
+          <a:bodyPr/>
+          <a:lstStyle/>
+          <a:p>
+            <a:fld id="{D088F999-7A4E-6B4F-9FED-EF75B73AD044}" type="datetimeFigureOut">
+              <a:rPr lang="en-US" smtClean="0"/>
+              <a:t>9/22/2021</a:t>
+            </a:fld>
+            <a:endParaRPr lang="en-US"/>
+          </a:p>
+        </p:txBody>
+      </p:sp>
+      <p:sp>
+        <p:nvSpPr>
+          <p:cNvPr id="5" name="Footer Placeholder 4"/>
+          <p:cNvSpPr>
+            <a:spLocks noGrp="1"/>
+          </p:cNvSpPr>
+          <p:nvPr>
+            <p:ph type="ftr" sz="quarter" idx="11"/>
+          </p:nvPr>
+        </p:nvSpPr>
+        <p:spPr/>
+        <p:txBody>
+          <a:bodyPr/>
+          <a:lstStyle/>
+          <a:p>
+            <a:endParaRPr lang="en-US"/>
+          </a:p>
+        </p:txBody>
+      </p:sp>
+      <p:sp>
+        <p:nvSpPr>
+          <p:cNvPr id="6" name="Slide Number Placeholder 5"/>
+          <p:cNvSpPr>
+            <a:spLocks noGrp="1"/>
+          </p:cNvSpPr>
+          <p:nvPr>
+            <p:ph type="sldNum" sz="quarter" idx="12"/>
+          </p:nvPr>
+        </p:nvSpPr>
+        <p:spPr/>
+        <p:txBody>
+          <a:bodyPr/>
+          <a:lstStyle/>
+          <a:p>
+            <a:fld id="{5D024AAD-DF78-DE44-A1F3-EEB19EDC9165}" type="slidenum">
+              <a:rPr lang="en-US" smtClean="0"/>
+              <a:t>‹#›</a:t>
+            </a:fld>
+            <a:endParaRPr lang="en-US"/>
+          </a:p>
+        </p:txBody>
+      </p:sp>
+    </p:spTree>
+    <p:extLst>
+      <p:ext uri="{BB962C8B-B14F-4D97-AF65-F5344CB8AC3E}">
+        <p14:creationId xmlns:p14="http://schemas.microsoft.com/office/powerpoint/2010/main" val="1795178993"/>
+      </p:ext>
+    </p:extLst>
+  </p:cSld>
+  <p:clrMapOvr>
+    <a:masterClrMapping/>
+  </p:clrMapOvr>
+</p:sldLayout>
+</file>
+
+<file path=ppt/slideLayouts/slideLayout15.xml><?xml version="1.0" encoding="utf-8"?>
+<p:sldLayout xmlns:a="http://schemas.openxmlformats.org/drawingml/2006/main" xmlns:r="http://schemas.openxmlformats.org/officeDocument/2006/relationships" xmlns:p="http://schemas.openxmlformats.org/presentationml/2006/main" type="twoObj" preserve="1">
+  <p:cSld name="Two Content">
+    <p:spTree>
+      <p:nvGrpSpPr>
+        <p:cNvPr id="1" name=""/>
+        <p:cNvGrpSpPr/>
+        <p:nvPr/>
+      </p:nvGrpSpPr>
+      <p:grpSpPr>
+        <a:xfrm>
+          <a:off x="0" y="0"/>
+          <a:ext cx="0" cy="0"/>
+          <a:chOff x="0" y="0"/>
+          <a:chExt cx="0" cy="0"/>
+        </a:xfrm>
+      </p:grpSpPr>
+      <p:sp>
+        <p:nvSpPr>
+          <p:cNvPr id="2" name="Title 1"/>
+          <p:cNvSpPr>
+            <a:spLocks noGrp="1"/>
+          </p:cNvSpPr>
+          <p:nvPr>
+            <p:ph type="title"/>
+          </p:nvPr>
+        </p:nvSpPr>
+        <p:spPr/>
+        <p:txBody>
+          <a:bodyPr/>
+          <a:lstStyle/>
+          <a:p>
+            <a:r>
+              <a:rPr lang="en-US"/>
+              <a:t>Click to edit Master title style</a:t>
+            </a:r>
+          </a:p>
+        </p:txBody>
+      </p:sp>
+      <p:sp>
+        <p:nvSpPr>
+          <p:cNvPr id="3" name="Content Placeholder 2"/>
+          <p:cNvSpPr>
+            <a:spLocks noGrp="1"/>
+          </p:cNvSpPr>
+          <p:nvPr>
+            <p:ph sz="half" idx="1"/>
+          </p:nvPr>
+        </p:nvSpPr>
+        <p:spPr>
+          <a:xfrm>
+            <a:off x="609600" y="1600201"/>
+            <a:ext cx="5384800" cy="4525433"/>
+          </a:xfrm>
+        </p:spPr>
+        <p:txBody>
+          <a:bodyPr/>
+          <a:lstStyle>
+            <a:lvl1pPr>
+              <a:defRPr sz="3733"/>
+            </a:lvl1pPr>
+            <a:lvl2pPr>
+              <a:defRPr sz="3200"/>
+            </a:lvl2pPr>
+            <a:lvl3pPr>
+              <a:defRPr sz="2667"/>
+            </a:lvl3pPr>
+            <a:lvl4pPr>
+              <a:defRPr sz="2400"/>
+            </a:lvl4pPr>
+            <a:lvl5pPr>
+              <a:defRPr sz="2400"/>
+            </a:lvl5pPr>
+            <a:lvl6pPr>
+              <a:defRPr sz="2400"/>
+            </a:lvl6pPr>
+            <a:lvl7pPr>
+              <a:defRPr sz="2400"/>
+            </a:lvl7pPr>
+            <a:lvl8pPr>
+              <a:defRPr sz="2400"/>
+            </a:lvl8pPr>
+            <a:lvl9pPr>
+              <a:defRPr sz="2400"/>
+            </a:lvl9pPr>
+          </a:lstStyle>
+          <a:p>
+            <a:pPr lvl="0"/>
+            <a:r>
+              <a:rPr lang="en-US"/>
+              <a:t>Click to edit Master text styles</a:t>
+            </a:r>
+          </a:p>
+          <a:p>
+            <a:pPr lvl="1"/>
+            <a:r>
+              <a:rPr lang="en-US"/>
+              <a:t>Second level</a:t>
+            </a:r>
+          </a:p>
+          <a:p>
+            <a:pPr lvl="2"/>
+            <a:r>
+              <a:rPr lang="en-US"/>
+              <a:t>Third level</a:t>
+            </a:r>
+          </a:p>
+          <a:p>
+            <a:pPr lvl="3"/>
+            <a:r>
+              <a:rPr lang="en-US"/>
+              <a:t>Fourth level</a:t>
+            </a:r>
+          </a:p>
+          <a:p>
+            <a:pPr lvl="4"/>
+            <a:r>
+              <a:rPr lang="en-US"/>
+              <a:t>Fifth level</a:t>
+            </a:r>
+          </a:p>
+        </p:txBody>
+      </p:sp>
+      <p:sp>
+        <p:nvSpPr>
+          <p:cNvPr id="4" name="Content Placeholder 3"/>
+          <p:cNvSpPr>
+            <a:spLocks noGrp="1"/>
+          </p:cNvSpPr>
+          <p:nvPr>
+            <p:ph sz="half" idx="2"/>
+          </p:nvPr>
+        </p:nvSpPr>
+        <p:spPr>
+          <a:xfrm>
+            <a:off x="6197600" y="1600201"/>
+            <a:ext cx="5384800" cy="4525433"/>
+          </a:xfrm>
+        </p:spPr>
+        <p:txBody>
+          <a:bodyPr/>
+          <a:lstStyle>
+            <a:lvl1pPr>
+              <a:defRPr sz="3733"/>
+            </a:lvl1pPr>
+            <a:lvl2pPr>
+              <a:defRPr sz="3200"/>
+            </a:lvl2pPr>
+            <a:lvl3pPr>
+              <a:defRPr sz="2667"/>
+            </a:lvl3pPr>
+            <a:lvl4pPr>
+              <a:defRPr sz="2400"/>
+            </a:lvl4pPr>
+            <a:lvl5pPr>
+              <a:defRPr sz="2400"/>
+            </a:lvl5pPr>
+            <a:lvl6pPr>
+              <a:defRPr sz="2400"/>
+            </a:lvl6pPr>
+            <a:lvl7pPr>
+              <a:defRPr sz="2400"/>
+            </a:lvl7pPr>
+            <a:lvl8pPr>
+              <a:defRPr sz="2400"/>
+            </a:lvl8pPr>
+            <a:lvl9pPr>
+              <a:defRPr sz="2400"/>
+            </a:lvl9pPr>
+          </a:lstStyle>
+          <a:p>
+            <a:pPr lvl="0"/>
+            <a:r>
+              <a:rPr lang="en-US"/>
+              <a:t>Click to edit Master text styles</a:t>
+            </a:r>
+          </a:p>
+          <a:p>
+            <a:pPr lvl="1"/>
+            <a:r>
+              <a:rPr lang="en-US"/>
+              <a:t>Second level</a:t>
+            </a:r>
+          </a:p>
+          <a:p>
+            <a:pPr lvl="2"/>
+            <a:r>
+              <a:rPr lang="en-US"/>
+              <a:t>Third level</a:t>
+            </a:r>
+          </a:p>
+          <a:p>
+            <a:pPr lvl="3"/>
+            <a:r>
+              <a:rPr lang="en-US"/>
+              <a:t>Fourth level</a:t>
+            </a:r>
+          </a:p>
+          <a:p>
+            <a:pPr lvl="4"/>
+            <a:r>
+              <a:rPr lang="en-US"/>
+              <a:t>Fifth level</a:t>
+            </a:r>
+          </a:p>
+        </p:txBody>
+      </p:sp>
+      <p:sp>
+        <p:nvSpPr>
+          <p:cNvPr id="5" name="Date Placeholder 4"/>
+          <p:cNvSpPr>
+            <a:spLocks noGrp="1"/>
+          </p:cNvSpPr>
+          <p:nvPr>
+            <p:ph type="dt" sz="half" idx="10"/>
+          </p:nvPr>
+        </p:nvSpPr>
+        <p:spPr/>
+        <p:txBody>
+          <a:bodyPr/>
+          <a:lstStyle/>
+          <a:p>
+            <a:fld id="{D088F999-7A4E-6B4F-9FED-EF75B73AD044}" type="datetimeFigureOut">
+              <a:rPr lang="en-US" smtClean="0"/>
+              <a:t>9/22/2021</a:t>
+            </a:fld>
+            <a:endParaRPr lang="en-US"/>
+          </a:p>
+        </p:txBody>
+      </p:sp>
+      <p:sp>
+        <p:nvSpPr>
+          <p:cNvPr id="6" name="Footer Placeholder 5"/>
+          <p:cNvSpPr>
+            <a:spLocks noGrp="1"/>
+          </p:cNvSpPr>
+          <p:nvPr>
+            <p:ph type="ftr" sz="quarter" idx="11"/>
+          </p:nvPr>
+        </p:nvSpPr>
+        <p:spPr/>
+        <p:txBody>
+          <a:bodyPr/>
+          <a:lstStyle/>
+          <a:p>
+            <a:endParaRPr lang="en-US"/>
+          </a:p>
+        </p:txBody>
+      </p:sp>
+      <p:sp>
+        <p:nvSpPr>
+          <p:cNvPr id="7" name="Slide Number Placeholder 6"/>
+          <p:cNvSpPr>
+            <a:spLocks noGrp="1"/>
+          </p:cNvSpPr>
+          <p:nvPr>
+            <p:ph type="sldNum" sz="quarter" idx="12"/>
+          </p:nvPr>
+        </p:nvSpPr>
+        <p:spPr/>
+        <p:txBody>
+          <a:bodyPr/>
+          <a:lstStyle/>
+          <a:p>
+            <a:fld id="{5D024AAD-DF78-DE44-A1F3-EEB19EDC9165}" type="slidenum">
+              <a:rPr lang="en-US" smtClean="0"/>
+              <a:t>‹#›</a:t>
+            </a:fld>
+            <a:endParaRPr lang="en-US"/>
+          </a:p>
+        </p:txBody>
+      </p:sp>
+    </p:spTree>
+    <p:extLst>
+      <p:ext uri="{BB962C8B-B14F-4D97-AF65-F5344CB8AC3E}">
+        <p14:creationId xmlns:p14="http://schemas.microsoft.com/office/powerpoint/2010/main" val="2648259686"/>
+      </p:ext>
+    </p:extLst>
+  </p:cSld>
+  <p:clrMapOvr>
+    <a:masterClrMapping/>
+  </p:clrMapOvr>
+</p:sldLayout>
+</file>
+
+<file path=ppt/slideLayouts/slideLayout16.xml><?xml version="1.0" encoding="utf-8"?>
+<p:sldLayout xmlns:a="http://schemas.openxmlformats.org/drawingml/2006/main" xmlns:r="http://schemas.openxmlformats.org/officeDocument/2006/relationships" xmlns:p="http://schemas.openxmlformats.org/presentationml/2006/main" type="twoTxTwoObj" preserve="1">
+  <p:cSld name="Comparison">
+    <p:spTree>
+      <p:nvGrpSpPr>
+        <p:cNvPr id="1" name=""/>
+        <p:cNvGrpSpPr/>
+        <p:nvPr/>
+      </p:nvGrpSpPr>
+      <p:grpSpPr>
+        <a:xfrm>
+          <a:off x="0" y="0"/>
+          <a:ext cx="0" cy="0"/>
+          <a:chOff x="0" y="0"/>
+          <a:chExt cx="0" cy="0"/>
+        </a:xfrm>
+      </p:grpSpPr>
+      <p:sp>
+        <p:nvSpPr>
+          <p:cNvPr id="2" name="Title 1"/>
+          <p:cNvSpPr>
+            <a:spLocks noGrp="1"/>
+          </p:cNvSpPr>
+          <p:nvPr>
+            <p:ph type="title"/>
+          </p:nvPr>
+        </p:nvSpPr>
+        <p:spPr/>
+        <p:txBody>
+          <a:bodyPr/>
+          <a:lstStyle>
+            <a:lvl1pPr>
+              <a:defRPr/>
+            </a:lvl1pPr>
+          </a:lstStyle>
+          <a:p>
+            <a:r>
+              <a:rPr lang="en-US"/>
+              <a:t>Click to edit Master title style</a:t>
+            </a:r>
+          </a:p>
+        </p:txBody>
+      </p:sp>
+      <p:sp>
+        <p:nvSpPr>
+          <p:cNvPr id="3" name="Text Placeholder 2"/>
+          <p:cNvSpPr>
+            <a:spLocks noGrp="1"/>
+          </p:cNvSpPr>
+          <p:nvPr>
+            <p:ph type="body" idx="1"/>
+          </p:nvPr>
+        </p:nvSpPr>
+        <p:spPr>
+          <a:xfrm>
+            <a:off x="609600" y="1534584"/>
+            <a:ext cx="5386917" cy="641349"/>
+          </a:xfrm>
+        </p:spPr>
+        <p:txBody>
+          <a:bodyPr anchor="b"/>
+          <a:lstStyle>
+            <a:lvl1pPr marL="0" indent="0">
+              <a:buNone/>
+              <a:defRPr sz="3200" b="1"/>
+            </a:lvl1pPr>
+            <a:lvl2pPr marL="609585" indent="0">
+              <a:buNone/>
+              <a:defRPr sz="2667" b="1"/>
+            </a:lvl2pPr>
+            <a:lvl3pPr marL="1219170" indent="0">
+              <a:buNone/>
+              <a:defRPr sz="2400" b="1"/>
+            </a:lvl3pPr>
+            <a:lvl4pPr marL="1828754" indent="0">
+              <a:buNone/>
+              <a:defRPr sz="2133" b="1"/>
+            </a:lvl4pPr>
+            <a:lvl5pPr marL="2438339" indent="0">
+              <a:buNone/>
+              <a:defRPr sz="2133" b="1"/>
+            </a:lvl5pPr>
+            <a:lvl6pPr marL="3047924" indent="0">
+              <a:buNone/>
+              <a:defRPr sz="2133" b="1"/>
+            </a:lvl6pPr>
+            <a:lvl7pPr marL="3657509" indent="0">
+              <a:buNone/>
+              <a:defRPr sz="2133" b="1"/>
+            </a:lvl7pPr>
+            <a:lvl8pPr marL="4267093" indent="0">
+              <a:buNone/>
+              <a:defRPr sz="2133" b="1"/>
+            </a:lvl8pPr>
+            <a:lvl9pPr marL="4876678" indent="0">
+              <a:buNone/>
+              <a:defRPr sz="2133" b="1"/>
+            </a:lvl9pPr>
+          </a:lstStyle>
+          <a:p>
+            <a:pPr lvl="0"/>
+            <a:r>
+              <a:rPr lang="en-US"/>
+              <a:t>Click to edit Master text styles</a:t>
+            </a:r>
+          </a:p>
+        </p:txBody>
+      </p:sp>
+      <p:sp>
+        <p:nvSpPr>
+          <p:cNvPr id="4" name="Content Placeholder 3"/>
+          <p:cNvSpPr>
+            <a:spLocks noGrp="1"/>
+          </p:cNvSpPr>
+          <p:nvPr>
+            <p:ph sz="half" idx="2"/>
+          </p:nvPr>
+        </p:nvSpPr>
+        <p:spPr>
+          <a:xfrm>
+            <a:off x="609600" y="2175934"/>
+            <a:ext cx="5386917" cy="3949700"/>
+          </a:xfrm>
+        </p:spPr>
+        <p:txBody>
+          <a:bodyPr/>
+          <a:lstStyle>
+            <a:lvl1pPr>
+              <a:defRPr sz="3200"/>
+            </a:lvl1pPr>
+            <a:lvl2pPr>
+              <a:defRPr sz="2667"/>
+            </a:lvl2pPr>
+            <a:lvl3pPr>
+              <a:defRPr sz="2400"/>
+            </a:lvl3pPr>
+            <a:lvl4pPr>
+              <a:defRPr sz="2133"/>
+            </a:lvl4pPr>
+            <a:lvl5pPr>
+              <a:defRPr sz="2133"/>
+            </a:lvl5pPr>
+            <a:lvl6pPr>
+              <a:defRPr sz="2133"/>
+            </a:lvl6pPr>
+            <a:lvl7pPr>
+              <a:defRPr sz="2133"/>
+            </a:lvl7pPr>
+            <a:lvl8pPr>
+              <a:defRPr sz="2133"/>
+            </a:lvl8pPr>
+            <a:lvl9pPr>
+              <a:defRPr sz="2133"/>
+            </a:lvl9pPr>
+          </a:lstStyle>
+          <a:p>
+            <a:pPr lvl="0"/>
+            <a:r>
+              <a:rPr lang="en-US"/>
+              <a:t>Click to edit Master text styles</a:t>
+            </a:r>
+          </a:p>
+          <a:p>
+            <a:pPr lvl="1"/>
+            <a:r>
+              <a:rPr lang="en-US"/>
+              <a:t>Second level</a:t>
+            </a:r>
+          </a:p>
+          <a:p>
+            <a:pPr lvl="2"/>
+            <a:r>
+              <a:rPr lang="en-US"/>
+              <a:t>Third level</a:t>
+            </a:r>
+          </a:p>
+          <a:p>
+            <a:pPr lvl="3"/>
+            <a:r>
+              <a:rPr lang="en-US"/>
+              <a:t>Fourth level</a:t>
+            </a:r>
+          </a:p>
+          <a:p>
+            <a:pPr lvl="4"/>
+            <a:r>
+              <a:rPr lang="en-US"/>
+              <a:t>Fifth level</a:t>
+            </a:r>
+          </a:p>
+        </p:txBody>
+      </p:sp>
+      <p:sp>
+        <p:nvSpPr>
+          <p:cNvPr id="5" name="Text Placeholder 4"/>
+          <p:cNvSpPr>
+            <a:spLocks noGrp="1"/>
+          </p:cNvSpPr>
+          <p:nvPr>
+            <p:ph type="body" sz="quarter" idx="3"/>
+          </p:nvPr>
+        </p:nvSpPr>
+        <p:spPr>
+          <a:xfrm>
+            <a:off x="6193368" y="1534584"/>
+            <a:ext cx="5389033" cy="641349"/>
+          </a:xfrm>
+        </p:spPr>
+        <p:txBody>
+          <a:bodyPr anchor="b"/>
+          <a:lstStyle>
+            <a:lvl1pPr marL="0" indent="0">
+              <a:buNone/>
+              <a:defRPr sz="3200" b="1"/>
+            </a:lvl1pPr>
+            <a:lvl2pPr marL="609585" indent="0">
+              <a:buNone/>
+              <a:defRPr sz="2667" b="1"/>
+            </a:lvl2pPr>
+            <a:lvl3pPr marL="1219170" indent="0">
+              <a:buNone/>
+              <a:defRPr sz="2400" b="1"/>
+            </a:lvl3pPr>
+            <a:lvl4pPr marL="1828754" indent="0">
+              <a:buNone/>
+              <a:defRPr sz="2133" b="1"/>
+            </a:lvl4pPr>
+            <a:lvl5pPr marL="2438339" indent="0">
+              <a:buNone/>
+              <a:defRPr sz="2133" b="1"/>
+            </a:lvl5pPr>
+            <a:lvl6pPr marL="3047924" indent="0">
+              <a:buNone/>
+              <a:defRPr sz="2133" b="1"/>
+            </a:lvl6pPr>
+            <a:lvl7pPr marL="3657509" indent="0">
+              <a:buNone/>
+              <a:defRPr sz="2133" b="1"/>
+            </a:lvl7pPr>
+            <a:lvl8pPr marL="4267093" indent="0">
+              <a:buNone/>
+              <a:defRPr sz="2133" b="1"/>
+            </a:lvl8pPr>
+            <a:lvl9pPr marL="4876678" indent="0">
+              <a:buNone/>
+              <a:defRPr sz="2133" b="1"/>
+            </a:lvl9pPr>
+          </a:lstStyle>
+          <a:p>
+            <a:pPr lvl="0"/>
+            <a:r>
+              <a:rPr lang="en-US"/>
+              <a:t>Click to edit Master text styles</a:t>
+            </a:r>
+          </a:p>
+        </p:txBody>
+      </p:sp>
+      <p:sp>
+        <p:nvSpPr>
+          <p:cNvPr id="6" name="Content Placeholder 5"/>
+          <p:cNvSpPr>
+            <a:spLocks noGrp="1"/>
+          </p:cNvSpPr>
+          <p:nvPr>
+            <p:ph sz="quarter" idx="4"/>
+          </p:nvPr>
+        </p:nvSpPr>
+        <p:spPr>
+          <a:xfrm>
+            <a:off x="6193368" y="2175934"/>
+            <a:ext cx="5389033" cy="3949700"/>
+          </a:xfrm>
+        </p:spPr>
+        <p:txBody>
+          <a:bodyPr/>
+          <a:lstStyle>
+            <a:lvl1pPr>
+              <a:defRPr sz="3200"/>
+            </a:lvl1pPr>
+            <a:lvl2pPr>
+              <a:defRPr sz="2667"/>
+            </a:lvl2pPr>
+            <a:lvl3pPr>
+              <a:defRPr sz="2400"/>
+            </a:lvl3pPr>
+            <a:lvl4pPr>
+              <a:defRPr sz="2133"/>
+            </a:lvl4pPr>
+            <a:lvl5pPr>
+              <a:defRPr sz="2133"/>
+            </a:lvl5pPr>
+            <a:lvl6pPr>
+              <a:defRPr sz="2133"/>
+            </a:lvl6pPr>
+            <a:lvl7pPr>
+              <a:defRPr sz="2133"/>
+            </a:lvl7pPr>
+            <a:lvl8pPr>
+              <a:defRPr sz="2133"/>
+            </a:lvl8pPr>
+            <a:lvl9pPr>
+              <a:defRPr sz="2133"/>
+            </a:lvl9pPr>
+          </a:lstStyle>
+          <a:p>
+            <a:pPr lvl="0"/>
+            <a:r>
+              <a:rPr lang="en-US"/>
+              <a:t>Click to edit Master text styles</a:t>
+            </a:r>
+          </a:p>
+          <a:p>
+            <a:pPr lvl="1"/>
+            <a:r>
+              <a:rPr lang="en-US"/>
+              <a:t>Second level</a:t>
+            </a:r>
+          </a:p>
+          <a:p>
+            <a:pPr lvl="2"/>
+            <a:r>
+              <a:rPr lang="en-US"/>
+              <a:t>Third level</a:t>
+            </a:r>
+          </a:p>
+          <a:p>
+            <a:pPr lvl="3"/>
+            <a:r>
+              <a:rPr lang="en-US"/>
+              <a:t>Fourth level</a:t>
+            </a:r>
+          </a:p>
+          <a:p>
+            <a:pPr lvl="4"/>
+            <a:r>
+              <a:rPr lang="en-US"/>
+              <a:t>Fifth level</a:t>
+            </a:r>
+          </a:p>
+        </p:txBody>
+      </p:sp>
+      <p:sp>
+        <p:nvSpPr>
+          <p:cNvPr id="7" name="Date Placeholder 6"/>
+          <p:cNvSpPr>
+            <a:spLocks noGrp="1"/>
+          </p:cNvSpPr>
+          <p:nvPr>
+            <p:ph type="dt" sz="half" idx="10"/>
+          </p:nvPr>
+        </p:nvSpPr>
+        <p:spPr/>
+        <p:txBody>
+          <a:bodyPr/>
+          <a:lstStyle/>
+          <a:p>
+            <a:fld id="{D088F999-7A4E-6B4F-9FED-EF75B73AD044}" type="datetimeFigureOut">
+              <a:rPr lang="en-US" smtClean="0"/>
+              <a:t>9/22/2021</a:t>
+            </a:fld>
+            <a:endParaRPr lang="en-US"/>
+          </a:p>
+        </p:txBody>
+      </p:sp>
+      <p:sp>
+        <p:nvSpPr>
+          <p:cNvPr id="8" name="Footer Placeholder 7"/>
+          <p:cNvSpPr>
+            <a:spLocks noGrp="1"/>
+          </p:cNvSpPr>
+          <p:nvPr>
+            <p:ph type="ftr" sz="quarter" idx="11"/>
+          </p:nvPr>
+        </p:nvSpPr>
+        <p:spPr/>
+        <p:txBody>
+          <a:bodyPr/>
+          <a:lstStyle/>
+          <a:p>
+            <a:endParaRPr lang="en-US"/>
+          </a:p>
+        </p:txBody>
+      </p:sp>
+      <p:sp>
+        <p:nvSpPr>
+          <p:cNvPr id="9" name="Slide Number Placeholder 8"/>
+          <p:cNvSpPr>
+            <a:spLocks noGrp="1"/>
+          </p:cNvSpPr>
+          <p:nvPr>
+            <p:ph type="sldNum" sz="quarter" idx="12"/>
+          </p:nvPr>
+        </p:nvSpPr>
+        <p:spPr/>
+        <p:txBody>
+          <a:bodyPr/>
+          <a:lstStyle/>
+          <a:p>
+            <a:fld id="{5D024AAD-DF78-DE44-A1F3-EEB19EDC9165}" type="slidenum">
+              <a:rPr lang="en-US" smtClean="0"/>
+              <a:t>‹#›</a:t>
+            </a:fld>
+            <a:endParaRPr lang="en-US"/>
+          </a:p>
+        </p:txBody>
+      </p:sp>
+    </p:spTree>
+    <p:extLst>
+      <p:ext uri="{BB962C8B-B14F-4D97-AF65-F5344CB8AC3E}">
+        <p14:creationId xmlns:p14="http://schemas.microsoft.com/office/powerpoint/2010/main" val="3365376116"/>
+      </p:ext>
+    </p:extLst>
+  </p:cSld>
+  <p:clrMapOvr>
+    <a:masterClrMapping/>
+  </p:clrMapOvr>
+</p:sldLayout>
+</file>
+
+<file path=ppt/slideLayouts/slideLayout17.xml><?xml version="1.0" encoding="utf-8"?>
+<p:sldLayout xmlns:a="http://schemas.openxmlformats.org/drawingml/2006/main" xmlns:r="http://schemas.openxmlformats.org/officeDocument/2006/relationships" xmlns:p="http://schemas.openxmlformats.org/presentationml/2006/main" type="titleOnly" preserve="1">
+  <p:cSld name="Title Only">
+    <p:spTree>
+      <p:nvGrpSpPr>
+        <p:cNvPr id="1" name=""/>
+        <p:cNvGrpSpPr/>
+        <p:nvPr/>
+      </p:nvGrpSpPr>
+      <p:grpSpPr>
+        <a:xfrm>
+          <a:off x="0" y="0"/>
+          <a:ext cx="0" cy="0"/>
+          <a:chOff x="0" y="0"/>
+          <a:chExt cx="0" cy="0"/>
+        </a:xfrm>
+      </p:grpSpPr>
+      <p:sp>
+        <p:nvSpPr>
+          <p:cNvPr id="2" name="Title 1"/>
+          <p:cNvSpPr>
+            <a:spLocks noGrp="1"/>
+          </p:cNvSpPr>
+          <p:nvPr>
+            <p:ph type="title"/>
+          </p:nvPr>
+        </p:nvSpPr>
+        <p:spPr/>
+        <p:txBody>
+          <a:bodyPr/>
+          <a:lstStyle/>
+          <a:p>
+            <a:r>
+              <a:rPr lang="en-US"/>
+              <a:t>Click to edit Master title style</a:t>
+            </a:r>
+          </a:p>
+        </p:txBody>
+      </p:sp>
+      <p:sp>
+        <p:nvSpPr>
+          <p:cNvPr id="3" name="Date Placeholder 2"/>
+          <p:cNvSpPr>
+            <a:spLocks noGrp="1"/>
+          </p:cNvSpPr>
+          <p:nvPr>
+            <p:ph type="dt" sz="half" idx="10"/>
+          </p:nvPr>
+        </p:nvSpPr>
+        <p:spPr/>
+        <p:txBody>
+          <a:bodyPr/>
+          <a:lstStyle/>
+          <a:p>
+            <a:fld id="{D088F999-7A4E-6B4F-9FED-EF75B73AD044}" type="datetimeFigureOut">
+              <a:rPr lang="en-US" smtClean="0"/>
+              <a:t>9/22/2021</a:t>
+            </a:fld>
+            <a:endParaRPr lang="en-US"/>
+          </a:p>
+        </p:txBody>
+      </p:sp>
+      <p:sp>
+        <p:nvSpPr>
+          <p:cNvPr id="4" name="Footer Placeholder 3"/>
+          <p:cNvSpPr>
+            <a:spLocks noGrp="1"/>
+          </p:cNvSpPr>
+          <p:nvPr>
+            <p:ph type="ftr" sz="quarter" idx="11"/>
+          </p:nvPr>
+        </p:nvSpPr>
+        <p:spPr/>
+        <p:txBody>
+          <a:bodyPr/>
+          <a:lstStyle/>
+          <a:p>
+            <a:endParaRPr lang="en-US"/>
+          </a:p>
+        </p:txBody>
+      </p:sp>
+      <p:sp>
+        <p:nvSpPr>
+          <p:cNvPr id="5" name="Slide Number Placeholder 4"/>
+          <p:cNvSpPr>
+            <a:spLocks noGrp="1"/>
+          </p:cNvSpPr>
+          <p:nvPr>
+            <p:ph type="sldNum" sz="quarter" idx="12"/>
+          </p:nvPr>
+        </p:nvSpPr>
+        <p:spPr/>
+        <p:txBody>
+          <a:bodyPr/>
+          <a:lstStyle/>
+          <a:p>
+            <a:fld id="{5D024AAD-DF78-DE44-A1F3-EEB19EDC9165}" type="slidenum">
+              <a:rPr lang="en-US" smtClean="0"/>
+              <a:t>‹#›</a:t>
+            </a:fld>
+            <a:endParaRPr lang="en-US"/>
+          </a:p>
+        </p:txBody>
+      </p:sp>
+    </p:spTree>
+    <p:extLst>
+      <p:ext uri="{BB962C8B-B14F-4D97-AF65-F5344CB8AC3E}">
+        <p14:creationId xmlns:p14="http://schemas.microsoft.com/office/powerpoint/2010/main" val="1053030218"/>
+      </p:ext>
+    </p:extLst>
+  </p:cSld>
+  <p:clrMapOvr>
+    <a:masterClrMapping/>
+  </p:clrMapOvr>
+</p:sldLayout>
+</file>
+
+<file path=ppt/slideLayouts/slideLayout18.xml><?xml version="1.0" encoding="utf-8"?>
+<p:sldLayout xmlns:a="http://schemas.openxmlformats.org/drawingml/2006/main" xmlns:r="http://schemas.openxmlformats.org/officeDocument/2006/relationships" xmlns:p="http://schemas.openxmlformats.org/presentationml/2006/main" type="blank" preserve="1">
+  <p:cSld name="Blank">
+    <p:spTree>
+      <p:nvGrpSpPr>
+        <p:cNvPr id="1" name=""/>
+        <p:cNvGrpSpPr/>
+        <p:nvPr/>
+      </p:nvGrpSpPr>
+      <p:grpSpPr>
+        <a:xfrm>
+          <a:off x="0" y="0"/>
+          <a:ext cx="0" cy="0"/>
+          <a:chOff x="0" y="0"/>
+          <a:chExt cx="0" cy="0"/>
+        </a:xfrm>
+      </p:grpSpPr>
+      <p:sp>
+        <p:nvSpPr>
+          <p:cNvPr id="2" name="Date Placeholder 1"/>
+          <p:cNvSpPr>
+            <a:spLocks noGrp="1"/>
+          </p:cNvSpPr>
+          <p:nvPr>
+            <p:ph type="dt" sz="half" idx="10"/>
+          </p:nvPr>
+        </p:nvSpPr>
+        <p:spPr/>
+        <p:txBody>
+          <a:bodyPr/>
+          <a:lstStyle/>
+          <a:p>
+            <a:fld id="{D088F999-7A4E-6B4F-9FED-EF75B73AD044}" type="datetimeFigureOut">
+              <a:rPr lang="en-US" smtClean="0"/>
+              <a:t>9/22/2021</a:t>
+            </a:fld>
+            <a:endParaRPr lang="en-US"/>
+          </a:p>
+        </p:txBody>
+      </p:sp>
+      <p:sp>
+        <p:nvSpPr>
+          <p:cNvPr id="3" name="Footer Placeholder 2"/>
+          <p:cNvSpPr>
+            <a:spLocks noGrp="1"/>
+          </p:cNvSpPr>
+          <p:nvPr>
+            <p:ph type="ftr" sz="quarter" idx="11"/>
+          </p:nvPr>
+        </p:nvSpPr>
+        <p:spPr/>
+        <p:txBody>
+          <a:bodyPr/>
+          <a:lstStyle/>
+          <a:p>
+            <a:endParaRPr lang="en-US"/>
+          </a:p>
+        </p:txBody>
+      </p:sp>
+      <p:sp>
+        <p:nvSpPr>
+          <p:cNvPr id="4" name="Slide Number Placeholder 3"/>
+          <p:cNvSpPr>
+            <a:spLocks noGrp="1"/>
+          </p:cNvSpPr>
+          <p:nvPr>
+            <p:ph type="sldNum" sz="quarter" idx="12"/>
+          </p:nvPr>
+        </p:nvSpPr>
+        <p:spPr/>
+        <p:txBody>
+          <a:bodyPr/>
+          <a:lstStyle/>
+          <a:p>
+            <a:fld id="{5D024AAD-DF78-DE44-A1F3-EEB19EDC9165}" type="slidenum">
+              <a:rPr lang="en-US" smtClean="0"/>
+              <a:t>‹#›</a:t>
+            </a:fld>
+            <a:endParaRPr lang="en-US"/>
+          </a:p>
+        </p:txBody>
+      </p:sp>
+    </p:spTree>
+    <p:extLst>
+      <p:ext uri="{BB962C8B-B14F-4D97-AF65-F5344CB8AC3E}">
+        <p14:creationId xmlns:p14="http://schemas.microsoft.com/office/powerpoint/2010/main" val="1122067449"/>
+      </p:ext>
+    </p:extLst>
+  </p:cSld>
+  <p:clrMapOvr>
+    <a:masterClrMapping/>
+  </p:clrMapOvr>
+</p:sldLayout>
+</file>
+
+<file path=ppt/slideLayouts/slideLayout19.xml><?xml version="1.0" encoding="utf-8"?>
+<p:sldLayout xmlns:a="http://schemas.openxmlformats.org/drawingml/2006/main" xmlns:r="http://schemas.openxmlformats.org/officeDocument/2006/relationships" xmlns:p="http://schemas.openxmlformats.org/presentationml/2006/main" type="objTx" preserve="1">
+  <p:cSld name="Content with Caption">
+    <p:spTree>
+      <p:nvGrpSpPr>
+        <p:cNvPr id="1" name=""/>
+        <p:cNvGrpSpPr/>
+        <p:nvPr/>
+      </p:nvGrpSpPr>
+      <p:grpSpPr>
+        <a:xfrm>
+          <a:off x="0" y="0"/>
+          <a:ext cx="0" cy="0"/>
+          <a:chOff x="0" y="0"/>
+          <a:chExt cx="0" cy="0"/>
+        </a:xfrm>
+      </p:grpSpPr>
+      <p:sp>
+        <p:nvSpPr>
+          <p:cNvPr id="2" name="Title 1"/>
+          <p:cNvSpPr>
+            <a:spLocks noGrp="1"/>
+          </p:cNvSpPr>
+          <p:nvPr>
+            <p:ph type="title"/>
+          </p:nvPr>
+        </p:nvSpPr>
+        <p:spPr>
+          <a:xfrm>
+            <a:off x="609601" y="273052"/>
+            <a:ext cx="4011084" cy="1162049"/>
+          </a:xfrm>
+        </p:spPr>
+        <p:txBody>
+          <a:bodyPr anchor="b"/>
+          <a:lstStyle>
+            <a:lvl1pPr algn="l">
+              <a:defRPr sz="2667" b="1"/>
+            </a:lvl1pPr>
+          </a:lstStyle>
+          <a:p>
+            <a:r>
+              <a:rPr lang="en-US"/>
+              <a:t>Click to edit Master title style</a:t>
+            </a:r>
+          </a:p>
+        </p:txBody>
+      </p:sp>
+      <p:sp>
+        <p:nvSpPr>
+          <p:cNvPr id="3" name="Content Placeholder 2"/>
+          <p:cNvSpPr>
+            <a:spLocks noGrp="1"/>
+          </p:cNvSpPr>
+          <p:nvPr>
+            <p:ph idx="1"/>
+          </p:nvPr>
+        </p:nvSpPr>
+        <p:spPr>
+          <a:xfrm>
+            <a:off x="4766733" y="273051"/>
+            <a:ext cx="6815667" cy="5852583"/>
+          </a:xfrm>
+        </p:spPr>
+        <p:txBody>
+          <a:bodyPr/>
+          <a:lstStyle>
+            <a:lvl1pPr>
+              <a:defRPr sz="4267"/>
+            </a:lvl1pPr>
+            <a:lvl2pPr>
+              <a:defRPr sz="3733"/>
+            </a:lvl2pPr>
+            <a:lvl3pPr>
+              <a:defRPr sz="3200"/>
+            </a:lvl3pPr>
+            <a:lvl4pPr>
+              <a:defRPr sz="2667"/>
+            </a:lvl4pPr>
+            <a:lvl5pPr>
+              <a:defRPr sz="2667"/>
+            </a:lvl5pPr>
+            <a:lvl6pPr>
+              <a:defRPr sz="2667"/>
+            </a:lvl6pPr>
+            <a:lvl7pPr>
+              <a:defRPr sz="2667"/>
+            </a:lvl7pPr>
+            <a:lvl8pPr>
+              <a:defRPr sz="2667"/>
+            </a:lvl8pPr>
+            <a:lvl9pPr>
+              <a:defRPr sz="2667"/>
+            </a:lvl9pPr>
+          </a:lstStyle>
+          <a:p>
+            <a:pPr lvl="0"/>
+            <a:r>
+              <a:rPr lang="en-US"/>
+              <a:t>Click to edit Master text styles</a:t>
+            </a:r>
+          </a:p>
+          <a:p>
+            <a:pPr lvl="1"/>
+            <a:r>
+              <a:rPr lang="en-US"/>
+              <a:t>Second level</a:t>
+            </a:r>
+          </a:p>
+          <a:p>
+            <a:pPr lvl="2"/>
+            <a:r>
+              <a:rPr lang="en-US"/>
+              <a:t>Third level</a:t>
+            </a:r>
+          </a:p>
+          <a:p>
+            <a:pPr lvl="3"/>
+            <a:r>
+              <a:rPr lang="en-US"/>
+              <a:t>Fourth level</a:t>
+            </a:r>
+          </a:p>
+          <a:p>
+            <a:pPr lvl="4"/>
+            <a:r>
+              <a:rPr lang="en-US"/>
+              <a:t>Fifth level</a:t>
+            </a:r>
+          </a:p>
+        </p:txBody>
+      </p:sp>
+      <p:sp>
+        <p:nvSpPr>
+          <p:cNvPr id="4" name="Text Placeholder 3"/>
+          <p:cNvSpPr>
+            <a:spLocks noGrp="1"/>
+          </p:cNvSpPr>
+          <p:nvPr>
+            <p:ph type="body" sz="half" idx="2"/>
+          </p:nvPr>
+        </p:nvSpPr>
+        <p:spPr>
+          <a:xfrm>
+            <a:off x="609601" y="1435100"/>
+            <a:ext cx="4011084" cy="4690533"/>
+          </a:xfrm>
+        </p:spPr>
+        <p:txBody>
+          <a:bodyPr/>
+          <a:lstStyle>
+            <a:lvl1pPr marL="0" indent="0">
+              <a:buNone/>
+              <a:defRPr sz="1867"/>
+            </a:lvl1pPr>
+            <a:lvl2pPr marL="609585" indent="0">
+              <a:buNone/>
+              <a:defRPr sz="1600"/>
+            </a:lvl2pPr>
+            <a:lvl3pPr marL="1219170" indent="0">
+              <a:buNone/>
+              <a:defRPr sz="1333"/>
+            </a:lvl3pPr>
+            <a:lvl4pPr marL="1828754" indent="0">
+              <a:buNone/>
+              <a:defRPr sz="1200"/>
+            </a:lvl4pPr>
+            <a:lvl5pPr marL="2438339" indent="0">
+              <a:buNone/>
+              <a:defRPr sz="1200"/>
+            </a:lvl5pPr>
+            <a:lvl6pPr marL="3047924" indent="0">
+              <a:buNone/>
+              <a:defRPr sz="1200"/>
+            </a:lvl6pPr>
+            <a:lvl7pPr marL="3657509" indent="0">
+              <a:buNone/>
+              <a:defRPr sz="1200"/>
+            </a:lvl7pPr>
+            <a:lvl8pPr marL="4267093" indent="0">
+              <a:buNone/>
+              <a:defRPr sz="1200"/>
+            </a:lvl8pPr>
+            <a:lvl9pPr marL="4876678" indent="0">
+              <a:buNone/>
+              <a:defRPr sz="1200"/>
+            </a:lvl9pPr>
+          </a:lstStyle>
+          <a:p>
+            <a:pPr lvl="0"/>
+            <a:r>
+              <a:rPr lang="en-US"/>
+              <a:t>Click to edit Master text styles</a:t>
+            </a:r>
+          </a:p>
+        </p:txBody>
+      </p:sp>
+      <p:sp>
+        <p:nvSpPr>
+          <p:cNvPr id="5" name="Date Placeholder 4"/>
+          <p:cNvSpPr>
+            <a:spLocks noGrp="1"/>
+          </p:cNvSpPr>
+          <p:nvPr>
+            <p:ph type="dt" sz="half" idx="10"/>
+          </p:nvPr>
+        </p:nvSpPr>
+        <p:spPr/>
+        <p:txBody>
+          <a:bodyPr/>
+          <a:lstStyle/>
+          <a:p>
+            <a:fld id="{D088F999-7A4E-6B4F-9FED-EF75B73AD044}" type="datetimeFigureOut">
+              <a:rPr lang="en-US" smtClean="0"/>
+              <a:t>9/22/2021</a:t>
+            </a:fld>
+            <a:endParaRPr lang="en-US"/>
+          </a:p>
+        </p:txBody>
+      </p:sp>
+      <p:sp>
+        <p:nvSpPr>
+          <p:cNvPr id="6" name="Footer Placeholder 5"/>
+          <p:cNvSpPr>
+            <a:spLocks noGrp="1"/>
+          </p:cNvSpPr>
+          <p:nvPr>
+            <p:ph type="ftr" sz="quarter" idx="11"/>
+          </p:nvPr>
+        </p:nvSpPr>
+        <p:spPr/>
+        <p:txBody>
+          <a:bodyPr/>
+          <a:lstStyle/>
+          <a:p>
+            <a:endParaRPr lang="en-US"/>
+          </a:p>
+        </p:txBody>
+      </p:sp>
+      <p:sp>
+        <p:nvSpPr>
+          <p:cNvPr id="7" name="Slide Number Placeholder 6"/>
+          <p:cNvSpPr>
+            <a:spLocks noGrp="1"/>
+          </p:cNvSpPr>
+          <p:nvPr>
+            <p:ph type="sldNum" sz="quarter" idx="12"/>
+          </p:nvPr>
+        </p:nvSpPr>
+        <p:spPr/>
+        <p:txBody>
+          <a:bodyPr/>
+          <a:lstStyle/>
+          <a:p>
+            <a:fld id="{5D024AAD-DF78-DE44-A1F3-EEB19EDC9165}" type="slidenum">
+              <a:rPr lang="en-US" smtClean="0"/>
+              <a:t>‹#›</a:t>
+            </a:fld>
+            <a:endParaRPr lang="en-US"/>
+          </a:p>
+        </p:txBody>
+      </p:sp>
+    </p:spTree>
+    <p:extLst>
+      <p:ext uri="{BB962C8B-B14F-4D97-AF65-F5344CB8AC3E}">
+        <p14:creationId xmlns:p14="http://schemas.microsoft.com/office/powerpoint/2010/main" val="204562592"/>
       </p:ext>
     </p:extLst>
   </p:cSld>
@@ -977,7 +3327,7 @@
           <a:p>
             <a:fld id="{EBB1B3D4-265D-4665-ADC9-1438520F930D}" type="datetimeFigureOut">
               <a:rPr lang="en-US" smtClean="0"/>
-              <a:t>9/15/2021</a:t>
+              <a:t>9/22/2021</a:t>
             </a:fld>
             <a:endParaRPr lang="en-US"/>
           </a:p>
@@ -1029,6 +3379,604 @@
     <p:extLst>
       <p:ext uri="{BB962C8B-B14F-4D97-AF65-F5344CB8AC3E}">
         <p14:creationId xmlns:p14="http://schemas.microsoft.com/office/powerpoint/2010/main" val="4139327224"/>
+      </p:ext>
+    </p:extLst>
+  </p:cSld>
+  <p:clrMapOvr>
+    <a:masterClrMapping/>
+  </p:clrMapOvr>
+</p:sldLayout>
+</file>
+
+<file path=ppt/slideLayouts/slideLayout20.xml><?xml version="1.0" encoding="utf-8"?>
+<p:sldLayout xmlns:a="http://schemas.openxmlformats.org/drawingml/2006/main" xmlns:r="http://schemas.openxmlformats.org/officeDocument/2006/relationships" xmlns:p="http://schemas.openxmlformats.org/presentationml/2006/main" type="picTx" preserve="1">
+  <p:cSld name="Picture with Caption">
+    <p:spTree>
+      <p:nvGrpSpPr>
+        <p:cNvPr id="1" name=""/>
+        <p:cNvGrpSpPr/>
+        <p:nvPr/>
+      </p:nvGrpSpPr>
+      <p:grpSpPr>
+        <a:xfrm>
+          <a:off x="0" y="0"/>
+          <a:ext cx="0" cy="0"/>
+          <a:chOff x="0" y="0"/>
+          <a:chExt cx="0" cy="0"/>
+        </a:xfrm>
+      </p:grpSpPr>
+      <p:sp>
+        <p:nvSpPr>
+          <p:cNvPr id="2" name="Title 1"/>
+          <p:cNvSpPr>
+            <a:spLocks noGrp="1"/>
+          </p:cNvSpPr>
+          <p:nvPr>
+            <p:ph type="title"/>
+          </p:nvPr>
+        </p:nvSpPr>
+        <p:spPr>
+          <a:xfrm>
+            <a:off x="2389717" y="4800600"/>
+            <a:ext cx="7315200" cy="567267"/>
+          </a:xfrm>
+        </p:spPr>
+        <p:txBody>
+          <a:bodyPr anchor="b"/>
+          <a:lstStyle>
+            <a:lvl1pPr algn="l">
+              <a:defRPr sz="2667" b="1"/>
+            </a:lvl1pPr>
+          </a:lstStyle>
+          <a:p>
+            <a:r>
+              <a:rPr lang="en-US"/>
+              <a:t>Click to edit Master title style</a:t>
+            </a:r>
+          </a:p>
+        </p:txBody>
+      </p:sp>
+      <p:sp>
+        <p:nvSpPr>
+          <p:cNvPr id="3" name="Picture Placeholder 2"/>
+          <p:cNvSpPr>
+            <a:spLocks noGrp="1"/>
+          </p:cNvSpPr>
+          <p:nvPr>
+            <p:ph type="pic" idx="1"/>
+          </p:nvPr>
+        </p:nvSpPr>
+        <p:spPr>
+          <a:xfrm>
+            <a:off x="2389717" y="613833"/>
+            <a:ext cx="7315200" cy="4114800"/>
+          </a:xfrm>
+        </p:spPr>
+        <p:txBody>
+          <a:bodyPr/>
+          <a:lstStyle>
+            <a:lvl1pPr marL="0" indent="0">
+              <a:buNone/>
+              <a:defRPr sz="4267"/>
+            </a:lvl1pPr>
+            <a:lvl2pPr marL="609585" indent="0">
+              <a:buNone/>
+              <a:defRPr sz="3733"/>
+            </a:lvl2pPr>
+            <a:lvl3pPr marL="1219170" indent="0">
+              <a:buNone/>
+              <a:defRPr sz="3200"/>
+            </a:lvl3pPr>
+            <a:lvl4pPr marL="1828754" indent="0">
+              <a:buNone/>
+              <a:defRPr sz="2667"/>
+            </a:lvl4pPr>
+            <a:lvl5pPr marL="2438339" indent="0">
+              <a:buNone/>
+              <a:defRPr sz="2667"/>
+            </a:lvl5pPr>
+            <a:lvl6pPr marL="3047924" indent="0">
+              <a:buNone/>
+              <a:defRPr sz="2667"/>
+            </a:lvl6pPr>
+            <a:lvl7pPr marL="3657509" indent="0">
+              <a:buNone/>
+              <a:defRPr sz="2667"/>
+            </a:lvl7pPr>
+            <a:lvl8pPr marL="4267093" indent="0">
+              <a:buNone/>
+              <a:defRPr sz="2667"/>
+            </a:lvl8pPr>
+            <a:lvl9pPr marL="4876678" indent="0">
+              <a:buNone/>
+              <a:defRPr sz="2667"/>
+            </a:lvl9pPr>
+          </a:lstStyle>
+          <a:p>
+            <a:endParaRPr lang="en-US"/>
+          </a:p>
+        </p:txBody>
+      </p:sp>
+      <p:sp>
+        <p:nvSpPr>
+          <p:cNvPr id="4" name="Text Placeholder 3"/>
+          <p:cNvSpPr>
+            <a:spLocks noGrp="1"/>
+          </p:cNvSpPr>
+          <p:nvPr>
+            <p:ph type="body" sz="half" idx="2"/>
+          </p:nvPr>
+        </p:nvSpPr>
+        <p:spPr>
+          <a:xfrm>
+            <a:off x="2389717" y="5367867"/>
+            <a:ext cx="7315200" cy="804333"/>
+          </a:xfrm>
+        </p:spPr>
+        <p:txBody>
+          <a:bodyPr/>
+          <a:lstStyle>
+            <a:lvl1pPr marL="0" indent="0">
+              <a:buNone/>
+              <a:defRPr sz="1867"/>
+            </a:lvl1pPr>
+            <a:lvl2pPr marL="609585" indent="0">
+              <a:buNone/>
+              <a:defRPr sz="1600"/>
+            </a:lvl2pPr>
+            <a:lvl3pPr marL="1219170" indent="0">
+              <a:buNone/>
+              <a:defRPr sz="1333"/>
+            </a:lvl3pPr>
+            <a:lvl4pPr marL="1828754" indent="0">
+              <a:buNone/>
+              <a:defRPr sz="1200"/>
+            </a:lvl4pPr>
+            <a:lvl5pPr marL="2438339" indent="0">
+              <a:buNone/>
+              <a:defRPr sz="1200"/>
+            </a:lvl5pPr>
+            <a:lvl6pPr marL="3047924" indent="0">
+              <a:buNone/>
+              <a:defRPr sz="1200"/>
+            </a:lvl6pPr>
+            <a:lvl7pPr marL="3657509" indent="0">
+              <a:buNone/>
+              <a:defRPr sz="1200"/>
+            </a:lvl7pPr>
+            <a:lvl8pPr marL="4267093" indent="0">
+              <a:buNone/>
+              <a:defRPr sz="1200"/>
+            </a:lvl8pPr>
+            <a:lvl9pPr marL="4876678" indent="0">
+              <a:buNone/>
+              <a:defRPr sz="1200"/>
+            </a:lvl9pPr>
+          </a:lstStyle>
+          <a:p>
+            <a:pPr lvl="0"/>
+            <a:r>
+              <a:rPr lang="en-US"/>
+              <a:t>Click to edit Master text styles</a:t>
+            </a:r>
+          </a:p>
+        </p:txBody>
+      </p:sp>
+      <p:sp>
+        <p:nvSpPr>
+          <p:cNvPr id="5" name="Date Placeholder 4"/>
+          <p:cNvSpPr>
+            <a:spLocks noGrp="1"/>
+          </p:cNvSpPr>
+          <p:nvPr>
+            <p:ph type="dt" sz="half" idx="10"/>
+          </p:nvPr>
+        </p:nvSpPr>
+        <p:spPr/>
+        <p:txBody>
+          <a:bodyPr/>
+          <a:lstStyle/>
+          <a:p>
+            <a:fld id="{D088F999-7A4E-6B4F-9FED-EF75B73AD044}" type="datetimeFigureOut">
+              <a:rPr lang="en-US" smtClean="0"/>
+              <a:t>9/22/2021</a:t>
+            </a:fld>
+            <a:endParaRPr lang="en-US"/>
+          </a:p>
+        </p:txBody>
+      </p:sp>
+      <p:sp>
+        <p:nvSpPr>
+          <p:cNvPr id="6" name="Footer Placeholder 5"/>
+          <p:cNvSpPr>
+            <a:spLocks noGrp="1"/>
+          </p:cNvSpPr>
+          <p:nvPr>
+            <p:ph type="ftr" sz="quarter" idx="11"/>
+          </p:nvPr>
+        </p:nvSpPr>
+        <p:spPr/>
+        <p:txBody>
+          <a:bodyPr/>
+          <a:lstStyle/>
+          <a:p>
+            <a:endParaRPr lang="en-US"/>
+          </a:p>
+        </p:txBody>
+      </p:sp>
+      <p:sp>
+        <p:nvSpPr>
+          <p:cNvPr id="7" name="Slide Number Placeholder 6"/>
+          <p:cNvSpPr>
+            <a:spLocks noGrp="1"/>
+          </p:cNvSpPr>
+          <p:nvPr>
+            <p:ph type="sldNum" sz="quarter" idx="12"/>
+          </p:nvPr>
+        </p:nvSpPr>
+        <p:spPr/>
+        <p:txBody>
+          <a:bodyPr/>
+          <a:lstStyle/>
+          <a:p>
+            <a:fld id="{5D024AAD-DF78-DE44-A1F3-EEB19EDC9165}" type="slidenum">
+              <a:rPr lang="en-US" smtClean="0"/>
+              <a:t>‹#›</a:t>
+            </a:fld>
+            <a:endParaRPr lang="en-US"/>
+          </a:p>
+        </p:txBody>
+      </p:sp>
+    </p:spTree>
+    <p:extLst>
+      <p:ext uri="{BB962C8B-B14F-4D97-AF65-F5344CB8AC3E}">
+        <p14:creationId xmlns:p14="http://schemas.microsoft.com/office/powerpoint/2010/main" val="1493923565"/>
+      </p:ext>
+    </p:extLst>
+  </p:cSld>
+  <p:clrMapOvr>
+    <a:masterClrMapping/>
+  </p:clrMapOvr>
+</p:sldLayout>
+</file>
+
+<file path=ppt/slideLayouts/slideLayout21.xml><?xml version="1.0" encoding="utf-8"?>
+<p:sldLayout xmlns:a="http://schemas.openxmlformats.org/drawingml/2006/main" xmlns:r="http://schemas.openxmlformats.org/officeDocument/2006/relationships" xmlns:p="http://schemas.openxmlformats.org/presentationml/2006/main" type="vertTx" preserve="1">
+  <p:cSld name="Title and Vertical Text">
+    <p:spTree>
+      <p:nvGrpSpPr>
+        <p:cNvPr id="1" name=""/>
+        <p:cNvGrpSpPr/>
+        <p:nvPr/>
+      </p:nvGrpSpPr>
+      <p:grpSpPr>
+        <a:xfrm>
+          <a:off x="0" y="0"/>
+          <a:ext cx="0" cy="0"/>
+          <a:chOff x="0" y="0"/>
+          <a:chExt cx="0" cy="0"/>
+        </a:xfrm>
+      </p:grpSpPr>
+      <p:sp>
+        <p:nvSpPr>
+          <p:cNvPr id="2" name="Title 1"/>
+          <p:cNvSpPr>
+            <a:spLocks noGrp="1"/>
+          </p:cNvSpPr>
+          <p:nvPr>
+            <p:ph type="title"/>
+          </p:nvPr>
+        </p:nvSpPr>
+        <p:spPr/>
+        <p:txBody>
+          <a:bodyPr/>
+          <a:lstStyle/>
+          <a:p>
+            <a:r>
+              <a:rPr lang="en-US"/>
+              <a:t>Click to edit Master title style</a:t>
+            </a:r>
+          </a:p>
+        </p:txBody>
+      </p:sp>
+      <p:sp>
+        <p:nvSpPr>
+          <p:cNvPr id="3" name="Vertical Text Placeholder 2"/>
+          <p:cNvSpPr>
+            <a:spLocks noGrp="1"/>
+          </p:cNvSpPr>
+          <p:nvPr>
+            <p:ph type="body" orient="vert" idx="1"/>
+          </p:nvPr>
+        </p:nvSpPr>
+        <p:spPr/>
+        <p:txBody>
+          <a:bodyPr vert="eaVert"/>
+          <a:lstStyle/>
+          <a:p>
+            <a:pPr lvl="0"/>
+            <a:r>
+              <a:rPr lang="en-US"/>
+              <a:t>Click to edit Master text styles</a:t>
+            </a:r>
+          </a:p>
+          <a:p>
+            <a:pPr lvl="1"/>
+            <a:r>
+              <a:rPr lang="en-US"/>
+              <a:t>Second level</a:t>
+            </a:r>
+          </a:p>
+          <a:p>
+            <a:pPr lvl="2"/>
+            <a:r>
+              <a:rPr lang="en-US"/>
+              <a:t>Third level</a:t>
+            </a:r>
+          </a:p>
+          <a:p>
+            <a:pPr lvl="3"/>
+            <a:r>
+              <a:rPr lang="en-US"/>
+              <a:t>Fourth level</a:t>
+            </a:r>
+          </a:p>
+          <a:p>
+            <a:pPr lvl="4"/>
+            <a:r>
+              <a:rPr lang="en-US"/>
+              <a:t>Fifth level</a:t>
+            </a:r>
+          </a:p>
+        </p:txBody>
+      </p:sp>
+      <p:sp>
+        <p:nvSpPr>
+          <p:cNvPr id="4" name="Date Placeholder 3"/>
+          <p:cNvSpPr>
+            <a:spLocks noGrp="1"/>
+          </p:cNvSpPr>
+          <p:nvPr>
+            <p:ph type="dt" sz="half" idx="10"/>
+          </p:nvPr>
+        </p:nvSpPr>
+        <p:spPr/>
+        <p:txBody>
+          <a:bodyPr/>
+          <a:lstStyle/>
+          <a:p>
+            <a:fld id="{D088F999-7A4E-6B4F-9FED-EF75B73AD044}" type="datetimeFigureOut">
+              <a:rPr lang="en-US" smtClean="0"/>
+              <a:t>9/22/2021</a:t>
+            </a:fld>
+            <a:endParaRPr lang="en-US"/>
+          </a:p>
+        </p:txBody>
+      </p:sp>
+      <p:sp>
+        <p:nvSpPr>
+          <p:cNvPr id="5" name="Footer Placeholder 4"/>
+          <p:cNvSpPr>
+            <a:spLocks noGrp="1"/>
+          </p:cNvSpPr>
+          <p:nvPr>
+            <p:ph type="ftr" sz="quarter" idx="11"/>
+          </p:nvPr>
+        </p:nvSpPr>
+        <p:spPr/>
+        <p:txBody>
+          <a:bodyPr/>
+          <a:lstStyle/>
+          <a:p>
+            <a:endParaRPr lang="en-US"/>
+          </a:p>
+        </p:txBody>
+      </p:sp>
+      <p:sp>
+        <p:nvSpPr>
+          <p:cNvPr id="6" name="Slide Number Placeholder 5"/>
+          <p:cNvSpPr>
+            <a:spLocks noGrp="1"/>
+          </p:cNvSpPr>
+          <p:nvPr>
+            <p:ph type="sldNum" sz="quarter" idx="12"/>
+          </p:nvPr>
+        </p:nvSpPr>
+        <p:spPr/>
+        <p:txBody>
+          <a:bodyPr/>
+          <a:lstStyle/>
+          <a:p>
+            <a:fld id="{5D024AAD-DF78-DE44-A1F3-EEB19EDC9165}" type="slidenum">
+              <a:rPr lang="en-US" smtClean="0"/>
+              <a:t>‹#›</a:t>
+            </a:fld>
+            <a:endParaRPr lang="en-US"/>
+          </a:p>
+        </p:txBody>
+      </p:sp>
+    </p:spTree>
+    <p:extLst>
+      <p:ext uri="{BB962C8B-B14F-4D97-AF65-F5344CB8AC3E}">
+        <p14:creationId xmlns:p14="http://schemas.microsoft.com/office/powerpoint/2010/main" val="1829221749"/>
+      </p:ext>
+    </p:extLst>
+  </p:cSld>
+  <p:clrMapOvr>
+    <a:masterClrMapping/>
+  </p:clrMapOvr>
+</p:sldLayout>
+</file>
+
+<file path=ppt/slideLayouts/slideLayout22.xml><?xml version="1.0" encoding="utf-8"?>
+<p:sldLayout xmlns:a="http://schemas.openxmlformats.org/drawingml/2006/main" xmlns:r="http://schemas.openxmlformats.org/officeDocument/2006/relationships" xmlns:p="http://schemas.openxmlformats.org/presentationml/2006/main" type="vertTitleAndTx" preserve="1">
+  <p:cSld name="Vertical Title and Text">
+    <p:spTree>
+      <p:nvGrpSpPr>
+        <p:cNvPr id="1" name=""/>
+        <p:cNvGrpSpPr/>
+        <p:nvPr/>
+      </p:nvGrpSpPr>
+      <p:grpSpPr>
+        <a:xfrm>
+          <a:off x="0" y="0"/>
+          <a:ext cx="0" cy="0"/>
+          <a:chOff x="0" y="0"/>
+          <a:chExt cx="0" cy="0"/>
+        </a:xfrm>
+      </p:grpSpPr>
+      <p:sp>
+        <p:nvSpPr>
+          <p:cNvPr id="2" name="Vertical Title 1"/>
+          <p:cNvSpPr>
+            <a:spLocks noGrp="1"/>
+          </p:cNvSpPr>
+          <p:nvPr>
+            <p:ph type="title" orient="vert"/>
+          </p:nvPr>
+        </p:nvSpPr>
+        <p:spPr>
+          <a:xfrm>
+            <a:off x="8839200" y="275167"/>
+            <a:ext cx="2743200" cy="5850467"/>
+          </a:xfrm>
+        </p:spPr>
+        <p:txBody>
+          <a:bodyPr vert="eaVert"/>
+          <a:lstStyle/>
+          <a:p>
+            <a:r>
+              <a:rPr lang="en-US"/>
+              <a:t>Click to edit Master title style</a:t>
+            </a:r>
+          </a:p>
+        </p:txBody>
+      </p:sp>
+      <p:sp>
+        <p:nvSpPr>
+          <p:cNvPr id="3" name="Vertical Text Placeholder 2"/>
+          <p:cNvSpPr>
+            <a:spLocks noGrp="1"/>
+          </p:cNvSpPr>
+          <p:nvPr>
+            <p:ph type="body" orient="vert" idx="1"/>
+          </p:nvPr>
+        </p:nvSpPr>
+        <p:spPr>
+          <a:xfrm>
+            <a:off x="609600" y="275167"/>
+            <a:ext cx="8026400" cy="5850467"/>
+          </a:xfrm>
+        </p:spPr>
+        <p:txBody>
+          <a:bodyPr vert="eaVert"/>
+          <a:lstStyle/>
+          <a:p>
+            <a:pPr lvl="0"/>
+            <a:r>
+              <a:rPr lang="en-US"/>
+              <a:t>Click to edit Master text styles</a:t>
+            </a:r>
+          </a:p>
+          <a:p>
+            <a:pPr lvl="1"/>
+            <a:r>
+              <a:rPr lang="en-US"/>
+              <a:t>Second level</a:t>
+            </a:r>
+          </a:p>
+          <a:p>
+            <a:pPr lvl="2"/>
+            <a:r>
+              <a:rPr lang="en-US"/>
+              <a:t>Third level</a:t>
+            </a:r>
+          </a:p>
+          <a:p>
+            <a:pPr lvl="3"/>
+            <a:r>
+              <a:rPr lang="en-US"/>
+              <a:t>Fourth level</a:t>
+            </a:r>
+          </a:p>
+          <a:p>
+            <a:pPr lvl="4"/>
+            <a:r>
+              <a:rPr lang="en-US"/>
+              <a:t>Fifth level</a:t>
+            </a:r>
+          </a:p>
+        </p:txBody>
+      </p:sp>
+      <p:sp>
+        <p:nvSpPr>
+          <p:cNvPr id="4" name="Date Placeholder 3"/>
+          <p:cNvSpPr>
+            <a:spLocks noGrp="1"/>
+          </p:cNvSpPr>
+          <p:nvPr>
+            <p:ph type="dt" sz="half" idx="10"/>
+          </p:nvPr>
+        </p:nvSpPr>
+        <p:spPr/>
+        <p:txBody>
+          <a:bodyPr/>
+          <a:lstStyle/>
+          <a:p>
+            <a:fld id="{D088F999-7A4E-6B4F-9FED-EF75B73AD044}" type="datetimeFigureOut">
+              <a:rPr lang="en-US" smtClean="0"/>
+              <a:t>9/22/2021</a:t>
+            </a:fld>
+            <a:endParaRPr lang="en-US"/>
+          </a:p>
+        </p:txBody>
+      </p:sp>
+      <p:sp>
+        <p:nvSpPr>
+          <p:cNvPr id="5" name="Footer Placeholder 4"/>
+          <p:cNvSpPr>
+            <a:spLocks noGrp="1"/>
+          </p:cNvSpPr>
+          <p:nvPr>
+            <p:ph type="ftr" sz="quarter" idx="11"/>
+          </p:nvPr>
+        </p:nvSpPr>
+        <p:spPr/>
+        <p:txBody>
+          <a:bodyPr/>
+          <a:lstStyle/>
+          <a:p>
+            <a:endParaRPr lang="en-US"/>
+          </a:p>
+        </p:txBody>
+      </p:sp>
+      <p:sp>
+        <p:nvSpPr>
+          <p:cNvPr id="6" name="Slide Number Placeholder 5"/>
+          <p:cNvSpPr>
+            <a:spLocks noGrp="1"/>
+          </p:cNvSpPr>
+          <p:nvPr>
+            <p:ph type="sldNum" sz="quarter" idx="12"/>
+          </p:nvPr>
+        </p:nvSpPr>
+        <p:spPr/>
+        <p:txBody>
+          <a:bodyPr/>
+          <a:lstStyle/>
+          <a:p>
+            <a:fld id="{5D024AAD-DF78-DE44-A1F3-EEB19EDC9165}" type="slidenum">
+              <a:rPr lang="en-US" smtClean="0"/>
+              <a:t>‹#›</a:t>
+            </a:fld>
+            <a:endParaRPr lang="en-US"/>
+          </a:p>
+        </p:txBody>
+      </p:sp>
+    </p:spTree>
+    <p:extLst>
+      <p:ext uri="{BB962C8B-B14F-4D97-AF65-F5344CB8AC3E}">
+        <p14:creationId xmlns:p14="http://schemas.microsoft.com/office/powerpoint/2010/main" val="1316431712"/>
       </p:ext>
     </p:extLst>
   </p:cSld>
@@ -1314,7 +4262,7 @@
           <a:p>
             <a:fld id="{EBB1B3D4-265D-4665-ADC9-1438520F930D}" type="datetimeFigureOut">
               <a:rPr lang="en-US" smtClean="0"/>
-              <a:t>9/15/2021</a:t>
+              <a:t>9/22/2021</a:t>
             </a:fld>
             <a:endParaRPr lang="en-US"/>
           </a:p>
@@ -1589,7 +4537,7 @@
           <a:p>
             <a:fld id="{EBB1B3D4-265D-4665-ADC9-1438520F930D}" type="datetimeFigureOut">
               <a:rPr lang="en-US" smtClean="0"/>
-              <a:t>9/15/2021</a:t>
+              <a:t>9/22/2021</a:t>
             </a:fld>
             <a:endParaRPr lang="en-US"/>
           </a:p>
@@ -1972,7 +4920,7 @@
           <a:p>
             <a:fld id="{EBB1B3D4-265D-4665-ADC9-1438520F930D}" type="datetimeFigureOut">
               <a:rPr lang="en-US" smtClean="0"/>
-              <a:t>9/15/2021</a:t>
+              <a:t>9/22/2021</a:t>
             </a:fld>
             <a:endParaRPr lang="en-US"/>
           </a:p>
@@ -2090,7 +5038,7 @@
           <a:p>
             <a:fld id="{EBB1B3D4-265D-4665-ADC9-1438520F930D}" type="datetimeFigureOut">
               <a:rPr lang="en-US" smtClean="0"/>
-              <a:t>9/15/2021</a:t>
+              <a:t>9/22/2021</a:t>
             </a:fld>
             <a:endParaRPr lang="en-US"/>
           </a:p>
@@ -2263,7 +5211,7 @@
           <a:p>
             <a:fld id="{EBB1B3D4-265D-4665-ADC9-1438520F930D}" type="datetimeFigureOut">
               <a:rPr lang="en-US" smtClean="0"/>
-              <a:t>9/15/2021</a:t>
+              <a:t>9/22/2021</a:t>
             </a:fld>
             <a:endParaRPr lang="en-US"/>
           </a:p>
@@ -2619,7 +5567,7 @@
           <a:p>
             <a:fld id="{EBB1B3D4-265D-4665-ADC9-1438520F930D}" type="datetimeFigureOut">
               <a:rPr lang="en-US" smtClean="0"/>
-              <a:t>9/15/2021</a:t>
+              <a:t>9/22/2021</a:t>
             </a:fld>
             <a:endParaRPr lang="en-US"/>
           </a:p>
@@ -2967,7 +5915,7 @@
           <a:p>
             <a:fld id="{EBB1B3D4-265D-4665-ADC9-1438520F930D}" type="datetimeFigureOut">
               <a:rPr lang="en-US" smtClean="0"/>
-              <a:t>9/15/2021</a:t>
+              <a:t>9/22/2021</a:t>
             </a:fld>
             <a:endParaRPr lang="en-US"/>
           </a:p>
@@ -3278,7 +6226,7 @@
           <a:p>
             <a:fld id="{EBB1B3D4-265D-4665-ADC9-1438520F930D}" type="datetimeFigureOut">
               <a:rPr lang="en-US" smtClean="0"/>
-              <a:t>9/15/2021</a:t>
+              <a:t>9/22/2021</a:t>
             </a:fld>
             <a:endParaRPr lang="en-US"/>
           </a:p>
@@ -3785,7 +6733,941 @@
 </p:sldMaster>
 </file>
 
+<file path=ppt/slideMasters/slideMaster2.xml><?xml version="1.0" encoding="utf-8"?>
+<p:sldMaster xmlns:a="http://schemas.openxmlformats.org/drawingml/2006/main" xmlns:r="http://schemas.openxmlformats.org/officeDocument/2006/relationships" xmlns:p="http://schemas.openxmlformats.org/presentationml/2006/main" preserve="1">
+  <p:cSld>
+    <p:bg>
+      <p:bgPr>
+        <a:blipFill dpi="0" rotWithShape="1">
+          <a:blip r:embed="rId13">
+            <a:lum/>
+          </a:blip>
+          <a:srcRect/>
+          <a:stretch>
+            <a:fillRect/>
+          </a:stretch>
+        </a:blipFill>
+        <a:effectLst/>
+      </p:bgPr>
+    </p:bg>
+    <p:spTree>
+      <p:nvGrpSpPr>
+        <p:cNvPr id="1" name=""/>
+        <p:cNvGrpSpPr/>
+        <p:nvPr/>
+      </p:nvGrpSpPr>
+      <p:grpSpPr>
+        <a:xfrm>
+          <a:off x="0" y="0"/>
+          <a:ext cx="0" cy="0"/>
+          <a:chOff x="0" y="0"/>
+          <a:chExt cx="0" cy="0"/>
+        </a:xfrm>
+      </p:grpSpPr>
+      <p:sp>
+        <p:nvSpPr>
+          <p:cNvPr id="2" name="Title Placeholder 1"/>
+          <p:cNvSpPr>
+            <a:spLocks noGrp="1"/>
+          </p:cNvSpPr>
+          <p:nvPr>
+            <p:ph type="title"/>
+          </p:nvPr>
+        </p:nvSpPr>
+        <p:spPr>
+          <a:xfrm>
+            <a:off x="609600" y="275167"/>
+            <a:ext cx="10972800" cy="1143000"/>
+          </a:xfrm>
+          <a:prstGeom prst="rect">
+            <a:avLst/>
+          </a:prstGeom>
+        </p:spPr>
+        <p:txBody>
+          <a:bodyPr vert="horz" lIns="91440" tIns="45720" rIns="91440" bIns="45720" rtlCol="0" anchor="ctr">
+            <a:normAutofit/>
+          </a:bodyPr>
+          <a:lstStyle/>
+          <a:p>
+            <a:r>
+              <a:rPr lang="en-US"/>
+              <a:t>Click to edit Master title style</a:t>
+            </a:r>
+          </a:p>
+        </p:txBody>
+      </p:sp>
+      <p:sp>
+        <p:nvSpPr>
+          <p:cNvPr id="3" name="Text Placeholder 2"/>
+          <p:cNvSpPr>
+            <a:spLocks noGrp="1"/>
+          </p:cNvSpPr>
+          <p:nvPr>
+            <p:ph type="body" idx="1"/>
+          </p:nvPr>
+        </p:nvSpPr>
+        <p:spPr>
+          <a:xfrm>
+            <a:off x="609600" y="1600201"/>
+            <a:ext cx="10972800" cy="4525433"/>
+          </a:xfrm>
+          <a:prstGeom prst="rect">
+            <a:avLst/>
+          </a:prstGeom>
+        </p:spPr>
+        <p:txBody>
+          <a:bodyPr vert="horz" lIns="91440" tIns="45720" rIns="91440" bIns="45720" rtlCol="0">
+            <a:normAutofit/>
+          </a:bodyPr>
+          <a:lstStyle/>
+          <a:p>
+            <a:pPr lvl="0"/>
+            <a:r>
+              <a:rPr lang="en-US"/>
+              <a:t>Click to edit Master text styles</a:t>
+            </a:r>
+          </a:p>
+          <a:p>
+            <a:pPr lvl="1"/>
+            <a:r>
+              <a:rPr lang="en-US"/>
+              <a:t>Second level</a:t>
+            </a:r>
+          </a:p>
+          <a:p>
+            <a:pPr lvl="2"/>
+            <a:r>
+              <a:rPr lang="en-US"/>
+              <a:t>Third level</a:t>
+            </a:r>
+          </a:p>
+          <a:p>
+            <a:pPr lvl="3"/>
+            <a:r>
+              <a:rPr lang="en-US"/>
+              <a:t>Fourth level</a:t>
+            </a:r>
+          </a:p>
+          <a:p>
+            <a:pPr lvl="4"/>
+            <a:r>
+              <a:rPr lang="en-US"/>
+              <a:t>Fifth level</a:t>
+            </a:r>
+          </a:p>
+        </p:txBody>
+      </p:sp>
+      <p:sp>
+        <p:nvSpPr>
+          <p:cNvPr id="4" name="Date Placeholder 3"/>
+          <p:cNvSpPr>
+            <a:spLocks noGrp="1"/>
+          </p:cNvSpPr>
+          <p:nvPr>
+            <p:ph type="dt" sz="half" idx="2"/>
+          </p:nvPr>
+        </p:nvSpPr>
+        <p:spPr>
+          <a:xfrm>
+            <a:off x="609600" y="6356351"/>
+            <a:ext cx="2844800" cy="366183"/>
+          </a:xfrm>
+          <a:prstGeom prst="rect">
+            <a:avLst/>
+          </a:prstGeom>
+        </p:spPr>
+        <p:txBody>
+          <a:bodyPr vert="horz" lIns="91440" tIns="45720" rIns="91440" bIns="45720" rtlCol="0" anchor="ctr"/>
+          <a:lstStyle>
+            <a:lvl1pPr algn="l">
+              <a:defRPr sz="1600">
+                <a:solidFill>
+                  <a:schemeClr val="tx1">
+                    <a:tint val="75000"/>
+                  </a:schemeClr>
+                </a:solidFill>
+              </a:defRPr>
+            </a:lvl1pPr>
+          </a:lstStyle>
+          <a:p>
+            <a:fld id="{D088F999-7A4E-6B4F-9FED-EF75B73AD044}" type="datetimeFigureOut">
+              <a:rPr lang="en-US" smtClean="0"/>
+              <a:t>9/22/2021</a:t>
+            </a:fld>
+            <a:endParaRPr lang="en-US"/>
+          </a:p>
+        </p:txBody>
+      </p:sp>
+      <p:sp>
+        <p:nvSpPr>
+          <p:cNvPr id="5" name="Footer Placeholder 4"/>
+          <p:cNvSpPr>
+            <a:spLocks noGrp="1"/>
+          </p:cNvSpPr>
+          <p:nvPr>
+            <p:ph type="ftr" sz="quarter" idx="3"/>
+          </p:nvPr>
+        </p:nvSpPr>
+        <p:spPr>
+          <a:xfrm>
+            <a:off x="4165600" y="6356351"/>
+            <a:ext cx="3860800" cy="366183"/>
+          </a:xfrm>
+          <a:prstGeom prst="rect">
+            <a:avLst/>
+          </a:prstGeom>
+        </p:spPr>
+        <p:txBody>
+          <a:bodyPr vert="horz" lIns="91440" tIns="45720" rIns="91440" bIns="45720" rtlCol="0" anchor="ctr"/>
+          <a:lstStyle>
+            <a:lvl1pPr algn="ctr">
+              <a:defRPr sz="1600">
+                <a:solidFill>
+                  <a:schemeClr val="tx1">
+                    <a:tint val="75000"/>
+                  </a:schemeClr>
+                </a:solidFill>
+              </a:defRPr>
+            </a:lvl1pPr>
+          </a:lstStyle>
+          <a:p>
+            <a:endParaRPr lang="en-US"/>
+          </a:p>
+        </p:txBody>
+      </p:sp>
+      <p:sp>
+        <p:nvSpPr>
+          <p:cNvPr id="6" name="Slide Number Placeholder 5"/>
+          <p:cNvSpPr>
+            <a:spLocks noGrp="1"/>
+          </p:cNvSpPr>
+          <p:nvPr>
+            <p:ph type="sldNum" sz="quarter" idx="4"/>
+          </p:nvPr>
+        </p:nvSpPr>
+        <p:spPr>
+          <a:xfrm>
+            <a:off x="8737600" y="6356351"/>
+            <a:ext cx="2844800" cy="366183"/>
+          </a:xfrm>
+          <a:prstGeom prst="rect">
+            <a:avLst/>
+          </a:prstGeom>
+        </p:spPr>
+        <p:txBody>
+          <a:bodyPr vert="horz" lIns="91440" tIns="45720" rIns="91440" bIns="45720" rtlCol="0" anchor="ctr"/>
+          <a:lstStyle>
+            <a:lvl1pPr algn="r">
+              <a:defRPr sz="1600">
+                <a:solidFill>
+                  <a:schemeClr val="tx1">
+                    <a:tint val="75000"/>
+                  </a:schemeClr>
+                </a:solidFill>
+              </a:defRPr>
+            </a:lvl1pPr>
+          </a:lstStyle>
+          <a:p>
+            <a:fld id="{5D024AAD-DF78-DE44-A1F3-EEB19EDC9165}" type="slidenum">
+              <a:rPr lang="en-US" smtClean="0"/>
+              <a:t>‹#›</a:t>
+            </a:fld>
+            <a:endParaRPr lang="en-US"/>
+          </a:p>
+        </p:txBody>
+      </p:sp>
+    </p:spTree>
+    <p:extLst>
+      <p:ext uri="{BB962C8B-B14F-4D97-AF65-F5344CB8AC3E}">
+        <p14:creationId xmlns:p14="http://schemas.microsoft.com/office/powerpoint/2010/main" val="2658693490"/>
+      </p:ext>
+    </p:extLst>
+  </p:cSld>
+  <p:clrMap bg1="lt1" tx1="dk1" bg2="lt2" tx2="dk2" accent1="accent1" accent2="accent2" accent3="accent3" accent4="accent4" accent5="accent5" accent6="accent6" hlink="hlink" folHlink="folHlink"/>
+  <p:sldLayoutIdLst>
+    <p:sldLayoutId id="2147483697" r:id="rId1"/>
+    <p:sldLayoutId id="2147483698" r:id="rId2"/>
+    <p:sldLayoutId id="2147483699" r:id="rId3"/>
+    <p:sldLayoutId id="2147483700" r:id="rId4"/>
+    <p:sldLayoutId id="2147483701" r:id="rId5"/>
+    <p:sldLayoutId id="2147483702" r:id="rId6"/>
+    <p:sldLayoutId id="2147483703" r:id="rId7"/>
+    <p:sldLayoutId id="2147483704" r:id="rId8"/>
+    <p:sldLayoutId id="2147483705" r:id="rId9"/>
+    <p:sldLayoutId id="2147483706" r:id="rId10"/>
+    <p:sldLayoutId id="2147483707" r:id="rId11"/>
+  </p:sldLayoutIdLst>
+  <p:txStyles>
+    <p:titleStyle>
+      <a:lvl1pPr algn="ctr" defTabSz="609585" rtl="0" eaLnBrk="1" latinLnBrk="0" hangingPunct="1">
+        <a:spcBef>
+          <a:spcPct val="0"/>
+        </a:spcBef>
+        <a:buNone/>
+        <a:defRPr sz="5867" kern="1200">
+          <a:solidFill>
+            <a:schemeClr val="tx1"/>
+          </a:solidFill>
+          <a:latin typeface="+mj-lt"/>
+          <a:ea typeface="+mj-ea"/>
+          <a:cs typeface="+mj-cs"/>
+        </a:defRPr>
+      </a:lvl1pPr>
+    </p:titleStyle>
+    <p:bodyStyle>
+      <a:lvl1pPr marL="457189" indent="-457189" algn="l" defTabSz="609585" rtl="0" eaLnBrk="1" latinLnBrk="0" hangingPunct="1">
+        <a:spcBef>
+          <a:spcPct val="20000"/>
+        </a:spcBef>
+        <a:buFont typeface="Arial"/>
+        <a:buChar char="•"/>
+        <a:defRPr sz="4267" kern="1200">
+          <a:solidFill>
+            <a:schemeClr val="tx1"/>
+          </a:solidFill>
+          <a:latin typeface="+mn-lt"/>
+          <a:ea typeface="+mn-ea"/>
+          <a:cs typeface="+mn-cs"/>
+        </a:defRPr>
+      </a:lvl1pPr>
+      <a:lvl2pPr marL="990575" indent="-380990" algn="l" defTabSz="609585" rtl="0" eaLnBrk="1" latinLnBrk="0" hangingPunct="1">
+        <a:spcBef>
+          <a:spcPct val="20000"/>
+        </a:spcBef>
+        <a:buFont typeface="Arial"/>
+        <a:buChar char="–"/>
+        <a:defRPr sz="3733" kern="1200">
+          <a:solidFill>
+            <a:schemeClr val="tx1"/>
+          </a:solidFill>
+          <a:latin typeface="+mn-lt"/>
+          <a:ea typeface="+mn-ea"/>
+          <a:cs typeface="+mn-cs"/>
+        </a:defRPr>
+      </a:lvl2pPr>
+      <a:lvl3pPr marL="1523962" indent="-304792" algn="l" defTabSz="609585" rtl="0" eaLnBrk="1" latinLnBrk="0" hangingPunct="1">
+        <a:spcBef>
+          <a:spcPct val="20000"/>
+        </a:spcBef>
+        <a:buFont typeface="Arial"/>
+        <a:buChar char="•"/>
+        <a:defRPr sz="3200" kern="1200">
+          <a:solidFill>
+            <a:schemeClr val="tx1"/>
+          </a:solidFill>
+          <a:latin typeface="+mn-lt"/>
+          <a:ea typeface="+mn-ea"/>
+          <a:cs typeface="+mn-cs"/>
+        </a:defRPr>
+      </a:lvl3pPr>
+      <a:lvl4pPr marL="2133547" indent="-304792" algn="l" defTabSz="609585" rtl="0" eaLnBrk="1" latinLnBrk="0" hangingPunct="1">
+        <a:spcBef>
+          <a:spcPct val="20000"/>
+        </a:spcBef>
+        <a:buFont typeface="Arial"/>
+        <a:buChar char="–"/>
+        <a:defRPr sz="2667" kern="1200">
+          <a:solidFill>
+            <a:schemeClr val="tx1"/>
+          </a:solidFill>
+          <a:latin typeface="+mn-lt"/>
+          <a:ea typeface="+mn-ea"/>
+          <a:cs typeface="+mn-cs"/>
+        </a:defRPr>
+      </a:lvl4pPr>
+      <a:lvl5pPr marL="2743131" indent="-304792" algn="l" defTabSz="609585" rtl="0" eaLnBrk="1" latinLnBrk="0" hangingPunct="1">
+        <a:spcBef>
+          <a:spcPct val="20000"/>
+        </a:spcBef>
+        <a:buFont typeface="Arial"/>
+        <a:buChar char="»"/>
+        <a:defRPr sz="2667" kern="1200">
+          <a:solidFill>
+            <a:schemeClr val="tx1"/>
+          </a:solidFill>
+          <a:latin typeface="+mn-lt"/>
+          <a:ea typeface="+mn-ea"/>
+          <a:cs typeface="+mn-cs"/>
+        </a:defRPr>
+      </a:lvl5pPr>
+      <a:lvl6pPr marL="3352716" indent="-304792" algn="l" defTabSz="609585" rtl="0" eaLnBrk="1" latinLnBrk="0" hangingPunct="1">
+        <a:spcBef>
+          <a:spcPct val="20000"/>
+        </a:spcBef>
+        <a:buFont typeface="Arial"/>
+        <a:buChar char="•"/>
+        <a:defRPr sz="2667" kern="1200">
+          <a:solidFill>
+            <a:schemeClr val="tx1"/>
+          </a:solidFill>
+          <a:latin typeface="+mn-lt"/>
+          <a:ea typeface="+mn-ea"/>
+          <a:cs typeface="+mn-cs"/>
+        </a:defRPr>
+      </a:lvl6pPr>
+      <a:lvl7pPr marL="3962301" indent="-304792" algn="l" defTabSz="609585" rtl="0" eaLnBrk="1" latinLnBrk="0" hangingPunct="1">
+        <a:spcBef>
+          <a:spcPct val="20000"/>
+        </a:spcBef>
+        <a:buFont typeface="Arial"/>
+        <a:buChar char="•"/>
+        <a:defRPr sz="2667" kern="1200">
+          <a:solidFill>
+            <a:schemeClr val="tx1"/>
+          </a:solidFill>
+          <a:latin typeface="+mn-lt"/>
+          <a:ea typeface="+mn-ea"/>
+          <a:cs typeface="+mn-cs"/>
+        </a:defRPr>
+      </a:lvl7pPr>
+      <a:lvl8pPr marL="4571886" indent="-304792" algn="l" defTabSz="609585" rtl="0" eaLnBrk="1" latinLnBrk="0" hangingPunct="1">
+        <a:spcBef>
+          <a:spcPct val="20000"/>
+        </a:spcBef>
+        <a:buFont typeface="Arial"/>
+        <a:buChar char="•"/>
+        <a:defRPr sz="2667" kern="1200">
+          <a:solidFill>
+            <a:schemeClr val="tx1"/>
+          </a:solidFill>
+          <a:latin typeface="+mn-lt"/>
+          <a:ea typeface="+mn-ea"/>
+          <a:cs typeface="+mn-cs"/>
+        </a:defRPr>
+      </a:lvl8pPr>
+      <a:lvl9pPr marL="5181470" indent="-304792" algn="l" defTabSz="609585" rtl="0" eaLnBrk="1" latinLnBrk="0" hangingPunct="1">
+        <a:spcBef>
+          <a:spcPct val="20000"/>
+        </a:spcBef>
+        <a:buFont typeface="Arial"/>
+        <a:buChar char="•"/>
+        <a:defRPr sz="2667" kern="1200">
+          <a:solidFill>
+            <a:schemeClr val="tx1"/>
+          </a:solidFill>
+          <a:latin typeface="+mn-lt"/>
+          <a:ea typeface="+mn-ea"/>
+          <a:cs typeface="+mn-cs"/>
+        </a:defRPr>
+      </a:lvl9pPr>
+    </p:bodyStyle>
+    <p:otherStyle>
+      <a:defPPr>
+        <a:defRPr lang="en-US"/>
+      </a:defPPr>
+      <a:lvl1pPr marL="0" algn="l" defTabSz="609585" rtl="0" eaLnBrk="1" latinLnBrk="0" hangingPunct="1">
+        <a:defRPr sz="2400" kern="1200">
+          <a:solidFill>
+            <a:schemeClr val="tx1"/>
+          </a:solidFill>
+          <a:latin typeface="+mn-lt"/>
+          <a:ea typeface="+mn-ea"/>
+          <a:cs typeface="+mn-cs"/>
+        </a:defRPr>
+      </a:lvl1pPr>
+      <a:lvl2pPr marL="609585" algn="l" defTabSz="609585" rtl="0" eaLnBrk="1" latinLnBrk="0" hangingPunct="1">
+        <a:defRPr sz="2400" kern="1200">
+          <a:solidFill>
+            <a:schemeClr val="tx1"/>
+          </a:solidFill>
+          <a:latin typeface="+mn-lt"/>
+          <a:ea typeface="+mn-ea"/>
+          <a:cs typeface="+mn-cs"/>
+        </a:defRPr>
+      </a:lvl2pPr>
+      <a:lvl3pPr marL="1219170" algn="l" defTabSz="609585" rtl="0" eaLnBrk="1" latinLnBrk="0" hangingPunct="1">
+        <a:defRPr sz="2400" kern="1200">
+          <a:solidFill>
+            <a:schemeClr val="tx1"/>
+          </a:solidFill>
+          <a:latin typeface="+mn-lt"/>
+          <a:ea typeface="+mn-ea"/>
+          <a:cs typeface="+mn-cs"/>
+        </a:defRPr>
+      </a:lvl3pPr>
+      <a:lvl4pPr marL="1828754" algn="l" defTabSz="609585" rtl="0" eaLnBrk="1" latinLnBrk="0" hangingPunct="1">
+        <a:defRPr sz="2400" kern="1200">
+          <a:solidFill>
+            <a:schemeClr val="tx1"/>
+          </a:solidFill>
+          <a:latin typeface="+mn-lt"/>
+          <a:ea typeface="+mn-ea"/>
+          <a:cs typeface="+mn-cs"/>
+        </a:defRPr>
+      </a:lvl4pPr>
+      <a:lvl5pPr marL="2438339" algn="l" defTabSz="609585" rtl="0" eaLnBrk="1" latinLnBrk="0" hangingPunct="1">
+        <a:defRPr sz="2400" kern="1200">
+          <a:solidFill>
+            <a:schemeClr val="tx1"/>
+          </a:solidFill>
+          <a:latin typeface="+mn-lt"/>
+          <a:ea typeface="+mn-ea"/>
+          <a:cs typeface="+mn-cs"/>
+        </a:defRPr>
+      </a:lvl5pPr>
+      <a:lvl6pPr marL="3047924" algn="l" defTabSz="609585" rtl="0" eaLnBrk="1" latinLnBrk="0" hangingPunct="1">
+        <a:defRPr sz="2400" kern="1200">
+          <a:solidFill>
+            <a:schemeClr val="tx1"/>
+          </a:solidFill>
+          <a:latin typeface="+mn-lt"/>
+          <a:ea typeface="+mn-ea"/>
+          <a:cs typeface="+mn-cs"/>
+        </a:defRPr>
+      </a:lvl6pPr>
+      <a:lvl7pPr marL="3657509" algn="l" defTabSz="609585" rtl="0" eaLnBrk="1" latinLnBrk="0" hangingPunct="1">
+        <a:defRPr sz="2400" kern="1200">
+          <a:solidFill>
+            <a:schemeClr val="tx1"/>
+          </a:solidFill>
+          <a:latin typeface="+mn-lt"/>
+          <a:ea typeface="+mn-ea"/>
+          <a:cs typeface="+mn-cs"/>
+        </a:defRPr>
+      </a:lvl7pPr>
+      <a:lvl8pPr marL="4267093" algn="l" defTabSz="609585" rtl="0" eaLnBrk="1" latinLnBrk="0" hangingPunct="1">
+        <a:defRPr sz="2400" kern="1200">
+          <a:solidFill>
+            <a:schemeClr val="tx1"/>
+          </a:solidFill>
+          <a:latin typeface="+mn-lt"/>
+          <a:ea typeface="+mn-ea"/>
+          <a:cs typeface="+mn-cs"/>
+        </a:defRPr>
+      </a:lvl8pPr>
+      <a:lvl9pPr marL="4876678" algn="l" defTabSz="609585" rtl="0" eaLnBrk="1" latinLnBrk="0" hangingPunct="1">
+        <a:defRPr sz="2400" kern="1200">
+          <a:solidFill>
+            <a:schemeClr val="tx1"/>
+          </a:solidFill>
+          <a:latin typeface="+mn-lt"/>
+          <a:ea typeface="+mn-ea"/>
+          <a:cs typeface="+mn-cs"/>
+        </a:defRPr>
+      </a:lvl9pPr>
+    </p:otherStyle>
+  </p:txStyles>
+</p:sldMaster>
+</file>
+
 <file path=ppt/slides/slide1.xml><?xml version="1.0" encoding="utf-8"?>
+<p:sld xmlns:a="http://schemas.openxmlformats.org/drawingml/2006/main" xmlns:r="http://schemas.openxmlformats.org/officeDocument/2006/relationships" xmlns:p="http://schemas.openxmlformats.org/presentationml/2006/main">
+  <p:cSld>
+    <p:spTree>
+      <p:nvGrpSpPr>
+        <p:cNvPr id="1" name=""/>
+        <p:cNvGrpSpPr/>
+        <p:nvPr/>
+      </p:nvGrpSpPr>
+      <p:grpSpPr>
+        <a:xfrm>
+          <a:off x="0" y="0"/>
+          <a:ext cx="0" cy="0"/>
+          <a:chOff x="0" y="0"/>
+          <a:chExt cx="0" cy="0"/>
+        </a:xfrm>
+      </p:grpSpPr>
+      <p:sp>
+        <p:nvSpPr>
+          <p:cNvPr id="4" name="Rectangle 3">
+            <a:extLst>
+              <a:ext uri="{FF2B5EF4-FFF2-40B4-BE49-F238E27FC236}">
+                <a16:creationId xmlns:a16="http://schemas.microsoft.com/office/drawing/2014/main" id="{2DB7453A-5DFD-6B43-9EF9-B4DB30288921}"/>
+              </a:ext>
+            </a:extLst>
+          </p:cNvPr>
+          <p:cNvSpPr/>
+          <p:nvPr/>
+        </p:nvSpPr>
+        <p:spPr>
+          <a:xfrm>
+            <a:off x="0" y="4343400"/>
+            <a:ext cx="12192000" cy="2514600"/>
+          </a:xfrm>
+          <a:prstGeom prst="rect">
+            <a:avLst/>
+          </a:prstGeom>
+          <a:solidFill>
+            <a:srgbClr val="403938"/>
+          </a:solidFill>
+          <a:ln>
+            <a:noFill/>
+          </a:ln>
+        </p:spPr>
+        <p:style>
+          <a:lnRef idx="1">
+            <a:schemeClr val="accent1"/>
+          </a:lnRef>
+          <a:fillRef idx="3">
+            <a:schemeClr val="accent1"/>
+          </a:fillRef>
+          <a:effectRef idx="2">
+            <a:schemeClr val="accent1"/>
+          </a:effectRef>
+          <a:fontRef idx="minor">
+            <a:schemeClr val="lt1"/>
+          </a:fontRef>
+        </p:style>
+        <p:txBody>
+          <a:bodyPr rtlCol="0" anchor="ctr"/>
+          <a:lstStyle/>
+          <a:p>
+            <a:pPr algn="ctr" defTabSz="1219170"/>
+            <a:endParaRPr lang="en-US" sz="2400" dirty="0">
+              <a:solidFill>
+                <a:prstClr val="white"/>
+              </a:solidFill>
+              <a:latin typeface="Calibri"/>
+            </a:endParaRPr>
+          </a:p>
+        </p:txBody>
+      </p:sp>
+      <p:sp>
+        <p:nvSpPr>
+          <p:cNvPr id="6" name="Rectangle 5"/>
+          <p:cNvSpPr>
+            <a:spLocks noChangeArrowheads="1"/>
+          </p:cNvSpPr>
+          <p:nvPr/>
+        </p:nvSpPr>
+        <p:spPr bwMode="auto">
+          <a:xfrm>
+            <a:off x="304800" y="4826683"/>
+            <a:ext cx="5317067" cy="1727200"/>
+          </a:xfrm>
+          <a:prstGeom prst="rect">
+            <a:avLst/>
+          </a:prstGeom>
+          <a:noFill/>
+          <a:ln>
+            <a:noFill/>
+          </a:ln>
+          <a:effectLst/>
+          <a:extLst>
+            <a:ext uri="{909E8E84-426E-40DD-AFC4-6F175D3DCCD1}">
+              <a14:hiddenFill xmlns:a14="http://schemas.microsoft.com/office/drawing/2010/main">
+                <a:solidFill>
+                  <a:schemeClr val="accent1"/>
+                </a:solidFill>
+              </a14:hiddenFill>
+            </a:ext>
+            <a:ext uri="{91240B29-F687-4F45-9708-019B960494DF}">
+              <a14:hiddenLine xmlns:a14="http://schemas.microsoft.com/office/drawing/2010/main" w="9525">
+                <a:solidFill>
+                  <a:schemeClr val="tx1"/>
+                </a:solidFill>
+                <a:miter lim="800000"/>
+                <a:headEnd/>
+                <a:tailEnd/>
+              </a14:hiddenLine>
+            </a:ext>
+            <a:ext uri="{AF507438-7753-43E0-B8FC-AC1667EBCBE1}">
+              <a14:hiddenEffects xmlns:a14="http://schemas.microsoft.com/office/drawing/2010/main">
+                <a:effectLst>
+                  <a:outerShdw dist="35921" dir="2700000" algn="ctr" rotWithShape="0">
+                    <a:schemeClr val="bg2"/>
+                  </a:outerShdw>
+                </a:effectLst>
+              </a14:hiddenEffects>
+            </a:ext>
+          </a:extLst>
+        </p:spPr>
+        <p:txBody>
+          <a:bodyPr lIns="114564" tIns="57283" rIns="114564" bIns="57283"/>
+          <a:lstStyle/>
+          <a:p>
+            <a:pPr defTabSz="1219170">
+              <a:defRPr/>
+            </a:pPr>
+            <a:r>
+              <a:rPr lang="en-US" sz="4267" b="1" dirty="0">
+                <a:solidFill>
+                  <a:prstClr val="white"/>
+                </a:solidFill>
+                <a:latin typeface="Arial" charset="0"/>
+              </a:rPr>
+              <a:t>Chris Woodruff</a:t>
+            </a:r>
+            <a:endParaRPr lang="en-US" sz="3733" b="1" dirty="0">
+              <a:solidFill>
+                <a:prstClr val="white"/>
+              </a:solidFill>
+              <a:latin typeface="Arial" charset="0"/>
+            </a:endParaRPr>
+          </a:p>
+          <a:p>
+            <a:pPr defTabSz="1219170">
+              <a:defRPr/>
+            </a:pPr>
+            <a:r>
+              <a:rPr lang="en-US" sz="3200" b="1" dirty="0" err="1">
+                <a:solidFill>
+                  <a:prstClr val="white"/>
+                </a:solidFill>
+                <a:latin typeface="Arial" charset="0"/>
+              </a:rPr>
+              <a:t>LearningAbout.Dev</a:t>
+            </a:r>
+            <a:endParaRPr lang="en-US" sz="3200" b="1" dirty="0">
+              <a:solidFill>
+                <a:prstClr val="white"/>
+              </a:solidFill>
+              <a:latin typeface="Arial" charset="0"/>
+            </a:endParaRPr>
+          </a:p>
+          <a:p>
+            <a:pPr defTabSz="1219170">
+              <a:defRPr/>
+            </a:pPr>
+            <a:endParaRPr lang="en-US" sz="2400" b="1" dirty="0">
+              <a:solidFill>
+                <a:prstClr val="white"/>
+              </a:solidFill>
+              <a:latin typeface="Arial" charset="0"/>
+            </a:endParaRPr>
+          </a:p>
+          <a:p>
+            <a:pPr defTabSz="1219170">
+              <a:defRPr/>
+            </a:pPr>
+            <a:endParaRPr lang="en-US" sz="1867" dirty="0">
+              <a:solidFill>
+                <a:prstClr val="white"/>
+              </a:solidFill>
+              <a:latin typeface="Times New Roman" pitchFamily="28" charset="0"/>
+            </a:endParaRPr>
+          </a:p>
+        </p:txBody>
+      </p:sp>
+      <p:sp>
+        <p:nvSpPr>
+          <p:cNvPr id="7" name="Text Box 7"/>
+          <p:cNvSpPr txBox="1">
+            <a:spLocks noChangeArrowheads="1"/>
+          </p:cNvSpPr>
+          <p:nvPr/>
+        </p:nvSpPr>
+        <p:spPr bwMode="auto">
+          <a:xfrm>
+            <a:off x="7924801" y="4824276"/>
+            <a:ext cx="4889497" cy="830997"/>
+          </a:xfrm>
+          <a:prstGeom prst="rect">
+            <a:avLst/>
+          </a:prstGeom>
+          <a:noFill/>
+          <a:ln>
+            <a:noFill/>
+          </a:ln>
+          <a:effectLst/>
+          <a:extLst>
+            <a:ext uri="{909E8E84-426E-40DD-AFC4-6F175D3DCCD1}">
+              <a14:hiddenFill xmlns:a14="http://schemas.microsoft.com/office/drawing/2010/main">
+                <a:solidFill>
+                  <a:schemeClr val="accent1"/>
+                </a:solidFill>
+              </a14:hiddenFill>
+            </a:ext>
+            <a:ext uri="{91240B29-F687-4F45-9708-019B960494DF}">
+              <a14:hiddenLine xmlns:a14="http://schemas.microsoft.com/office/drawing/2010/main" w="9525" algn="ctr">
+                <a:solidFill>
+                  <a:schemeClr val="tx1"/>
+                </a:solidFill>
+                <a:miter lim="800000"/>
+                <a:headEnd/>
+                <a:tailEnd/>
+              </a14:hiddenLine>
+            </a:ext>
+            <a:ext uri="{AF507438-7753-43E0-B8FC-AC1667EBCBE1}">
+              <a14:hiddenEffects xmlns:a14="http://schemas.microsoft.com/office/drawing/2010/main">
+                <a:effectLst>
+                  <a:outerShdw dist="35921" dir="2700000" algn="ctr" rotWithShape="0">
+                    <a:schemeClr val="bg2"/>
+                  </a:outerShdw>
+                </a:effectLst>
+              </a14:hiddenEffects>
+            </a:ext>
+          </a:extLst>
+        </p:spPr>
+        <p:txBody>
+          <a:bodyPr wrap="square">
+            <a:spAutoFit/>
+          </a:bodyPr>
+          <a:lstStyle>
+            <a:lvl1pPr>
+              <a:defRPr sz="1600">
+                <a:solidFill>
+                  <a:schemeClr val="tx1"/>
+                </a:solidFill>
+                <a:latin typeface="Lucida Console" pitchFamily="49" charset="0"/>
+                <a:cs typeface="Arial" charset="0"/>
+              </a:defRPr>
+            </a:lvl1pPr>
+            <a:lvl2pPr marL="742950" indent="-285750">
+              <a:defRPr sz="1600">
+                <a:solidFill>
+                  <a:schemeClr val="tx1"/>
+                </a:solidFill>
+                <a:latin typeface="Lucida Console" pitchFamily="49" charset="0"/>
+                <a:cs typeface="Arial" charset="0"/>
+              </a:defRPr>
+            </a:lvl2pPr>
+            <a:lvl3pPr marL="1143000" indent="-228600">
+              <a:defRPr sz="1600">
+                <a:solidFill>
+                  <a:schemeClr val="tx1"/>
+                </a:solidFill>
+                <a:latin typeface="Lucida Console" pitchFamily="49" charset="0"/>
+                <a:cs typeface="Arial" charset="0"/>
+              </a:defRPr>
+            </a:lvl3pPr>
+            <a:lvl4pPr marL="1600200" indent="-228600">
+              <a:defRPr sz="1600">
+                <a:solidFill>
+                  <a:schemeClr val="tx1"/>
+                </a:solidFill>
+                <a:latin typeface="Lucida Console" pitchFamily="49" charset="0"/>
+                <a:cs typeface="Arial" charset="0"/>
+              </a:defRPr>
+            </a:lvl4pPr>
+            <a:lvl5pPr marL="2057400" indent="-228600">
+              <a:defRPr sz="1600">
+                <a:solidFill>
+                  <a:schemeClr val="tx1"/>
+                </a:solidFill>
+                <a:latin typeface="Lucida Console" pitchFamily="49" charset="0"/>
+                <a:cs typeface="Arial" charset="0"/>
+              </a:defRPr>
+            </a:lvl5pPr>
+            <a:lvl6pPr marL="2514600" indent="-228600" eaLnBrk="0" fontAlgn="base" hangingPunct="0">
+              <a:spcBef>
+                <a:spcPct val="0"/>
+              </a:spcBef>
+              <a:spcAft>
+                <a:spcPct val="0"/>
+              </a:spcAft>
+              <a:defRPr sz="1600">
+                <a:solidFill>
+                  <a:schemeClr val="tx1"/>
+                </a:solidFill>
+                <a:latin typeface="Lucida Console" pitchFamily="49" charset="0"/>
+                <a:cs typeface="Arial" charset="0"/>
+              </a:defRPr>
+            </a:lvl6pPr>
+            <a:lvl7pPr marL="2971800" indent="-228600" eaLnBrk="0" fontAlgn="base" hangingPunct="0">
+              <a:spcBef>
+                <a:spcPct val="0"/>
+              </a:spcBef>
+              <a:spcAft>
+                <a:spcPct val="0"/>
+              </a:spcAft>
+              <a:defRPr sz="1600">
+                <a:solidFill>
+                  <a:schemeClr val="tx1"/>
+                </a:solidFill>
+                <a:latin typeface="Lucida Console" pitchFamily="49" charset="0"/>
+                <a:cs typeface="Arial" charset="0"/>
+              </a:defRPr>
+            </a:lvl7pPr>
+            <a:lvl8pPr marL="3429000" indent="-228600" eaLnBrk="0" fontAlgn="base" hangingPunct="0">
+              <a:spcBef>
+                <a:spcPct val="0"/>
+              </a:spcBef>
+              <a:spcAft>
+                <a:spcPct val="0"/>
+              </a:spcAft>
+              <a:defRPr sz="1600">
+                <a:solidFill>
+                  <a:schemeClr val="tx1"/>
+                </a:solidFill>
+                <a:latin typeface="Lucida Console" pitchFamily="49" charset="0"/>
+                <a:cs typeface="Arial" charset="0"/>
+              </a:defRPr>
+            </a:lvl8pPr>
+            <a:lvl9pPr marL="3886200" indent="-228600" eaLnBrk="0" fontAlgn="base" hangingPunct="0">
+              <a:spcBef>
+                <a:spcPct val="0"/>
+              </a:spcBef>
+              <a:spcAft>
+                <a:spcPct val="0"/>
+              </a:spcAft>
+              <a:defRPr sz="1600">
+                <a:solidFill>
+                  <a:schemeClr val="tx1"/>
+                </a:solidFill>
+                <a:latin typeface="Lucida Console" pitchFamily="49" charset="0"/>
+                <a:cs typeface="Arial" charset="0"/>
+              </a:defRPr>
+            </a:lvl9pPr>
+          </a:lstStyle>
+          <a:p>
+            <a:pPr defTabSz="1219170"/>
+            <a:r>
+              <a:rPr lang="en-US" sz="2667" dirty="0">
+                <a:solidFill>
+                  <a:prstClr val="white"/>
+                </a:solidFill>
+                <a:latin typeface="Arial" charset="0"/>
+              </a:rPr>
+              <a:t>Level: Intermediate, etc.</a:t>
+            </a:r>
+          </a:p>
+          <a:p>
+            <a:pPr defTabSz="1219170"/>
+            <a:endParaRPr lang="en-US" sz="2133" b="1" dirty="0">
+              <a:solidFill>
+                <a:prstClr val="white"/>
+              </a:solidFill>
+              <a:latin typeface="Arial" charset="0"/>
+            </a:endParaRPr>
+          </a:p>
+        </p:txBody>
+      </p:sp>
+      <p:pic>
+        <p:nvPicPr>
+          <p:cNvPr id="2" name="Picture 1"/>
+          <p:cNvPicPr>
+            <a:picLocks noChangeAspect="1"/>
+          </p:cNvPicPr>
+          <p:nvPr/>
+        </p:nvPicPr>
+        <p:blipFill>
+          <a:blip r:embed="rId3">
+            <a:extLst>
+              <a:ext uri="{28A0092B-C50C-407E-A947-70E740481C1C}">
+                <a14:useLocalDpi xmlns:a14="http://schemas.microsoft.com/office/drawing/2010/main" val="0"/>
+              </a:ext>
+            </a:extLst>
+          </a:blip>
+          <a:stretch>
+            <a:fillRect/>
+          </a:stretch>
+        </p:blipFill>
+        <p:spPr>
+          <a:xfrm>
+            <a:off x="0" y="-17379"/>
+            <a:ext cx="12192000" cy="4665579"/>
+          </a:xfrm>
+          <a:prstGeom prst="rect">
+            <a:avLst/>
+          </a:prstGeom>
+        </p:spPr>
+      </p:pic>
+    </p:spTree>
+    <p:extLst>
+      <p:ext uri="{BB962C8B-B14F-4D97-AF65-F5344CB8AC3E}">
+        <p14:creationId xmlns:p14="http://schemas.microsoft.com/office/powerpoint/2010/main" val="608793596"/>
+      </p:ext>
+    </p:extLst>
+  </p:cSld>
+  <p:clrMapOvr>
+    <a:masterClrMapping/>
+  </p:clrMapOvr>
+  <p:transition spd="slow"/>
+</p:sld>
+</file>
+
+<file path=ppt/slides/slide2.xml><?xml version="1.0" encoding="utf-8"?>
 <p:sld xmlns:a="http://schemas.openxmlformats.org/drawingml/2006/main" xmlns:r="http://schemas.openxmlformats.org/officeDocument/2006/relationships" xmlns:p="http://schemas.openxmlformats.org/presentationml/2006/main">
   <p:cSld>
     <p:spTree>
@@ -3944,7 +7826,7 @@
 </p:sld>
 </file>
 
-<file path=ppt/slides/slide2.xml><?xml version="1.0" encoding="utf-8"?>
+<file path=ppt/slides/slide3.xml><?xml version="1.0" encoding="utf-8"?>
 <p:sld xmlns:a="http://schemas.openxmlformats.org/drawingml/2006/main" xmlns:r="http://schemas.openxmlformats.org/officeDocument/2006/relationships" xmlns:p="http://schemas.openxmlformats.org/presentationml/2006/main">
   <p:cSld>
     <p:bg>
@@ -4549,4 +8431,619 @@
     </a:ext>
   </a:extLst>
 </a:theme>
+</file>
+
+<file path=ppt/theme/theme2.xml><?xml version="1.0" encoding="utf-8"?>
+<a:theme xmlns:a="http://schemas.openxmlformats.org/drawingml/2006/main" name="Custom Design">
+  <a:themeElements>
+    <a:clrScheme name="Office">
+      <a:dk1>
+        <a:sysClr val="windowText" lastClr="000000"/>
+      </a:dk1>
+      <a:lt1>
+        <a:sysClr val="window" lastClr="FFFFFF"/>
+      </a:lt1>
+      <a:dk2>
+        <a:srgbClr val="1F497D"/>
+      </a:dk2>
+      <a:lt2>
+        <a:srgbClr val="EEECE1"/>
+      </a:lt2>
+      <a:accent1>
+        <a:srgbClr val="4F81BD"/>
+      </a:accent1>
+      <a:accent2>
+        <a:srgbClr val="C0504D"/>
+      </a:accent2>
+      <a:accent3>
+        <a:srgbClr val="9BBB59"/>
+      </a:accent3>
+      <a:accent4>
+        <a:srgbClr val="8064A2"/>
+      </a:accent4>
+      <a:accent5>
+        <a:srgbClr val="4BACC6"/>
+      </a:accent5>
+      <a:accent6>
+        <a:srgbClr val="F79646"/>
+      </a:accent6>
+      <a:hlink>
+        <a:srgbClr val="0000FF"/>
+      </a:hlink>
+      <a:folHlink>
+        <a:srgbClr val="800080"/>
+      </a:folHlink>
+    </a:clrScheme>
+    <a:fontScheme name="Office">
+      <a:majorFont>
+        <a:latin typeface="Calibri"/>
+        <a:ea typeface=""/>
+        <a:cs typeface=""/>
+        <a:font script="Jpan" typeface="ＭＳ Ｐゴシック"/>
+        <a:font script="Hang" typeface="맑은 고딕"/>
+        <a:font script="Hans" typeface="宋体"/>
+        <a:font script="Hant" typeface="新細明體"/>
+        <a:font script="Arab" typeface="Times New Roman"/>
+        <a:font script="Hebr" typeface="Times New Roman"/>
+        <a:font script="Thai" typeface="Angsana New"/>
+        <a:font script="Ethi" typeface="Nyala"/>
+        <a:font script="Beng" typeface="Vrinda"/>
+        <a:font script="Gujr" typeface="Shruti"/>
+        <a:font script="Khmr" typeface="MoolBoran"/>
+        <a:font script="Knda" typeface="Tunga"/>
+        <a:font script="Guru" typeface="Raavi"/>
+        <a:font script="Cans" typeface="Euphemia"/>
+        <a:font script="Cher" typeface="Plantagenet Cherokee"/>
+        <a:font script="Yiii" typeface="Microsoft Yi Baiti"/>
+        <a:font script="Tibt" typeface="Microsoft Himalaya"/>
+        <a:font script="Thaa" typeface="MV Boli"/>
+        <a:font script="Deva" typeface="Mangal"/>
+        <a:font script="Telu" typeface="Gautami"/>
+        <a:font script="Taml" typeface="Latha"/>
+        <a:font script="Syrc" typeface="Estrangelo Edessa"/>
+        <a:font script="Orya" typeface="Kalinga"/>
+        <a:font script="Mlym" typeface="Kartika"/>
+        <a:font script="Laoo" typeface="DokChampa"/>
+        <a:font script="Sinh" typeface="Iskoola Pota"/>
+        <a:font script="Mong" typeface="Mongolian Baiti"/>
+        <a:font script="Viet" typeface="Times New Roman"/>
+        <a:font script="Uigh" typeface="Microsoft Uighur"/>
+        <a:font script="Geor" typeface="Sylfaen"/>
+      </a:majorFont>
+      <a:minorFont>
+        <a:latin typeface="Calibri"/>
+        <a:ea typeface=""/>
+        <a:cs typeface=""/>
+        <a:font script="Jpan" typeface="ＭＳ Ｐゴシック"/>
+        <a:font script="Hang" typeface="맑은 고딕"/>
+        <a:font script="Hans" typeface="宋体"/>
+        <a:font script="Hant" typeface="新細明體"/>
+        <a:font script="Arab" typeface="Arial"/>
+        <a:font script="Hebr" typeface="Arial"/>
+        <a:font script="Thai" typeface="Cordia New"/>
+        <a:font script="Ethi" typeface="Nyala"/>
+        <a:font script="Beng" typeface="Vrinda"/>
+        <a:font script="Gujr" typeface="Shruti"/>
+        <a:font script="Khmr" typeface="DaunPenh"/>
+        <a:font script="Knda" typeface="Tunga"/>
+        <a:font script="Guru" typeface="Raavi"/>
+        <a:font script="Cans" typeface="Euphemia"/>
+        <a:font script="Cher" typeface="Plantagenet Cherokee"/>
+        <a:font script="Yiii" typeface="Microsoft Yi Baiti"/>
+        <a:font script="Tibt" typeface="Microsoft Himalaya"/>
+        <a:font script="Thaa" typeface="MV Boli"/>
+        <a:font script="Deva" typeface="Mangal"/>
+        <a:font script="Telu" typeface="Gautami"/>
+        <a:font script="Taml" typeface="Latha"/>
+        <a:font script="Syrc" typeface="Estrangelo Edessa"/>
+        <a:font script="Orya" typeface="Kalinga"/>
+        <a:font script="Mlym" typeface="Kartika"/>
+        <a:font script="Laoo" typeface="DokChampa"/>
+        <a:font script="Sinh" typeface="Iskoola Pota"/>
+        <a:font script="Mong" typeface="Mongolian Baiti"/>
+        <a:font script="Viet" typeface="Arial"/>
+        <a:font script="Uigh" typeface="Microsoft Uighur"/>
+        <a:font script="Geor" typeface="Sylfaen"/>
+      </a:minorFont>
+    </a:fontScheme>
+    <a:fmtScheme name="Office">
+      <a:fillStyleLst>
+        <a:solidFill>
+          <a:schemeClr val="phClr"/>
+        </a:solidFill>
+        <a:gradFill rotWithShape="1">
+          <a:gsLst>
+            <a:gs pos="0">
+              <a:schemeClr val="phClr">
+                <a:tint val="50000"/>
+                <a:satMod val="300000"/>
+              </a:schemeClr>
+            </a:gs>
+            <a:gs pos="35000">
+              <a:schemeClr val="phClr">
+                <a:tint val="37000"/>
+                <a:satMod val="300000"/>
+              </a:schemeClr>
+            </a:gs>
+            <a:gs pos="100000">
+              <a:schemeClr val="phClr">
+                <a:tint val="15000"/>
+                <a:satMod val="350000"/>
+              </a:schemeClr>
+            </a:gs>
+          </a:gsLst>
+          <a:lin ang="16200000" scaled="1"/>
+        </a:gradFill>
+        <a:gradFill rotWithShape="1">
+          <a:gsLst>
+            <a:gs pos="0">
+              <a:schemeClr val="phClr">
+                <a:tint val="100000"/>
+                <a:shade val="100000"/>
+                <a:satMod val="130000"/>
+              </a:schemeClr>
+            </a:gs>
+            <a:gs pos="100000">
+              <a:schemeClr val="phClr">
+                <a:tint val="50000"/>
+                <a:shade val="100000"/>
+                <a:satMod val="350000"/>
+              </a:schemeClr>
+            </a:gs>
+          </a:gsLst>
+          <a:lin ang="16200000" scaled="0"/>
+        </a:gradFill>
+      </a:fillStyleLst>
+      <a:lnStyleLst>
+        <a:ln w="9525" cap="flat" cmpd="sng" algn="ctr">
+          <a:solidFill>
+            <a:schemeClr val="phClr">
+              <a:shade val="95000"/>
+              <a:satMod val="105000"/>
+            </a:schemeClr>
+          </a:solidFill>
+          <a:prstDash val="solid"/>
+        </a:ln>
+        <a:ln w="25400" cap="flat" cmpd="sng" algn="ctr">
+          <a:solidFill>
+            <a:schemeClr val="phClr"/>
+          </a:solidFill>
+          <a:prstDash val="solid"/>
+        </a:ln>
+        <a:ln w="38100" cap="flat" cmpd="sng" algn="ctr">
+          <a:solidFill>
+            <a:schemeClr val="phClr"/>
+          </a:solidFill>
+          <a:prstDash val="solid"/>
+        </a:ln>
+      </a:lnStyleLst>
+      <a:effectStyleLst>
+        <a:effectStyle>
+          <a:effectLst>
+            <a:outerShdw blurRad="40000" dist="20000" dir="5400000" rotWithShape="0">
+              <a:srgbClr val="000000">
+                <a:alpha val="38000"/>
+              </a:srgbClr>
+            </a:outerShdw>
+          </a:effectLst>
+        </a:effectStyle>
+        <a:effectStyle>
+          <a:effectLst>
+            <a:outerShdw blurRad="40000" dist="23000" dir="5400000" rotWithShape="0">
+              <a:srgbClr val="000000">
+                <a:alpha val="35000"/>
+              </a:srgbClr>
+            </a:outerShdw>
+          </a:effectLst>
+        </a:effectStyle>
+        <a:effectStyle>
+          <a:effectLst>
+            <a:outerShdw blurRad="40000" dist="23000" dir="5400000" rotWithShape="0">
+              <a:srgbClr val="000000">
+                <a:alpha val="35000"/>
+              </a:srgbClr>
+            </a:outerShdw>
+          </a:effectLst>
+          <a:scene3d>
+            <a:camera prst="orthographicFront">
+              <a:rot lat="0" lon="0" rev="0"/>
+            </a:camera>
+            <a:lightRig rig="threePt" dir="t">
+              <a:rot lat="0" lon="0" rev="1200000"/>
+            </a:lightRig>
+          </a:scene3d>
+          <a:sp3d>
+            <a:bevelT w="63500" h="25400"/>
+          </a:sp3d>
+        </a:effectStyle>
+      </a:effectStyleLst>
+      <a:bgFillStyleLst>
+        <a:solidFill>
+          <a:schemeClr val="phClr"/>
+        </a:solidFill>
+        <a:gradFill rotWithShape="1">
+          <a:gsLst>
+            <a:gs pos="0">
+              <a:schemeClr val="phClr">
+                <a:tint val="40000"/>
+                <a:satMod val="350000"/>
+              </a:schemeClr>
+            </a:gs>
+            <a:gs pos="40000">
+              <a:schemeClr val="phClr">
+                <a:tint val="45000"/>
+                <a:shade val="99000"/>
+                <a:satMod val="350000"/>
+              </a:schemeClr>
+            </a:gs>
+            <a:gs pos="100000">
+              <a:schemeClr val="phClr">
+                <a:shade val="20000"/>
+                <a:satMod val="255000"/>
+              </a:schemeClr>
+            </a:gs>
+          </a:gsLst>
+          <a:path path="circle">
+            <a:fillToRect l="50000" t="-80000" r="50000" b="180000"/>
+          </a:path>
+        </a:gradFill>
+        <a:gradFill rotWithShape="1">
+          <a:gsLst>
+            <a:gs pos="0">
+              <a:schemeClr val="phClr">
+                <a:tint val="80000"/>
+                <a:satMod val="300000"/>
+              </a:schemeClr>
+            </a:gs>
+            <a:gs pos="100000">
+              <a:schemeClr val="phClr">
+                <a:shade val="30000"/>
+                <a:satMod val="200000"/>
+              </a:schemeClr>
+            </a:gs>
+          </a:gsLst>
+          <a:path path="circle">
+            <a:fillToRect l="50000" t="50000" r="50000" b="50000"/>
+          </a:path>
+        </a:gradFill>
+      </a:bgFillStyleLst>
+    </a:fmtScheme>
+  </a:themeElements>
+  <a:objectDefaults>
+    <a:spDef>
+      <a:spPr/>
+      <a:bodyPr/>
+      <a:lstStyle/>
+      <a:style>
+        <a:lnRef idx="1">
+          <a:schemeClr val="accent1"/>
+        </a:lnRef>
+        <a:fillRef idx="3">
+          <a:schemeClr val="accent1"/>
+        </a:fillRef>
+        <a:effectRef idx="2">
+          <a:schemeClr val="accent1"/>
+        </a:effectRef>
+        <a:fontRef idx="minor">
+          <a:schemeClr val="lt1"/>
+        </a:fontRef>
+      </a:style>
+    </a:spDef>
+    <a:lnDef>
+      <a:spPr/>
+      <a:bodyPr/>
+      <a:lstStyle/>
+      <a:style>
+        <a:lnRef idx="2">
+          <a:schemeClr val="accent1"/>
+        </a:lnRef>
+        <a:fillRef idx="0">
+          <a:schemeClr val="accent1"/>
+        </a:fillRef>
+        <a:effectRef idx="1">
+          <a:schemeClr val="accent1"/>
+        </a:effectRef>
+        <a:fontRef idx="minor">
+          <a:schemeClr val="tx1"/>
+        </a:fontRef>
+      </a:style>
+    </a:lnDef>
+  </a:objectDefaults>
+  <a:extraClrSchemeLst/>
+</a:theme>
+</file>
+
+<file path=ppt/theme/theme3.xml><?xml version="1.0" encoding="utf-8"?>
+<a:theme xmlns:a="http://schemas.openxmlformats.org/drawingml/2006/main" name="Office Theme">
+  <a:themeElements>
+    <a:clrScheme name="Office">
+      <a:dk1>
+        <a:sysClr val="windowText" lastClr="000000"/>
+      </a:dk1>
+      <a:lt1>
+        <a:sysClr val="window" lastClr="FFFFFF"/>
+      </a:lt1>
+      <a:dk2>
+        <a:srgbClr val="44546A"/>
+      </a:dk2>
+      <a:lt2>
+        <a:srgbClr val="E7E6E6"/>
+      </a:lt2>
+      <a:accent1>
+        <a:srgbClr val="4472C4"/>
+      </a:accent1>
+      <a:accent2>
+        <a:srgbClr val="ED7D31"/>
+      </a:accent2>
+      <a:accent3>
+        <a:srgbClr val="A5A5A5"/>
+      </a:accent3>
+      <a:accent4>
+        <a:srgbClr val="FFC000"/>
+      </a:accent4>
+      <a:accent5>
+        <a:srgbClr val="5B9BD5"/>
+      </a:accent5>
+      <a:accent6>
+        <a:srgbClr val="70AD47"/>
+      </a:accent6>
+      <a:hlink>
+        <a:srgbClr val="0563C1"/>
+      </a:hlink>
+      <a:folHlink>
+        <a:srgbClr val="954F72"/>
+      </a:folHlink>
+    </a:clrScheme>
+    <a:fontScheme name="Office">
+      <a:majorFont>
+        <a:latin typeface="Calibri Light" panose="020F0302020204030204"/>
+        <a:ea typeface=""/>
+        <a:cs typeface=""/>
+        <a:font script="Jpan" typeface="游ゴシック Light"/>
+        <a:font script="Hang" typeface="맑은 고딕"/>
+        <a:font script="Hans" typeface="等线 Light"/>
+        <a:font script="Hant" typeface="新細明體"/>
+        <a:font script="Arab" typeface="Times New Roman"/>
+        <a:font script="Hebr" typeface="Times New Roman"/>
+        <a:font script="Thai" typeface="Angsana New"/>
+        <a:font script="Ethi" typeface="Nyala"/>
+        <a:font script="Beng" typeface="Vrinda"/>
+        <a:font script="Gujr" typeface="Shruti"/>
+        <a:font script="Khmr" typeface="MoolBoran"/>
+        <a:font script="Knda" typeface="Tunga"/>
+        <a:font script="Guru" typeface="Raavi"/>
+        <a:font script="Cans" typeface="Euphemia"/>
+        <a:font script="Cher" typeface="Plantagenet Cherokee"/>
+        <a:font script="Yiii" typeface="Microsoft Yi Baiti"/>
+        <a:font script="Tibt" typeface="Microsoft Himalaya"/>
+        <a:font script="Thaa" typeface="MV Boli"/>
+        <a:font script="Deva" typeface="Mangal"/>
+        <a:font script="Telu" typeface="Gautami"/>
+        <a:font script="Taml" typeface="Latha"/>
+        <a:font script="Syrc" typeface="Estrangelo Edessa"/>
+        <a:font script="Orya" typeface="Kalinga"/>
+        <a:font script="Mlym" typeface="Kartika"/>
+        <a:font script="Laoo" typeface="DokChampa"/>
+        <a:font script="Sinh" typeface="Iskoola Pota"/>
+        <a:font script="Mong" typeface="Mongolian Baiti"/>
+        <a:font script="Viet" typeface="Times New Roman"/>
+        <a:font script="Uigh" typeface="Microsoft Uighur"/>
+        <a:font script="Geor" typeface="Sylfaen"/>
+        <a:font script="Armn" typeface="Arial"/>
+        <a:font script="Bugi" typeface="Leelawadee UI"/>
+        <a:font script="Bopo" typeface="Microsoft JhengHei"/>
+        <a:font script="Java" typeface="Javanese Text"/>
+        <a:font script="Lisu" typeface="Segoe UI"/>
+        <a:font script="Mymr" typeface="Myanmar Text"/>
+        <a:font script="Nkoo" typeface="Ebrima"/>
+        <a:font script="Olck" typeface="Nirmala UI"/>
+        <a:font script="Osma" typeface="Ebrima"/>
+        <a:font script="Phag" typeface="Phagspa"/>
+        <a:font script="Syrn" typeface="Estrangelo Edessa"/>
+        <a:font script="Syrj" typeface="Estrangelo Edessa"/>
+        <a:font script="Syre" typeface="Estrangelo Edessa"/>
+        <a:font script="Sora" typeface="Nirmala UI"/>
+        <a:font script="Tale" typeface="Microsoft Tai Le"/>
+        <a:font script="Talu" typeface="Microsoft New Tai Lue"/>
+        <a:font script="Tfng" typeface="Ebrima"/>
+      </a:majorFont>
+      <a:minorFont>
+        <a:latin typeface="Calibri" panose="020F0502020204030204"/>
+        <a:ea typeface=""/>
+        <a:cs typeface=""/>
+        <a:font script="Jpan" typeface="游ゴシック"/>
+        <a:font script="Hang" typeface="맑은 고딕"/>
+        <a:font script="Hans" typeface="等线"/>
+        <a:font script="Hant" typeface="新細明體"/>
+        <a:font script="Arab" typeface="Arial"/>
+        <a:font script="Hebr" typeface="Arial"/>
+        <a:font script="Thai" typeface="Cordia New"/>
+        <a:font script="Ethi" typeface="Nyala"/>
+        <a:font script="Beng" typeface="Vrinda"/>
+        <a:font script="Gujr" typeface="Shruti"/>
+        <a:font script="Khmr" typeface="DaunPenh"/>
+        <a:font script="Knda" typeface="Tunga"/>
+        <a:font script="Guru" typeface="Raavi"/>
+        <a:font script="Cans" typeface="Euphemia"/>
+        <a:font script="Cher" typeface="Plantagenet Cherokee"/>
+        <a:font script="Yiii" typeface="Microsoft Yi Baiti"/>
+        <a:font script="Tibt" typeface="Microsoft Himalaya"/>
+        <a:font script="Thaa" typeface="MV Boli"/>
+        <a:font script="Deva" typeface="Mangal"/>
+        <a:font script="Telu" typeface="Gautami"/>
+        <a:font script="Taml" typeface="Latha"/>
+        <a:font script="Syrc" typeface="Estrangelo Edessa"/>
+        <a:font script="Orya" typeface="Kalinga"/>
+        <a:font script="Mlym" typeface="Kartika"/>
+        <a:font script="Laoo" typeface="DokChampa"/>
+        <a:font script="Sinh" typeface="Iskoola Pota"/>
+        <a:font script="Mong" typeface="Mongolian Baiti"/>
+        <a:font script="Viet" typeface="Arial"/>
+        <a:font script="Uigh" typeface="Microsoft Uighur"/>
+        <a:font script="Geor" typeface="Sylfaen"/>
+        <a:font script="Armn" typeface="Arial"/>
+        <a:font script="Bugi" typeface="Leelawadee UI"/>
+        <a:font script="Bopo" typeface="Microsoft JhengHei"/>
+        <a:font script="Java" typeface="Javanese Text"/>
+        <a:font script="Lisu" typeface="Segoe UI"/>
+        <a:font script="Mymr" typeface="Myanmar Text"/>
+        <a:font script="Nkoo" typeface="Ebrima"/>
+        <a:font script="Olck" typeface="Nirmala UI"/>
+        <a:font script="Osma" typeface="Ebrima"/>
+        <a:font script="Phag" typeface="Phagspa"/>
+        <a:font script="Syrn" typeface="Estrangelo Edessa"/>
+        <a:font script="Syrj" typeface="Estrangelo Edessa"/>
+        <a:font script="Syre" typeface="Estrangelo Edessa"/>
+        <a:font script="Sora" typeface="Nirmala UI"/>
+        <a:font script="Tale" typeface="Microsoft Tai Le"/>
+        <a:font script="Talu" typeface="Microsoft New Tai Lue"/>
+        <a:font script="Tfng" typeface="Ebrima"/>
+      </a:minorFont>
+    </a:fontScheme>
+    <a:fmtScheme name="Office">
+      <a:fillStyleLst>
+        <a:solidFill>
+          <a:schemeClr val="phClr"/>
+        </a:solidFill>
+        <a:gradFill rotWithShape="1">
+          <a:gsLst>
+            <a:gs pos="0">
+              <a:schemeClr val="phClr">
+                <a:lumMod val="110000"/>
+                <a:satMod val="105000"/>
+                <a:tint val="67000"/>
+              </a:schemeClr>
+            </a:gs>
+            <a:gs pos="50000">
+              <a:schemeClr val="phClr">
+                <a:lumMod val="105000"/>
+                <a:satMod val="103000"/>
+                <a:tint val="73000"/>
+              </a:schemeClr>
+            </a:gs>
+            <a:gs pos="100000">
+              <a:schemeClr val="phClr">
+                <a:lumMod val="105000"/>
+                <a:satMod val="109000"/>
+                <a:tint val="81000"/>
+              </a:schemeClr>
+            </a:gs>
+          </a:gsLst>
+          <a:lin ang="5400000" scaled="0"/>
+        </a:gradFill>
+        <a:gradFill rotWithShape="1">
+          <a:gsLst>
+            <a:gs pos="0">
+              <a:schemeClr val="phClr">
+                <a:satMod val="103000"/>
+                <a:lumMod val="102000"/>
+                <a:tint val="94000"/>
+              </a:schemeClr>
+            </a:gs>
+            <a:gs pos="50000">
+              <a:schemeClr val="phClr">
+                <a:satMod val="110000"/>
+                <a:lumMod val="100000"/>
+                <a:shade val="100000"/>
+              </a:schemeClr>
+            </a:gs>
+            <a:gs pos="100000">
+              <a:schemeClr val="phClr">
+                <a:lumMod val="99000"/>
+                <a:satMod val="120000"/>
+                <a:shade val="78000"/>
+              </a:schemeClr>
+            </a:gs>
+          </a:gsLst>
+          <a:lin ang="5400000" scaled="0"/>
+        </a:gradFill>
+      </a:fillStyleLst>
+      <a:lnStyleLst>
+        <a:ln w="6350" cap="flat" cmpd="sng" algn="ctr">
+          <a:solidFill>
+            <a:schemeClr val="phClr"/>
+          </a:solidFill>
+          <a:prstDash val="solid"/>
+          <a:miter lim="800000"/>
+        </a:ln>
+        <a:ln w="12700" cap="flat" cmpd="sng" algn="ctr">
+          <a:solidFill>
+            <a:schemeClr val="phClr"/>
+          </a:solidFill>
+          <a:prstDash val="solid"/>
+          <a:miter lim="800000"/>
+        </a:ln>
+        <a:ln w="19050" cap="flat" cmpd="sng" algn="ctr">
+          <a:solidFill>
+            <a:schemeClr val="phClr"/>
+          </a:solidFill>
+          <a:prstDash val="solid"/>
+          <a:miter lim="800000"/>
+        </a:ln>
+      </a:lnStyleLst>
+      <a:effectStyleLst>
+        <a:effectStyle>
+          <a:effectLst/>
+        </a:effectStyle>
+        <a:effectStyle>
+          <a:effectLst/>
+        </a:effectStyle>
+        <a:effectStyle>
+          <a:effectLst>
+            <a:outerShdw blurRad="57150" dist="19050" dir="5400000" algn="ctr" rotWithShape="0">
+              <a:srgbClr val="000000">
+                <a:alpha val="63000"/>
+              </a:srgbClr>
+            </a:outerShdw>
+          </a:effectLst>
+        </a:effectStyle>
+      </a:effectStyleLst>
+      <a:bgFillStyleLst>
+        <a:solidFill>
+          <a:schemeClr val="phClr"/>
+        </a:solidFill>
+        <a:solidFill>
+          <a:schemeClr val="phClr">
+            <a:tint val="95000"/>
+            <a:satMod val="170000"/>
+          </a:schemeClr>
+        </a:solidFill>
+        <a:gradFill rotWithShape="1">
+          <a:gsLst>
+            <a:gs pos="0">
+              <a:schemeClr val="phClr">
+                <a:tint val="93000"/>
+                <a:satMod val="150000"/>
+                <a:shade val="98000"/>
+                <a:lumMod val="102000"/>
+              </a:schemeClr>
+            </a:gs>
+            <a:gs pos="50000">
+              <a:schemeClr val="phClr">
+                <a:tint val="98000"/>
+                <a:satMod val="130000"/>
+                <a:shade val="90000"/>
+                <a:lumMod val="103000"/>
+              </a:schemeClr>
+            </a:gs>
+            <a:gs pos="100000">
+              <a:schemeClr val="phClr">
+                <a:shade val="63000"/>
+                <a:satMod val="120000"/>
+              </a:schemeClr>
+            </a:gs>
+          </a:gsLst>
+          <a:lin ang="5400000" scaled="0"/>
+        </a:gradFill>
+      </a:bgFillStyleLst>
+    </a:fmtScheme>
+  </a:themeElements>
+  <a:objectDefaults/>
+  <a:extraClrSchemeLst/>
+  <a:extLst>
+    <a:ext uri="{05A4C25C-085E-4340-85A3-A5531E510DB2}">
+      <thm15:themeFamily xmlns:thm15="http://schemas.microsoft.com/office/thememl/2012/main" name="Office Theme" id="{62F939B6-93AF-4DB8-9C6B-D6C7DFDC589F}" vid="{4A3C46E8-61CC-4603-A589-7422A47A8E4A}"/>
+    </a:ext>
+  </a:extLst>
+</a:theme>
 </file>
--- a/module-1/01-09 Identity in your Web API/01-09 Identity in your Web API.pptx
+++ b/module-1/01-09 Identity in your Web API/01-09 Identity in your Web API.pptx
@@ -6,12 +6,13 @@
     <p:sldMasterId id="2147483696" r:id="rId2"/>
   </p:sldMasterIdLst>
   <p:notesMasterIdLst>
-    <p:notesMasterId r:id="rId6"/>
+    <p:notesMasterId r:id="rId7"/>
   </p:notesMasterIdLst>
   <p:sldIdLst>
     <p:sldId id="261" r:id="rId3"/>
     <p:sldId id="256" r:id="rId4"/>
     <p:sldId id="257" r:id="rId5"/>
+    <p:sldId id="262" r:id="rId6"/>
   </p:sldIdLst>
   <p:sldSz cx="12192000" cy="6858000"/>
   <p:notesSz cx="6858000" cy="9144000"/>
@@ -118,6 +119,3909 @@
 </p:presentation>
 </file>
 
+<file path=ppt/diagrams/colors1.xml><?xml version="1.0" encoding="utf-8"?>
+<dgm:colorsDef xmlns:dgm="http://schemas.openxmlformats.org/drawingml/2006/diagram" xmlns:a="http://schemas.openxmlformats.org/drawingml/2006/main" uniqueId="urn:microsoft.com/office/officeart/2005/8/colors/accent1_2">
+  <dgm:title val=""/>
+  <dgm:desc val=""/>
+  <dgm:catLst>
+    <dgm:cat type="accent1" pri="11200"/>
+  </dgm:catLst>
+  <dgm:styleLbl name="node0">
+    <dgm:fillClrLst meth="repeat">
+      <a:schemeClr val="accent1"/>
+    </dgm:fillClrLst>
+    <dgm:linClrLst meth="repeat">
+      <a:schemeClr val="lt1"/>
+    </dgm:linClrLst>
+    <dgm:effectClrLst/>
+    <dgm:txLinClrLst/>
+    <dgm:txFillClrLst/>
+    <dgm:txEffectClrLst/>
+  </dgm:styleLbl>
+  <dgm:styleLbl name="alignNode1">
+    <dgm:fillClrLst meth="repeat">
+      <a:schemeClr val="accent1"/>
+    </dgm:fillClrLst>
+    <dgm:linClrLst meth="repeat">
+      <a:schemeClr val="accent1"/>
+    </dgm:linClrLst>
+    <dgm:effectClrLst/>
+    <dgm:txLinClrLst/>
+    <dgm:txFillClrLst/>
+    <dgm:txEffectClrLst/>
+  </dgm:styleLbl>
+  <dgm:styleLbl name="node1">
+    <dgm:fillClrLst meth="repeat">
+      <a:schemeClr val="accent1"/>
+    </dgm:fillClrLst>
+    <dgm:linClrLst meth="repeat">
+      <a:schemeClr val="lt1"/>
+    </dgm:linClrLst>
+    <dgm:effectClrLst/>
+    <dgm:txLinClrLst/>
+    <dgm:txFillClrLst/>
+    <dgm:txEffectClrLst/>
+  </dgm:styleLbl>
+  <dgm:styleLbl name="lnNode1">
+    <dgm:fillClrLst meth="repeat">
+      <a:schemeClr val="accent1"/>
+    </dgm:fillClrLst>
+    <dgm:linClrLst meth="repeat">
+      <a:schemeClr val="lt1"/>
+    </dgm:linClrLst>
+    <dgm:effectClrLst/>
+    <dgm:txLinClrLst/>
+    <dgm:txFillClrLst/>
+    <dgm:txEffectClrLst/>
+  </dgm:styleLbl>
+  <dgm:styleLbl name="vennNode1">
+    <dgm:fillClrLst meth="repeat">
+      <a:schemeClr val="accent1">
+        <a:alpha val="50000"/>
+      </a:schemeClr>
+    </dgm:fillClrLst>
+    <dgm:linClrLst meth="repeat">
+      <a:schemeClr val="lt1"/>
+    </dgm:linClrLst>
+    <dgm:effectClrLst/>
+    <dgm:txLinClrLst/>
+    <dgm:txFillClrLst/>
+    <dgm:txEffectClrLst/>
+  </dgm:styleLbl>
+  <dgm:styleLbl name="node2">
+    <dgm:fillClrLst meth="repeat">
+      <a:schemeClr val="accent1"/>
+    </dgm:fillClrLst>
+    <dgm:linClrLst meth="repeat">
+      <a:schemeClr val="lt1"/>
+    </dgm:linClrLst>
+    <dgm:effectClrLst/>
+    <dgm:txLinClrLst/>
+    <dgm:txFillClrLst/>
+    <dgm:txEffectClrLst/>
+  </dgm:styleLbl>
+  <dgm:styleLbl name="node3">
+    <dgm:fillClrLst meth="repeat">
+      <a:schemeClr val="accent1"/>
+    </dgm:fillClrLst>
+    <dgm:linClrLst meth="repeat">
+      <a:schemeClr val="lt1"/>
+    </dgm:linClrLst>
+    <dgm:effectClrLst/>
+    <dgm:txLinClrLst/>
+    <dgm:txFillClrLst/>
+    <dgm:txEffectClrLst/>
+  </dgm:styleLbl>
+  <dgm:styleLbl name="node4">
+    <dgm:fillClrLst meth="repeat">
+      <a:schemeClr val="accent1"/>
+    </dgm:fillClrLst>
+    <dgm:linClrLst meth="repeat">
+      <a:schemeClr val="lt1"/>
+    </dgm:linClrLst>
+    <dgm:effectClrLst/>
+    <dgm:txLinClrLst/>
+    <dgm:txFillClrLst/>
+    <dgm:txEffectClrLst/>
+  </dgm:styleLbl>
+  <dgm:styleLbl name="fgImgPlace1">
+    <dgm:fillClrLst meth="repeat">
+      <a:schemeClr val="accent1">
+        <a:tint val="50000"/>
+      </a:schemeClr>
+    </dgm:fillClrLst>
+    <dgm:linClrLst meth="repeat">
+      <a:schemeClr val="lt1"/>
+    </dgm:linClrLst>
+    <dgm:effectClrLst/>
+    <dgm:txLinClrLst/>
+    <dgm:txFillClrLst meth="repeat">
+      <a:schemeClr val="lt1"/>
+    </dgm:txFillClrLst>
+    <dgm:txEffectClrLst/>
+  </dgm:styleLbl>
+  <dgm:styleLbl name="alignImgPlace1">
+    <dgm:fillClrLst meth="repeat">
+      <a:schemeClr val="accent1">
+        <a:tint val="50000"/>
+      </a:schemeClr>
+    </dgm:fillClrLst>
+    <dgm:linClrLst meth="repeat">
+      <a:schemeClr val="lt1"/>
+    </dgm:linClrLst>
+    <dgm:effectClrLst/>
+    <dgm:txLinClrLst/>
+    <dgm:txFillClrLst meth="repeat">
+      <a:schemeClr val="lt1"/>
+    </dgm:txFillClrLst>
+    <dgm:txEffectClrLst/>
+  </dgm:styleLbl>
+  <dgm:styleLbl name="bgImgPlace1">
+    <dgm:fillClrLst meth="repeat">
+      <a:schemeClr val="accent1">
+        <a:tint val="50000"/>
+      </a:schemeClr>
+    </dgm:fillClrLst>
+    <dgm:linClrLst meth="repeat">
+      <a:schemeClr val="lt1"/>
+    </dgm:linClrLst>
+    <dgm:effectClrLst/>
+    <dgm:txLinClrLst/>
+    <dgm:txFillClrLst meth="repeat">
+      <a:schemeClr val="lt1"/>
+    </dgm:txFillClrLst>
+    <dgm:txEffectClrLst/>
+  </dgm:styleLbl>
+  <dgm:styleLbl name="sibTrans2D1">
+    <dgm:fillClrLst meth="repeat">
+      <a:schemeClr val="accent1">
+        <a:tint val="60000"/>
+      </a:schemeClr>
+    </dgm:fillClrLst>
+    <dgm:linClrLst meth="repeat">
+      <a:schemeClr val="accent1">
+        <a:tint val="60000"/>
+      </a:schemeClr>
+    </dgm:linClrLst>
+    <dgm:effectClrLst/>
+    <dgm:txLinClrLst/>
+    <dgm:txFillClrLst/>
+    <dgm:txEffectClrLst/>
+  </dgm:styleLbl>
+  <dgm:styleLbl name="fgSibTrans2D1">
+    <dgm:fillClrLst meth="repeat">
+      <a:schemeClr val="accent1">
+        <a:tint val="60000"/>
+      </a:schemeClr>
+    </dgm:fillClrLst>
+    <dgm:linClrLst meth="repeat">
+      <a:schemeClr val="accent1">
+        <a:tint val="60000"/>
+      </a:schemeClr>
+    </dgm:linClrLst>
+    <dgm:effectClrLst/>
+    <dgm:txLinClrLst/>
+    <dgm:txFillClrLst/>
+    <dgm:txEffectClrLst/>
+  </dgm:styleLbl>
+  <dgm:styleLbl name="bgSibTrans2D1">
+    <dgm:fillClrLst meth="repeat">
+      <a:schemeClr val="accent1">
+        <a:tint val="60000"/>
+      </a:schemeClr>
+    </dgm:fillClrLst>
+    <dgm:linClrLst meth="repeat">
+      <a:schemeClr val="accent1">
+        <a:tint val="60000"/>
+      </a:schemeClr>
+    </dgm:linClrLst>
+    <dgm:effectClrLst/>
+    <dgm:txLinClrLst/>
+    <dgm:txFillClrLst/>
+    <dgm:txEffectClrLst/>
+  </dgm:styleLbl>
+  <dgm:styleLbl name="sibTrans1D1">
+    <dgm:fillClrLst meth="repeat">
+      <a:schemeClr val="accent1"/>
+    </dgm:fillClrLst>
+    <dgm:linClrLst meth="repeat">
+      <a:schemeClr val="accent1"/>
+    </dgm:linClrLst>
+    <dgm:effectClrLst/>
+    <dgm:txLinClrLst/>
+    <dgm:txFillClrLst meth="repeat">
+      <a:schemeClr val="tx1"/>
+    </dgm:txFillClrLst>
+    <dgm:txEffectClrLst/>
+  </dgm:styleLbl>
+  <dgm:styleLbl name="callout">
+    <dgm:fillClrLst meth="repeat">
+      <a:schemeClr val="accent1"/>
+    </dgm:fillClrLst>
+    <dgm:linClrLst meth="repeat">
+      <a:schemeClr val="accent1">
+        <a:tint val="50000"/>
+      </a:schemeClr>
+    </dgm:linClrLst>
+    <dgm:effectClrLst/>
+    <dgm:txLinClrLst/>
+    <dgm:txFillClrLst meth="repeat">
+      <a:schemeClr val="tx1"/>
+    </dgm:txFillClrLst>
+    <dgm:txEffectClrLst/>
+  </dgm:styleLbl>
+  <dgm:styleLbl name="asst0">
+    <dgm:fillClrLst meth="repeat">
+      <a:schemeClr val="accent1"/>
+    </dgm:fillClrLst>
+    <dgm:linClrLst meth="repeat">
+      <a:schemeClr val="lt1"/>
+    </dgm:linClrLst>
+    <dgm:effectClrLst/>
+    <dgm:txLinClrLst/>
+    <dgm:txFillClrLst/>
+    <dgm:txEffectClrLst/>
+  </dgm:styleLbl>
+  <dgm:styleLbl name="asst1">
+    <dgm:fillClrLst meth="repeat">
+      <a:schemeClr val="accent1"/>
+    </dgm:fillClrLst>
+    <dgm:linClrLst meth="repeat">
+      <a:schemeClr val="lt1"/>
+    </dgm:linClrLst>
+    <dgm:effectClrLst/>
+    <dgm:txLinClrLst/>
+    <dgm:txFillClrLst/>
+    <dgm:txEffectClrLst/>
+  </dgm:styleLbl>
+  <dgm:styleLbl name="asst2">
+    <dgm:fillClrLst meth="repeat">
+      <a:schemeClr val="accent1"/>
+    </dgm:fillClrLst>
+    <dgm:linClrLst meth="repeat">
+      <a:schemeClr val="lt1"/>
+    </dgm:linClrLst>
+    <dgm:effectClrLst/>
+    <dgm:txLinClrLst/>
+    <dgm:txFillClrLst/>
+    <dgm:txEffectClrLst/>
+  </dgm:styleLbl>
+  <dgm:styleLbl name="asst3">
+    <dgm:fillClrLst meth="repeat">
+      <a:schemeClr val="accent1"/>
+    </dgm:fillClrLst>
+    <dgm:linClrLst meth="repeat">
+      <a:schemeClr val="lt1"/>
+    </dgm:linClrLst>
+    <dgm:effectClrLst/>
+    <dgm:txLinClrLst/>
+    <dgm:txFillClrLst/>
+    <dgm:txEffectClrLst/>
+  </dgm:styleLbl>
+  <dgm:styleLbl name="asst4">
+    <dgm:fillClrLst meth="repeat">
+      <a:schemeClr val="accent1"/>
+    </dgm:fillClrLst>
+    <dgm:linClrLst meth="repeat">
+      <a:schemeClr val="lt1"/>
+    </dgm:linClrLst>
+    <dgm:effectClrLst/>
+    <dgm:txLinClrLst/>
+    <dgm:txFillClrLst/>
+    <dgm:txEffectClrLst/>
+  </dgm:styleLbl>
+  <dgm:styleLbl name="parChTrans2D1">
+    <dgm:fillClrLst meth="repeat">
+      <a:schemeClr val="accent1">
+        <a:tint val="60000"/>
+      </a:schemeClr>
+    </dgm:fillClrLst>
+    <dgm:linClrLst meth="repeat">
+      <a:schemeClr val="accent1">
+        <a:tint val="60000"/>
+      </a:schemeClr>
+    </dgm:linClrLst>
+    <dgm:effectClrLst/>
+    <dgm:txLinClrLst/>
+    <dgm:txFillClrLst meth="repeat">
+      <a:schemeClr val="lt1"/>
+    </dgm:txFillClrLst>
+    <dgm:txEffectClrLst/>
+  </dgm:styleLbl>
+  <dgm:styleLbl name="parChTrans2D2">
+    <dgm:fillClrLst meth="repeat">
+      <a:schemeClr val="accent1"/>
+    </dgm:fillClrLst>
+    <dgm:linClrLst meth="repeat">
+      <a:schemeClr val="accent1"/>
+    </dgm:linClrLst>
+    <dgm:effectClrLst/>
+    <dgm:txLinClrLst/>
+    <dgm:txFillClrLst meth="repeat">
+      <a:schemeClr val="lt1"/>
+    </dgm:txFillClrLst>
+    <dgm:txEffectClrLst/>
+  </dgm:styleLbl>
+  <dgm:styleLbl name="parChTrans2D3">
+    <dgm:fillClrLst meth="repeat">
+      <a:schemeClr val="accent1"/>
+    </dgm:fillClrLst>
+    <dgm:linClrLst meth="repeat">
+      <a:schemeClr val="accent1"/>
+    </dgm:linClrLst>
+    <dgm:effectClrLst/>
+    <dgm:txLinClrLst/>
+    <dgm:txFillClrLst meth="repeat">
+      <a:schemeClr val="lt1"/>
+    </dgm:txFillClrLst>
+    <dgm:txEffectClrLst/>
+  </dgm:styleLbl>
+  <dgm:styleLbl name="parChTrans2D4">
+    <dgm:fillClrLst meth="repeat">
+      <a:schemeClr val="accent1"/>
+    </dgm:fillClrLst>
+    <dgm:linClrLst meth="repeat">
+      <a:schemeClr val="accent1"/>
+    </dgm:linClrLst>
+    <dgm:effectClrLst/>
+    <dgm:txLinClrLst/>
+    <dgm:txFillClrLst meth="repeat">
+      <a:schemeClr val="lt1"/>
+    </dgm:txFillClrLst>
+    <dgm:txEffectClrLst/>
+  </dgm:styleLbl>
+  <dgm:styleLbl name="parChTrans1D1">
+    <dgm:fillClrLst meth="repeat">
+      <a:schemeClr val="accent1"/>
+    </dgm:fillClrLst>
+    <dgm:linClrLst meth="repeat">
+      <a:schemeClr val="accent1">
+        <a:shade val="60000"/>
+      </a:schemeClr>
+    </dgm:linClrLst>
+    <dgm:effectClrLst/>
+    <dgm:txLinClrLst/>
+    <dgm:txFillClrLst meth="repeat">
+      <a:schemeClr val="tx1"/>
+    </dgm:txFillClrLst>
+    <dgm:txEffectClrLst/>
+  </dgm:styleLbl>
+  <dgm:styleLbl name="parChTrans1D2">
+    <dgm:fillClrLst meth="repeat">
+      <a:schemeClr val="accent1"/>
+    </dgm:fillClrLst>
+    <dgm:linClrLst meth="repeat">
+      <a:schemeClr val="accent1">
+        <a:shade val="60000"/>
+      </a:schemeClr>
+    </dgm:linClrLst>
+    <dgm:effectClrLst/>
+    <dgm:txLinClrLst/>
+    <dgm:txFillClrLst meth="repeat">
+      <a:schemeClr val="tx1"/>
+    </dgm:txFillClrLst>
+    <dgm:txEffectClrLst/>
+  </dgm:styleLbl>
+  <dgm:styleLbl name="parChTrans1D3">
+    <dgm:fillClrLst meth="repeat">
+      <a:schemeClr val="accent1"/>
+    </dgm:fillClrLst>
+    <dgm:linClrLst meth="repeat">
+      <a:schemeClr val="accent1">
+        <a:shade val="80000"/>
+      </a:schemeClr>
+    </dgm:linClrLst>
+    <dgm:effectClrLst/>
+    <dgm:txLinClrLst/>
+    <dgm:txFillClrLst meth="repeat">
+      <a:schemeClr val="tx1"/>
+    </dgm:txFillClrLst>
+    <dgm:txEffectClrLst/>
+  </dgm:styleLbl>
+  <dgm:styleLbl name="parChTrans1D4">
+    <dgm:fillClrLst meth="repeat">
+      <a:schemeClr val="accent1"/>
+    </dgm:fillClrLst>
+    <dgm:linClrLst meth="repeat">
+      <a:schemeClr val="accent1">
+        <a:shade val="80000"/>
+      </a:schemeClr>
+    </dgm:linClrLst>
+    <dgm:effectClrLst/>
+    <dgm:txLinClrLst/>
+    <dgm:txFillClrLst meth="repeat">
+      <a:schemeClr val="tx1"/>
+    </dgm:txFillClrLst>
+    <dgm:txEffectClrLst/>
+  </dgm:styleLbl>
+  <dgm:styleLbl name="fgAcc1">
+    <dgm:fillClrLst meth="repeat">
+      <a:schemeClr val="lt1">
+        <a:alpha val="90000"/>
+      </a:schemeClr>
+    </dgm:fillClrLst>
+    <dgm:linClrLst meth="repeat">
+      <a:schemeClr val="accent1"/>
+    </dgm:linClrLst>
+    <dgm:effectClrLst/>
+    <dgm:txLinClrLst/>
+    <dgm:txFillClrLst meth="repeat">
+      <a:schemeClr val="dk1"/>
+    </dgm:txFillClrLst>
+    <dgm:txEffectClrLst/>
+  </dgm:styleLbl>
+  <dgm:styleLbl name="conFgAcc1">
+    <dgm:fillClrLst meth="repeat">
+      <a:schemeClr val="lt1">
+        <a:alpha val="90000"/>
+      </a:schemeClr>
+    </dgm:fillClrLst>
+    <dgm:linClrLst meth="repeat">
+      <a:schemeClr val="accent1"/>
+    </dgm:linClrLst>
+    <dgm:effectClrLst/>
+    <dgm:txLinClrLst/>
+    <dgm:txFillClrLst meth="repeat">
+      <a:schemeClr val="dk1"/>
+    </dgm:txFillClrLst>
+    <dgm:txEffectClrLst/>
+  </dgm:styleLbl>
+  <dgm:styleLbl name="alignAcc1">
+    <dgm:fillClrLst meth="repeat">
+      <a:schemeClr val="lt1">
+        <a:alpha val="90000"/>
+      </a:schemeClr>
+    </dgm:fillClrLst>
+    <dgm:linClrLst meth="repeat">
+      <a:schemeClr val="accent1"/>
+    </dgm:linClrLst>
+    <dgm:effectClrLst/>
+    <dgm:txLinClrLst/>
+    <dgm:txFillClrLst meth="repeat">
+      <a:schemeClr val="dk1"/>
+    </dgm:txFillClrLst>
+    <dgm:txEffectClrLst/>
+  </dgm:styleLbl>
+  <dgm:styleLbl name="trAlignAcc1">
+    <dgm:fillClrLst meth="repeat">
+      <a:schemeClr val="lt1">
+        <a:alpha val="40000"/>
+      </a:schemeClr>
+    </dgm:fillClrLst>
+    <dgm:linClrLst meth="repeat">
+      <a:schemeClr val="accent1"/>
+    </dgm:linClrLst>
+    <dgm:effectClrLst/>
+    <dgm:txLinClrLst/>
+    <dgm:txFillClrLst meth="repeat">
+      <a:schemeClr val="dk1"/>
+    </dgm:txFillClrLst>
+    <dgm:txEffectClrLst/>
+  </dgm:styleLbl>
+  <dgm:styleLbl name="bgAcc1">
+    <dgm:fillClrLst meth="repeat">
+      <a:schemeClr val="lt1">
+        <a:alpha val="90000"/>
+      </a:schemeClr>
+    </dgm:fillClrLst>
+    <dgm:linClrLst meth="repeat">
+      <a:schemeClr val="accent1"/>
+    </dgm:linClrLst>
+    <dgm:effectClrLst/>
+    <dgm:txLinClrLst/>
+    <dgm:txFillClrLst meth="repeat">
+      <a:schemeClr val="dk1"/>
+    </dgm:txFillClrLst>
+    <dgm:txEffectClrLst/>
+  </dgm:styleLbl>
+  <dgm:styleLbl name="solidFgAcc1">
+    <dgm:fillClrLst meth="repeat">
+      <a:schemeClr val="lt1"/>
+    </dgm:fillClrLst>
+    <dgm:linClrLst meth="repeat">
+      <a:schemeClr val="accent1"/>
+    </dgm:linClrLst>
+    <dgm:effectClrLst/>
+    <dgm:txLinClrLst/>
+    <dgm:txFillClrLst meth="repeat">
+      <a:schemeClr val="dk1"/>
+    </dgm:txFillClrLst>
+    <dgm:txEffectClrLst/>
+  </dgm:styleLbl>
+  <dgm:styleLbl name="solidAlignAcc1">
+    <dgm:fillClrLst meth="repeat">
+      <a:schemeClr val="lt1"/>
+    </dgm:fillClrLst>
+    <dgm:linClrLst meth="repeat">
+      <a:schemeClr val="accent1"/>
+    </dgm:linClrLst>
+    <dgm:effectClrLst/>
+    <dgm:txLinClrLst/>
+    <dgm:txFillClrLst meth="repeat">
+      <a:schemeClr val="dk1"/>
+    </dgm:txFillClrLst>
+    <dgm:txEffectClrLst/>
+  </dgm:styleLbl>
+  <dgm:styleLbl name="solidBgAcc1">
+    <dgm:fillClrLst meth="repeat">
+      <a:schemeClr val="lt1"/>
+    </dgm:fillClrLst>
+    <dgm:linClrLst meth="repeat">
+      <a:schemeClr val="accent1"/>
+    </dgm:linClrLst>
+    <dgm:effectClrLst/>
+    <dgm:txLinClrLst/>
+    <dgm:txFillClrLst meth="repeat">
+      <a:schemeClr val="dk1"/>
+    </dgm:txFillClrLst>
+    <dgm:txEffectClrLst/>
+  </dgm:styleLbl>
+  <dgm:styleLbl name="fgAccFollowNode1">
+    <dgm:fillClrLst meth="repeat">
+      <a:schemeClr val="accent1">
+        <a:alpha val="90000"/>
+        <a:tint val="40000"/>
+      </a:schemeClr>
+    </dgm:fillClrLst>
+    <dgm:linClrLst meth="repeat">
+      <a:schemeClr val="accent1">
+        <a:alpha val="90000"/>
+        <a:tint val="40000"/>
+      </a:schemeClr>
+    </dgm:linClrLst>
+    <dgm:effectClrLst/>
+    <dgm:txLinClrLst/>
+    <dgm:txFillClrLst meth="repeat">
+      <a:schemeClr val="dk1"/>
+    </dgm:txFillClrLst>
+    <dgm:txEffectClrLst/>
+  </dgm:styleLbl>
+  <dgm:styleLbl name="alignAccFollowNode1">
+    <dgm:fillClrLst meth="repeat">
+      <a:schemeClr val="accent1">
+        <a:alpha val="90000"/>
+        <a:tint val="40000"/>
+      </a:schemeClr>
+    </dgm:fillClrLst>
+    <dgm:linClrLst meth="repeat">
+      <a:schemeClr val="accent1">
+        <a:alpha val="90000"/>
+        <a:tint val="40000"/>
+      </a:schemeClr>
+    </dgm:linClrLst>
+    <dgm:effectClrLst/>
+    <dgm:txLinClrLst/>
+    <dgm:txFillClrLst meth="repeat">
+      <a:schemeClr val="dk1"/>
+    </dgm:txFillClrLst>
+    <dgm:txEffectClrLst/>
+  </dgm:styleLbl>
+  <dgm:styleLbl name="bgAccFollowNode1">
+    <dgm:fillClrLst meth="repeat">
+      <a:schemeClr val="accent1">
+        <a:alpha val="90000"/>
+        <a:tint val="40000"/>
+      </a:schemeClr>
+    </dgm:fillClrLst>
+    <dgm:linClrLst meth="repeat">
+      <a:schemeClr val="accent1">
+        <a:alpha val="90000"/>
+        <a:tint val="40000"/>
+      </a:schemeClr>
+    </dgm:linClrLst>
+    <dgm:effectClrLst/>
+    <dgm:txLinClrLst/>
+    <dgm:txFillClrLst meth="repeat">
+      <a:schemeClr val="dk1"/>
+    </dgm:txFillClrLst>
+    <dgm:txEffectClrLst/>
+  </dgm:styleLbl>
+  <dgm:styleLbl name="fgAcc0">
+    <dgm:fillClrLst meth="repeat">
+      <a:schemeClr val="lt1">
+        <a:alpha val="90000"/>
+      </a:schemeClr>
+    </dgm:fillClrLst>
+    <dgm:linClrLst meth="repeat">
+      <a:schemeClr val="accent1"/>
+    </dgm:linClrLst>
+    <dgm:effectClrLst/>
+    <dgm:txLinClrLst/>
+    <dgm:txFillClrLst meth="repeat">
+      <a:schemeClr val="dk1"/>
+    </dgm:txFillClrLst>
+    <dgm:txEffectClrLst/>
+  </dgm:styleLbl>
+  <dgm:styleLbl name="fgAcc2">
+    <dgm:fillClrLst meth="repeat">
+      <a:schemeClr val="lt1">
+        <a:alpha val="90000"/>
+      </a:schemeClr>
+    </dgm:fillClrLst>
+    <dgm:linClrLst meth="repeat">
+      <a:schemeClr val="accent1"/>
+    </dgm:linClrLst>
+    <dgm:effectClrLst/>
+    <dgm:txLinClrLst/>
+    <dgm:txFillClrLst meth="repeat">
+      <a:schemeClr val="dk1"/>
+    </dgm:txFillClrLst>
+    <dgm:txEffectClrLst/>
+  </dgm:styleLbl>
+  <dgm:styleLbl name="fgAcc3">
+    <dgm:fillClrLst meth="repeat">
+      <a:schemeClr val="lt1">
+        <a:alpha val="90000"/>
+      </a:schemeClr>
+    </dgm:fillClrLst>
+    <dgm:linClrLst meth="repeat">
+      <a:schemeClr val="accent1"/>
+    </dgm:linClrLst>
+    <dgm:effectClrLst/>
+    <dgm:txLinClrLst/>
+    <dgm:txFillClrLst meth="repeat">
+      <a:schemeClr val="dk1"/>
+    </dgm:txFillClrLst>
+    <dgm:txEffectClrLst/>
+  </dgm:styleLbl>
+  <dgm:styleLbl name="fgAcc4">
+    <dgm:fillClrLst meth="repeat">
+      <a:schemeClr val="lt1">
+        <a:alpha val="90000"/>
+      </a:schemeClr>
+    </dgm:fillClrLst>
+    <dgm:linClrLst meth="repeat">
+      <a:schemeClr val="accent1"/>
+    </dgm:linClrLst>
+    <dgm:effectClrLst/>
+    <dgm:txLinClrLst/>
+    <dgm:txFillClrLst meth="repeat">
+      <a:schemeClr val="dk1"/>
+    </dgm:txFillClrLst>
+    <dgm:txEffectClrLst/>
+  </dgm:styleLbl>
+  <dgm:styleLbl name="bgShp">
+    <dgm:fillClrLst meth="repeat">
+      <a:schemeClr val="accent1">
+        <a:tint val="40000"/>
+      </a:schemeClr>
+    </dgm:fillClrLst>
+    <dgm:linClrLst meth="repeat">
+      <a:schemeClr val="accent1"/>
+    </dgm:linClrLst>
+    <dgm:effectClrLst/>
+    <dgm:txLinClrLst/>
+    <dgm:txFillClrLst meth="repeat">
+      <a:schemeClr val="dk1"/>
+    </dgm:txFillClrLst>
+    <dgm:txEffectClrLst/>
+  </dgm:styleLbl>
+  <dgm:styleLbl name="dkBgShp">
+    <dgm:fillClrLst meth="repeat">
+      <a:schemeClr val="accent1">
+        <a:shade val="80000"/>
+      </a:schemeClr>
+    </dgm:fillClrLst>
+    <dgm:linClrLst meth="repeat">
+      <a:schemeClr val="accent1"/>
+    </dgm:linClrLst>
+    <dgm:effectClrLst/>
+    <dgm:txLinClrLst/>
+    <dgm:txFillClrLst meth="repeat">
+      <a:schemeClr val="lt1"/>
+    </dgm:txFillClrLst>
+    <dgm:txEffectClrLst/>
+  </dgm:styleLbl>
+  <dgm:styleLbl name="trBgShp">
+    <dgm:fillClrLst meth="repeat">
+      <a:schemeClr val="accent1">
+        <a:tint val="50000"/>
+        <a:alpha val="40000"/>
+      </a:schemeClr>
+    </dgm:fillClrLst>
+    <dgm:linClrLst meth="repeat">
+      <a:schemeClr val="accent1"/>
+    </dgm:linClrLst>
+    <dgm:effectClrLst/>
+    <dgm:txLinClrLst/>
+    <dgm:txFillClrLst meth="repeat">
+      <a:schemeClr val="lt1"/>
+    </dgm:txFillClrLst>
+    <dgm:txEffectClrLst/>
+  </dgm:styleLbl>
+  <dgm:styleLbl name="fgShp">
+    <dgm:fillClrLst meth="repeat">
+      <a:schemeClr val="accent1">
+        <a:tint val="60000"/>
+      </a:schemeClr>
+    </dgm:fillClrLst>
+    <dgm:linClrLst meth="repeat">
+      <a:schemeClr val="lt1"/>
+    </dgm:linClrLst>
+    <dgm:effectClrLst/>
+    <dgm:txLinClrLst/>
+    <dgm:txFillClrLst meth="repeat">
+      <a:schemeClr val="dk1"/>
+    </dgm:txFillClrLst>
+    <dgm:txEffectClrLst/>
+  </dgm:styleLbl>
+  <dgm:styleLbl name="revTx">
+    <dgm:fillClrLst meth="repeat">
+      <a:schemeClr val="lt1">
+        <a:alpha val="0"/>
+      </a:schemeClr>
+    </dgm:fillClrLst>
+    <dgm:linClrLst meth="repeat">
+      <a:schemeClr val="dk1">
+        <a:alpha val="0"/>
+      </a:schemeClr>
+    </dgm:linClrLst>
+    <dgm:effectClrLst/>
+    <dgm:txLinClrLst/>
+    <dgm:txFillClrLst meth="repeat">
+      <a:schemeClr val="tx1"/>
+    </dgm:txFillClrLst>
+    <dgm:txEffectClrLst/>
+  </dgm:styleLbl>
+</dgm:colorsDef>
+</file>
+
+<file path=ppt/diagrams/data1.xml><?xml version="1.0" encoding="utf-8"?>
+<dgm:dataModel xmlns:dgm="http://schemas.openxmlformats.org/drawingml/2006/diagram" xmlns:a="http://schemas.openxmlformats.org/drawingml/2006/main">
+  <dgm:ptLst>
+    <dgm:pt modelId="{6C1BC2A9-3826-42DE-8328-AFA7FB1ED62A}" type="doc">
+      <dgm:prSet loTypeId="urn:microsoft.com/office/officeart/2008/layout/VerticalCurvedList" loCatId="list" qsTypeId="urn:microsoft.com/office/officeart/2005/8/quickstyle/simple1" qsCatId="simple" csTypeId="urn:microsoft.com/office/officeart/2005/8/colors/accent1_2" csCatId="accent1" phldr="1"/>
+      <dgm:spPr/>
+      <dgm:t>
+        <a:bodyPr/>
+        <a:lstStyle/>
+        <a:p>
+          <a:endParaRPr lang="en-US"/>
+        </a:p>
+      </dgm:t>
+    </dgm:pt>
+    <dgm:pt modelId="{C03691D3-9FC0-4B49-9366-89555E916DA3}">
+      <dgm:prSet phldrT="[Text]"/>
+      <dgm:spPr/>
+      <dgm:t>
+        <a:bodyPr/>
+        <a:lstStyle/>
+        <a:p>
+          <a:r>
+            <a:rPr lang="en-US" dirty="0"/>
+            <a:t>Azure Identity and access management (IAM)</a:t>
+          </a:r>
+        </a:p>
+      </dgm:t>
+    </dgm:pt>
+    <dgm:pt modelId="{0F1584FF-0DD1-450B-AE25-1DBDC25CF720}" type="parTrans" cxnId="{6D62FF38-BD16-4D3A-9CCC-D40CE2650236}">
+      <dgm:prSet/>
+      <dgm:spPr/>
+      <dgm:t>
+        <a:bodyPr/>
+        <a:lstStyle/>
+        <a:p>
+          <a:endParaRPr lang="en-US"/>
+        </a:p>
+      </dgm:t>
+    </dgm:pt>
+    <dgm:pt modelId="{EF491B62-7875-480D-A721-65958BB90AE1}" type="sibTrans" cxnId="{6D62FF38-BD16-4D3A-9CCC-D40CE2650236}">
+      <dgm:prSet/>
+      <dgm:spPr/>
+      <dgm:t>
+        <a:bodyPr/>
+        <a:lstStyle/>
+        <a:p>
+          <a:endParaRPr lang="en-US"/>
+        </a:p>
+      </dgm:t>
+    </dgm:pt>
+    <dgm:pt modelId="{040FD8A0-BE14-4135-AA86-1A82F11E8D63}">
+      <dgm:prSet phldrT="[Text]"/>
+      <dgm:spPr/>
+      <dgm:t>
+        <a:bodyPr/>
+        <a:lstStyle/>
+        <a:p>
+          <a:r>
+            <a:rPr lang="en-US" dirty="0"/>
+            <a:t>ASP.NET Core Identity Provider for Amazon Cognito</a:t>
+          </a:r>
+        </a:p>
+      </dgm:t>
+    </dgm:pt>
+    <dgm:pt modelId="{0C2CB3F3-3807-40FD-A6E9-72744A237D55}" type="parTrans" cxnId="{8C7EBACB-072A-4533-97D0-2F8D89F816A6}">
+      <dgm:prSet/>
+      <dgm:spPr/>
+      <dgm:t>
+        <a:bodyPr/>
+        <a:lstStyle/>
+        <a:p>
+          <a:endParaRPr lang="en-US"/>
+        </a:p>
+      </dgm:t>
+    </dgm:pt>
+    <dgm:pt modelId="{EF0F964C-2619-4E84-A384-DA8380E37571}" type="sibTrans" cxnId="{8C7EBACB-072A-4533-97D0-2F8D89F816A6}">
+      <dgm:prSet/>
+      <dgm:spPr/>
+      <dgm:t>
+        <a:bodyPr/>
+        <a:lstStyle/>
+        <a:p>
+          <a:endParaRPr lang="en-US"/>
+        </a:p>
+      </dgm:t>
+    </dgm:pt>
+    <dgm:pt modelId="{D572ADC8-8EB6-496D-BB5F-91BEA8420137}">
+      <dgm:prSet phldrT="[Text]"/>
+      <dgm:spPr/>
+      <dgm:t>
+        <a:bodyPr/>
+        <a:lstStyle/>
+        <a:p>
+          <a:r>
+            <a:rPr lang="en-US" dirty="0"/>
+            <a:t>Okta and Auth0</a:t>
+          </a:r>
+        </a:p>
+      </dgm:t>
+    </dgm:pt>
+    <dgm:pt modelId="{AEC07BF1-9DE6-484E-A6DB-7D155DE616B4}" type="parTrans" cxnId="{181CF186-6ACA-4B69-8609-CE6A15891DB0}">
+      <dgm:prSet/>
+      <dgm:spPr/>
+      <dgm:t>
+        <a:bodyPr/>
+        <a:lstStyle/>
+        <a:p>
+          <a:endParaRPr lang="en-US"/>
+        </a:p>
+      </dgm:t>
+    </dgm:pt>
+    <dgm:pt modelId="{34482B70-772A-47CF-8E40-D338F309B3B6}" type="sibTrans" cxnId="{181CF186-6ACA-4B69-8609-CE6A15891DB0}">
+      <dgm:prSet/>
+      <dgm:spPr/>
+      <dgm:t>
+        <a:bodyPr/>
+        <a:lstStyle/>
+        <a:p>
+          <a:endParaRPr lang="en-US"/>
+        </a:p>
+      </dgm:t>
+    </dgm:pt>
+    <dgm:pt modelId="{05F06DF8-7DE8-4E80-9F9A-B60FDB3B0A33}">
+      <dgm:prSet phldrT="[Text]"/>
+      <dgm:spPr/>
+      <dgm:t>
+        <a:bodyPr/>
+        <a:lstStyle/>
+        <a:p>
+          <a:r>
+            <a:rPr lang="en-US" dirty="0" err="1"/>
+            <a:t>IdentityServer</a:t>
+          </a:r>
+          <a:r>
+            <a:rPr lang="en-US" dirty="0"/>
+            <a:t> 4</a:t>
+          </a:r>
+        </a:p>
+      </dgm:t>
+    </dgm:pt>
+    <dgm:pt modelId="{7B4DFD8E-6BF4-4646-B51B-15F9BB9ABB76}" type="parTrans" cxnId="{24BC07D7-D8D8-4E5C-84F9-C6683B83785B}">
+      <dgm:prSet/>
+      <dgm:spPr/>
+    </dgm:pt>
+    <dgm:pt modelId="{7DE28FA3-B33B-46A9-AA34-FAA615919611}" type="sibTrans" cxnId="{24BC07D7-D8D8-4E5C-84F9-C6683B83785B}">
+      <dgm:prSet/>
+      <dgm:spPr/>
+    </dgm:pt>
+    <dgm:pt modelId="{6039FC07-2935-42C0-9684-84D7A24E9F3D}" type="pres">
+      <dgm:prSet presAssocID="{6C1BC2A9-3826-42DE-8328-AFA7FB1ED62A}" presName="Name0" presStyleCnt="0">
+        <dgm:presLayoutVars>
+          <dgm:chMax val="7"/>
+          <dgm:chPref val="7"/>
+          <dgm:dir/>
+        </dgm:presLayoutVars>
+      </dgm:prSet>
+      <dgm:spPr/>
+    </dgm:pt>
+    <dgm:pt modelId="{0F20EA69-3BE9-4FC0-A612-EE5D7443839D}" type="pres">
+      <dgm:prSet presAssocID="{6C1BC2A9-3826-42DE-8328-AFA7FB1ED62A}" presName="Name1" presStyleCnt="0"/>
+      <dgm:spPr/>
+    </dgm:pt>
+    <dgm:pt modelId="{757586F6-74CE-457B-9A20-16208FD5F500}" type="pres">
+      <dgm:prSet presAssocID="{6C1BC2A9-3826-42DE-8328-AFA7FB1ED62A}" presName="cycle" presStyleCnt="0"/>
+      <dgm:spPr/>
+    </dgm:pt>
+    <dgm:pt modelId="{A2C6FFAF-19BE-42C3-BDAD-6CCB4A29B791}" type="pres">
+      <dgm:prSet presAssocID="{6C1BC2A9-3826-42DE-8328-AFA7FB1ED62A}" presName="srcNode" presStyleLbl="node1" presStyleIdx="0" presStyleCnt="4"/>
+      <dgm:spPr/>
+    </dgm:pt>
+    <dgm:pt modelId="{51E6F175-CDDE-47B9-98A4-A1FC8EAD7E3F}" type="pres">
+      <dgm:prSet presAssocID="{6C1BC2A9-3826-42DE-8328-AFA7FB1ED62A}" presName="conn" presStyleLbl="parChTrans1D2" presStyleIdx="0" presStyleCnt="1"/>
+      <dgm:spPr/>
+    </dgm:pt>
+    <dgm:pt modelId="{EF4BF000-0575-4BA3-AB39-833AFA9C325E}" type="pres">
+      <dgm:prSet presAssocID="{6C1BC2A9-3826-42DE-8328-AFA7FB1ED62A}" presName="extraNode" presStyleLbl="node1" presStyleIdx="0" presStyleCnt="4"/>
+      <dgm:spPr/>
+    </dgm:pt>
+    <dgm:pt modelId="{5389CDAE-1DF9-4B7B-86BB-29AE2A1B1CDA}" type="pres">
+      <dgm:prSet presAssocID="{6C1BC2A9-3826-42DE-8328-AFA7FB1ED62A}" presName="dstNode" presStyleLbl="node1" presStyleIdx="0" presStyleCnt="4"/>
+      <dgm:spPr/>
+    </dgm:pt>
+    <dgm:pt modelId="{589662C7-15F7-422C-BFCB-A2F17B33D24A}" type="pres">
+      <dgm:prSet presAssocID="{C03691D3-9FC0-4B49-9366-89555E916DA3}" presName="text_1" presStyleLbl="node1" presStyleIdx="0" presStyleCnt="4">
+        <dgm:presLayoutVars>
+          <dgm:bulletEnabled val="1"/>
+        </dgm:presLayoutVars>
+      </dgm:prSet>
+      <dgm:spPr/>
+    </dgm:pt>
+    <dgm:pt modelId="{3717BC67-29E0-4903-B48E-A457D7528036}" type="pres">
+      <dgm:prSet presAssocID="{C03691D3-9FC0-4B49-9366-89555E916DA3}" presName="accent_1" presStyleCnt="0"/>
+      <dgm:spPr/>
+    </dgm:pt>
+    <dgm:pt modelId="{CA0485E6-30A4-493D-B82F-F2CF8E2C862A}" type="pres">
+      <dgm:prSet presAssocID="{C03691D3-9FC0-4B49-9366-89555E916DA3}" presName="accentRepeatNode" presStyleLbl="solidFgAcc1" presStyleIdx="0" presStyleCnt="4"/>
+      <dgm:spPr/>
+    </dgm:pt>
+    <dgm:pt modelId="{70D9B757-7578-4632-86F3-02464DCF8BE7}" type="pres">
+      <dgm:prSet presAssocID="{040FD8A0-BE14-4135-AA86-1A82F11E8D63}" presName="text_2" presStyleLbl="node1" presStyleIdx="1" presStyleCnt="4">
+        <dgm:presLayoutVars>
+          <dgm:bulletEnabled val="1"/>
+        </dgm:presLayoutVars>
+      </dgm:prSet>
+      <dgm:spPr/>
+    </dgm:pt>
+    <dgm:pt modelId="{70D0D5E3-E6D7-45B6-B82C-58A951D680C1}" type="pres">
+      <dgm:prSet presAssocID="{040FD8A0-BE14-4135-AA86-1A82F11E8D63}" presName="accent_2" presStyleCnt="0"/>
+      <dgm:spPr/>
+    </dgm:pt>
+    <dgm:pt modelId="{1C1BCE3F-5C78-4F16-A1DB-79463F3BC0B0}" type="pres">
+      <dgm:prSet presAssocID="{040FD8A0-BE14-4135-AA86-1A82F11E8D63}" presName="accentRepeatNode" presStyleLbl="solidFgAcc1" presStyleIdx="1" presStyleCnt="4"/>
+      <dgm:spPr/>
+    </dgm:pt>
+    <dgm:pt modelId="{465C4EF1-94A8-40CF-82BC-AAF0D974D10B}" type="pres">
+      <dgm:prSet presAssocID="{D572ADC8-8EB6-496D-BB5F-91BEA8420137}" presName="text_3" presStyleLbl="node1" presStyleIdx="2" presStyleCnt="4">
+        <dgm:presLayoutVars>
+          <dgm:bulletEnabled val="1"/>
+        </dgm:presLayoutVars>
+      </dgm:prSet>
+      <dgm:spPr/>
+    </dgm:pt>
+    <dgm:pt modelId="{CA056716-41D6-4F17-8D9E-986229EF725D}" type="pres">
+      <dgm:prSet presAssocID="{D572ADC8-8EB6-496D-BB5F-91BEA8420137}" presName="accent_3" presStyleCnt="0"/>
+      <dgm:spPr/>
+    </dgm:pt>
+    <dgm:pt modelId="{16F04405-A26C-4B92-8652-2163EB247A34}" type="pres">
+      <dgm:prSet presAssocID="{D572ADC8-8EB6-496D-BB5F-91BEA8420137}" presName="accentRepeatNode" presStyleLbl="solidFgAcc1" presStyleIdx="2" presStyleCnt="4"/>
+      <dgm:spPr/>
+    </dgm:pt>
+    <dgm:pt modelId="{6CF89966-7789-498A-9ED6-FDF61D74118D}" type="pres">
+      <dgm:prSet presAssocID="{05F06DF8-7DE8-4E80-9F9A-B60FDB3B0A33}" presName="text_4" presStyleLbl="node1" presStyleIdx="3" presStyleCnt="4">
+        <dgm:presLayoutVars>
+          <dgm:bulletEnabled val="1"/>
+        </dgm:presLayoutVars>
+      </dgm:prSet>
+      <dgm:spPr/>
+    </dgm:pt>
+    <dgm:pt modelId="{06E9E3D0-7145-42D1-8A0B-1B5A76E373A3}" type="pres">
+      <dgm:prSet presAssocID="{05F06DF8-7DE8-4E80-9F9A-B60FDB3B0A33}" presName="accent_4" presStyleCnt="0"/>
+      <dgm:spPr/>
+    </dgm:pt>
+    <dgm:pt modelId="{C180617D-480F-4D8E-8A52-CEA2A38A4768}" type="pres">
+      <dgm:prSet presAssocID="{05F06DF8-7DE8-4E80-9F9A-B60FDB3B0A33}" presName="accentRepeatNode" presStyleLbl="solidFgAcc1" presStyleIdx="3" presStyleCnt="4"/>
+      <dgm:spPr/>
+    </dgm:pt>
+  </dgm:ptLst>
+  <dgm:cxnLst>
+    <dgm:cxn modelId="{6D62FF38-BD16-4D3A-9CCC-D40CE2650236}" srcId="{6C1BC2A9-3826-42DE-8328-AFA7FB1ED62A}" destId="{C03691D3-9FC0-4B49-9366-89555E916DA3}" srcOrd="0" destOrd="0" parTransId="{0F1584FF-0DD1-450B-AE25-1DBDC25CF720}" sibTransId="{EF491B62-7875-480D-A721-65958BB90AE1}"/>
+    <dgm:cxn modelId="{3F4B7B75-87C3-49F9-9A37-F903396116FC}" type="presOf" srcId="{05F06DF8-7DE8-4E80-9F9A-B60FDB3B0A33}" destId="{6CF89966-7789-498A-9ED6-FDF61D74118D}" srcOrd="0" destOrd="0" presId="urn:microsoft.com/office/officeart/2008/layout/VerticalCurvedList"/>
+    <dgm:cxn modelId="{22C49B81-A0A0-4185-A0E9-AE8A5A3B29F3}" type="presOf" srcId="{C03691D3-9FC0-4B49-9366-89555E916DA3}" destId="{589662C7-15F7-422C-BFCB-A2F17B33D24A}" srcOrd="0" destOrd="0" presId="urn:microsoft.com/office/officeart/2008/layout/VerticalCurvedList"/>
+    <dgm:cxn modelId="{181CF186-6ACA-4B69-8609-CE6A15891DB0}" srcId="{6C1BC2A9-3826-42DE-8328-AFA7FB1ED62A}" destId="{D572ADC8-8EB6-496D-BB5F-91BEA8420137}" srcOrd="2" destOrd="0" parTransId="{AEC07BF1-9DE6-484E-A6DB-7D155DE616B4}" sibTransId="{34482B70-772A-47CF-8E40-D338F309B3B6}"/>
+    <dgm:cxn modelId="{D20435A2-5237-4FCD-B6F2-56382FD397D7}" type="presOf" srcId="{040FD8A0-BE14-4135-AA86-1A82F11E8D63}" destId="{70D9B757-7578-4632-86F3-02464DCF8BE7}" srcOrd="0" destOrd="0" presId="urn:microsoft.com/office/officeart/2008/layout/VerticalCurvedList"/>
+    <dgm:cxn modelId="{8C7EBACB-072A-4533-97D0-2F8D89F816A6}" srcId="{6C1BC2A9-3826-42DE-8328-AFA7FB1ED62A}" destId="{040FD8A0-BE14-4135-AA86-1A82F11E8D63}" srcOrd="1" destOrd="0" parTransId="{0C2CB3F3-3807-40FD-A6E9-72744A237D55}" sibTransId="{EF0F964C-2619-4E84-A384-DA8380E37571}"/>
+    <dgm:cxn modelId="{D62AE7CF-5891-4AEB-A358-9041AB3BE26B}" type="presOf" srcId="{EF491B62-7875-480D-A721-65958BB90AE1}" destId="{51E6F175-CDDE-47B9-98A4-A1FC8EAD7E3F}" srcOrd="0" destOrd="0" presId="urn:microsoft.com/office/officeart/2008/layout/VerticalCurvedList"/>
+    <dgm:cxn modelId="{24BC07D7-D8D8-4E5C-84F9-C6683B83785B}" srcId="{6C1BC2A9-3826-42DE-8328-AFA7FB1ED62A}" destId="{05F06DF8-7DE8-4E80-9F9A-B60FDB3B0A33}" srcOrd="3" destOrd="0" parTransId="{7B4DFD8E-6BF4-4646-B51B-15F9BB9ABB76}" sibTransId="{7DE28FA3-B33B-46A9-AA34-FAA615919611}"/>
+    <dgm:cxn modelId="{0B4E09D7-63C8-4A47-92CC-6B97C1C9876E}" type="presOf" srcId="{D572ADC8-8EB6-496D-BB5F-91BEA8420137}" destId="{465C4EF1-94A8-40CF-82BC-AAF0D974D10B}" srcOrd="0" destOrd="0" presId="urn:microsoft.com/office/officeart/2008/layout/VerticalCurvedList"/>
+    <dgm:cxn modelId="{6695FCE3-C9AA-4B87-8283-72C026691C66}" type="presOf" srcId="{6C1BC2A9-3826-42DE-8328-AFA7FB1ED62A}" destId="{6039FC07-2935-42C0-9684-84D7A24E9F3D}" srcOrd="0" destOrd="0" presId="urn:microsoft.com/office/officeart/2008/layout/VerticalCurvedList"/>
+    <dgm:cxn modelId="{8BBE6F67-BC03-4DC1-BB8B-86B7C302C6B1}" type="presParOf" srcId="{6039FC07-2935-42C0-9684-84D7A24E9F3D}" destId="{0F20EA69-3BE9-4FC0-A612-EE5D7443839D}" srcOrd="0" destOrd="0" presId="urn:microsoft.com/office/officeart/2008/layout/VerticalCurvedList"/>
+    <dgm:cxn modelId="{061D264F-9A6D-4427-869C-D182EC26EA3F}" type="presParOf" srcId="{0F20EA69-3BE9-4FC0-A612-EE5D7443839D}" destId="{757586F6-74CE-457B-9A20-16208FD5F500}" srcOrd="0" destOrd="0" presId="urn:microsoft.com/office/officeart/2008/layout/VerticalCurvedList"/>
+    <dgm:cxn modelId="{AAF12999-F513-4F76-8C69-6346844DC7BE}" type="presParOf" srcId="{757586F6-74CE-457B-9A20-16208FD5F500}" destId="{A2C6FFAF-19BE-42C3-BDAD-6CCB4A29B791}" srcOrd="0" destOrd="0" presId="urn:microsoft.com/office/officeart/2008/layout/VerticalCurvedList"/>
+    <dgm:cxn modelId="{ECCDD303-0946-410F-9D5F-831CCAC80BAF}" type="presParOf" srcId="{757586F6-74CE-457B-9A20-16208FD5F500}" destId="{51E6F175-CDDE-47B9-98A4-A1FC8EAD7E3F}" srcOrd="1" destOrd="0" presId="urn:microsoft.com/office/officeart/2008/layout/VerticalCurvedList"/>
+    <dgm:cxn modelId="{892B0963-373F-400C-A864-CBC4BC8B9E13}" type="presParOf" srcId="{757586F6-74CE-457B-9A20-16208FD5F500}" destId="{EF4BF000-0575-4BA3-AB39-833AFA9C325E}" srcOrd="2" destOrd="0" presId="urn:microsoft.com/office/officeart/2008/layout/VerticalCurvedList"/>
+    <dgm:cxn modelId="{16B22B85-C8E3-4008-9D89-B66CCE74DC62}" type="presParOf" srcId="{757586F6-74CE-457B-9A20-16208FD5F500}" destId="{5389CDAE-1DF9-4B7B-86BB-29AE2A1B1CDA}" srcOrd="3" destOrd="0" presId="urn:microsoft.com/office/officeart/2008/layout/VerticalCurvedList"/>
+    <dgm:cxn modelId="{2B51F538-2D41-4DD0-980F-53E0376E4396}" type="presParOf" srcId="{0F20EA69-3BE9-4FC0-A612-EE5D7443839D}" destId="{589662C7-15F7-422C-BFCB-A2F17B33D24A}" srcOrd="1" destOrd="0" presId="urn:microsoft.com/office/officeart/2008/layout/VerticalCurvedList"/>
+    <dgm:cxn modelId="{71BBF7B2-3B0B-44DF-906E-0D371CF20962}" type="presParOf" srcId="{0F20EA69-3BE9-4FC0-A612-EE5D7443839D}" destId="{3717BC67-29E0-4903-B48E-A457D7528036}" srcOrd="2" destOrd="0" presId="urn:microsoft.com/office/officeart/2008/layout/VerticalCurvedList"/>
+    <dgm:cxn modelId="{6B085067-FE93-44AC-857A-CA2C1E3ABF85}" type="presParOf" srcId="{3717BC67-29E0-4903-B48E-A457D7528036}" destId="{CA0485E6-30A4-493D-B82F-F2CF8E2C862A}" srcOrd="0" destOrd="0" presId="urn:microsoft.com/office/officeart/2008/layout/VerticalCurvedList"/>
+    <dgm:cxn modelId="{00684A00-7977-4E15-9382-0A5E8CD4873C}" type="presParOf" srcId="{0F20EA69-3BE9-4FC0-A612-EE5D7443839D}" destId="{70D9B757-7578-4632-86F3-02464DCF8BE7}" srcOrd="3" destOrd="0" presId="urn:microsoft.com/office/officeart/2008/layout/VerticalCurvedList"/>
+    <dgm:cxn modelId="{18738F4B-13E1-44C2-B6ED-C786AA32B9EC}" type="presParOf" srcId="{0F20EA69-3BE9-4FC0-A612-EE5D7443839D}" destId="{70D0D5E3-E6D7-45B6-B82C-58A951D680C1}" srcOrd="4" destOrd="0" presId="urn:microsoft.com/office/officeart/2008/layout/VerticalCurvedList"/>
+    <dgm:cxn modelId="{02A240FB-78FA-49F5-86EC-721435D877DF}" type="presParOf" srcId="{70D0D5E3-E6D7-45B6-B82C-58A951D680C1}" destId="{1C1BCE3F-5C78-4F16-A1DB-79463F3BC0B0}" srcOrd="0" destOrd="0" presId="urn:microsoft.com/office/officeart/2008/layout/VerticalCurvedList"/>
+    <dgm:cxn modelId="{799AF2E3-E8B6-4133-A0C6-099C3FBF8E9C}" type="presParOf" srcId="{0F20EA69-3BE9-4FC0-A612-EE5D7443839D}" destId="{465C4EF1-94A8-40CF-82BC-AAF0D974D10B}" srcOrd="5" destOrd="0" presId="urn:microsoft.com/office/officeart/2008/layout/VerticalCurvedList"/>
+    <dgm:cxn modelId="{8B9C495A-139A-4422-BC33-CCCE79D2A484}" type="presParOf" srcId="{0F20EA69-3BE9-4FC0-A612-EE5D7443839D}" destId="{CA056716-41D6-4F17-8D9E-986229EF725D}" srcOrd="6" destOrd="0" presId="urn:microsoft.com/office/officeart/2008/layout/VerticalCurvedList"/>
+    <dgm:cxn modelId="{80B424E7-45DA-4C1A-A99E-9D625D02C7DA}" type="presParOf" srcId="{CA056716-41D6-4F17-8D9E-986229EF725D}" destId="{16F04405-A26C-4B92-8652-2163EB247A34}" srcOrd="0" destOrd="0" presId="urn:microsoft.com/office/officeart/2008/layout/VerticalCurvedList"/>
+    <dgm:cxn modelId="{7004EC15-D9BA-4B8B-B494-D98622DCE6A7}" type="presParOf" srcId="{0F20EA69-3BE9-4FC0-A612-EE5D7443839D}" destId="{6CF89966-7789-498A-9ED6-FDF61D74118D}" srcOrd="7" destOrd="0" presId="urn:microsoft.com/office/officeart/2008/layout/VerticalCurvedList"/>
+    <dgm:cxn modelId="{CFDAF110-53DF-4672-BEAC-6B44E0E4DC5A}" type="presParOf" srcId="{0F20EA69-3BE9-4FC0-A612-EE5D7443839D}" destId="{06E9E3D0-7145-42D1-8A0B-1B5A76E373A3}" srcOrd="8" destOrd="0" presId="urn:microsoft.com/office/officeart/2008/layout/VerticalCurvedList"/>
+    <dgm:cxn modelId="{527DDCD9-F2A4-4345-A204-E65B8532EF9C}" type="presParOf" srcId="{06E9E3D0-7145-42D1-8A0B-1B5A76E373A3}" destId="{C180617D-480F-4D8E-8A52-CEA2A38A4768}" srcOrd="0" destOrd="0" presId="urn:microsoft.com/office/officeart/2008/layout/VerticalCurvedList"/>
+  </dgm:cxnLst>
+  <dgm:bg/>
+  <dgm:whole/>
+  <dgm:extLst>
+    <a:ext uri="http://schemas.microsoft.com/office/drawing/2008/diagram">
+      <dsp:dataModelExt xmlns:dsp="http://schemas.microsoft.com/office/drawing/2008/diagram" relId="rId6" minVer="http://schemas.openxmlformats.org/drawingml/2006/diagram"/>
+    </a:ext>
+  </dgm:extLst>
+</dgm:dataModel>
+</file>
+
+<file path=ppt/diagrams/drawing1.xml><?xml version="1.0" encoding="utf-8"?>
+<dsp:drawing xmlns:dgm="http://schemas.openxmlformats.org/drawingml/2006/diagram" xmlns:dsp="http://schemas.microsoft.com/office/drawing/2008/diagram" xmlns:a="http://schemas.openxmlformats.org/drawingml/2006/main">
+  <dsp:spTree>
+    <dsp:nvGrpSpPr>
+      <dsp:cNvPr id="0" name=""/>
+      <dsp:cNvGrpSpPr/>
+    </dsp:nvGrpSpPr>
+    <dsp:grpSpPr/>
+    <dsp:sp modelId="{51E6F175-CDDE-47B9-98A4-A1FC8EAD7E3F}">
+      <dsp:nvSpPr>
+        <dsp:cNvPr id="0" name=""/>
+        <dsp:cNvSpPr/>
+      </dsp:nvSpPr>
+      <dsp:spPr>
+        <a:xfrm>
+          <a:off x="-4547637" y="-697308"/>
+          <a:ext cx="5417342" cy="5417342"/>
+        </a:xfrm>
+        <a:prstGeom prst="blockArc">
+          <a:avLst>
+            <a:gd name="adj1" fmla="val 18900000"/>
+            <a:gd name="adj2" fmla="val 2700000"/>
+            <a:gd name="adj3" fmla="val 399"/>
+          </a:avLst>
+        </a:prstGeom>
+        <a:noFill/>
+        <a:ln w="15875" cap="flat" cmpd="sng" algn="ctr">
+          <a:solidFill>
+            <a:schemeClr val="accent1">
+              <a:shade val="60000"/>
+              <a:hueOff val="0"/>
+              <a:satOff val="0"/>
+              <a:lumOff val="0"/>
+              <a:alphaOff val="0"/>
+            </a:schemeClr>
+          </a:solidFill>
+          <a:prstDash val="solid"/>
+        </a:ln>
+        <a:effectLst/>
+      </dsp:spPr>
+      <dsp:style>
+        <a:lnRef idx="2">
+          <a:scrgbClr r="0" g="0" b="0"/>
+        </a:lnRef>
+        <a:fillRef idx="0">
+          <a:scrgbClr r="0" g="0" b="0"/>
+        </a:fillRef>
+        <a:effectRef idx="0">
+          <a:scrgbClr r="0" g="0" b="0"/>
+        </a:effectRef>
+        <a:fontRef idx="minor"/>
+      </dsp:style>
+    </dsp:sp>
+    <dsp:sp modelId="{589662C7-15F7-422C-BFCB-A2F17B33D24A}">
+      <dsp:nvSpPr>
+        <dsp:cNvPr id="0" name=""/>
+        <dsp:cNvSpPr/>
+      </dsp:nvSpPr>
+      <dsp:spPr>
+        <a:xfrm>
+          <a:off x="455546" y="309267"/>
+          <a:ext cx="9548318" cy="618856"/>
+        </a:xfrm>
+        <a:prstGeom prst="rect">
+          <a:avLst/>
+        </a:prstGeom>
+        <a:solidFill>
+          <a:schemeClr val="accent1">
+            <a:hueOff val="0"/>
+            <a:satOff val="0"/>
+            <a:lumOff val="0"/>
+            <a:alphaOff val="0"/>
+          </a:schemeClr>
+        </a:solidFill>
+        <a:ln w="15875" cap="flat" cmpd="sng" algn="ctr">
+          <a:solidFill>
+            <a:schemeClr val="lt1">
+              <a:hueOff val="0"/>
+              <a:satOff val="0"/>
+              <a:lumOff val="0"/>
+              <a:alphaOff val="0"/>
+            </a:schemeClr>
+          </a:solidFill>
+          <a:prstDash val="solid"/>
+        </a:ln>
+        <a:effectLst/>
+      </dsp:spPr>
+      <dsp:style>
+        <a:lnRef idx="2">
+          <a:scrgbClr r="0" g="0" b="0"/>
+        </a:lnRef>
+        <a:fillRef idx="1">
+          <a:scrgbClr r="0" g="0" b="0"/>
+        </a:fillRef>
+        <a:effectRef idx="0">
+          <a:scrgbClr r="0" g="0" b="0"/>
+        </a:effectRef>
+        <a:fontRef idx="minor">
+          <a:schemeClr val="lt1"/>
+        </a:fontRef>
+      </dsp:style>
+      <dsp:txBody>
+        <a:bodyPr spcFirstLastPara="0" vert="horz" wrap="square" lIns="491217" tIns="81280" rIns="81280" bIns="81280" numCol="1" spcCol="1270" anchor="ctr" anchorCtr="0">
+          <a:noAutofit/>
+        </a:bodyPr>
+        <a:lstStyle/>
+        <a:p>
+          <a:pPr marL="0" lvl="0" indent="0" algn="l" defTabSz="1422400">
+            <a:lnSpc>
+              <a:spcPct val="90000"/>
+            </a:lnSpc>
+            <a:spcBef>
+              <a:spcPct val="0"/>
+            </a:spcBef>
+            <a:spcAft>
+              <a:spcPct val="35000"/>
+            </a:spcAft>
+            <a:buNone/>
+          </a:pPr>
+          <a:r>
+            <a:rPr lang="en-US" sz="3200" kern="1200" dirty="0"/>
+            <a:t>Azure Identity and access management (IAM)</a:t>
+          </a:r>
+        </a:p>
+      </dsp:txBody>
+      <dsp:txXfrm>
+        <a:off x="455546" y="309267"/>
+        <a:ext cx="9548318" cy="618856"/>
+      </dsp:txXfrm>
+    </dsp:sp>
+    <dsp:sp modelId="{CA0485E6-30A4-493D-B82F-F2CF8E2C862A}">
+      <dsp:nvSpPr>
+        <dsp:cNvPr id="0" name=""/>
+        <dsp:cNvSpPr/>
+      </dsp:nvSpPr>
+      <dsp:spPr>
+        <a:xfrm>
+          <a:off x="68761" y="231910"/>
+          <a:ext cx="773570" cy="773570"/>
+        </a:xfrm>
+        <a:prstGeom prst="ellipse">
+          <a:avLst/>
+        </a:prstGeom>
+        <a:solidFill>
+          <a:schemeClr val="lt1">
+            <a:hueOff val="0"/>
+            <a:satOff val="0"/>
+            <a:lumOff val="0"/>
+            <a:alphaOff val="0"/>
+          </a:schemeClr>
+        </a:solidFill>
+        <a:ln w="15875" cap="flat" cmpd="sng" algn="ctr">
+          <a:solidFill>
+            <a:schemeClr val="accent1">
+              <a:hueOff val="0"/>
+              <a:satOff val="0"/>
+              <a:lumOff val="0"/>
+              <a:alphaOff val="0"/>
+            </a:schemeClr>
+          </a:solidFill>
+          <a:prstDash val="solid"/>
+        </a:ln>
+        <a:effectLst/>
+      </dsp:spPr>
+      <dsp:style>
+        <a:lnRef idx="2">
+          <a:scrgbClr r="0" g="0" b="0"/>
+        </a:lnRef>
+        <a:fillRef idx="1">
+          <a:scrgbClr r="0" g="0" b="0"/>
+        </a:fillRef>
+        <a:effectRef idx="0">
+          <a:scrgbClr r="0" g="0" b="0"/>
+        </a:effectRef>
+        <a:fontRef idx="minor"/>
+      </dsp:style>
+    </dsp:sp>
+    <dsp:sp modelId="{70D9B757-7578-4632-86F3-02464DCF8BE7}">
+      <dsp:nvSpPr>
+        <dsp:cNvPr id="0" name=""/>
+        <dsp:cNvSpPr/>
+      </dsp:nvSpPr>
+      <dsp:spPr>
+        <a:xfrm>
+          <a:off x="810351" y="1237712"/>
+          <a:ext cx="9193514" cy="618856"/>
+        </a:xfrm>
+        <a:prstGeom prst="rect">
+          <a:avLst/>
+        </a:prstGeom>
+        <a:solidFill>
+          <a:schemeClr val="accent1">
+            <a:hueOff val="0"/>
+            <a:satOff val="0"/>
+            <a:lumOff val="0"/>
+            <a:alphaOff val="0"/>
+          </a:schemeClr>
+        </a:solidFill>
+        <a:ln w="15875" cap="flat" cmpd="sng" algn="ctr">
+          <a:solidFill>
+            <a:schemeClr val="lt1">
+              <a:hueOff val="0"/>
+              <a:satOff val="0"/>
+              <a:lumOff val="0"/>
+              <a:alphaOff val="0"/>
+            </a:schemeClr>
+          </a:solidFill>
+          <a:prstDash val="solid"/>
+        </a:ln>
+        <a:effectLst/>
+      </dsp:spPr>
+      <dsp:style>
+        <a:lnRef idx="2">
+          <a:scrgbClr r="0" g="0" b="0"/>
+        </a:lnRef>
+        <a:fillRef idx="1">
+          <a:scrgbClr r="0" g="0" b="0"/>
+        </a:fillRef>
+        <a:effectRef idx="0">
+          <a:scrgbClr r="0" g="0" b="0"/>
+        </a:effectRef>
+        <a:fontRef idx="minor">
+          <a:schemeClr val="lt1"/>
+        </a:fontRef>
+      </dsp:style>
+      <dsp:txBody>
+        <a:bodyPr spcFirstLastPara="0" vert="horz" wrap="square" lIns="491217" tIns="81280" rIns="81280" bIns="81280" numCol="1" spcCol="1270" anchor="ctr" anchorCtr="0">
+          <a:noAutofit/>
+        </a:bodyPr>
+        <a:lstStyle/>
+        <a:p>
+          <a:pPr marL="0" lvl="0" indent="0" algn="l" defTabSz="1422400">
+            <a:lnSpc>
+              <a:spcPct val="90000"/>
+            </a:lnSpc>
+            <a:spcBef>
+              <a:spcPct val="0"/>
+            </a:spcBef>
+            <a:spcAft>
+              <a:spcPct val="35000"/>
+            </a:spcAft>
+            <a:buNone/>
+          </a:pPr>
+          <a:r>
+            <a:rPr lang="en-US" sz="3200" kern="1200" dirty="0"/>
+            <a:t>ASP.NET Core Identity Provider for Amazon Cognito</a:t>
+          </a:r>
+        </a:p>
+      </dsp:txBody>
+      <dsp:txXfrm>
+        <a:off x="810351" y="1237712"/>
+        <a:ext cx="9193514" cy="618856"/>
+      </dsp:txXfrm>
+    </dsp:sp>
+    <dsp:sp modelId="{1C1BCE3F-5C78-4F16-A1DB-79463F3BC0B0}">
+      <dsp:nvSpPr>
+        <dsp:cNvPr id="0" name=""/>
+        <dsp:cNvSpPr/>
+      </dsp:nvSpPr>
+      <dsp:spPr>
+        <a:xfrm>
+          <a:off x="423566" y="1160355"/>
+          <a:ext cx="773570" cy="773570"/>
+        </a:xfrm>
+        <a:prstGeom prst="ellipse">
+          <a:avLst/>
+        </a:prstGeom>
+        <a:solidFill>
+          <a:schemeClr val="lt1">
+            <a:hueOff val="0"/>
+            <a:satOff val="0"/>
+            <a:lumOff val="0"/>
+            <a:alphaOff val="0"/>
+          </a:schemeClr>
+        </a:solidFill>
+        <a:ln w="15875" cap="flat" cmpd="sng" algn="ctr">
+          <a:solidFill>
+            <a:schemeClr val="accent1">
+              <a:hueOff val="0"/>
+              <a:satOff val="0"/>
+              <a:lumOff val="0"/>
+              <a:alphaOff val="0"/>
+            </a:schemeClr>
+          </a:solidFill>
+          <a:prstDash val="solid"/>
+        </a:ln>
+        <a:effectLst/>
+      </dsp:spPr>
+      <dsp:style>
+        <a:lnRef idx="2">
+          <a:scrgbClr r="0" g="0" b="0"/>
+        </a:lnRef>
+        <a:fillRef idx="1">
+          <a:scrgbClr r="0" g="0" b="0"/>
+        </a:fillRef>
+        <a:effectRef idx="0">
+          <a:scrgbClr r="0" g="0" b="0"/>
+        </a:effectRef>
+        <a:fontRef idx="minor"/>
+      </dsp:style>
+    </dsp:sp>
+    <dsp:sp modelId="{465C4EF1-94A8-40CF-82BC-AAF0D974D10B}">
+      <dsp:nvSpPr>
+        <dsp:cNvPr id="0" name=""/>
+        <dsp:cNvSpPr/>
+      </dsp:nvSpPr>
+      <dsp:spPr>
+        <a:xfrm>
+          <a:off x="810351" y="2166156"/>
+          <a:ext cx="9193514" cy="618856"/>
+        </a:xfrm>
+        <a:prstGeom prst="rect">
+          <a:avLst/>
+        </a:prstGeom>
+        <a:solidFill>
+          <a:schemeClr val="accent1">
+            <a:hueOff val="0"/>
+            <a:satOff val="0"/>
+            <a:lumOff val="0"/>
+            <a:alphaOff val="0"/>
+          </a:schemeClr>
+        </a:solidFill>
+        <a:ln w="15875" cap="flat" cmpd="sng" algn="ctr">
+          <a:solidFill>
+            <a:schemeClr val="lt1">
+              <a:hueOff val="0"/>
+              <a:satOff val="0"/>
+              <a:lumOff val="0"/>
+              <a:alphaOff val="0"/>
+            </a:schemeClr>
+          </a:solidFill>
+          <a:prstDash val="solid"/>
+        </a:ln>
+        <a:effectLst/>
+      </dsp:spPr>
+      <dsp:style>
+        <a:lnRef idx="2">
+          <a:scrgbClr r="0" g="0" b="0"/>
+        </a:lnRef>
+        <a:fillRef idx="1">
+          <a:scrgbClr r="0" g="0" b="0"/>
+        </a:fillRef>
+        <a:effectRef idx="0">
+          <a:scrgbClr r="0" g="0" b="0"/>
+        </a:effectRef>
+        <a:fontRef idx="minor">
+          <a:schemeClr val="lt1"/>
+        </a:fontRef>
+      </dsp:style>
+      <dsp:txBody>
+        <a:bodyPr spcFirstLastPara="0" vert="horz" wrap="square" lIns="491217" tIns="81280" rIns="81280" bIns="81280" numCol="1" spcCol="1270" anchor="ctr" anchorCtr="0">
+          <a:noAutofit/>
+        </a:bodyPr>
+        <a:lstStyle/>
+        <a:p>
+          <a:pPr marL="0" lvl="0" indent="0" algn="l" defTabSz="1422400">
+            <a:lnSpc>
+              <a:spcPct val="90000"/>
+            </a:lnSpc>
+            <a:spcBef>
+              <a:spcPct val="0"/>
+            </a:spcBef>
+            <a:spcAft>
+              <a:spcPct val="35000"/>
+            </a:spcAft>
+            <a:buNone/>
+          </a:pPr>
+          <a:r>
+            <a:rPr lang="en-US" sz="3200" kern="1200" dirty="0"/>
+            <a:t>Okta and Auth0</a:t>
+          </a:r>
+        </a:p>
+      </dsp:txBody>
+      <dsp:txXfrm>
+        <a:off x="810351" y="2166156"/>
+        <a:ext cx="9193514" cy="618856"/>
+      </dsp:txXfrm>
+    </dsp:sp>
+    <dsp:sp modelId="{16F04405-A26C-4B92-8652-2163EB247A34}">
+      <dsp:nvSpPr>
+        <dsp:cNvPr id="0" name=""/>
+        <dsp:cNvSpPr/>
+      </dsp:nvSpPr>
+      <dsp:spPr>
+        <a:xfrm>
+          <a:off x="423566" y="2088799"/>
+          <a:ext cx="773570" cy="773570"/>
+        </a:xfrm>
+        <a:prstGeom prst="ellipse">
+          <a:avLst/>
+        </a:prstGeom>
+        <a:solidFill>
+          <a:schemeClr val="lt1">
+            <a:hueOff val="0"/>
+            <a:satOff val="0"/>
+            <a:lumOff val="0"/>
+            <a:alphaOff val="0"/>
+          </a:schemeClr>
+        </a:solidFill>
+        <a:ln w="15875" cap="flat" cmpd="sng" algn="ctr">
+          <a:solidFill>
+            <a:schemeClr val="accent1">
+              <a:hueOff val="0"/>
+              <a:satOff val="0"/>
+              <a:lumOff val="0"/>
+              <a:alphaOff val="0"/>
+            </a:schemeClr>
+          </a:solidFill>
+          <a:prstDash val="solid"/>
+        </a:ln>
+        <a:effectLst/>
+      </dsp:spPr>
+      <dsp:style>
+        <a:lnRef idx="2">
+          <a:scrgbClr r="0" g="0" b="0"/>
+        </a:lnRef>
+        <a:fillRef idx="1">
+          <a:scrgbClr r="0" g="0" b="0"/>
+        </a:fillRef>
+        <a:effectRef idx="0">
+          <a:scrgbClr r="0" g="0" b="0"/>
+        </a:effectRef>
+        <a:fontRef idx="minor"/>
+      </dsp:style>
+    </dsp:sp>
+    <dsp:sp modelId="{6CF89966-7789-498A-9ED6-FDF61D74118D}">
+      <dsp:nvSpPr>
+        <dsp:cNvPr id="0" name=""/>
+        <dsp:cNvSpPr/>
+      </dsp:nvSpPr>
+      <dsp:spPr>
+        <a:xfrm>
+          <a:off x="455546" y="3094601"/>
+          <a:ext cx="9548318" cy="618856"/>
+        </a:xfrm>
+        <a:prstGeom prst="rect">
+          <a:avLst/>
+        </a:prstGeom>
+        <a:solidFill>
+          <a:schemeClr val="accent1">
+            <a:hueOff val="0"/>
+            <a:satOff val="0"/>
+            <a:lumOff val="0"/>
+            <a:alphaOff val="0"/>
+          </a:schemeClr>
+        </a:solidFill>
+        <a:ln w="15875" cap="flat" cmpd="sng" algn="ctr">
+          <a:solidFill>
+            <a:schemeClr val="lt1">
+              <a:hueOff val="0"/>
+              <a:satOff val="0"/>
+              <a:lumOff val="0"/>
+              <a:alphaOff val="0"/>
+            </a:schemeClr>
+          </a:solidFill>
+          <a:prstDash val="solid"/>
+        </a:ln>
+        <a:effectLst/>
+      </dsp:spPr>
+      <dsp:style>
+        <a:lnRef idx="2">
+          <a:scrgbClr r="0" g="0" b="0"/>
+        </a:lnRef>
+        <a:fillRef idx="1">
+          <a:scrgbClr r="0" g="0" b="0"/>
+        </a:fillRef>
+        <a:effectRef idx="0">
+          <a:scrgbClr r="0" g="0" b="0"/>
+        </a:effectRef>
+        <a:fontRef idx="minor">
+          <a:schemeClr val="lt1"/>
+        </a:fontRef>
+      </dsp:style>
+      <dsp:txBody>
+        <a:bodyPr spcFirstLastPara="0" vert="horz" wrap="square" lIns="491217" tIns="81280" rIns="81280" bIns="81280" numCol="1" spcCol="1270" anchor="ctr" anchorCtr="0">
+          <a:noAutofit/>
+        </a:bodyPr>
+        <a:lstStyle/>
+        <a:p>
+          <a:pPr marL="0" lvl="0" indent="0" algn="l" defTabSz="1422400">
+            <a:lnSpc>
+              <a:spcPct val="90000"/>
+            </a:lnSpc>
+            <a:spcBef>
+              <a:spcPct val="0"/>
+            </a:spcBef>
+            <a:spcAft>
+              <a:spcPct val="35000"/>
+            </a:spcAft>
+            <a:buNone/>
+          </a:pPr>
+          <a:r>
+            <a:rPr lang="en-US" sz="3200" kern="1200" dirty="0" err="1"/>
+            <a:t>IdentityServer</a:t>
+          </a:r>
+          <a:r>
+            <a:rPr lang="en-US" sz="3200" kern="1200" dirty="0"/>
+            <a:t> 4</a:t>
+          </a:r>
+        </a:p>
+      </dsp:txBody>
+      <dsp:txXfrm>
+        <a:off x="455546" y="3094601"/>
+        <a:ext cx="9548318" cy="618856"/>
+      </dsp:txXfrm>
+    </dsp:sp>
+    <dsp:sp modelId="{C180617D-480F-4D8E-8A52-CEA2A38A4768}">
+      <dsp:nvSpPr>
+        <dsp:cNvPr id="0" name=""/>
+        <dsp:cNvSpPr/>
+      </dsp:nvSpPr>
+      <dsp:spPr>
+        <a:xfrm>
+          <a:off x="68761" y="3017244"/>
+          <a:ext cx="773570" cy="773570"/>
+        </a:xfrm>
+        <a:prstGeom prst="ellipse">
+          <a:avLst/>
+        </a:prstGeom>
+        <a:solidFill>
+          <a:schemeClr val="lt1">
+            <a:hueOff val="0"/>
+            <a:satOff val="0"/>
+            <a:lumOff val="0"/>
+            <a:alphaOff val="0"/>
+          </a:schemeClr>
+        </a:solidFill>
+        <a:ln w="15875" cap="flat" cmpd="sng" algn="ctr">
+          <a:solidFill>
+            <a:schemeClr val="accent1">
+              <a:hueOff val="0"/>
+              <a:satOff val="0"/>
+              <a:lumOff val="0"/>
+              <a:alphaOff val="0"/>
+            </a:schemeClr>
+          </a:solidFill>
+          <a:prstDash val="solid"/>
+        </a:ln>
+        <a:effectLst/>
+      </dsp:spPr>
+      <dsp:style>
+        <a:lnRef idx="2">
+          <a:scrgbClr r="0" g="0" b="0"/>
+        </a:lnRef>
+        <a:fillRef idx="1">
+          <a:scrgbClr r="0" g="0" b="0"/>
+        </a:fillRef>
+        <a:effectRef idx="0">
+          <a:scrgbClr r="0" g="0" b="0"/>
+        </a:effectRef>
+        <a:fontRef idx="minor"/>
+      </dsp:style>
+    </dsp:sp>
+  </dsp:spTree>
+</dsp:drawing>
+</file>
+
+<file path=ppt/diagrams/layout1.xml><?xml version="1.0" encoding="utf-8"?>
+<dgm:layoutDef xmlns:dgm="http://schemas.openxmlformats.org/drawingml/2006/diagram" xmlns:a="http://schemas.openxmlformats.org/drawingml/2006/main" uniqueId="urn:microsoft.com/office/officeart/2008/layout/VerticalCurvedList">
+  <dgm:title val=""/>
+  <dgm:desc val=""/>
+  <dgm:catLst>
+    <dgm:cat type="list" pri="20000"/>
+  </dgm:catLst>
+  <dgm:sampData>
+    <dgm:dataModel>
+      <dgm:ptLst>
+        <dgm:pt modelId="0" type="doc"/>
+        <dgm:pt modelId="1">
+          <dgm:prSet phldr="1"/>
+        </dgm:pt>
+        <dgm:pt modelId="2">
+          <dgm:prSet phldr="1"/>
+        </dgm:pt>
+        <dgm:pt modelId="3">
+          <dgm:prSet phldr="1"/>
+        </dgm:pt>
+      </dgm:ptLst>
+      <dgm:cxnLst>
+        <dgm:cxn modelId="4" srcId="0" destId="1" srcOrd="0" destOrd="0"/>
+        <dgm:cxn modelId="5" srcId="0" destId="2" srcOrd="1" destOrd="0"/>
+        <dgm:cxn modelId="6" srcId="0" destId="3" srcOrd="2" destOrd="0"/>
+      </dgm:cxnLst>
+      <dgm:bg/>
+      <dgm:whole/>
+    </dgm:dataModel>
+  </dgm:sampData>
+  <dgm:styleData>
+    <dgm:dataModel>
+      <dgm:ptLst>
+        <dgm:pt modelId="0" type="doc"/>
+        <dgm:pt modelId="1">
+          <dgm:prSet phldr="1"/>
+        </dgm:pt>
+        <dgm:pt modelId="2">
+          <dgm:prSet phldr="1"/>
+        </dgm:pt>
+      </dgm:ptLst>
+      <dgm:cxnLst>
+        <dgm:cxn modelId="3" srcId="0" destId="1" srcOrd="0" destOrd="0"/>
+        <dgm:cxn modelId="4" srcId="0" destId="2" srcOrd="1" destOrd="0"/>
+      </dgm:cxnLst>
+      <dgm:bg/>
+      <dgm:whole/>
+    </dgm:dataModel>
+  </dgm:styleData>
+  <dgm:clrData>
+    <dgm:dataModel>
+      <dgm:ptLst>
+        <dgm:pt modelId="0" type="doc"/>
+        <dgm:pt modelId="1">
+          <dgm:prSet phldr="1"/>
+        </dgm:pt>
+        <dgm:pt modelId="2">
+          <dgm:prSet phldr="1"/>
+        </dgm:pt>
+        <dgm:pt modelId="3">
+          <dgm:prSet phldr="1"/>
+        </dgm:pt>
+        <dgm:pt modelId="4">
+          <dgm:prSet phldr="1"/>
+        </dgm:pt>
+      </dgm:ptLst>
+      <dgm:cxnLst>
+        <dgm:cxn modelId="5" srcId="0" destId="1" srcOrd="0" destOrd="0"/>
+        <dgm:cxn modelId="6" srcId="0" destId="2" srcOrd="1" destOrd="0"/>
+        <dgm:cxn modelId="7" srcId="0" destId="3" srcOrd="2" destOrd="0"/>
+        <dgm:cxn modelId="8" srcId="0" destId="4" srcOrd="3" destOrd="0"/>
+      </dgm:cxnLst>
+      <dgm:bg/>
+      <dgm:whole/>
+    </dgm:dataModel>
+  </dgm:clrData>
+  <dgm:layoutNode name="Name0">
+    <dgm:varLst>
+      <dgm:chMax val="7"/>
+      <dgm:chPref val="7"/>
+      <dgm:dir/>
+    </dgm:varLst>
+    <dgm:alg type="composite"/>
+    <dgm:shape xmlns:r="http://schemas.openxmlformats.org/officeDocument/2006/relationships" r:blip="">
+      <dgm:adjLst/>
+    </dgm:shape>
+    <dgm:constrLst>
+      <dgm:constr type="w" for="ch" refType="h" refFor="ch" op="gte" fact="0.8"/>
+    </dgm:constrLst>
+    <dgm:layoutNode name="Name1">
+      <dgm:alg type="composite"/>
+      <dgm:shape xmlns:r="http://schemas.openxmlformats.org/officeDocument/2006/relationships" r:blip="">
+        <dgm:adjLst/>
+      </dgm:shape>
+      <dgm:choose name="Name2">
+        <dgm:if name="Name3" func="var" arg="dir" op="equ" val="norm">
+          <dgm:choose name="Name4">
+            <dgm:if name="Name5" axis="ch" ptType="node" func="cnt" op="equ" val="1">
+              <dgm:constrLst>
+                <dgm:constr type="h" for="ch" forName="cycle" refType="h"/>
+                <dgm:constr type="w" for="ch" forName="cycle" refType="h" refFor="ch" refForName="cycle" fact="0.26"/>
+                <dgm:constr type="l" for="ch" forName="cycle"/>
+                <dgm:constr type="ctrY" for="ch" forName="cycle" refType="h" fact="0.5"/>
+                <dgm:constr type="diam" for="ch" forName="cycle" refType="h" fact="1.344"/>
+                <dgm:constr type="h" for="ch" forName="accent_1" refType="h" fact="0.625"/>
+                <dgm:constr type="w" for="ch" forName="accent_1" refType="h" refFor="ch" refForName="accent_1" op="equ"/>
+                <dgm:constr type="ctrY" for="ch" forName="accent_1" refType="h" fact="0.5"/>
+                <dgm:constr type="ctrX" for="ch" forName="accent_1" refType="h" fact="0.2253"/>
+                <dgm:constr type="l" for="ch" forName="text_1" refType="ctrX" refFor="ch" refForName="accent_1"/>
+                <dgm:constr type="r" for="ch" forName="text_1" refType="w"/>
+                <dgm:constr type="w" for="ch" forName="text_1" refType="h" refFor="ch" refForName="text_1" op="gte"/>
+                <dgm:constr type="h" for="ch" forName="text_1" refType="h" refFor="ch" refForName="accent_1" fact="0.8"/>
+                <dgm:constr type="ctrY" for="ch" forName="text_1" refType="ctrY" refFor="ch" refForName="accent_1"/>
+                <dgm:constr type="lMarg" for="ch" forName="text_1" refType="w" refFor="ch" refForName="accent_1" fact="1.8"/>
+                <dgm:constr type="primFontSz" for="ch" ptType="node" op="equ" val="65"/>
+              </dgm:constrLst>
+            </dgm:if>
+            <dgm:if name="Name6" axis="ch" ptType="node" func="cnt" op="equ" val="2">
+              <dgm:constrLst>
+                <dgm:constr type="h" for="ch" forName="cycle" refType="h"/>
+                <dgm:constr type="w" for="ch" forName="cycle" refType="h" refFor="ch" refForName="cycle" fact="0.26"/>
+                <dgm:constr type="l" for="ch" forName="cycle"/>
+                <dgm:constr type="ctrY" for="ch" forName="cycle" refType="h" fact="0.5"/>
+                <dgm:constr type="diam" for="ch" forName="cycle" refType="h" fact="1.344"/>
+                <dgm:constr type="h" for="ch" forName="accent_1" refType="h" fact="0.3571"/>
+                <dgm:constr type="w" for="ch" forName="accent_1" refType="h" refFor="ch" refForName="accent_1" op="equ"/>
+                <dgm:constr type="ctrY" for="ch" forName="accent_1" refType="h" fact="0.2857"/>
+                <dgm:constr type="ctrX" for="ch" forName="accent_1" refType="h" fact="0.1891"/>
+                <dgm:constr type="l" for="ch" forName="text_1" refType="ctrX" refFor="ch" refForName="accent_1"/>
+                <dgm:constr type="r" for="ch" forName="text_1" refType="w"/>
+                <dgm:constr type="w" for="ch" forName="text_1" refType="h" refFor="ch" refForName="text_1" op="gte"/>
+                <dgm:constr type="h" for="ch" forName="text_1" refType="h" refFor="ch" refForName="accent_1" fact="0.8"/>
+                <dgm:constr type="ctrY" for="ch" forName="text_1" refType="ctrY" refFor="ch" refForName="accent_1"/>
+                <dgm:constr type="lMarg" for="ch" forName="text_1" refType="w" refFor="ch" refForName="accent_1" fact="1.8"/>
+                <dgm:constr type="h" for="ch" forName="accent_2" refType="h" fact="0.3571"/>
+                <dgm:constr type="w" for="ch" forName="accent_2" refType="h" refFor="ch" refForName="accent_2" op="equ"/>
+                <dgm:constr type="ctrY" for="ch" forName="accent_2" refType="h" fact="0.7143"/>
+                <dgm:constr type="ctrX" for="ch" forName="accent_2" refType="h" fact="0.1891"/>
+                <dgm:constr type="l" for="ch" forName="text_2" refType="ctrX" refFor="ch" refForName="accent_2"/>
+                <dgm:constr type="r" for="ch" forName="text_2" refType="w"/>
+                <dgm:constr type="w" for="ch" forName="text_2" refType="h" refFor="ch" refForName="text_2" op="gte"/>
+                <dgm:constr type="h" for="ch" forName="text_2" refType="h" refFor="ch" refForName="accent_2" fact="0.8"/>
+                <dgm:constr type="ctrY" for="ch" forName="text_2" refType="ctrY" refFor="ch" refForName="accent_2"/>
+                <dgm:constr type="lMarg" for="ch" forName="text_2" refType="w" refFor="ch" refForName="accent_2" fact="1.8"/>
+                <dgm:constr type="primFontSz" for="ch" ptType="node" op="equ" val="65"/>
+              </dgm:constrLst>
+            </dgm:if>
+            <dgm:if name="Name7" axis="ch" ptType="node" func="cnt" op="equ" val="3">
+              <dgm:constrLst>
+                <dgm:constr type="h" for="ch" forName="cycle" refType="h"/>
+                <dgm:constr type="w" for="ch" forName="cycle" refType="h" refFor="ch" refForName="cycle" fact="0.26"/>
+                <dgm:constr type="l" for="ch" forName="cycle"/>
+                <dgm:constr type="ctrY" for="ch" forName="cycle" refType="h" fact="0.5"/>
+                <dgm:constr type="diam" for="ch" forName="cycle" refType="h" fact="1.344"/>
+                <dgm:constr type="h" for="ch" forName="accent_1" refType="h" fact="0.25"/>
+                <dgm:constr type="w" for="ch" forName="accent_1" refType="h" refFor="ch" refForName="accent_1" op="equ"/>
+                <dgm:constr type="ctrY" for="ch" forName="accent_1" refType="h" fact="0.2"/>
+                <dgm:constr type="ctrX" for="ch" forName="accent_1" refType="h" fact="0.1526"/>
+                <dgm:constr type="l" for="ch" forName="text_1" refType="ctrX" refFor="ch" refForName="accent_1"/>
+                <dgm:constr type="r" for="ch" forName="text_1" refType="w"/>
+                <dgm:constr type="w" for="ch" forName="text_1" refType="h" refFor="ch" refForName="text_1" op="gte"/>
+                <dgm:constr type="h" for="ch" forName="text_1" refType="h" refFor="ch" refForName="accent_1" fact="0.8"/>
+                <dgm:constr type="ctrY" for="ch" forName="text_1" refType="ctrY" refFor="ch" refForName="accent_1"/>
+                <dgm:constr type="lMarg" for="ch" forName="text_1" refType="w" refFor="ch" refForName="accent_1" fact="1.8"/>
+                <dgm:constr type="h" for="ch" forName="accent_2" refType="h" fact="0.25"/>
+                <dgm:constr type="w" for="ch" forName="accent_2" refType="h" refFor="ch" refForName="accent_2" op="equ"/>
+                <dgm:constr type="ctrY" for="ch" forName="accent_2" refType="h" fact="0.5"/>
+                <dgm:constr type="ctrX" for="ch" forName="accent_2" refType="h" fact="0.2253"/>
+                <dgm:constr type="l" for="ch" forName="text_2" refType="ctrX" refFor="ch" refForName="accent_2"/>
+                <dgm:constr type="r" for="ch" forName="text_2" refType="w"/>
+                <dgm:constr type="w" for="ch" forName="text_2" refType="h" refFor="ch" refForName="text_2" op="gte"/>
+                <dgm:constr type="h" for="ch" forName="text_2" refType="h" refFor="ch" refForName="accent_2" fact="0.8"/>
+                <dgm:constr type="ctrY" for="ch" forName="text_2" refType="ctrY" refFor="ch" refForName="accent_2"/>
+                <dgm:constr type="lMarg" for="ch" forName="text_2" refType="w" refFor="ch" refForName="accent_2" fact="1.8"/>
+                <dgm:constr type="h" for="ch" forName="accent_3" refType="h" fact="0.25"/>
+                <dgm:constr type="w" for="ch" forName="accent_3" refType="h" refFor="ch" refForName="accent_3" op="equ"/>
+                <dgm:constr type="ctrY" for="ch" forName="accent_3" refType="h" fact="0.8"/>
+                <dgm:constr type="ctrX" for="ch" forName="accent_3" refType="h" fact="0.1526"/>
+                <dgm:constr type="l" for="ch" forName="text_3" refType="ctrX" refFor="ch" refForName="accent_3"/>
+                <dgm:constr type="r" for="ch" forName="text_3" refType="w"/>
+                <dgm:constr type="w" for="ch" forName="text_3" refType="h" refFor="ch" refForName="text_3" op="gte"/>
+                <dgm:constr type="h" for="ch" forName="text_3" refType="h" refFor="ch" refForName="accent_3" fact="0.8"/>
+                <dgm:constr type="ctrY" for="ch" forName="text_3" refType="ctrY" refFor="ch" refForName="accent_3"/>
+                <dgm:constr type="lMarg" for="ch" forName="text_3" refType="w" refFor="ch" refForName="accent_3" fact="1.8"/>
+                <dgm:constr type="primFontSz" for="ch" ptType="node" op="equ" val="65"/>
+              </dgm:constrLst>
+            </dgm:if>
+            <dgm:if name="Name8" axis="ch" ptType="node" func="cnt" op="equ" val="4">
+              <dgm:constrLst>
+                <dgm:constr type="h" for="ch" forName="cycle" refType="h"/>
+                <dgm:constr type="w" for="ch" forName="cycle" refType="h" refFor="ch" refForName="cycle" fact="0.26"/>
+                <dgm:constr type="l" for="ch" forName="cycle"/>
+                <dgm:constr type="ctrY" for="ch" forName="cycle" refType="h" fact="0.5"/>
+                <dgm:constr type="diam" for="ch" forName="cycle" refType="h" fact="1.344"/>
+                <dgm:constr type="h" for="ch" forName="accent_1" refType="h" fact="0.1923"/>
+                <dgm:constr type="w" for="ch" forName="accent_1" refType="h" refFor="ch" refForName="accent_1" op="equ"/>
+                <dgm:constr type="ctrY" for="ch" forName="accent_1" refType="h" fact="0.1538"/>
+                <dgm:constr type="ctrX" for="ch" forName="accent_1" refType="h" fact="0.1268"/>
+                <dgm:constr type="l" for="ch" forName="text_1" refType="ctrX" refFor="ch" refForName="accent_1"/>
+                <dgm:constr type="r" for="ch" forName="text_1" refType="w"/>
+                <dgm:constr type="w" for="ch" forName="text_1" refType="h" refFor="ch" refForName="text_1" op="gte"/>
+                <dgm:constr type="h" for="ch" forName="text_1" refType="h" refFor="ch" refForName="accent_1" fact="0.8"/>
+                <dgm:constr type="ctrY" for="ch" forName="text_1" refType="ctrY" refFor="ch" refForName="accent_1"/>
+                <dgm:constr type="lMarg" for="ch" forName="text_1" refType="w" refFor="ch" refForName="accent_1" fact="1.8"/>
+                <dgm:constr type="h" for="ch" forName="accent_2" refType="h" fact="0.1923"/>
+                <dgm:constr type="w" for="ch" forName="accent_2" refType="h" refFor="ch" refForName="accent_2" op="equ"/>
+                <dgm:constr type="ctrY" for="ch" forName="accent_2" refType="h" fact="0.3846"/>
+                <dgm:constr type="ctrX" for="ch" forName="accent_2" refType="h" fact="0.215"/>
+                <dgm:constr type="l" for="ch" forName="text_2" refType="ctrX" refFor="ch" refForName="accent_2"/>
+                <dgm:constr type="r" for="ch" forName="text_2" refType="w"/>
+                <dgm:constr type="w" for="ch" forName="text_2" refType="h" refFor="ch" refForName="text_2" op="gte"/>
+                <dgm:constr type="h" for="ch" forName="text_2" refType="h" refFor="ch" refForName="accent_2" fact="0.8"/>
+                <dgm:constr type="ctrY" for="ch" forName="text_2" refType="ctrY" refFor="ch" refForName="accent_2"/>
+                <dgm:constr type="lMarg" for="ch" forName="text_2" refType="w" refFor="ch" refForName="accent_2" fact="1.8"/>
+                <dgm:constr type="h" for="ch" forName="accent_3" refType="h" fact="0.1923"/>
+                <dgm:constr type="w" for="ch" forName="accent_3" refType="h" refFor="ch" refForName="accent_3" op="equ"/>
+                <dgm:constr type="ctrY" for="ch" forName="accent_3" refType="h" fact="0.6154"/>
+                <dgm:constr type="ctrX" for="ch" forName="accent_3" refType="h" fact="0.215"/>
+                <dgm:constr type="l" for="ch" forName="text_3" refType="ctrX" refFor="ch" refForName="accent_3"/>
+                <dgm:constr type="r" for="ch" forName="text_3" refType="w"/>
+                <dgm:constr type="w" for="ch" forName="text_3" refType="h" refFor="ch" refForName="text_3" op="gte"/>
+                <dgm:constr type="h" for="ch" forName="text_3" refType="h" refFor="ch" refForName="accent_3" fact="0.8"/>
+                <dgm:constr type="ctrY" for="ch" forName="text_3" refType="ctrY" refFor="ch" refForName="accent_3"/>
+                <dgm:constr type="lMarg" for="ch" forName="text_3" refType="w" refFor="ch" refForName="accent_3" fact="1.8"/>
+                <dgm:constr type="h" for="ch" forName="accent_4" refType="h" fact="0.1923"/>
+                <dgm:constr type="w" for="ch" forName="accent_4" refType="h" refFor="ch" refForName="accent_4" op="equ"/>
+                <dgm:constr type="ctrY" for="ch" forName="accent_4" refType="h" fact="0.8462"/>
+                <dgm:constr type="ctrX" for="ch" forName="accent_4" refType="h" fact="0.1268"/>
+                <dgm:constr type="l" for="ch" forName="text_4" refType="ctrX" refFor="ch" refForName="accent_4"/>
+                <dgm:constr type="r" for="ch" forName="text_4" refType="w"/>
+                <dgm:constr type="w" for="ch" forName="text_4" refType="h" refFor="ch" refForName="text_4" op="gte"/>
+                <dgm:constr type="h" for="ch" forName="text_4" refType="h" refFor="ch" refForName="accent_4" fact="0.8"/>
+                <dgm:constr type="ctrY" for="ch" forName="text_4" refType="ctrY" refFor="ch" refForName="accent_4"/>
+                <dgm:constr type="lMarg" for="ch" forName="text_4" refType="w" refFor="ch" refForName="accent_4" fact="1.8"/>
+                <dgm:constr type="primFontSz" for="ch" ptType="node" op="equ" val="65"/>
+              </dgm:constrLst>
+            </dgm:if>
+            <dgm:if name="Name9" axis="ch" ptType="node" func="cnt" op="equ" val="5">
+              <dgm:constrLst>
+                <dgm:constr type="h" for="ch" forName="cycle" refType="h"/>
+                <dgm:constr type="w" for="ch" forName="cycle" refType="h" refFor="ch" refForName="cycle" fact="0.26"/>
+                <dgm:constr type="l" for="ch" forName="cycle"/>
+                <dgm:constr type="ctrY" for="ch" forName="cycle" refType="h" fact="0.5"/>
+                <dgm:constr type="diam" for="ch" forName="cycle" refType="h" fact="1.344"/>
+                <dgm:constr type="h" for="ch" forName="accent_1" refType="h" fact="0.1563"/>
+                <dgm:constr type="w" for="ch" forName="accent_1" refType="h" refFor="ch" refForName="accent_1" op="equ"/>
+                <dgm:constr type="ctrY" for="ch" forName="accent_1" refType="h" fact="0.125"/>
+                <dgm:constr type="ctrX" for="ch" forName="accent_1" refType="h" fact="0.1082"/>
+                <dgm:constr type="l" for="ch" forName="text_1" refType="ctrX" refFor="ch" refForName="accent_1"/>
+                <dgm:constr type="r" for="ch" forName="text_1" refType="w"/>
+                <dgm:constr type="w" for="ch" forName="text_1" refType="h" refFor="ch" refForName="text_1" op="gte"/>
+                <dgm:constr type="h" for="ch" forName="text_1" refType="h" refFor="ch" refForName="accent_1" fact="0.8"/>
+                <dgm:constr type="ctrY" for="ch" forName="text_1" refType="ctrY" refFor="ch" refForName="accent_1"/>
+                <dgm:constr type="lMarg" for="ch" forName="text_1" refType="w" refFor="ch" refForName="accent_1" fact="1.8"/>
+                <dgm:constr type="h" for="ch" forName="accent_2" refType="h" fact="0.1563"/>
+                <dgm:constr type="w" for="ch" forName="accent_2" refType="h" refFor="ch" refForName="accent_2" op="equ"/>
+                <dgm:constr type="ctrY" for="ch" forName="accent_2" refType="h" fact="0.3125"/>
+                <dgm:constr type="ctrX" for="ch" forName="accent_2" refType="h" fact="0.1978"/>
+                <dgm:constr type="l" for="ch" forName="text_2" refType="ctrX" refFor="ch" refForName="accent_2"/>
+                <dgm:constr type="r" for="ch" forName="text_2" refType="w"/>
+                <dgm:constr type="w" for="ch" forName="text_2" refType="h" refFor="ch" refForName="text_2" op="gte"/>
+                <dgm:constr type="h" for="ch" forName="text_2" refType="h" refFor="ch" refForName="accent_2" fact="0.8"/>
+                <dgm:constr type="ctrY" for="ch" forName="text_2" refType="ctrY" refFor="ch" refForName="accent_2"/>
+                <dgm:constr type="lMarg" for="ch" forName="text_2" refType="w" refFor="ch" refForName="accent_2" fact="1.8"/>
+                <dgm:constr type="h" for="ch" forName="accent_3" refType="h" fact="0.1563"/>
+                <dgm:constr type="w" for="ch" forName="accent_3" refType="h" refFor="ch" refForName="accent_3" op="equ"/>
+                <dgm:constr type="ctrY" for="ch" forName="accent_3" refType="h" fact="0.5"/>
+                <dgm:constr type="ctrX" for="ch" forName="accent_3" refType="h" fact="0.2253"/>
+                <dgm:constr type="l" for="ch" forName="text_3" refType="ctrX" refFor="ch" refForName="accent_3"/>
+                <dgm:constr type="r" for="ch" forName="text_3" refType="w"/>
+                <dgm:constr type="w" for="ch" forName="text_3" refType="h" refFor="ch" refForName="text_3" op="gte"/>
+                <dgm:constr type="h" for="ch" forName="text_3" refType="h" refFor="ch" refForName="accent_3" fact="0.8"/>
+                <dgm:constr type="ctrY" for="ch" forName="text_3" refType="ctrY" refFor="ch" refForName="accent_3"/>
+                <dgm:constr type="lMarg" for="ch" forName="text_3" refType="w" refFor="ch" refForName="accent_3" fact="1.8"/>
+                <dgm:constr type="h" for="ch" forName="accent_4" refType="h" fact="0.1563"/>
+                <dgm:constr type="w" for="ch" forName="accent_4" refType="h" refFor="ch" refForName="accent_4" op="equ"/>
+                <dgm:constr type="ctrY" for="ch" forName="accent_4" refType="h" fact="0.6875"/>
+                <dgm:constr type="ctrX" for="ch" forName="accent_4" refType="h" fact="0.1978"/>
+                <dgm:constr type="l" for="ch" forName="text_4" refType="ctrX" refFor="ch" refForName="accent_4"/>
+                <dgm:constr type="r" for="ch" forName="text_4" refType="w"/>
+                <dgm:constr type="w" for="ch" forName="text_4" refType="h" refFor="ch" refForName="text_4" op="gte"/>
+                <dgm:constr type="h" for="ch" forName="text_4" refType="h" refFor="ch" refForName="accent_4" fact="0.8"/>
+                <dgm:constr type="ctrY" for="ch" forName="text_4" refType="ctrY" refFor="ch" refForName="accent_4"/>
+                <dgm:constr type="lMarg" for="ch" forName="text_4" refType="w" refFor="ch" refForName="accent_4" fact="1.8"/>
+                <dgm:constr type="h" for="ch" forName="accent_5" refType="h" fact="0.1563"/>
+                <dgm:constr type="w" for="ch" forName="accent_5" refType="h" refFor="ch" refForName="accent_5" op="equ"/>
+                <dgm:constr type="ctrY" for="ch" forName="accent_5" refType="h" fact="0.875"/>
+                <dgm:constr type="ctrX" for="ch" forName="accent_5" refType="h" fact="0.1082"/>
+                <dgm:constr type="l" for="ch" forName="text_5" refType="ctrX" refFor="ch" refForName="accent_5"/>
+                <dgm:constr type="r" for="ch" forName="text_5" refType="w"/>
+                <dgm:constr type="w" for="ch" forName="text_5" refType="h" refFor="ch" refForName="text_5" op="gte"/>
+                <dgm:constr type="h" for="ch" forName="text_5" refType="h" refFor="ch" refForName="accent_5" fact="0.8"/>
+                <dgm:constr type="ctrY" for="ch" forName="text_5" refType="ctrY" refFor="ch" refForName="accent_5"/>
+                <dgm:constr type="lMarg" for="ch" forName="text_5" refType="w" refFor="ch" refForName="accent_5" fact="1.8"/>
+                <dgm:constr type="primFontSz" for="ch" ptType="node" op="equ" val="65"/>
+              </dgm:constrLst>
+            </dgm:if>
+            <dgm:if name="Name10" axis="ch" ptType="node" func="cnt" op="equ" val="6">
+              <dgm:constrLst>
+                <dgm:constr type="h" for="ch" forName="cycle" refType="h"/>
+                <dgm:constr type="w" for="ch" forName="cycle" refType="h" refFor="ch" refForName="cycle" fact="0.26"/>
+                <dgm:constr type="l" for="ch" forName="cycle"/>
+                <dgm:constr type="ctrY" for="ch" forName="cycle" refType="h" fact="0.5"/>
+                <dgm:constr type="diam" for="ch" forName="cycle" refType="h" fact="1.344"/>
+                <dgm:constr type="h" for="ch" forName="accent_1" refType="h" fact="0.1316"/>
+                <dgm:constr type="w" for="ch" forName="accent_1" refType="h" refFor="ch" refForName="accent_1" op="equ"/>
+                <dgm:constr type="ctrY" for="ch" forName="accent_1" refType="h" fact="0.1053"/>
+                <dgm:constr type="ctrX" for="ch" forName="accent_1" refType="h" fact="0.0943"/>
+                <dgm:constr type="l" for="ch" forName="text_1" refType="ctrX" refFor="ch" refForName="accent_1"/>
+                <dgm:constr type="r" for="ch" forName="text_1" refType="w"/>
+                <dgm:constr type="w" for="ch" forName="text_1" refType="h" refFor="ch" refForName="text_1" op="gte"/>
+                <dgm:constr type="h" for="ch" forName="text_1" refType="h" refFor="ch" refForName="accent_1" fact="0.8"/>
+                <dgm:constr type="ctrY" for="ch" forName="text_1" refType="ctrY" refFor="ch" refForName="accent_1"/>
+                <dgm:constr type="lMarg" for="ch" forName="text_1" refType="w" refFor="ch" refForName="accent_1" fact="1.8"/>
+                <dgm:constr type="h" for="ch" forName="accent_2" refType="h" fact="0.1316"/>
+                <dgm:constr type="w" for="ch" forName="accent_2" refType="h" refFor="ch" refForName="accent_2" op="equ"/>
+                <dgm:constr type="ctrY" for="ch" forName="accent_2" refType="h" fact="0.2632"/>
+                <dgm:constr type="ctrX" for="ch" forName="accent_2" refType="h" fact="0.1809"/>
+                <dgm:constr type="l" for="ch" forName="text_2" refType="ctrX" refFor="ch" refForName="accent_2"/>
+                <dgm:constr type="r" for="ch" forName="text_2" refType="w"/>
+                <dgm:constr type="w" for="ch" forName="text_2" refType="h" refFor="ch" refForName="text_2" op="gte"/>
+                <dgm:constr type="h" for="ch" forName="text_2" refType="h" refFor="ch" refForName="accent_2" fact="0.8"/>
+                <dgm:constr type="ctrY" for="ch" forName="text_2" refType="ctrY" refFor="ch" refForName="accent_2"/>
+                <dgm:constr type="lMarg" for="ch" forName="text_2" refType="w" refFor="ch" refForName="accent_2" fact="1.8"/>
+                <dgm:constr type="h" for="ch" forName="accent_3" refType="h" fact="0.1316"/>
+                <dgm:constr type="w" for="ch" forName="accent_3" refType="h" refFor="ch" refForName="accent_3" op="equ"/>
+                <dgm:constr type="ctrY" for="ch" forName="accent_3" refType="h" fact="0.4211"/>
+                <dgm:constr type="ctrX" for="ch" forName="accent_3" refType="h" fact="0.2205"/>
+                <dgm:constr type="l" for="ch" forName="text_3" refType="ctrX" refFor="ch" refForName="accent_3"/>
+                <dgm:constr type="r" for="ch" forName="text_3" refType="w"/>
+                <dgm:constr type="w" for="ch" forName="text_3" refType="h" refFor="ch" refForName="text_3" op="gte"/>
+                <dgm:constr type="h" for="ch" forName="text_3" refType="h" refFor="ch" refForName="accent_3" fact="0.8"/>
+                <dgm:constr type="ctrY" for="ch" forName="text_3" refType="ctrY" refFor="ch" refForName="accent_3"/>
+                <dgm:constr type="lMarg" for="ch" forName="text_3" refType="w" refFor="ch" refForName="accent_3" fact="1.8"/>
+                <dgm:constr type="h" for="ch" forName="accent_4" refType="h" fact="0.1316"/>
+                <dgm:constr type="w" for="ch" forName="accent_4" refType="h" refFor="ch" refForName="accent_4" op="equ"/>
+                <dgm:constr type="ctrY" for="ch" forName="accent_4" refType="h" fact="0.5789"/>
+                <dgm:constr type="ctrX" for="ch" forName="accent_4" refType="h" fact="0.2205"/>
+                <dgm:constr type="l" for="ch" forName="text_4" refType="ctrX" refFor="ch" refForName="accent_4"/>
+                <dgm:constr type="r" for="ch" forName="text_4" refType="w"/>
+                <dgm:constr type="w" for="ch" forName="text_4" refType="h" refFor="ch" refForName="text_4" op="gte"/>
+                <dgm:constr type="h" for="ch" forName="text_4" refType="h" refFor="ch" refForName="accent_4" fact="0.8"/>
+                <dgm:constr type="ctrY" for="ch" forName="text_4" refType="ctrY" refFor="ch" refForName="accent_4"/>
+                <dgm:constr type="lMarg" for="ch" forName="text_4" refType="w" refFor="ch" refForName="accent_4" fact="1.8"/>
+                <dgm:constr type="h" for="ch" forName="accent_5" refType="h" fact="0.1316"/>
+                <dgm:constr type="w" for="ch" forName="accent_5" refType="h" refFor="ch" refForName="accent_5" op="equ"/>
+                <dgm:constr type="ctrY" for="ch" forName="accent_5" refType="h" fact="0.7368"/>
+                <dgm:constr type="ctrX" for="ch" forName="accent_5" refType="h" fact="0.1809"/>
+                <dgm:constr type="l" for="ch" forName="text_5" refType="ctrX" refFor="ch" refForName="accent_5"/>
+                <dgm:constr type="r" for="ch" forName="text_5" refType="w"/>
+                <dgm:constr type="w" for="ch" forName="text_5" refType="h" refFor="ch" refForName="text_5" op="gte"/>
+                <dgm:constr type="h" for="ch" forName="text_5" refType="h" refFor="ch" refForName="accent_5" fact="0.8"/>
+                <dgm:constr type="ctrY" for="ch" forName="text_5" refType="ctrY" refFor="ch" refForName="accent_5"/>
+                <dgm:constr type="lMarg" for="ch" forName="text_5" refType="w" refFor="ch" refForName="accent_5" fact="1.8"/>
+                <dgm:constr type="h" for="ch" forName="accent_6" refType="h" fact="0.1316"/>
+                <dgm:constr type="w" for="ch" forName="accent_6" refType="h" refFor="ch" refForName="accent_6" op="equ"/>
+                <dgm:constr type="ctrY" for="ch" forName="accent_6" refType="h" fact="0.8947"/>
+                <dgm:constr type="ctrX" for="ch" forName="accent_6" refType="h" fact="0.0943"/>
+                <dgm:constr type="l" for="ch" forName="text_6" refType="ctrX" refFor="ch" refForName="accent_6"/>
+                <dgm:constr type="r" for="ch" forName="text_6" refType="w"/>
+                <dgm:constr type="w" for="ch" forName="text_6" refType="h" refFor="ch" refForName="text_6" op="gte"/>
+                <dgm:constr type="h" for="ch" forName="text_6" refType="h" refFor="ch" refForName="accent_6" fact="0.8"/>
+                <dgm:constr type="ctrY" for="ch" forName="text_6" refType="ctrY" refFor="ch" refForName="accent_6"/>
+                <dgm:constr type="lMarg" for="ch" forName="text_6" refType="w" refFor="ch" refForName="accent_6" fact="1.8"/>
+                <dgm:constr type="primFontSz" for="ch" ptType="node" op="equ" val="65"/>
+              </dgm:constrLst>
+            </dgm:if>
+            <dgm:else name="Name11">
+              <dgm:constrLst>
+                <dgm:constr type="h" for="ch" forName="cycle" refType="h"/>
+                <dgm:constr type="w" for="ch" forName="cycle" refType="h" refFor="ch" refForName="cycle" fact="0.26"/>
+                <dgm:constr type="l" for="ch" forName="cycle"/>
+                <dgm:constr type="ctrY" for="ch" forName="cycle" refType="h" fact="0.5"/>
+                <dgm:constr type="diam" for="ch" forName="cycle" refType="h" fact="1.344"/>
+                <dgm:constr type="h" for="ch" forName="accent_1" refType="h" fact="0.1136"/>
+                <dgm:constr type="w" for="ch" forName="accent_1" refType="h" refFor="ch" refForName="accent_1" op="equ"/>
+                <dgm:constr type="ctrY" for="ch" forName="accent_1" refType="h" fact="0.0909"/>
+                <dgm:constr type="ctrX" for="ch" forName="accent_1" refType="h" fact="0.0835"/>
+                <dgm:constr type="l" for="ch" forName="text_1" refType="ctrX" refFor="ch" refForName="accent_1"/>
+                <dgm:constr type="r" for="ch" forName="text_1" refType="w"/>
+                <dgm:constr type="w" for="ch" forName="text_1" refType="h" refFor="ch" refForName="text_1" op="gte"/>
+                <dgm:constr type="h" for="ch" forName="text_1" refType="h" refFor="ch" refForName="accent_1" fact="0.8"/>
+                <dgm:constr type="ctrY" for="ch" forName="text_1" refType="ctrY" refFor="ch" refForName="accent_1"/>
+                <dgm:constr type="lMarg" for="ch" forName="text_1" refType="w" refFor="ch" refForName="accent_1" fact="1.8"/>
+                <dgm:constr type="h" for="ch" forName="accent_2" refType="h" fact="0.1136"/>
+                <dgm:constr type="w" for="ch" forName="accent_2" refType="h" refFor="ch" refForName="accent_2" op="equ"/>
+                <dgm:constr type="ctrY" for="ch" forName="accent_2" refType="h" fact="0.2273"/>
+                <dgm:constr type="ctrX" for="ch" forName="accent_2" refType="h" fact="0.1658"/>
+                <dgm:constr type="l" for="ch" forName="text_2" refType="ctrX" refFor="ch" refForName="accent_2"/>
+                <dgm:constr type="r" for="ch" forName="text_2" refType="w"/>
+                <dgm:constr type="w" for="ch" forName="text_2" refType="h" refFor="ch" refForName="text_2" op="gte"/>
+                <dgm:constr type="h" for="ch" forName="text_2" refType="h" refFor="ch" refForName="accent_2" fact="0.8"/>
+                <dgm:constr type="ctrY" for="ch" forName="text_2" refType="ctrY" refFor="ch" refForName="accent_2"/>
+                <dgm:constr type="lMarg" for="ch" forName="text_2" refType="w" refFor="ch" refForName="accent_2" fact="1.8"/>
+                <dgm:constr type="h" for="ch" forName="accent_3" refType="h" fact="0.1136"/>
+                <dgm:constr type="w" for="ch" forName="accent_3" refType="h" refFor="ch" refForName="accent_3" op="equ"/>
+                <dgm:constr type="ctrY" for="ch" forName="accent_3" refType="h" fact="0.3636"/>
+                <dgm:constr type="ctrX" for="ch" forName="accent_3" refType="h" fact="0.2109"/>
+                <dgm:constr type="l" for="ch" forName="text_3" refType="ctrX" refFor="ch" refForName="accent_3"/>
+                <dgm:constr type="r" for="ch" forName="text_3" refType="w"/>
+                <dgm:constr type="w" for="ch" forName="text_3" refType="h" refFor="ch" refForName="text_3" op="gte"/>
+                <dgm:constr type="h" for="ch" forName="text_3" refType="h" refFor="ch" refForName="accent_3" fact="0.8"/>
+                <dgm:constr type="ctrY" for="ch" forName="text_3" refType="ctrY" refFor="ch" refForName="accent_3"/>
+                <dgm:constr type="lMarg" for="ch" forName="text_3" refType="w" refFor="ch" refForName="accent_3" fact="1.8"/>
+                <dgm:constr type="h" for="ch" forName="accent_4" refType="h" fact="0.1136"/>
+                <dgm:constr type="w" for="ch" forName="accent_4" refType="h" refFor="ch" refForName="accent_4" op="equ"/>
+                <dgm:constr type="ctrY" for="ch" forName="accent_4" refType="h" fact="0.5"/>
+                <dgm:constr type="ctrX" for="ch" forName="accent_4" refType="h" fact="0.2253"/>
+                <dgm:constr type="l" for="ch" forName="text_4" refType="ctrX" refFor="ch" refForName="accent_4"/>
+                <dgm:constr type="r" for="ch" forName="text_4" refType="w"/>
+                <dgm:constr type="w" for="ch" forName="text_4" refType="h" refFor="ch" refForName="text_4" op="gte"/>
+                <dgm:constr type="h" for="ch" forName="text_4" refType="h" refFor="ch" refForName="accent_4" fact="0.8"/>
+                <dgm:constr type="ctrY" for="ch" forName="text_4" refType="ctrY" refFor="ch" refForName="accent_4"/>
+                <dgm:constr type="lMarg" for="ch" forName="text_4" refType="w" refFor="ch" refForName="accent_4" fact="1.8"/>
+                <dgm:constr type="h" for="ch" forName="accent_5" refType="h" fact="0.1136"/>
+                <dgm:constr type="w" for="ch" forName="accent_5" refType="h" refFor="ch" refForName="accent_5" op="equ"/>
+                <dgm:constr type="ctrY" for="ch" forName="accent_5" refType="h" fact="0.6364"/>
+                <dgm:constr type="ctrX" for="ch" forName="accent_5" refType="h" fact="0.2109"/>
+                <dgm:constr type="l" for="ch" forName="text_5" refType="ctrX" refFor="ch" refForName="accent_5"/>
+                <dgm:constr type="r" for="ch" forName="text_5" refType="w"/>
+                <dgm:constr type="w" for="ch" forName="text_5" refType="h" refFor="ch" refForName="text_5" op="gte"/>
+                <dgm:constr type="h" for="ch" forName="text_5" refType="h" refFor="ch" refForName="accent_5" fact="0.8"/>
+                <dgm:constr type="ctrY" for="ch" forName="text_5" refType="ctrY" refFor="ch" refForName="accent_5"/>
+                <dgm:constr type="lMarg" for="ch" forName="text_5" refType="w" refFor="ch" refForName="accent_5" fact="1.8"/>
+                <dgm:constr type="h" for="ch" forName="accent_6" refType="h" fact="0.1136"/>
+                <dgm:constr type="w" for="ch" forName="accent_6" refType="h" refFor="ch" refForName="accent_6" op="equ"/>
+                <dgm:constr type="ctrY" for="ch" forName="accent_6" refType="h" fact="0.7727"/>
+                <dgm:constr type="ctrX" for="ch" forName="accent_6" refType="h" fact="0.1658"/>
+                <dgm:constr type="l" for="ch" forName="text_6" refType="ctrX" refFor="ch" refForName="accent_6"/>
+                <dgm:constr type="r" for="ch" forName="text_6" refType="w"/>
+                <dgm:constr type="w" for="ch" forName="text_6" refType="h" refFor="ch" refForName="text_6" op="gte"/>
+                <dgm:constr type="h" for="ch" forName="text_6" refType="h" refFor="ch" refForName="accent_6" fact="0.8"/>
+                <dgm:constr type="ctrY" for="ch" forName="text_6" refType="ctrY" refFor="ch" refForName="accent_6"/>
+                <dgm:constr type="lMarg" for="ch" forName="text_6" refType="w" refFor="ch" refForName="accent_6" fact="1.8"/>
+                <dgm:constr type="h" for="ch" forName="accent_7" refType="h" fact="0.1136"/>
+                <dgm:constr type="w" for="ch" forName="accent_7" refType="h" refFor="ch" refForName="accent_7" op="equ"/>
+                <dgm:constr type="ctrY" for="ch" forName="accent_7" refType="h" fact="0.9091"/>
+                <dgm:constr type="ctrX" for="ch" forName="accent_7" refType="h" fact="0.0835"/>
+                <dgm:constr type="l" for="ch" forName="text_7" refType="ctrX" refFor="ch" refForName="accent_7"/>
+                <dgm:constr type="r" for="ch" forName="text_7" refType="w"/>
+                <dgm:constr type="w" for="ch" forName="text_7" refType="h" refFor="ch" refForName="text_7" op="gte"/>
+                <dgm:constr type="h" for="ch" forName="text_7" refType="h" refFor="ch" refForName="accent_7" fact="0.8"/>
+                <dgm:constr type="ctrY" for="ch" forName="text_7" refType="ctrY" refFor="ch" refForName="accent_7"/>
+                <dgm:constr type="lMarg" for="ch" forName="text_7" refType="w" refFor="ch" refForName="accent_7" fact="1.8"/>
+                <dgm:constr type="primFontSz" for="ch" ptType="node" op="equ" val="65"/>
+              </dgm:constrLst>
+            </dgm:else>
+          </dgm:choose>
+        </dgm:if>
+        <dgm:else name="Name12">
+          <dgm:choose name="Name13">
+            <dgm:if name="Name14" axis="ch" ptType="node" func="cnt" op="equ" val="1">
+              <dgm:constrLst>
+                <dgm:constr type="h" for="ch" forName="cycle" refType="h"/>
+                <dgm:constr type="w" for="ch" forName="cycle" refType="h" refFor="ch" refForName="cycle" fact="0.26"/>
+                <dgm:constr type="r" for="ch" forName="cycle" refType="w"/>
+                <dgm:constr type="ctrY" for="ch" forName="cycle" refType="h" fact="0.5"/>
+                <dgm:constr type="diam" for="ch" forName="cycle" refType="h" fact="1.344"/>
+                <dgm:constr type="h" for="ch" forName="accent_1" refType="h" fact="0.625"/>
+                <dgm:constr type="w" for="ch" forName="accent_1" refType="h" refFor="ch" refForName="accent_1" op="equ"/>
+                <dgm:constr type="ctrY" for="ch" forName="accent_1" refType="h" fact="0.5"/>
+                <dgm:constr type="ctrX" for="ch" forName="accent_1" refType="w"/>
+                <dgm:constr type="ctrXOff" for="ch" forName="accent_1" refType="h" fact="-0.2253"/>
+                <dgm:constr type="r" for="ch" forName="text_1" refType="ctrX" refFor="ch" refForName="accent_1"/>
+                <dgm:constr type="rOff" for="ch" forName="text_1" refType="ctrXOff" refFor="ch" refForName="accent_1"/>
+                <dgm:constr type="l" for="ch" forName="text_1"/>
+                <dgm:constr type="w" for="ch" forName="text_1" refType="h" refFor="ch" refForName="text_1" op="gte"/>
+                <dgm:constr type="h" for="ch" forName="text_1" refType="h" refFor="ch" refForName="accent_1" fact="0.8"/>
+                <dgm:constr type="ctrY" for="ch" forName="text_1" refType="ctrY" refFor="ch" refForName="accent_1"/>
+                <dgm:constr type="rMarg" for="ch" forName="text_1" refType="w" refFor="ch" refForName="accent_1" fact="1.8"/>
+                <dgm:constr type="primFontSz" for="ch" ptType="node" op="equ" val="65"/>
+              </dgm:constrLst>
+            </dgm:if>
+            <dgm:if name="Name15" axis="ch" ptType="node" func="cnt" op="equ" val="2">
+              <dgm:constrLst>
+                <dgm:constr type="h" for="ch" forName="cycle" refType="h"/>
+                <dgm:constr type="w" for="ch" forName="cycle" refType="h" refFor="ch" refForName="cycle" fact="0.26"/>
+                <dgm:constr type="r" for="ch" forName="cycle" refType="w"/>
+                <dgm:constr type="ctrY" for="ch" forName="cycle" refType="h" fact="0.5"/>
+                <dgm:constr type="diam" for="ch" forName="cycle" refType="h" fact="1.344"/>
+                <dgm:constr type="h" for="ch" forName="accent_1" refType="h" fact="0.3571"/>
+                <dgm:constr type="w" for="ch" forName="accent_1" refType="h" refFor="ch" refForName="accent_1" op="equ"/>
+                <dgm:constr type="ctrY" for="ch" forName="accent_1" refType="h" fact="0.2857"/>
+                <dgm:constr type="ctrX" for="ch" forName="accent_1" refType="w"/>
+                <dgm:constr type="ctrXOff" for="ch" forName="accent_1" refType="h" fact="-0.1891"/>
+                <dgm:constr type="r" for="ch" forName="text_1" refType="ctrX" refFor="ch" refForName="accent_1"/>
+                <dgm:constr type="rOff" for="ch" forName="text_1" refType="ctrXOff" refFor="ch" refForName="accent_1"/>
+                <dgm:constr type="l" for="ch" forName="text_1"/>
+                <dgm:constr type="w" for="ch" forName="text_1" refType="h" refFor="ch" refForName="text_1" op="gte"/>
+                <dgm:constr type="h" for="ch" forName="text_1" refType="h" refFor="ch" refForName="accent_1" fact="0.8"/>
+                <dgm:constr type="ctrY" for="ch" forName="text_1" refType="ctrY" refFor="ch" refForName="accent_1"/>
+                <dgm:constr type="rMarg" for="ch" forName="text_1" refType="w" refFor="ch" refForName="accent_1" fact="1.8"/>
+                <dgm:constr type="h" for="ch" forName="accent_2" refType="h" fact="0.3571"/>
+                <dgm:constr type="w" for="ch" forName="accent_2" refType="h" refFor="ch" refForName="accent_2" op="equ"/>
+                <dgm:constr type="ctrY" for="ch" forName="accent_2" refType="h" fact="0.7143"/>
+                <dgm:constr type="ctrX" for="ch" forName="accent_2" refType="w"/>
+                <dgm:constr type="ctrXOff" for="ch" forName="accent_2" refType="h" fact="-0.1891"/>
+                <dgm:constr type="r" for="ch" forName="text_2" refType="ctrX" refFor="ch" refForName="accent_2"/>
+                <dgm:constr type="rOff" for="ch" forName="text_2" refType="ctrXOff" refFor="ch" refForName="accent_2"/>
+                <dgm:constr type="l" for="ch" forName="text_2"/>
+                <dgm:constr type="w" for="ch" forName="text_2" refType="h" refFor="ch" refForName="text_2" op="gte"/>
+                <dgm:constr type="h" for="ch" forName="text_2" refType="h" refFor="ch" refForName="accent_2" fact="0.8"/>
+                <dgm:constr type="ctrY" for="ch" forName="text_2" refType="ctrY" refFor="ch" refForName="accent_2"/>
+                <dgm:constr type="rMarg" for="ch" forName="text_2" refType="w" refFor="ch" refForName="accent_2" fact="1.8"/>
+                <dgm:constr type="primFontSz" for="ch" ptType="node" op="equ" val="65"/>
+              </dgm:constrLst>
+            </dgm:if>
+            <dgm:if name="Name16" axis="ch" ptType="node" func="cnt" op="equ" val="3">
+              <dgm:constrLst>
+                <dgm:constr type="h" for="ch" forName="cycle" refType="h"/>
+                <dgm:constr type="w" for="ch" forName="cycle" refType="h" refFor="ch" refForName="cycle" fact="0.26"/>
+                <dgm:constr type="r" for="ch" forName="cycle" refType="w"/>
+                <dgm:constr type="ctrY" for="ch" forName="cycle" refType="h" fact="0.5"/>
+                <dgm:constr type="diam" for="ch" forName="cycle" refType="h" fact="1.344"/>
+                <dgm:constr type="h" for="ch" forName="accent_1" refType="h" fact="0.25"/>
+                <dgm:constr type="w" for="ch" forName="accent_1" refType="h" refFor="ch" refForName="accent_1" op="equ"/>
+                <dgm:constr type="ctrY" for="ch" forName="accent_1" refType="h" fact="0.2"/>
+                <dgm:constr type="ctrX" for="ch" forName="accent_1" refType="w"/>
+                <dgm:constr type="ctrXOff" for="ch" forName="accent_1" refType="h" fact="-0.1526"/>
+                <dgm:constr type="r" for="ch" forName="text_1" refType="ctrX" refFor="ch" refForName="accent_1"/>
+                <dgm:constr type="rOff" for="ch" forName="text_1" refType="ctrXOff" refFor="ch" refForName="accent_1"/>
+                <dgm:constr type="l" for="ch" forName="text_1"/>
+                <dgm:constr type="w" for="ch" forName="text_1" refType="h" refFor="ch" refForName="text_1" op="gte"/>
+                <dgm:constr type="h" for="ch" forName="text_1" refType="h" refFor="ch" refForName="accent_1" fact="0.8"/>
+                <dgm:constr type="ctrY" for="ch" forName="text_1" refType="ctrY" refFor="ch" refForName="accent_1"/>
+                <dgm:constr type="rMarg" for="ch" forName="text_1" refType="w" refFor="ch" refForName="accent_1" fact="1.8"/>
+                <dgm:constr type="h" for="ch" forName="accent_2" refType="h" fact="0.25"/>
+                <dgm:constr type="w" for="ch" forName="accent_2" refType="h" refFor="ch" refForName="accent_2" op="equ"/>
+                <dgm:constr type="ctrY" for="ch" forName="accent_2" refType="h" fact="0.5"/>
+                <dgm:constr type="ctrX" for="ch" forName="accent_2" refType="w"/>
+                <dgm:constr type="ctrXOff" for="ch" forName="accent_2" refType="h" fact="-0.2253"/>
+                <dgm:constr type="r" for="ch" forName="text_2" refType="ctrX" refFor="ch" refForName="accent_2"/>
+                <dgm:constr type="rOff" for="ch" forName="text_2" refType="ctrXOff" refFor="ch" refForName="accent_2"/>
+                <dgm:constr type="l" for="ch" forName="text_2"/>
+                <dgm:constr type="w" for="ch" forName="text_2" refType="h" refFor="ch" refForName="text_2" op="gte"/>
+                <dgm:constr type="h" for="ch" forName="text_2" refType="h" refFor="ch" refForName="accent_2" fact="0.8"/>
+                <dgm:constr type="ctrY" for="ch" forName="text_2" refType="ctrY" refFor="ch" refForName="accent_2"/>
+                <dgm:constr type="rMarg" for="ch" forName="text_2" refType="w" refFor="ch" refForName="accent_2" fact="1.8"/>
+                <dgm:constr type="h" for="ch" forName="accent_3" refType="h" fact="0.25"/>
+                <dgm:constr type="w" for="ch" forName="accent_3" refType="h" refFor="ch" refForName="accent_3" op="equ"/>
+                <dgm:constr type="ctrY" for="ch" forName="accent_3" refType="h" fact="0.8"/>
+                <dgm:constr type="ctrX" for="ch" forName="accent_3" refType="w"/>
+                <dgm:constr type="ctrXOff" for="ch" forName="accent_3" refType="h" fact="-0.1526"/>
+                <dgm:constr type="r" for="ch" forName="text_3" refType="ctrX" refFor="ch" refForName="accent_3"/>
+                <dgm:constr type="rOff" for="ch" forName="text_3" refType="ctrXOff" refFor="ch" refForName="accent_3"/>
+                <dgm:constr type="l" for="ch" forName="text_3"/>
+                <dgm:constr type="w" for="ch" forName="text_3" refType="h" refFor="ch" refForName="text_3" op="gte"/>
+                <dgm:constr type="h" for="ch" forName="text_3" refType="h" refFor="ch" refForName="accent_3" fact="0.8"/>
+                <dgm:constr type="ctrY" for="ch" forName="text_3" refType="ctrY" refFor="ch" refForName="accent_3"/>
+                <dgm:constr type="rMarg" for="ch" forName="text_3" refType="w" refFor="ch" refForName="accent_3" fact="1.8"/>
+                <dgm:constr type="primFontSz" for="ch" ptType="node" op="equ" val="65"/>
+              </dgm:constrLst>
+            </dgm:if>
+            <dgm:if name="Name17" axis="ch" ptType="node" func="cnt" op="equ" val="4">
+              <dgm:constrLst>
+                <dgm:constr type="h" for="ch" forName="cycle" refType="h"/>
+                <dgm:constr type="w" for="ch" forName="cycle" refType="h" refFor="ch" refForName="cycle" fact="0.26"/>
+                <dgm:constr type="r" for="ch" forName="cycle" refType="w"/>
+                <dgm:constr type="ctrY" for="ch" forName="cycle" refType="h" fact="0.5"/>
+                <dgm:constr type="diam" for="ch" forName="cycle" refType="h" fact="1.344"/>
+                <dgm:constr type="h" for="ch" forName="accent_1" refType="h" fact="0.1923"/>
+                <dgm:constr type="w" for="ch" forName="accent_1" refType="h" refFor="ch" refForName="accent_1" op="equ"/>
+                <dgm:constr type="ctrY" for="ch" forName="accent_1" refType="h" fact="0.1538"/>
+                <dgm:constr type="ctrX" for="ch" forName="accent_1" refType="w"/>
+                <dgm:constr type="ctrXOff" for="ch" forName="accent_1" refType="h" fact="-0.1268"/>
+                <dgm:constr type="r" for="ch" forName="text_1" refType="ctrX" refFor="ch" refForName="accent_1"/>
+                <dgm:constr type="rOff" for="ch" forName="text_1" refType="ctrXOff" refFor="ch" refForName="accent_1"/>
+                <dgm:constr type="l" for="ch" forName="text_1"/>
+                <dgm:constr type="w" for="ch" forName="text_1" refType="h" refFor="ch" refForName="text_1" op="gte"/>
+                <dgm:constr type="h" for="ch" forName="text_1" refType="h" refFor="ch" refForName="accent_1" fact="0.8"/>
+                <dgm:constr type="ctrY" for="ch" forName="text_1" refType="ctrY" refFor="ch" refForName="accent_1"/>
+                <dgm:constr type="rMarg" for="ch" forName="text_1" refType="w" refFor="ch" refForName="accent_1" fact="1.8"/>
+                <dgm:constr type="h" for="ch" forName="accent_2" refType="h" fact="0.1923"/>
+                <dgm:constr type="w" for="ch" forName="accent_2" refType="h" refFor="ch" refForName="accent_2" op="equ"/>
+                <dgm:constr type="ctrY" for="ch" forName="accent_2" refType="h" fact="0.3846"/>
+                <dgm:constr type="ctrX" for="ch" forName="accent_2" refType="w"/>
+                <dgm:constr type="ctrXOff" for="ch" forName="accent_2" refType="h" fact="-0.215"/>
+                <dgm:constr type="r" for="ch" forName="text_2" refType="ctrX" refFor="ch" refForName="accent_2"/>
+                <dgm:constr type="rOff" for="ch" forName="text_2" refType="ctrXOff" refFor="ch" refForName="accent_2"/>
+                <dgm:constr type="l" for="ch" forName="text_2"/>
+                <dgm:constr type="w" for="ch" forName="text_2" refType="h" refFor="ch" refForName="text_2" op="gte"/>
+                <dgm:constr type="h" for="ch" forName="text_2" refType="h" refFor="ch" refForName="accent_2" fact="0.8"/>
+                <dgm:constr type="ctrY" for="ch" forName="text_2" refType="ctrY" refFor="ch" refForName="accent_2"/>
+                <dgm:constr type="rMarg" for="ch" forName="text_2" refType="w" refFor="ch" refForName="accent_2" fact="1.8"/>
+                <dgm:constr type="h" for="ch" forName="accent_3" refType="h" fact="0.1923"/>
+                <dgm:constr type="w" for="ch" forName="accent_3" refType="h" refFor="ch" refForName="accent_3" op="equ"/>
+                <dgm:constr type="ctrY" for="ch" forName="accent_3" refType="h" fact="0.6154"/>
+                <dgm:constr type="ctrX" for="ch" forName="accent_3" refType="w"/>
+                <dgm:constr type="ctrXOff" for="ch" forName="accent_3" refType="h" fact="-0.215"/>
+                <dgm:constr type="r" for="ch" forName="text_3" refType="ctrX" refFor="ch" refForName="accent_3"/>
+                <dgm:constr type="rOff" for="ch" forName="text_3" refType="ctrXOff" refFor="ch" refForName="accent_3"/>
+                <dgm:constr type="l" for="ch" forName="text_3"/>
+                <dgm:constr type="w" for="ch" forName="text_3" refType="h" refFor="ch" refForName="text_3" op="gte"/>
+                <dgm:constr type="h" for="ch" forName="text_3" refType="h" refFor="ch" refForName="accent_3" fact="0.8"/>
+                <dgm:constr type="ctrY" for="ch" forName="text_3" refType="ctrY" refFor="ch" refForName="accent_3"/>
+                <dgm:constr type="rMarg" for="ch" forName="text_3" refType="w" refFor="ch" refForName="accent_3" fact="1.8"/>
+                <dgm:constr type="h" for="ch" forName="accent_4" refType="h" fact="0.1923"/>
+                <dgm:constr type="w" for="ch" forName="accent_4" refType="h" refFor="ch" refForName="accent_4" op="equ"/>
+                <dgm:constr type="ctrY" for="ch" forName="accent_4" refType="h" fact="0.8462"/>
+                <dgm:constr type="ctrX" for="ch" forName="accent_4" refType="w"/>
+                <dgm:constr type="ctrXOff" for="ch" forName="accent_4" refType="h" fact="-0.1268"/>
+                <dgm:constr type="r" for="ch" forName="text_4" refType="ctrX" refFor="ch" refForName="accent_4"/>
+                <dgm:constr type="rOff" for="ch" forName="text_4" refType="ctrXOff" refFor="ch" refForName="accent_4"/>
+                <dgm:constr type="l" for="ch" forName="text_4"/>
+                <dgm:constr type="w" for="ch" forName="text_4" refType="h" refFor="ch" refForName="text_4" op="gte"/>
+                <dgm:constr type="h" for="ch" forName="text_4" refType="h" refFor="ch" refForName="accent_4" fact="0.8"/>
+                <dgm:constr type="ctrY" for="ch" forName="text_4" refType="ctrY" refFor="ch" refForName="accent_4"/>
+                <dgm:constr type="rMarg" for="ch" forName="text_4" refType="w" refFor="ch" refForName="accent_4" fact="1.8"/>
+                <dgm:constr type="primFontSz" for="ch" ptType="node" op="equ" val="65"/>
+              </dgm:constrLst>
+            </dgm:if>
+            <dgm:if name="Name18" axis="ch" ptType="node" func="cnt" op="equ" val="5">
+              <dgm:constrLst>
+                <dgm:constr type="h" for="ch" forName="cycle" refType="h"/>
+                <dgm:constr type="w" for="ch" forName="cycle" refType="h" refFor="ch" refForName="cycle" fact="0.26"/>
+                <dgm:constr type="r" for="ch" forName="cycle" refType="w"/>
+                <dgm:constr type="ctrY" for="ch" forName="cycle" refType="h" fact="0.5"/>
+                <dgm:constr type="diam" for="ch" forName="cycle" refType="h" fact="1.344"/>
+                <dgm:constr type="h" for="ch" forName="accent_1" refType="h" fact="0.1563"/>
+                <dgm:constr type="w" for="ch" forName="accent_1" refType="h" refFor="ch" refForName="accent_1" op="equ"/>
+                <dgm:constr type="ctrY" for="ch" forName="accent_1" refType="h" fact="0.125"/>
+                <dgm:constr type="ctrX" for="ch" forName="accent_1" refType="w"/>
+                <dgm:constr type="ctrXOff" for="ch" forName="accent_1" refType="h" fact="-0.1082"/>
+                <dgm:constr type="r" for="ch" forName="text_1" refType="ctrX" refFor="ch" refForName="accent_1"/>
+                <dgm:constr type="rOff" for="ch" forName="text_1" refType="ctrXOff" refFor="ch" refForName="accent_1"/>
+                <dgm:constr type="l" for="ch" forName="text_1"/>
+                <dgm:constr type="w" for="ch" forName="text_1" refType="h" refFor="ch" refForName="text_1" op="gte"/>
+                <dgm:constr type="h" for="ch" forName="text_1" refType="h" refFor="ch" refForName="accent_1" fact="0.8"/>
+                <dgm:constr type="ctrY" for="ch" forName="text_1" refType="ctrY" refFor="ch" refForName="accent_1"/>
+                <dgm:constr type="rMarg" for="ch" forName="text_1" refType="w" refFor="ch" refForName="accent_1" fact="1.8"/>
+                <dgm:constr type="h" for="ch" forName="accent_2" refType="h" fact="0.1563"/>
+                <dgm:constr type="w" for="ch" forName="accent_2" refType="h" refFor="ch" refForName="accent_2" op="equ"/>
+                <dgm:constr type="ctrY" for="ch" forName="accent_2" refType="h" fact="0.3125"/>
+                <dgm:constr type="ctrX" for="ch" forName="accent_2" refType="w"/>
+                <dgm:constr type="ctrXOff" for="ch" forName="accent_2" refType="h" fact="-0.1978"/>
+                <dgm:constr type="r" for="ch" forName="text_2" refType="ctrX" refFor="ch" refForName="accent_2"/>
+                <dgm:constr type="rOff" for="ch" forName="text_2" refType="ctrXOff" refFor="ch" refForName="accent_2"/>
+                <dgm:constr type="l" for="ch" forName="text_2"/>
+                <dgm:constr type="w" for="ch" forName="text_2" refType="h" refFor="ch" refForName="text_2" op="gte"/>
+                <dgm:constr type="h" for="ch" forName="text_2" refType="h" refFor="ch" refForName="accent_2" fact="0.8"/>
+                <dgm:constr type="ctrY" for="ch" forName="text_2" refType="ctrY" refFor="ch" refForName="accent_2"/>
+                <dgm:constr type="rMarg" for="ch" forName="text_2" refType="w" refFor="ch" refForName="accent_2" fact="1.8"/>
+                <dgm:constr type="h" for="ch" forName="accent_3" refType="h" fact="0.1563"/>
+                <dgm:constr type="w" for="ch" forName="accent_3" refType="h" refFor="ch" refForName="accent_3" op="equ"/>
+                <dgm:constr type="ctrY" for="ch" forName="accent_3" refType="h" fact="0.5"/>
+                <dgm:constr type="ctrX" for="ch" forName="accent_3" refType="w"/>
+                <dgm:constr type="ctrXOff" for="ch" forName="accent_3" refType="h" fact="-0.2253"/>
+                <dgm:constr type="r" for="ch" forName="text_3" refType="ctrX" refFor="ch" refForName="accent_3"/>
+                <dgm:constr type="rOff" for="ch" forName="text_3" refType="ctrXOff" refFor="ch" refForName="accent_3"/>
+                <dgm:constr type="l" for="ch" forName="text_3"/>
+                <dgm:constr type="w" for="ch" forName="text_3" refType="h" refFor="ch" refForName="text_3" op="gte"/>
+                <dgm:constr type="h" for="ch" forName="text_3" refType="h" refFor="ch" refForName="accent_3" fact="0.8"/>
+                <dgm:constr type="ctrY" for="ch" forName="text_3" refType="ctrY" refFor="ch" refForName="accent_3"/>
+                <dgm:constr type="rMarg" for="ch" forName="text_3" refType="w" refFor="ch" refForName="accent_3" fact="1.8"/>
+                <dgm:constr type="h" for="ch" forName="accent_4" refType="h" fact="0.1563"/>
+                <dgm:constr type="w" for="ch" forName="accent_4" refType="h" refFor="ch" refForName="accent_4" op="equ"/>
+                <dgm:constr type="ctrY" for="ch" forName="accent_4" refType="h" fact="0.6875"/>
+                <dgm:constr type="ctrX" for="ch" forName="accent_4" refType="w"/>
+                <dgm:constr type="ctrXOff" for="ch" forName="accent_4" refType="h" fact="-0.1978"/>
+                <dgm:constr type="r" for="ch" forName="text_4" refType="ctrX" refFor="ch" refForName="accent_4"/>
+                <dgm:constr type="rOff" for="ch" forName="text_4" refType="ctrXOff" refFor="ch" refForName="accent_4"/>
+                <dgm:constr type="l" for="ch" forName="text_4"/>
+                <dgm:constr type="w" for="ch" forName="text_4" refType="h" refFor="ch" refForName="text_4" op="gte"/>
+                <dgm:constr type="h" for="ch" forName="text_4" refType="h" refFor="ch" refForName="accent_4" fact="0.8"/>
+                <dgm:constr type="ctrY" for="ch" forName="text_4" refType="ctrY" refFor="ch" refForName="accent_4"/>
+                <dgm:constr type="rMarg" for="ch" forName="text_4" refType="w" refFor="ch" refForName="accent_4" fact="1.8"/>
+                <dgm:constr type="h" for="ch" forName="accent_5" refType="h" fact="0.1563"/>
+                <dgm:constr type="w" for="ch" forName="accent_5" refType="h" refFor="ch" refForName="accent_5" op="equ"/>
+                <dgm:constr type="ctrY" for="ch" forName="accent_5" refType="h" fact="0.875"/>
+                <dgm:constr type="ctrX" for="ch" forName="accent_5" refType="w"/>
+                <dgm:constr type="ctrXOff" for="ch" forName="accent_5" refType="h" fact="-0.1082"/>
+                <dgm:constr type="r" for="ch" forName="text_5" refType="ctrX" refFor="ch" refForName="accent_5"/>
+                <dgm:constr type="rOff" for="ch" forName="text_5" refType="ctrXOff" refFor="ch" refForName="accent_5"/>
+                <dgm:constr type="l" for="ch" forName="text_5"/>
+                <dgm:constr type="w" for="ch" forName="text_5" refType="h" refFor="ch" refForName="text_5" op="gte"/>
+                <dgm:constr type="h" for="ch" forName="text_5" refType="h" refFor="ch" refForName="accent_5" fact="0.8"/>
+                <dgm:constr type="ctrY" for="ch" forName="text_5" refType="ctrY" refFor="ch" refForName="accent_5"/>
+                <dgm:constr type="rMarg" for="ch" forName="text_5" refType="w" refFor="ch" refForName="accent_5" fact="1.8"/>
+                <dgm:constr type="primFontSz" for="ch" ptType="node" op="equ" val="65"/>
+              </dgm:constrLst>
+            </dgm:if>
+            <dgm:if name="Name19" axis="ch" ptType="node" func="cnt" op="equ" val="6">
+              <dgm:constrLst>
+                <dgm:constr type="h" for="ch" forName="cycle" refType="h"/>
+                <dgm:constr type="w" for="ch" forName="cycle" refType="h" refFor="ch" refForName="cycle" fact="0.26"/>
+                <dgm:constr type="r" for="ch" forName="cycle" refType="w"/>
+                <dgm:constr type="ctrY" for="ch" forName="cycle" refType="h" fact="0.5"/>
+                <dgm:constr type="diam" for="ch" forName="cycle" refType="h" fact="1.344"/>
+                <dgm:constr type="h" for="ch" forName="accent_1" refType="h" fact="0.1316"/>
+                <dgm:constr type="w" for="ch" forName="accent_1" refType="h" refFor="ch" refForName="accent_1" op="equ"/>
+                <dgm:constr type="ctrY" for="ch" forName="accent_1" refType="h" fact="0.1053"/>
+                <dgm:constr type="ctrX" for="ch" forName="accent_1" refType="w"/>
+                <dgm:constr type="ctrXOff" for="ch" forName="accent_1" refType="h" fact="-0.0943"/>
+                <dgm:constr type="r" for="ch" forName="text_1" refType="ctrX" refFor="ch" refForName="accent_1"/>
+                <dgm:constr type="rOff" for="ch" forName="text_1" refType="ctrXOff" refFor="ch" refForName="accent_1"/>
+                <dgm:constr type="l" for="ch" forName="text_1"/>
+                <dgm:constr type="w" for="ch" forName="text_1" refType="h" refFor="ch" refForName="text_1" op="gte"/>
+                <dgm:constr type="h" for="ch" forName="text_1" refType="h" refFor="ch" refForName="accent_1" fact="0.8"/>
+                <dgm:constr type="ctrY" for="ch" forName="text_1" refType="ctrY" refFor="ch" refForName="accent_1"/>
+                <dgm:constr type="rMarg" for="ch" forName="text_1" refType="w" refFor="ch" refForName="accent_1" fact="1.8"/>
+                <dgm:constr type="h" for="ch" forName="accent_2" refType="h" fact="0.1316"/>
+                <dgm:constr type="w" for="ch" forName="accent_2" refType="h" refFor="ch" refForName="accent_2" op="equ"/>
+                <dgm:constr type="ctrY" for="ch" forName="accent_2" refType="h" fact="0.2632"/>
+                <dgm:constr type="ctrX" for="ch" forName="accent_2" refType="w"/>
+                <dgm:constr type="ctrXOff" for="ch" forName="accent_2" refType="h" fact="-0.1809"/>
+                <dgm:constr type="r" for="ch" forName="text_2" refType="ctrX" refFor="ch" refForName="accent_2"/>
+                <dgm:constr type="rOff" for="ch" forName="text_2" refType="ctrXOff" refFor="ch" refForName="accent_2"/>
+                <dgm:constr type="l" for="ch" forName="text_2"/>
+                <dgm:constr type="w" for="ch" forName="text_2" refType="h" refFor="ch" refForName="text_2" op="gte"/>
+                <dgm:constr type="h" for="ch" forName="text_2" refType="h" refFor="ch" refForName="accent_2" fact="0.8"/>
+                <dgm:constr type="ctrY" for="ch" forName="text_2" refType="ctrY" refFor="ch" refForName="accent_2"/>
+                <dgm:constr type="rMarg" for="ch" forName="text_2" refType="w" refFor="ch" refForName="accent_2" fact="1.8"/>
+                <dgm:constr type="h" for="ch" forName="accent_3" refType="h" fact="0.1316"/>
+                <dgm:constr type="w" for="ch" forName="accent_3" refType="h" refFor="ch" refForName="accent_3" op="equ"/>
+                <dgm:constr type="ctrY" for="ch" forName="accent_3" refType="h" fact="0.4211"/>
+                <dgm:constr type="ctrX" for="ch" forName="accent_3" refType="w"/>
+                <dgm:constr type="ctrXOff" for="ch" forName="accent_3" refType="h" fact="-0.2205"/>
+                <dgm:constr type="r" for="ch" forName="text_3" refType="ctrX" refFor="ch" refForName="accent_3"/>
+                <dgm:constr type="rOff" for="ch" forName="text_3" refType="ctrXOff" refFor="ch" refForName="accent_3"/>
+                <dgm:constr type="l" for="ch" forName="text_3"/>
+                <dgm:constr type="w" for="ch" forName="text_3" refType="h" refFor="ch" refForName="text_3" op="gte"/>
+                <dgm:constr type="h" for="ch" forName="text_3" refType="h" refFor="ch" refForName="accent_3" fact="0.8"/>
+                <dgm:constr type="ctrY" for="ch" forName="text_3" refType="ctrY" refFor="ch" refForName="accent_3"/>
+                <dgm:constr type="rMarg" for="ch" forName="text_3" refType="w" refFor="ch" refForName="accent_3" fact="1.8"/>
+                <dgm:constr type="h" for="ch" forName="accent_4" refType="h" fact="0.1316"/>
+                <dgm:constr type="w" for="ch" forName="accent_4" refType="h" refFor="ch" refForName="accent_4" op="equ"/>
+                <dgm:constr type="ctrY" for="ch" forName="accent_4" refType="h" fact="0.5789"/>
+                <dgm:constr type="ctrX" for="ch" forName="accent_4" refType="w"/>
+                <dgm:constr type="ctrXOff" for="ch" forName="accent_4" refType="h" fact="-0.2205"/>
+                <dgm:constr type="r" for="ch" forName="text_4" refType="ctrX" refFor="ch" refForName="accent_4"/>
+                <dgm:constr type="rOff" for="ch" forName="text_4" refType="ctrXOff" refFor="ch" refForName="accent_4"/>
+                <dgm:constr type="l" for="ch" forName="text_4"/>
+                <dgm:constr type="w" for="ch" forName="text_4" refType="h" refFor="ch" refForName="text_4" op="gte"/>
+                <dgm:constr type="h" for="ch" forName="text_4" refType="h" refFor="ch" refForName="accent_4" fact="0.8"/>
+                <dgm:constr type="ctrY" for="ch" forName="text_4" refType="ctrY" refFor="ch" refForName="accent_4"/>
+                <dgm:constr type="rMarg" for="ch" forName="text_4" refType="w" refFor="ch" refForName="accent_4" fact="1.8"/>
+                <dgm:constr type="h" for="ch" forName="accent_5" refType="h" fact="0.1316"/>
+                <dgm:constr type="w" for="ch" forName="accent_5" refType="h" refFor="ch" refForName="accent_5" op="equ"/>
+                <dgm:constr type="ctrY" for="ch" forName="accent_5" refType="h" fact="0.7368"/>
+                <dgm:constr type="ctrX" for="ch" forName="accent_5" refType="w"/>
+                <dgm:constr type="ctrXOff" for="ch" forName="accent_5" refType="h" fact="-0.1809"/>
+                <dgm:constr type="r" for="ch" forName="text_5" refType="ctrX" refFor="ch" refForName="accent_5"/>
+                <dgm:constr type="rOff" for="ch" forName="text_5" refType="ctrXOff" refFor="ch" refForName="accent_5"/>
+                <dgm:constr type="l" for="ch" forName="text_5"/>
+                <dgm:constr type="w" for="ch" forName="text_5" refType="h" refFor="ch" refForName="text_5" op="gte"/>
+                <dgm:constr type="h" for="ch" forName="text_5" refType="h" refFor="ch" refForName="accent_5" fact="0.8"/>
+                <dgm:constr type="ctrY" for="ch" forName="text_5" refType="ctrY" refFor="ch" refForName="accent_5"/>
+                <dgm:constr type="rMarg" for="ch" forName="text_5" refType="w" refFor="ch" refForName="accent_5" fact="1.8"/>
+                <dgm:constr type="h" for="ch" forName="accent_6" refType="h" fact="0.1316"/>
+                <dgm:constr type="w" for="ch" forName="accent_6" refType="h" refFor="ch" refForName="accent_6" op="equ"/>
+                <dgm:constr type="ctrY" for="ch" forName="accent_6" refType="h" fact="0.8947"/>
+                <dgm:constr type="ctrX" for="ch" forName="accent_6" refType="w"/>
+                <dgm:constr type="ctrXOff" for="ch" forName="accent_6" refType="h" fact="-0.0943"/>
+                <dgm:constr type="r" for="ch" forName="text_6" refType="ctrX" refFor="ch" refForName="accent_6"/>
+                <dgm:constr type="rOff" for="ch" forName="text_6" refType="ctrXOff" refFor="ch" refForName="accent_6"/>
+                <dgm:constr type="l" for="ch" forName="text_6"/>
+                <dgm:constr type="w" for="ch" forName="text_6" refType="h" refFor="ch" refForName="text_6" op="gte"/>
+                <dgm:constr type="h" for="ch" forName="text_6" refType="h" refFor="ch" refForName="accent_6" fact="0.8"/>
+                <dgm:constr type="ctrY" for="ch" forName="text_6" refType="ctrY" refFor="ch" refForName="accent_6"/>
+                <dgm:constr type="rMarg" for="ch" forName="text_6" refType="w" refFor="ch" refForName="accent_6" fact="1.8"/>
+                <dgm:constr type="primFontSz" for="ch" ptType="node" op="equ" val="65"/>
+              </dgm:constrLst>
+            </dgm:if>
+            <dgm:else name="Name20">
+              <dgm:constrLst>
+                <dgm:constr type="h" for="ch" forName="cycle" refType="h"/>
+                <dgm:constr type="w" for="ch" forName="cycle" refType="h" refFor="ch" refForName="cycle" fact="0.26"/>
+                <dgm:constr type="r" for="ch" forName="cycle" refType="w"/>
+                <dgm:constr type="ctrY" for="ch" forName="cycle" refType="h" fact="0.5"/>
+                <dgm:constr type="diam" for="ch" forName="cycle" refType="h" fact="1.344"/>
+                <dgm:constr type="h" for="ch" forName="accent_1" refType="h" fact="0.1136"/>
+                <dgm:constr type="w" for="ch" forName="accent_1" refType="h" refFor="ch" refForName="accent_1" op="equ"/>
+                <dgm:constr type="ctrY" for="ch" forName="accent_1" refType="h" fact="0.0909"/>
+                <dgm:constr type="ctrX" for="ch" forName="accent_1" refType="w"/>
+                <dgm:constr type="ctrXOff" for="ch" forName="accent_1" refType="h" fact="-0.0835"/>
+                <dgm:constr type="r" for="ch" forName="text_1" refType="ctrX" refFor="ch" refForName="accent_1"/>
+                <dgm:constr type="rOff" for="ch" forName="text_1" refType="ctrXOff" refFor="ch" refForName="accent_1"/>
+                <dgm:constr type="l" for="ch" forName="text_1"/>
+                <dgm:constr type="w" for="ch" forName="text_1" refType="h" refFor="ch" refForName="text_1" op="gte"/>
+                <dgm:constr type="h" for="ch" forName="text_1" refType="h" refFor="ch" refForName="accent_1" fact="0.8"/>
+                <dgm:constr type="ctrY" for="ch" forName="text_1" refType="ctrY" refFor="ch" refForName="accent_1"/>
+                <dgm:constr type="rMarg" for="ch" forName="text_1" refType="w" refFor="ch" refForName="accent_1" fact="1.8"/>
+                <dgm:constr type="h" for="ch" forName="accent_2" refType="h" fact="0.1136"/>
+                <dgm:constr type="w" for="ch" forName="accent_2" refType="h" refFor="ch" refForName="accent_2" op="equ"/>
+                <dgm:constr type="ctrY" for="ch" forName="accent_2" refType="h" fact="0.2273"/>
+                <dgm:constr type="ctrX" for="ch" forName="accent_2" refType="w"/>
+                <dgm:constr type="ctrXOff" for="ch" forName="accent_2" refType="h" fact="-0.1658"/>
+                <dgm:constr type="r" for="ch" forName="text_2" refType="ctrX" refFor="ch" refForName="accent_2"/>
+                <dgm:constr type="rOff" for="ch" forName="text_2" refType="ctrXOff" refFor="ch" refForName="accent_2"/>
+                <dgm:constr type="l" for="ch" forName="text_2"/>
+                <dgm:constr type="w" for="ch" forName="text_2" refType="h" refFor="ch" refForName="text_2" op="gte"/>
+                <dgm:constr type="h" for="ch" forName="text_2" refType="h" refFor="ch" refForName="accent_2" fact="0.8"/>
+                <dgm:constr type="ctrY" for="ch" forName="text_2" refType="ctrY" refFor="ch" refForName="accent_2"/>
+                <dgm:constr type="rMarg" for="ch" forName="text_2" refType="w" refFor="ch" refForName="accent_2" fact="1.8"/>
+                <dgm:constr type="h" for="ch" forName="accent_3" refType="h" fact="0.1136"/>
+                <dgm:constr type="w" for="ch" forName="accent_3" refType="h" refFor="ch" refForName="accent_3" op="equ"/>
+                <dgm:constr type="ctrY" for="ch" forName="accent_3" refType="h" fact="0.3636"/>
+                <dgm:constr type="ctrX" for="ch" forName="accent_3" refType="w"/>
+                <dgm:constr type="ctrXOff" for="ch" forName="accent_3" refType="h" fact="-0.2109"/>
+                <dgm:constr type="r" for="ch" forName="text_3" refType="ctrX" refFor="ch" refForName="accent_3"/>
+                <dgm:constr type="rOff" for="ch" forName="text_3" refType="ctrXOff" refFor="ch" refForName="accent_3"/>
+                <dgm:constr type="l" for="ch" forName="text_3"/>
+                <dgm:constr type="w" for="ch" forName="text_3" refType="h" refFor="ch" refForName="text_3" op="gte"/>
+                <dgm:constr type="h" for="ch" forName="text_3" refType="h" refFor="ch" refForName="accent_3" fact="0.8"/>
+                <dgm:constr type="ctrY" for="ch" forName="text_3" refType="ctrY" refFor="ch" refForName="accent_3"/>
+                <dgm:constr type="rMarg" for="ch" forName="text_3" refType="w" refFor="ch" refForName="accent_3" fact="1.8"/>
+                <dgm:constr type="h" for="ch" forName="accent_4" refType="h" fact="0.1136"/>
+                <dgm:constr type="w" for="ch" forName="accent_4" refType="h" refFor="ch" refForName="accent_4" op="equ"/>
+                <dgm:constr type="ctrY" for="ch" forName="accent_4" refType="h" fact="0.5"/>
+                <dgm:constr type="ctrX" for="ch" forName="accent_4" refType="w"/>
+                <dgm:constr type="ctrXOff" for="ch" forName="accent_4" refType="h" fact="-0.2253"/>
+                <dgm:constr type="r" for="ch" forName="text_4" refType="ctrX" refFor="ch" refForName="accent_4"/>
+                <dgm:constr type="rOff" for="ch" forName="text_4" refType="ctrXOff" refFor="ch" refForName="accent_4"/>
+                <dgm:constr type="l" for="ch" forName="text_4"/>
+                <dgm:constr type="w" for="ch" forName="text_4" refType="h" refFor="ch" refForName="text_4" op="gte"/>
+                <dgm:constr type="h" for="ch" forName="text_4" refType="h" refFor="ch" refForName="accent_4" fact="0.8"/>
+                <dgm:constr type="ctrY" for="ch" forName="text_4" refType="ctrY" refFor="ch" refForName="accent_4"/>
+                <dgm:constr type="rMarg" for="ch" forName="text_4" refType="w" refFor="ch" refForName="accent_4" fact="1.8"/>
+                <dgm:constr type="h" for="ch" forName="accent_5" refType="h" fact="0.1136"/>
+                <dgm:constr type="w" for="ch" forName="accent_5" refType="h" refFor="ch" refForName="accent_5" op="equ"/>
+                <dgm:constr type="ctrY" for="ch" forName="accent_5" refType="h" fact="0.6364"/>
+                <dgm:constr type="ctrX" for="ch" forName="accent_5" refType="w"/>
+                <dgm:constr type="ctrXOff" for="ch" forName="accent_5" refType="h" fact="-0.2109"/>
+                <dgm:constr type="r" for="ch" forName="text_5" refType="ctrX" refFor="ch" refForName="accent_5"/>
+                <dgm:constr type="rOff" for="ch" forName="text_5" refType="ctrXOff" refFor="ch" refForName="accent_5"/>
+                <dgm:constr type="l" for="ch" forName="text_5"/>
+                <dgm:constr type="w" for="ch" forName="text_5" refType="h" refFor="ch" refForName="text_5" op="gte"/>
+                <dgm:constr type="h" for="ch" forName="text_5" refType="h" refFor="ch" refForName="accent_5" fact="0.8"/>
+                <dgm:constr type="ctrY" for="ch" forName="text_5" refType="ctrY" refFor="ch" refForName="accent_5"/>
+                <dgm:constr type="rMarg" for="ch" forName="text_5" refType="w" refFor="ch" refForName="accent_5" fact="1.8"/>
+                <dgm:constr type="h" for="ch" forName="accent_6" refType="h" fact="0.1136"/>
+                <dgm:constr type="w" for="ch" forName="accent_6" refType="h" refFor="ch" refForName="accent_6" op="equ"/>
+                <dgm:constr type="ctrY" for="ch" forName="accent_6" refType="h" fact="0.7727"/>
+                <dgm:constr type="ctrX" for="ch" forName="accent_6" refType="w"/>
+                <dgm:constr type="ctrXOff" for="ch" forName="accent_6" refType="h" fact="-0.1658"/>
+                <dgm:constr type="r" for="ch" forName="text_6" refType="ctrX" refFor="ch" refForName="accent_6"/>
+                <dgm:constr type="rOff" for="ch" forName="text_6" refType="ctrXOff" refFor="ch" refForName="accent_6"/>
+                <dgm:constr type="l" for="ch" forName="text_6"/>
+                <dgm:constr type="w" for="ch" forName="text_6" refType="h" refFor="ch" refForName="text_6" op="gte"/>
+                <dgm:constr type="h" for="ch" forName="text_6" refType="h" refFor="ch" refForName="accent_6" fact="0.8"/>
+                <dgm:constr type="ctrY" for="ch" forName="text_6" refType="ctrY" refFor="ch" refForName="accent_6"/>
+                <dgm:constr type="rMarg" for="ch" forName="text_6" refType="w" refFor="ch" refForName="accent_6" fact="1.8"/>
+                <dgm:constr type="h" for="ch" forName="accent_7" refType="h" fact="0.1136"/>
+                <dgm:constr type="w" for="ch" forName="accent_7" refType="h" refFor="ch" refForName="accent_7" op="equ"/>
+                <dgm:constr type="ctrY" for="ch" forName="accent_7" refType="h" fact="0.9091"/>
+                <dgm:constr type="ctrX" for="ch" forName="accent_7" refType="w"/>
+                <dgm:constr type="ctrXOff" for="ch" forName="accent_7" refType="h" fact="-0.0835"/>
+                <dgm:constr type="r" for="ch" forName="text_7" refType="ctrX" refFor="ch" refForName="accent_7"/>
+                <dgm:constr type="rOff" for="ch" forName="text_7" refType="ctrXOff" refFor="ch" refForName="accent_7"/>
+                <dgm:constr type="l" for="ch" forName="text_7"/>
+                <dgm:constr type="w" for="ch" forName="text_7" refType="h" refFor="ch" refForName="text_7" op="gte"/>
+                <dgm:constr type="h" for="ch" forName="text_7" refType="h" refFor="ch" refForName="accent_7" fact="0.8"/>
+                <dgm:constr type="ctrY" for="ch" forName="text_7" refType="ctrY" refFor="ch" refForName="accent_7"/>
+                <dgm:constr type="rMarg" for="ch" forName="text_7" refType="w" refFor="ch" refForName="accent_7" fact="1.8"/>
+                <dgm:constr type="primFontSz" for="ch" ptType="node" op="equ" val="65"/>
+              </dgm:constrLst>
+            </dgm:else>
+          </dgm:choose>
+        </dgm:else>
+      </dgm:choose>
+      <dgm:layoutNode name="cycle">
+        <dgm:choose name="Name21">
+          <dgm:if name="Name22" func="var" arg="dir" op="equ" val="norm">
+            <dgm:alg type="cycle">
+              <dgm:param type="stAng" val="45"/>
+              <dgm:param type="spanAng" val="90"/>
+            </dgm:alg>
+          </dgm:if>
+          <dgm:else name="Name23">
+            <dgm:alg type="cycle">
+              <dgm:param type="stAng" val="225"/>
+              <dgm:param type="spanAng" val="90"/>
+            </dgm:alg>
+          </dgm:else>
+        </dgm:choose>
+        <dgm:shape xmlns:r="http://schemas.openxmlformats.org/officeDocument/2006/relationships" r:blip="">
+          <dgm:adjLst/>
+        </dgm:shape>
+        <dgm:presOf/>
+        <dgm:constrLst>
+          <dgm:constr type="w" for="ch" val="1"/>
+          <dgm:constr type="h" for="ch" val="1"/>
+          <dgm:constr type="diam" for="ch" forName="conn" refType="diam"/>
+        </dgm:constrLst>
+        <dgm:layoutNode name="srcNode">
+          <dgm:alg type="sp"/>
+          <dgm:shape xmlns:r="http://schemas.openxmlformats.org/officeDocument/2006/relationships" type="rect" r:blip="" hideGeom="1">
+            <dgm:adjLst/>
+          </dgm:shape>
+          <dgm:presOf/>
+        </dgm:layoutNode>
+        <dgm:layoutNode name="conn" styleLbl="parChTrans1D2">
+          <dgm:alg type="conn">
+            <dgm:param type="connRout" val="curve"/>
+            <dgm:param type="srcNode" val="srcNode"/>
+            <dgm:param type="dstNode" val="dstNode"/>
+            <dgm:param type="begPts" val="ctr"/>
+            <dgm:param type="endPts" val="ctr"/>
+            <dgm:param type="endSty" val="noArr"/>
+          </dgm:alg>
+          <dgm:shape xmlns:r="http://schemas.openxmlformats.org/officeDocument/2006/relationships" type="conn" r:blip="">
+            <dgm:adjLst/>
+          </dgm:shape>
+          <dgm:presOf axis="desOrSelf" ptType="sibTrans" hideLastTrans="0" st="0" cnt="1"/>
+          <dgm:constrLst>
+            <dgm:constr type="begPad"/>
+            <dgm:constr type="endPad"/>
+          </dgm:constrLst>
+        </dgm:layoutNode>
+        <dgm:layoutNode name="extraNode">
+          <dgm:alg type="sp"/>
+          <dgm:shape xmlns:r="http://schemas.openxmlformats.org/officeDocument/2006/relationships" type="rect" r:blip="" hideGeom="1">
+            <dgm:adjLst/>
+          </dgm:shape>
+          <dgm:presOf/>
+        </dgm:layoutNode>
+        <dgm:layoutNode name="dstNode">
+          <dgm:alg type="sp"/>
+          <dgm:shape xmlns:r="http://schemas.openxmlformats.org/officeDocument/2006/relationships" type="rect" r:blip="" hideGeom="1">
+            <dgm:adjLst/>
+          </dgm:shape>
+          <dgm:presOf/>
+        </dgm:layoutNode>
+      </dgm:layoutNode>
+      <dgm:forEach name="wrapper" axis="self" ptType="parTrans">
+        <dgm:forEach name="wrapper2" axis="self" ptType="sibTrans" st="2">
+          <dgm:forEach name="accentRepeat" axis="self">
+            <dgm:layoutNode name="accentRepeatNode" styleLbl="solidFgAcc1">
+              <dgm:alg type="sp"/>
+              <dgm:shape xmlns:r="http://schemas.openxmlformats.org/officeDocument/2006/relationships" type="ellipse" r:blip="">
+                <dgm:adjLst/>
+              </dgm:shape>
+              <dgm:presOf/>
+            </dgm:layoutNode>
+          </dgm:forEach>
+        </dgm:forEach>
+      </dgm:forEach>
+      <dgm:forEach name="Name24" axis="ch" ptType="node" cnt="1">
+        <dgm:layoutNode name="text_1" styleLbl="node1">
+          <dgm:varLst>
+            <dgm:bulletEnabled val="1"/>
+          </dgm:varLst>
+          <dgm:choose name="Name25">
+            <dgm:if name="Name26" func="var" arg="dir" op="equ" val="norm">
+              <dgm:alg type="tx">
+                <dgm:param type="parTxLTRAlign" val="l"/>
+                <dgm:param type="shpTxLTRAlignCh" val="l"/>
+                <dgm:param type="parTxRTLAlign" val="l"/>
+                <dgm:param type="shpTxRTLAlignCh" val="l"/>
+              </dgm:alg>
+            </dgm:if>
+            <dgm:else name="Name27">
+              <dgm:alg type="tx">
+                <dgm:param type="parTxLTRAlign" val="r"/>
+                <dgm:param type="shpTxLTRAlignCh" val="r"/>
+                <dgm:param type="parTxRTLAlign" val="r"/>
+                <dgm:param type="shpTxRTLAlignCh" val="r"/>
+              </dgm:alg>
+            </dgm:else>
+          </dgm:choose>
+          <dgm:shape xmlns:r="http://schemas.openxmlformats.org/officeDocument/2006/relationships" type="rect" r:blip="">
+            <dgm:adjLst/>
+          </dgm:shape>
+          <dgm:presOf axis="desOrSelf" ptType="node"/>
+          <dgm:constrLst>
+            <dgm:constr type="primFontSz" val="65"/>
+            <dgm:constr type="lMarg" refType="primFontSz" fact="0.2"/>
+            <dgm:constr type="rMarg" refType="primFontSz" fact="0.2"/>
+            <dgm:constr type="tMarg" refType="primFontSz" fact="0.2"/>
+            <dgm:constr type="bMarg" refType="primFontSz" fact="0.2"/>
+          </dgm:constrLst>
+          <dgm:ruleLst>
+            <dgm:rule type="primFontSz" val="5" fact="NaN" max="NaN"/>
+          </dgm:ruleLst>
+        </dgm:layoutNode>
+        <dgm:layoutNode name="accent_1">
+          <dgm:alg type="sp"/>
+          <dgm:shape xmlns:r="http://schemas.openxmlformats.org/officeDocument/2006/relationships" r:blip="">
+            <dgm:adjLst/>
+          </dgm:shape>
+          <dgm:presOf/>
+          <dgm:constrLst/>
+          <dgm:forEach name="Name28" ref="accentRepeat"/>
+        </dgm:layoutNode>
+      </dgm:forEach>
+      <dgm:forEach name="Name29" axis="ch" ptType="node" st="2" cnt="1">
+        <dgm:layoutNode name="text_2" styleLbl="node1">
+          <dgm:varLst>
+            <dgm:bulletEnabled val="1"/>
+          </dgm:varLst>
+          <dgm:choose name="Name30">
+            <dgm:if name="Name31" func="var" arg="dir" op="equ" val="norm">
+              <dgm:alg type="tx">
+                <dgm:param type="parTxLTRAlign" val="l"/>
+                <dgm:param type="shpTxLTRAlignCh" val="l"/>
+                <dgm:param type="parTxRTLAlign" val="l"/>
+                <dgm:param type="shpTxRTLAlignCh" val="l"/>
+              </dgm:alg>
+            </dgm:if>
+            <dgm:else name="Name32">
+              <dgm:alg type="tx">
+                <dgm:param type="parTxLTRAlign" val="r"/>
+                <dgm:param type="shpTxLTRAlignCh" val="r"/>
+                <dgm:param type="parTxRTLAlign" val="r"/>
+                <dgm:param type="shpTxRTLAlignCh" val="r"/>
+              </dgm:alg>
+            </dgm:else>
+          </dgm:choose>
+          <dgm:shape xmlns:r="http://schemas.openxmlformats.org/officeDocument/2006/relationships" type="rect" r:blip="">
+            <dgm:adjLst/>
+          </dgm:shape>
+          <dgm:presOf axis="desOrSelf" ptType="node"/>
+          <dgm:constrLst>
+            <dgm:constr type="primFontSz" val="65"/>
+            <dgm:constr type="lMarg" refType="primFontSz" fact="0.2"/>
+            <dgm:constr type="rMarg" refType="primFontSz" fact="0.2"/>
+            <dgm:constr type="tMarg" refType="primFontSz" fact="0.2"/>
+            <dgm:constr type="bMarg" refType="primFontSz" fact="0.2"/>
+          </dgm:constrLst>
+          <dgm:ruleLst>
+            <dgm:rule type="primFontSz" val="5" fact="NaN" max="NaN"/>
+          </dgm:ruleLst>
+        </dgm:layoutNode>
+        <dgm:layoutNode name="accent_2">
+          <dgm:alg type="sp"/>
+          <dgm:shape xmlns:r="http://schemas.openxmlformats.org/officeDocument/2006/relationships" r:blip="">
+            <dgm:adjLst/>
+          </dgm:shape>
+          <dgm:presOf/>
+          <dgm:constrLst/>
+          <dgm:forEach name="Name33" ref="accentRepeat"/>
+        </dgm:layoutNode>
+      </dgm:forEach>
+      <dgm:forEach name="Name34" axis="ch" ptType="node" st="3" cnt="1">
+        <dgm:layoutNode name="text_3" styleLbl="node1">
+          <dgm:varLst>
+            <dgm:bulletEnabled val="1"/>
+          </dgm:varLst>
+          <dgm:choose name="Name35">
+            <dgm:if name="Name36" func="var" arg="dir" op="equ" val="norm">
+              <dgm:alg type="tx">
+                <dgm:param type="parTxLTRAlign" val="l"/>
+                <dgm:param type="shpTxLTRAlignCh" val="l"/>
+                <dgm:param type="parTxRTLAlign" val="l"/>
+                <dgm:param type="shpTxRTLAlignCh" val="l"/>
+              </dgm:alg>
+            </dgm:if>
+            <dgm:else name="Name37">
+              <dgm:alg type="tx">
+                <dgm:param type="parTxLTRAlign" val="r"/>
+                <dgm:param type="shpTxLTRAlignCh" val="r"/>
+                <dgm:param type="parTxRTLAlign" val="r"/>
+                <dgm:param type="shpTxRTLAlignCh" val="r"/>
+              </dgm:alg>
+            </dgm:else>
+          </dgm:choose>
+          <dgm:shape xmlns:r="http://schemas.openxmlformats.org/officeDocument/2006/relationships" type="rect" r:blip="">
+            <dgm:adjLst/>
+          </dgm:shape>
+          <dgm:presOf axis="desOrSelf" ptType="node"/>
+          <dgm:constrLst>
+            <dgm:constr type="primFontSz" val="65"/>
+            <dgm:constr type="lMarg" refType="primFontSz" fact="0.2"/>
+            <dgm:constr type="rMarg" refType="primFontSz" fact="0.2"/>
+            <dgm:constr type="tMarg" refType="primFontSz" fact="0.2"/>
+            <dgm:constr type="bMarg" refType="primFontSz" fact="0.2"/>
+          </dgm:constrLst>
+          <dgm:ruleLst>
+            <dgm:rule type="primFontSz" val="5" fact="NaN" max="NaN"/>
+          </dgm:ruleLst>
+        </dgm:layoutNode>
+        <dgm:layoutNode name="accent_3">
+          <dgm:alg type="sp"/>
+          <dgm:shape xmlns:r="http://schemas.openxmlformats.org/officeDocument/2006/relationships" r:blip="">
+            <dgm:adjLst/>
+          </dgm:shape>
+          <dgm:presOf/>
+          <dgm:constrLst/>
+          <dgm:forEach name="Name38" ref="accentRepeat"/>
+        </dgm:layoutNode>
+      </dgm:forEach>
+      <dgm:forEach name="Name39" axis="ch" ptType="node" st="4" cnt="1">
+        <dgm:layoutNode name="text_4" styleLbl="node1">
+          <dgm:varLst>
+            <dgm:bulletEnabled val="1"/>
+          </dgm:varLst>
+          <dgm:choose name="Name40">
+            <dgm:if name="Name41" func="var" arg="dir" op="equ" val="norm">
+              <dgm:alg type="tx">
+                <dgm:param type="parTxLTRAlign" val="l"/>
+                <dgm:param type="shpTxLTRAlignCh" val="l"/>
+                <dgm:param type="parTxRTLAlign" val="l"/>
+                <dgm:param type="shpTxRTLAlignCh" val="l"/>
+              </dgm:alg>
+            </dgm:if>
+            <dgm:else name="Name42">
+              <dgm:alg type="tx">
+                <dgm:param type="parTxLTRAlign" val="r"/>
+                <dgm:param type="shpTxLTRAlignCh" val="r"/>
+                <dgm:param type="parTxRTLAlign" val="r"/>
+                <dgm:param type="shpTxRTLAlignCh" val="r"/>
+              </dgm:alg>
+            </dgm:else>
+          </dgm:choose>
+          <dgm:shape xmlns:r="http://schemas.openxmlformats.org/officeDocument/2006/relationships" type="rect" r:blip="">
+            <dgm:adjLst/>
+          </dgm:shape>
+          <dgm:presOf axis="desOrSelf" ptType="node"/>
+          <dgm:constrLst>
+            <dgm:constr type="primFontSz" val="65"/>
+            <dgm:constr type="lMarg" refType="primFontSz" fact="0.2"/>
+            <dgm:constr type="rMarg" refType="primFontSz" fact="0.2"/>
+            <dgm:constr type="tMarg" refType="primFontSz" fact="0.2"/>
+            <dgm:constr type="bMarg" refType="primFontSz" fact="0.2"/>
+          </dgm:constrLst>
+          <dgm:ruleLst>
+            <dgm:rule type="primFontSz" val="5" fact="NaN" max="NaN"/>
+          </dgm:ruleLst>
+        </dgm:layoutNode>
+        <dgm:layoutNode name="accent_4">
+          <dgm:alg type="sp"/>
+          <dgm:shape xmlns:r="http://schemas.openxmlformats.org/officeDocument/2006/relationships" r:blip="">
+            <dgm:adjLst/>
+          </dgm:shape>
+          <dgm:presOf/>
+          <dgm:constrLst/>
+          <dgm:forEach name="Name43" ref="accentRepeat"/>
+        </dgm:layoutNode>
+      </dgm:forEach>
+      <dgm:forEach name="Name44" axis="ch" ptType="node" st="5" cnt="1">
+        <dgm:layoutNode name="text_5" styleLbl="node1">
+          <dgm:varLst>
+            <dgm:bulletEnabled val="1"/>
+          </dgm:varLst>
+          <dgm:choose name="Name45">
+            <dgm:if name="Name46" func="var" arg="dir" op="equ" val="norm">
+              <dgm:alg type="tx">
+                <dgm:param type="parTxLTRAlign" val="l"/>
+                <dgm:param type="shpTxLTRAlignCh" val="l"/>
+                <dgm:param type="parTxRTLAlign" val="l"/>
+                <dgm:param type="shpTxRTLAlignCh" val="l"/>
+              </dgm:alg>
+            </dgm:if>
+            <dgm:else name="Name47">
+              <dgm:alg type="tx">
+                <dgm:param type="parTxLTRAlign" val="r"/>
+                <dgm:param type="shpTxLTRAlignCh" val="r"/>
+                <dgm:param type="parTxRTLAlign" val="r"/>
+                <dgm:param type="shpTxRTLAlignCh" val="r"/>
+              </dgm:alg>
+            </dgm:else>
+          </dgm:choose>
+          <dgm:shape xmlns:r="http://schemas.openxmlformats.org/officeDocument/2006/relationships" type="rect" r:blip="">
+            <dgm:adjLst/>
+          </dgm:shape>
+          <dgm:presOf axis="desOrSelf" ptType="node"/>
+          <dgm:constrLst>
+            <dgm:constr type="primFontSz" val="65"/>
+            <dgm:constr type="lMarg" refType="primFontSz" fact="0.2"/>
+            <dgm:constr type="rMarg" refType="primFontSz" fact="0.2"/>
+            <dgm:constr type="tMarg" refType="primFontSz" fact="0.2"/>
+            <dgm:constr type="bMarg" refType="primFontSz" fact="0.2"/>
+          </dgm:constrLst>
+          <dgm:ruleLst>
+            <dgm:rule type="primFontSz" val="5" fact="NaN" max="NaN"/>
+          </dgm:ruleLst>
+        </dgm:layoutNode>
+        <dgm:layoutNode name="accent_5">
+          <dgm:alg type="sp"/>
+          <dgm:shape xmlns:r="http://schemas.openxmlformats.org/officeDocument/2006/relationships" r:blip="">
+            <dgm:adjLst/>
+          </dgm:shape>
+          <dgm:presOf/>
+          <dgm:constrLst/>
+          <dgm:forEach name="Name48" ref="accentRepeat"/>
+        </dgm:layoutNode>
+      </dgm:forEach>
+      <dgm:forEach name="Name49" axis="ch" ptType="node" st="6" cnt="1">
+        <dgm:layoutNode name="text_6" styleLbl="node1">
+          <dgm:varLst>
+            <dgm:bulletEnabled val="1"/>
+          </dgm:varLst>
+          <dgm:choose name="Name50">
+            <dgm:if name="Name51" func="var" arg="dir" op="equ" val="norm">
+              <dgm:alg type="tx">
+                <dgm:param type="parTxLTRAlign" val="l"/>
+                <dgm:param type="shpTxLTRAlignCh" val="l"/>
+                <dgm:param type="parTxRTLAlign" val="l"/>
+                <dgm:param type="shpTxRTLAlignCh" val="l"/>
+              </dgm:alg>
+            </dgm:if>
+            <dgm:else name="Name52">
+              <dgm:alg type="tx">
+                <dgm:param type="parTxLTRAlign" val="r"/>
+                <dgm:param type="shpTxLTRAlignCh" val="r"/>
+                <dgm:param type="parTxRTLAlign" val="r"/>
+                <dgm:param type="shpTxRTLAlignCh" val="r"/>
+              </dgm:alg>
+            </dgm:else>
+          </dgm:choose>
+          <dgm:shape xmlns:r="http://schemas.openxmlformats.org/officeDocument/2006/relationships" type="rect" r:blip="">
+            <dgm:adjLst/>
+          </dgm:shape>
+          <dgm:presOf axis="desOrSelf" ptType="node"/>
+          <dgm:constrLst>
+            <dgm:constr type="primFontSz" val="65"/>
+            <dgm:constr type="lMarg" refType="primFontSz" fact="0.2"/>
+            <dgm:constr type="rMarg" refType="primFontSz" fact="0.2"/>
+            <dgm:constr type="tMarg" refType="primFontSz" fact="0.2"/>
+            <dgm:constr type="bMarg" refType="primFontSz" fact="0.2"/>
+          </dgm:constrLst>
+          <dgm:ruleLst>
+            <dgm:rule type="primFontSz" val="5" fact="NaN" max="NaN"/>
+          </dgm:ruleLst>
+        </dgm:layoutNode>
+        <dgm:layoutNode name="accent_6">
+          <dgm:alg type="sp"/>
+          <dgm:shape xmlns:r="http://schemas.openxmlformats.org/officeDocument/2006/relationships" r:blip="">
+            <dgm:adjLst/>
+          </dgm:shape>
+          <dgm:presOf/>
+          <dgm:constrLst/>
+          <dgm:forEach name="Name53" ref="accentRepeat"/>
+        </dgm:layoutNode>
+      </dgm:forEach>
+      <dgm:forEach name="Name54" axis="ch" ptType="node" st="7" cnt="1">
+        <dgm:layoutNode name="text_7" styleLbl="node1">
+          <dgm:varLst>
+            <dgm:bulletEnabled val="1"/>
+          </dgm:varLst>
+          <dgm:choose name="Name55">
+            <dgm:if name="Name56" func="var" arg="dir" op="equ" val="norm">
+              <dgm:alg type="tx">
+                <dgm:param type="parTxLTRAlign" val="l"/>
+                <dgm:param type="shpTxLTRAlignCh" val="l"/>
+                <dgm:param type="parTxRTLAlign" val="l"/>
+                <dgm:param type="shpTxRTLAlignCh" val="l"/>
+              </dgm:alg>
+            </dgm:if>
+            <dgm:else name="Name57">
+              <dgm:alg type="tx">
+                <dgm:param type="parTxLTRAlign" val="r"/>
+                <dgm:param type="shpTxLTRAlignCh" val="r"/>
+                <dgm:param type="parTxRTLAlign" val="r"/>
+                <dgm:param type="shpTxRTLAlignCh" val="r"/>
+              </dgm:alg>
+            </dgm:else>
+          </dgm:choose>
+          <dgm:shape xmlns:r="http://schemas.openxmlformats.org/officeDocument/2006/relationships" type="rect" r:blip="">
+            <dgm:adjLst/>
+          </dgm:shape>
+          <dgm:presOf axis="desOrSelf" ptType="node"/>
+          <dgm:constrLst>
+            <dgm:constr type="primFontSz" val="65"/>
+            <dgm:constr type="lMarg" refType="primFontSz" fact="0.2"/>
+            <dgm:constr type="rMarg" refType="primFontSz" fact="0.2"/>
+            <dgm:constr type="tMarg" refType="primFontSz" fact="0.2"/>
+            <dgm:constr type="bMarg" refType="primFontSz" fact="0.2"/>
+          </dgm:constrLst>
+          <dgm:ruleLst>
+            <dgm:rule type="primFontSz" val="5" fact="NaN" max="NaN"/>
+          </dgm:ruleLst>
+        </dgm:layoutNode>
+        <dgm:layoutNode name="accent_7">
+          <dgm:alg type="sp"/>
+          <dgm:shape xmlns:r="http://schemas.openxmlformats.org/officeDocument/2006/relationships" r:blip="">
+            <dgm:adjLst/>
+          </dgm:shape>
+          <dgm:presOf/>
+          <dgm:constrLst/>
+          <dgm:forEach name="Name58" ref="accentRepeat"/>
+        </dgm:layoutNode>
+      </dgm:forEach>
+    </dgm:layoutNode>
+  </dgm:layoutNode>
+</dgm:layoutDef>
+</file>
+
+<file path=ppt/diagrams/quickStyle1.xml><?xml version="1.0" encoding="utf-8"?>
+<dgm:styleDef xmlns:dgm="http://schemas.openxmlformats.org/drawingml/2006/diagram" xmlns:a="http://schemas.openxmlformats.org/drawingml/2006/main" uniqueId="urn:microsoft.com/office/officeart/2005/8/quickstyle/simple1">
+  <dgm:title val=""/>
+  <dgm:desc val=""/>
+  <dgm:catLst>
+    <dgm:cat type="simple" pri="10100"/>
+  </dgm:catLst>
+  <dgm:scene3d>
+    <a:camera prst="orthographicFront"/>
+    <a:lightRig rig="threePt" dir="t"/>
+  </dgm:scene3d>
+  <dgm:styleLbl name="node0">
+    <dgm:scene3d>
+      <a:camera prst="orthographicFront"/>
+      <a:lightRig rig="threePt" dir="t"/>
+    </dgm:scene3d>
+    <dgm:sp3d/>
+    <dgm:txPr/>
+    <dgm:style>
+      <a:lnRef idx="2">
+        <a:scrgbClr r="0" g="0" b="0"/>
+      </a:lnRef>
+      <a:fillRef idx="1">
+        <a:scrgbClr r="0" g="0" b="0"/>
+      </a:fillRef>
+      <a:effectRef idx="0">
+        <a:scrgbClr r="0" g="0" b="0"/>
+      </a:effectRef>
+      <a:fontRef idx="minor">
+        <a:schemeClr val="lt1"/>
+      </a:fontRef>
+    </dgm:style>
+  </dgm:styleLbl>
+  <dgm:styleLbl name="lnNode1">
+    <dgm:scene3d>
+      <a:camera prst="orthographicFront"/>
+      <a:lightRig rig="threePt" dir="t"/>
+    </dgm:scene3d>
+    <dgm:sp3d/>
+    <dgm:txPr/>
+    <dgm:style>
+      <a:lnRef idx="2">
+        <a:scrgbClr r="0" g="0" b="0"/>
+      </a:lnRef>
+      <a:fillRef idx="1">
+        <a:scrgbClr r="0" g="0" b="0"/>
+      </a:fillRef>
+      <a:effectRef idx="0">
+        <a:scrgbClr r="0" g="0" b="0"/>
+      </a:effectRef>
+      <a:fontRef idx="minor">
+        <a:schemeClr val="lt1"/>
+      </a:fontRef>
+    </dgm:style>
+  </dgm:styleLbl>
+  <dgm:styleLbl name="vennNode1">
+    <dgm:scene3d>
+      <a:camera prst="orthographicFront"/>
+      <a:lightRig rig="threePt" dir="t"/>
+    </dgm:scene3d>
+    <dgm:sp3d/>
+    <dgm:txPr/>
+    <dgm:style>
+      <a:lnRef idx="2">
+        <a:scrgbClr r="0" g="0" b="0"/>
+      </a:lnRef>
+      <a:fillRef idx="1">
+        <a:scrgbClr r="0" g="0" b="0"/>
+      </a:fillRef>
+      <a:effectRef idx="0">
+        <a:scrgbClr r="0" g="0" b="0"/>
+      </a:effectRef>
+      <a:fontRef idx="minor">
+        <a:schemeClr val="tx1"/>
+      </a:fontRef>
+    </dgm:style>
+  </dgm:styleLbl>
+  <dgm:styleLbl name="alignNode1">
+    <dgm:scene3d>
+      <a:camera prst="orthographicFront"/>
+      <a:lightRig rig="threePt" dir="t"/>
+    </dgm:scene3d>
+    <dgm:sp3d/>
+    <dgm:txPr/>
+    <dgm:style>
+      <a:lnRef idx="2">
+        <a:scrgbClr r="0" g="0" b="0"/>
+      </a:lnRef>
+      <a:fillRef idx="1">
+        <a:scrgbClr r="0" g="0" b="0"/>
+      </a:fillRef>
+      <a:effectRef idx="0">
+        <a:scrgbClr r="0" g="0" b="0"/>
+      </a:effectRef>
+      <a:fontRef idx="minor">
+        <a:schemeClr val="lt1"/>
+      </a:fontRef>
+    </dgm:style>
+  </dgm:styleLbl>
+  <dgm:styleLbl name="node1">
+    <dgm:scene3d>
+      <a:camera prst="orthographicFront"/>
+      <a:lightRig rig="threePt" dir="t"/>
+    </dgm:scene3d>
+    <dgm:sp3d/>
+    <dgm:txPr/>
+    <dgm:style>
+      <a:lnRef idx="2">
+        <a:scrgbClr r="0" g="0" b="0"/>
+      </a:lnRef>
+      <a:fillRef idx="1">
+        <a:scrgbClr r="0" g="0" b="0"/>
+      </a:fillRef>
+      <a:effectRef idx="0">
+        <a:scrgbClr r="0" g="0" b="0"/>
+      </a:effectRef>
+      <a:fontRef idx="minor">
+        <a:schemeClr val="lt1"/>
+      </a:fontRef>
+    </dgm:style>
+  </dgm:styleLbl>
+  <dgm:styleLbl name="node2">
+    <dgm:scene3d>
+      <a:camera prst="orthographicFront"/>
+      <a:lightRig rig="threePt" dir="t"/>
+    </dgm:scene3d>
+    <dgm:sp3d/>
+    <dgm:txPr/>
+    <dgm:style>
+      <a:lnRef idx="2">
+        <a:scrgbClr r="0" g="0" b="0"/>
+      </a:lnRef>
+      <a:fillRef idx="1">
+        <a:scrgbClr r="0" g="0" b="0"/>
+      </a:fillRef>
+      <a:effectRef idx="0">
+        <a:scrgbClr r="0" g="0" b="0"/>
+      </a:effectRef>
+      <a:fontRef idx="minor">
+        <a:schemeClr val="lt1"/>
+      </a:fontRef>
+    </dgm:style>
+  </dgm:styleLbl>
+  <dgm:styleLbl name="node3">
+    <dgm:scene3d>
+      <a:camera prst="orthographicFront"/>
+      <a:lightRig rig="threePt" dir="t"/>
+    </dgm:scene3d>
+    <dgm:sp3d/>
+    <dgm:txPr/>
+    <dgm:style>
+      <a:lnRef idx="2">
+        <a:scrgbClr r="0" g="0" b="0"/>
+      </a:lnRef>
+      <a:fillRef idx="1">
+        <a:scrgbClr r="0" g="0" b="0"/>
+      </a:fillRef>
+      <a:effectRef idx="0">
+        <a:scrgbClr r="0" g="0" b="0"/>
+      </a:effectRef>
+      <a:fontRef idx="minor">
+        <a:schemeClr val="lt1"/>
+      </a:fontRef>
+    </dgm:style>
+  </dgm:styleLbl>
+  <dgm:styleLbl name="node4">
+    <dgm:scene3d>
+      <a:camera prst="orthographicFront"/>
+      <a:lightRig rig="threePt" dir="t"/>
+    </dgm:scene3d>
+    <dgm:sp3d/>
+    <dgm:txPr/>
+    <dgm:style>
+      <a:lnRef idx="2">
+        <a:scrgbClr r="0" g="0" b="0"/>
+      </a:lnRef>
+      <a:fillRef idx="1">
+        <a:scrgbClr r="0" g="0" b="0"/>
+      </a:fillRef>
+      <a:effectRef idx="0">
+        <a:scrgbClr r="0" g="0" b="0"/>
+      </a:effectRef>
+      <a:fontRef idx="minor">
+        <a:schemeClr val="lt1"/>
+      </a:fontRef>
+    </dgm:style>
+  </dgm:styleLbl>
+  <dgm:styleLbl name="fgImgPlace1">
+    <dgm:scene3d>
+      <a:camera prst="orthographicFront"/>
+      <a:lightRig rig="threePt" dir="t"/>
+    </dgm:scene3d>
+    <dgm:sp3d/>
+    <dgm:txPr/>
+    <dgm:style>
+      <a:lnRef idx="2">
+        <a:scrgbClr r="0" g="0" b="0"/>
+      </a:lnRef>
+      <a:fillRef idx="1">
+        <a:scrgbClr r="0" g="0" b="0"/>
+      </a:fillRef>
+      <a:effectRef idx="0">
+        <a:scrgbClr r="0" g="0" b="0"/>
+      </a:effectRef>
+      <a:fontRef idx="minor"/>
+    </dgm:style>
+  </dgm:styleLbl>
+  <dgm:styleLbl name="alignImgPlace1">
+    <dgm:scene3d>
+      <a:camera prst="orthographicFront"/>
+      <a:lightRig rig="threePt" dir="t"/>
+    </dgm:scene3d>
+    <dgm:sp3d/>
+    <dgm:txPr/>
+    <dgm:style>
+      <a:lnRef idx="2">
+        <a:scrgbClr r="0" g="0" b="0"/>
+      </a:lnRef>
+      <a:fillRef idx="1">
+        <a:scrgbClr r="0" g="0" b="0"/>
+      </a:fillRef>
+      <a:effectRef idx="0">
+        <a:scrgbClr r="0" g="0" b="0"/>
+      </a:effectRef>
+      <a:fontRef idx="minor"/>
+    </dgm:style>
+  </dgm:styleLbl>
+  <dgm:styleLbl name="bgImgPlace1">
+    <dgm:scene3d>
+      <a:camera prst="orthographicFront"/>
+      <a:lightRig rig="threePt" dir="t"/>
+    </dgm:scene3d>
+    <dgm:sp3d/>
+    <dgm:txPr/>
+    <dgm:style>
+      <a:lnRef idx="2">
+        <a:scrgbClr r="0" g="0" b="0"/>
+      </a:lnRef>
+      <a:fillRef idx="1">
+        <a:scrgbClr r="0" g="0" b="0"/>
+      </a:fillRef>
+      <a:effectRef idx="0">
+        <a:scrgbClr r="0" g="0" b="0"/>
+      </a:effectRef>
+      <a:fontRef idx="minor"/>
+    </dgm:style>
+  </dgm:styleLbl>
+  <dgm:styleLbl name="sibTrans2D1">
+    <dgm:scene3d>
+      <a:camera prst="orthographicFront"/>
+      <a:lightRig rig="threePt" dir="t"/>
+    </dgm:scene3d>
+    <dgm:sp3d/>
+    <dgm:txPr/>
+    <dgm:style>
+      <a:lnRef idx="0">
+        <a:scrgbClr r="0" g="0" b="0"/>
+      </a:lnRef>
+      <a:fillRef idx="1">
+        <a:scrgbClr r="0" g="0" b="0"/>
+      </a:fillRef>
+      <a:effectRef idx="0">
+        <a:scrgbClr r="0" g="0" b="0"/>
+      </a:effectRef>
+      <a:fontRef idx="minor">
+        <a:schemeClr val="lt1"/>
+      </a:fontRef>
+    </dgm:style>
+  </dgm:styleLbl>
+  <dgm:styleLbl name="fgSibTrans2D1">
+    <dgm:scene3d>
+      <a:camera prst="orthographicFront"/>
+      <a:lightRig rig="threePt" dir="t"/>
+    </dgm:scene3d>
+    <dgm:sp3d/>
+    <dgm:txPr/>
+    <dgm:style>
+      <a:lnRef idx="0">
+        <a:scrgbClr r="0" g="0" b="0"/>
+      </a:lnRef>
+      <a:fillRef idx="1">
+        <a:scrgbClr r="0" g="0" b="0"/>
+      </a:fillRef>
+      <a:effectRef idx="0">
+        <a:scrgbClr r="0" g="0" b="0"/>
+      </a:effectRef>
+      <a:fontRef idx="minor">
+        <a:schemeClr val="lt1"/>
+      </a:fontRef>
+    </dgm:style>
+  </dgm:styleLbl>
+  <dgm:styleLbl name="bgSibTrans2D1">
+    <dgm:scene3d>
+      <a:camera prst="orthographicFront"/>
+      <a:lightRig rig="threePt" dir="t"/>
+    </dgm:scene3d>
+    <dgm:sp3d/>
+    <dgm:txPr/>
+    <dgm:style>
+      <a:lnRef idx="0">
+        <a:scrgbClr r="0" g="0" b="0"/>
+      </a:lnRef>
+      <a:fillRef idx="1">
+        <a:scrgbClr r="0" g="0" b="0"/>
+      </a:fillRef>
+      <a:effectRef idx="0">
+        <a:scrgbClr r="0" g="0" b="0"/>
+      </a:effectRef>
+      <a:fontRef idx="minor">
+        <a:schemeClr val="lt1"/>
+      </a:fontRef>
+    </dgm:style>
+  </dgm:styleLbl>
+  <dgm:styleLbl name="sibTrans1D1">
+    <dgm:scene3d>
+      <a:camera prst="orthographicFront"/>
+      <a:lightRig rig="threePt" dir="t"/>
+    </dgm:scene3d>
+    <dgm:sp3d/>
+    <dgm:txPr/>
+    <dgm:style>
+      <a:lnRef idx="1">
+        <a:scrgbClr r="0" g="0" b="0"/>
+      </a:lnRef>
+      <a:fillRef idx="0">
+        <a:scrgbClr r="0" g="0" b="0"/>
+      </a:fillRef>
+      <a:effectRef idx="0">
+        <a:scrgbClr r="0" g="0" b="0"/>
+      </a:effectRef>
+      <a:fontRef idx="minor"/>
+    </dgm:style>
+  </dgm:styleLbl>
+  <dgm:styleLbl name="callout">
+    <dgm:scene3d>
+      <a:camera prst="orthographicFront"/>
+      <a:lightRig rig="threePt" dir="t"/>
+    </dgm:scene3d>
+    <dgm:sp3d/>
+    <dgm:txPr/>
+    <dgm:style>
+      <a:lnRef idx="2">
+        <a:scrgbClr r="0" g="0" b="0"/>
+      </a:lnRef>
+      <a:fillRef idx="1">
+        <a:scrgbClr r="0" g="0" b="0"/>
+      </a:fillRef>
+      <a:effectRef idx="0">
+        <a:scrgbClr r="0" g="0" b="0"/>
+      </a:effectRef>
+      <a:fontRef idx="minor"/>
+    </dgm:style>
+  </dgm:styleLbl>
+  <dgm:styleLbl name="asst0">
+    <dgm:scene3d>
+      <a:camera prst="orthographicFront"/>
+      <a:lightRig rig="threePt" dir="t"/>
+    </dgm:scene3d>
+    <dgm:sp3d/>
+    <dgm:txPr/>
+    <dgm:style>
+      <a:lnRef idx="2">
+        <a:scrgbClr r="0" g="0" b="0"/>
+      </a:lnRef>
+      <a:fillRef idx="1">
+        <a:scrgbClr r="0" g="0" b="0"/>
+      </a:fillRef>
+      <a:effectRef idx="0">
+        <a:scrgbClr r="0" g="0" b="0"/>
+      </a:effectRef>
+      <a:fontRef idx="minor">
+        <a:schemeClr val="lt1"/>
+      </a:fontRef>
+    </dgm:style>
+  </dgm:styleLbl>
+  <dgm:styleLbl name="asst1">
+    <dgm:scene3d>
+      <a:camera prst="orthographicFront"/>
+      <a:lightRig rig="threePt" dir="t"/>
+    </dgm:scene3d>
+    <dgm:sp3d/>
+    <dgm:txPr/>
+    <dgm:style>
+      <a:lnRef idx="2">
+        <a:scrgbClr r="0" g="0" b="0"/>
+      </a:lnRef>
+      <a:fillRef idx="1">
+        <a:scrgbClr r="0" g="0" b="0"/>
+      </a:fillRef>
+      <a:effectRef idx="0">
+        <a:scrgbClr r="0" g="0" b="0"/>
+      </a:effectRef>
+      <a:fontRef idx="minor">
+        <a:schemeClr val="lt1"/>
+      </a:fontRef>
+    </dgm:style>
+  </dgm:styleLbl>
+  <dgm:styleLbl name="asst2">
+    <dgm:scene3d>
+      <a:camera prst="orthographicFront"/>
+      <a:lightRig rig="threePt" dir="t"/>
+    </dgm:scene3d>
+    <dgm:sp3d/>
+    <dgm:txPr/>
+    <dgm:style>
+      <a:lnRef idx="2">
+        <a:scrgbClr r="0" g="0" b="0"/>
+      </a:lnRef>
+      <a:fillRef idx="1">
+        <a:scrgbClr r="0" g="0" b="0"/>
+      </a:fillRef>
+      <a:effectRef idx="0">
+        <a:scrgbClr r="0" g="0" b="0"/>
+      </a:effectRef>
+      <a:fontRef idx="minor">
+        <a:schemeClr val="lt1"/>
+      </a:fontRef>
+    </dgm:style>
+  </dgm:styleLbl>
+  <dgm:styleLbl name="asst3">
+    <dgm:scene3d>
+      <a:camera prst="orthographicFront"/>
+      <a:lightRig rig="threePt" dir="t"/>
+    </dgm:scene3d>
+    <dgm:sp3d/>
+    <dgm:txPr/>
+    <dgm:style>
+      <a:lnRef idx="2">
+        <a:scrgbClr r="0" g="0" b="0"/>
+      </a:lnRef>
+      <a:fillRef idx="1">
+        <a:scrgbClr r="0" g="0" b="0"/>
+      </a:fillRef>
+      <a:effectRef idx="0">
+        <a:scrgbClr r="0" g="0" b="0"/>
+      </a:effectRef>
+      <a:fontRef idx="minor">
+        <a:schemeClr val="lt1"/>
+      </a:fontRef>
+    </dgm:style>
+  </dgm:styleLbl>
+  <dgm:styleLbl name="asst4">
+    <dgm:scene3d>
+      <a:camera prst="orthographicFront"/>
+      <a:lightRig rig="threePt" dir="t"/>
+    </dgm:scene3d>
+    <dgm:sp3d/>
+    <dgm:txPr/>
+    <dgm:style>
+      <a:lnRef idx="2">
+        <a:scrgbClr r="0" g="0" b="0"/>
+      </a:lnRef>
+      <a:fillRef idx="1">
+        <a:scrgbClr r="0" g="0" b="0"/>
+      </a:fillRef>
+      <a:effectRef idx="0">
+        <a:scrgbClr r="0" g="0" b="0"/>
+      </a:effectRef>
+      <a:fontRef idx="minor">
+        <a:schemeClr val="lt1"/>
+      </a:fontRef>
+    </dgm:style>
+  </dgm:styleLbl>
+  <dgm:styleLbl name="parChTrans2D1">
+    <dgm:scene3d>
+      <a:camera prst="orthographicFront"/>
+      <a:lightRig rig="threePt" dir="t"/>
+    </dgm:scene3d>
+    <dgm:sp3d/>
+    <dgm:txPr/>
+    <dgm:style>
+      <a:lnRef idx="2">
+        <a:scrgbClr r="0" g="0" b="0"/>
+      </a:lnRef>
+      <a:fillRef idx="1">
+        <a:scrgbClr r="0" g="0" b="0"/>
+      </a:fillRef>
+      <a:effectRef idx="0">
+        <a:scrgbClr r="0" g="0" b="0"/>
+      </a:effectRef>
+      <a:fontRef idx="minor">
+        <a:schemeClr val="lt1"/>
+      </a:fontRef>
+    </dgm:style>
+  </dgm:styleLbl>
+  <dgm:styleLbl name="parChTrans2D2">
+    <dgm:scene3d>
+      <a:camera prst="orthographicFront"/>
+      <a:lightRig rig="threePt" dir="t"/>
+    </dgm:scene3d>
+    <dgm:sp3d/>
+    <dgm:txPr/>
+    <dgm:style>
+      <a:lnRef idx="2">
+        <a:scrgbClr r="0" g="0" b="0"/>
+      </a:lnRef>
+      <a:fillRef idx="1">
+        <a:scrgbClr r="0" g="0" b="0"/>
+      </a:fillRef>
+      <a:effectRef idx="0">
+        <a:scrgbClr r="0" g="0" b="0"/>
+      </a:effectRef>
+      <a:fontRef idx="minor">
+        <a:schemeClr val="lt1"/>
+      </a:fontRef>
+    </dgm:style>
+  </dgm:styleLbl>
+  <dgm:styleLbl name="parChTrans2D3">
+    <dgm:scene3d>
+      <a:camera prst="orthographicFront"/>
+      <a:lightRig rig="threePt" dir="t"/>
+    </dgm:scene3d>
+    <dgm:sp3d/>
+    <dgm:txPr/>
+    <dgm:style>
+      <a:lnRef idx="2">
+        <a:scrgbClr r="0" g="0" b="0"/>
+      </a:lnRef>
+      <a:fillRef idx="1">
+        <a:scrgbClr r="0" g="0" b="0"/>
+      </a:fillRef>
+      <a:effectRef idx="0">
+        <a:scrgbClr r="0" g="0" b="0"/>
+      </a:effectRef>
+      <a:fontRef idx="minor">
+        <a:schemeClr val="lt1"/>
+      </a:fontRef>
+    </dgm:style>
+  </dgm:styleLbl>
+  <dgm:styleLbl name="parChTrans2D4">
+    <dgm:scene3d>
+      <a:camera prst="orthographicFront"/>
+      <a:lightRig rig="threePt" dir="t"/>
+    </dgm:scene3d>
+    <dgm:sp3d/>
+    <dgm:txPr/>
+    <dgm:style>
+      <a:lnRef idx="2">
+        <a:scrgbClr r="0" g="0" b="0"/>
+      </a:lnRef>
+      <a:fillRef idx="1">
+        <a:scrgbClr r="0" g="0" b="0"/>
+      </a:fillRef>
+      <a:effectRef idx="0">
+        <a:scrgbClr r="0" g="0" b="0"/>
+      </a:effectRef>
+      <a:fontRef idx="minor">
+        <a:schemeClr val="lt1"/>
+      </a:fontRef>
+    </dgm:style>
+  </dgm:styleLbl>
+  <dgm:styleLbl name="parChTrans1D1">
+    <dgm:scene3d>
+      <a:camera prst="orthographicFront"/>
+      <a:lightRig rig="threePt" dir="t"/>
+    </dgm:scene3d>
+    <dgm:sp3d/>
+    <dgm:txPr/>
+    <dgm:style>
+      <a:lnRef idx="2">
+        <a:scrgbClr r="0" g="0" b="0"/>
+      </a:lnRef>
+      <a:fillRef idx="0">
+        <a:scrgbClr r="0" g="0" b="0"/>
+      </a:fillRef>
+      <a:effectRef idx="0">
+        <a:scrgbClr r="0" g="0" b="0"/>
+      </a:effectRef>
+      <a:fontRef idx="minor"/>
+    </dgm:style>
+  </dgm:styleLbl>
+  <dgm:styleLbl name="parChTrans1D2">
+    <dgm:scene3d>
+      <a:camera prst="orthographicFront"/>
+      <a:lightRig rig="threePt" dir="t"/>
+    </dgm:scene3d>
+    <dgm:sp3d/>
+    <dgm:txPr/>
+    <dgm:style>
+      <a:lnRef idx="2">
+        <a:scrgbClr r="0" g="0" b="0"/>
+      </a:lnRef>
+      <a:fillRef idx="0">
+        <a:scrgbClr r="0" g="0" b="0"/>
+      </a:fillRef>
+      <a:effectRef idx="0">
+        <a:scrgbClr r="0" g="0" b="0"/>
+      </a:effectRef>
+      <a:fontRef idx="minor"/>
+    </dgm:style>
+  </dgm:styleLbl>
+  <dgm:styleLbl name="parChTrans1D3">
+    <dgm:scene3d>
+      <a:camera prst="orthographicFront"/>
+      <a:lightRig rig="threePt" dir="t"/>
+    </dgm:scene3d>
+    <dgm:sp3d/>
+    <dgm:txPr/>
+    <dgm:style>
+      <a:lnRef idx="2">
+        <a:scrgbClr r="0" g="0" b="0"/>
+      </a:lnRef>
+      <a:fillRef idx="0">
+        <a:scrgbClr r="0" g="0" b="0"/>
+      </a:fillRef>
+      <a:effectRef idx="0">
+        <a:scrgbClr r="0" g="0" b="0"/>
+      </a:effectRef>
+      <a:fontRef idx="minor"/>
+    </dgm:style>
+  </dgm:styleLbl>
+  <dgm:styleLbl name="parChTrans1D4">
+    <dgm:scene3d>
+      <a:camera prst="orthographicFront"/>
+      <a:lightRig rig="threePt" dir="t"/>
+    </dgm:scene3d>
+    <dgm:sp3d/>
+    <dgm:txPr/>
+    <dgm:style>
+      <a:lnRef idx="2">
+        <a:scrgbClr r="0" g="0" b="0"/>
+      </a:lnRef>
+      <a:fillRef idx="0">
+        <a:scrgbClr r="0" g="0" b="0"/>
+      </a:fillRef>
+      <a:effectRef idx="0">
+        <a:scrgbClr r="0" g="0" b="0"/>
+      </a:effectRef>
+      <a:fontRef idx="minor"/>
+    </dgm:style>
+  </dgm:styleLbl>
+  <dgm:styleLbl name="fgAcc1">
+    <dgm:scene3d>
+      <a:camera prst="orthographicFront"/>
+      <a:lightRig rig="threePt" dir="t"/>
+    </dgm:scene3d>
+    <dgm:sp3d/>
+    <dgm:txPr/>
+    <dgm:style>
+      <a:lnRef idx="2">
+        <a:scrgbClr r="0" g="0" b="0"/>
+      </a:lnRef>
+      <a:fillRef idx="1">
+        <a:scrgbClr r="0" g="0" b="0"/>
+      </a:fillRef>
+      <a:effectRef idx="0">
+        <a:scrgbClr r="0" g="0" b="0"/>
+      </a:effectRef>
+      <a:fontRef idx="minor"/>
+    </dgm:style>
+  </dgm:styleLbl>
+  <dgm:styleLbl name="conFgAcc1">
+    <dgm:scene3d>
+      <a:camera prst="orthographicFront"/>
+      <a:lightRig rig="threePt" dir="t"/>
+    </dgm:scene3d>
+    <dgm:sp3d/>
+    <dgm:txPr/>
+    <dgm:style>
+      <a:lnRef idx="2">
+        <a:scrgbClr r="0" g="0" b="0"/>
+      </a:lnRef>
+      <a:fillRef idx="1">
+        <a:scrgbClr r="0" g="0" b="0"/>
+      </a:fillRef>
+      <a:effectRef idx="0">
+        <a:scrgbClr r="0" g="0" b="0"/>
+      </a:effectRef>
+      <a:fontRef idx="minor"/>
+    </dgm:style>
+  </dgm:styleLbl>
+  <dgm:styleLbl name="alignAcc1">
+    <dgm:scene3d>
+      <a:camera prst="orthographicFront"/>
+      <a:lightRig rig="threePt" dir="t"/>
+    </dgm:scene3d>
+    <dgm:sp3d/>
+    <dgm:txPr/>
+    <dgm:style>
+      <a:lnRef idx="2">
+        <a:scrgbClr r="0" g="0" b="0"/>
+      </a:lnRef>
+      <a:fillRef idx="1">
+        <a:scrgbClr r="0" g="0" b="0"/>
+      </a:fillRef>
+      <a:effectRef idx="0">
+        <a:scrgbClr r="0" g="0" b="0"/>
+      </a:effectRef>
+      <a:fontRef idx="minor"/>
+    </dgm:style>
+  </dgm:styleLbl>
+  <dgm:styleLbl name="trAlignAcc1">
+    <dgm:scene3d>
+      <a:camera prst="orthographicFront"/>
+      <a:lightRig rig="threePt" dir="t"/>
+    </dgm:scene3d>
+    <dgm:sp3d/>
+    <dgm:txPr/>
+    <dgm:style>
+      <a:lnRef idx="1">
+        <a:scrgbClr r="0" g="0" b="0"/>
+      </a:lnRef>
+      <a:fillRef idx="1">
+        <a:scrgbClr r="0" g="0" b="0"/>
+      </a:fillRef>
+      <a:effectRef idx="0">
+        <a:scrgbClr r="0" g="0" b="0"/>
+      </a:effectRef>
+      <a:fontRef idx="minor"/>
+    </dgm:style>
+  </dgm:styleLbl>
+  <dgm:styleLbl name="bgAcc1">
+    <dgm:scene3d>
+      <a:camera prst="orthographicFront"/>
+      <a:lightRig rig="threePt" dir="t"/>
+    </dgm:scene3d>
+    <dgm:sp3d/>
+    <dgm:txPr/>
+    <dgm:style>
+      <a:lnRef idx="2">
+        <a:scrgbClr r="0" g="0" b="0"/>
+      </a:lnRef>
+      <a:fillRef idx="1">
+        <a:scrgbClr r="0" g="0" b="0"/>
+      </a:fillRef>
+      <a:effectRef idx="0">
+        <a:scrgbClr r="0" g="0" b="0"/>
+      </a:effectRef>
+      <a:fontRef idx="minor"/>
+    </dgm:style>
+  </dgm:styleLbl>
+  <dgm:styleLbl name="solidFgAcc1">
+    <dgm:scene3d>
+      <a:camera prst="orthographicFront"/>
+      <a:lightRig rig="threePt" dir="t"/>
+    </dgm:scene3d>
+    <dgm:sp3d/>
+    <dgm:txPr/>
+    <dgm:style>
+      <a:lnRef idx="2">
+        <a:scrgbClr r="0" g="0" b="0"/>
+      </a:lnRef>
+      <a:fillRef idx="1">
+        <a:scrgbClr r="0" g="0" b="0"/>
+      </a:fillRef>
+      <a:effectRef idx="0">
+        <a:scrgbClr r="0" g="0" b="0"/>
+      </a:effectRef>
+      <a:fontRef idx="minor"/>
+    </dgm:style>
+  </dgm:styleLbl>
+  <dgm:styleLbl name="solidAlignAcc1">
+    <dgm:scene3d>
+      <a:camera prst="orthographicFront"/>
+      <a:lightRig rig="threePt" dir="t"/>
+    </dgm:scene3d>
+    <dgm:sp3d/>
+    <dgm:txPr/>
+    <dgm:style>
+      <a:lnRef idx="2">
+        <a:scrgbClr r="0" g="0" b="0"/>
+      </a:lnRef>
+      <a:fillRef idx="1">
+        <a:scrgbClr r="0" g="0" b="0"/>
+      </a:fillRef>
+      <a:effectRef idx="0">
+        <a:scrgbClr r="0" g="0" b="0"/>
+      </a:effectRef>
+      <a:fontRef idx="minor"/>
+    </dgm:style>
+  </dgm:styleLbl>
+  <dgm:styleLbl name="solidBgAcc1">
+    <dgm:scene3d>
+      <a:camera prst="orthographicFront"/>
+      <a:lightRig rig="threePt" dir="t"/>
+    </dgm:scene3d>
+    <dgm:sp3d/>
+    <dgm:txPr/>
+    <dgm:style>
+      <a:lnRef idx="2">
+        <a:scrgbClr r="0" g="0" b="0"/>
+      </a:lnRef>
+      <a:fillRef idx="1">
+        <a:scrgbClr r="0" g="0" b="0"/>
+      </a:fillRef>
+      <a:effectRef idx="0">
+        <a:scrgbClr r="0" g="0" b="0"/>
+      </a:effectRef>
+      <a:fontRef idx="minor"/>
+    </dgm:style>
+  </dgm:styleLbl>
+  <dgm:styleLbl name="fgAccFollowNode1">
+    <dgm:scene3d>
+      <a:camera prst="orthographicFront"/>
+      <a:lightRig rig="threePt" dir="t"/>
+    </dgm:scene3d>
+    <dgm:sp3d/>
+    <dgm:txPr/>
+    <dgm:style>
+      <a:lnRef idx="2">
+        <a:scrgbClr r="0" g="0" b="0"/>
+      </a:lnRef>
+      <a:fillRef idx="1">
+        <a:scrgbClr r="0" g="0" b="0"/>
+      </a:fillRef>
+      <a:effectRef idx="0">
+        <a:scrgbClr r="0" g="0" b="0"/>
+      </a:effectRef>
+      <a:fontRef idx="minor"/>
+    </dgm:style>
+  </dgm:styleLbl>
+  <dgm:styleLbl name="alignAccFollowNode1">
+    <dgm:scene3d>
+      <a:camera prst="orthographicFront"/>
+      <a:lightRig rig="threePt" dir="t"/>
+    </dgm:scene3d>
+    <dgm:sp3d/>
+    <dgm:txPr/>
+    <dgm:style>
+      <a:lnRef idx="2">
+        <a:scrgbClr r="0" g="0" b="0"/>
+      </a:lnRef>
+      <a:fillRef idx="1">
+        <a:scrgbClr r="0" g="0" b="0"/>
+      </a:fillRef>
+      <a:effectRef idx="0">
+        <a:scrgbClr r="0" g="0" b="0"/>
+      </a:effectRef>
+      <a:fontRef idx="minor"/>
+    </dgm:style>
+  </dgm:styleLbl>
+  <dgm:styleLbl name="bgAccFollowNode1">
+    <dgm:scene3d>
+      <a:camera prst="orthographicFront"/>
+      <a:lightRig rig="threePt" dir="t"/>
+    </dgm:scene3d>
+    <dgm:sp3d/>
+    <dgm:txPr/>
+    <dgm:style>
+      <a:lnRef idx="2">
+        <a:scrgbClr r="0" g="0" b="0"/>
+      </a:lnRef>
+      <a:fillRef idx="1">
+        <a:scrgbClr r="0" g="0" b="0"/>
+      </a:fillRef>
+      <a:effectRef idx="0">
+        <a:scrgbClr r="0" g="0" b="0"/>
+      </a:effectRef>
+      <a:fontRef idx="minor"/>
+    </dgm:style>
+  </dgm:styleLbl>
+  <dgm:styleLbl name="fgAcc0">
+    <dgm:scene3d>
+      <a:camera prst="orthographicFront"/>
+      <a:lightRig rig="threePt" dir="t"/>
+    </dgm:scene3d>
+    <dgm:sp3d/>
+    <dgm:txPr/>
+    <dgm:style>
+      <a:lnRef idx="2">
+        <a:scrgbClr r="0" g="0" b="0"/>
+      </a:lnRef>
+      <a:fillRef idx="1">
+        <a:scrgbClr r="0" g="0" b="0"/>
+      </a:fillRef>
+      <a:effectRef idx="0">
+        <a:scrgbClr r="0" g="0" b="0"/>
+      </a:effectRef>
+      <a:fontRef idx="minor"/>
+    </dgm:style>
+  </dgm:styleLbl>
+  <dgm:styleLbl name="fgAcc2">
+    <dgm:scene3d>
+      <a:camera prst="orthographicFront"/>
+      <a:lightRig rig="threePt" dir="t"/>
+    </dgm:scene3d>
+    <dgm:sp3d/>
+    <dgm:txPr/>
+    <dgm:style>
+      <a:lnRef idx="2">
+        <a:scrgbClr r="0" g="0" b="0"/>
+      </a:lnRef>
+      <a:fillRef idx="1">
+        <a:scrgbClr r="0" g="0" b="0"/>
+      </a:fillRef>
+      <a:effectRef idx="0">
+        <a:scrgbClr r="0" g="0" b="0"/>
+      </a:effectRef>
+      <a:fontRef idx="minor"/>
+    </dgm:style>
+  </dgm:styleLbl>
+  <dgm:styleLbl name="fgAcc3">
+    <dgm:scene3d>
+      <a:camera prst="orthographicFront"/>
+      <a:lightRig rig="threePt" dir="t"/>
+    </dgm:scene3d>
+    <dgm:sp3d/>
+    <dgm:txPr/>
+    <dgm:style>
+      <a:lnRef idx="2">
+        <a:scrgbClr r="0" g="0" b="0"/>
+      </a:lnRef>
+      <a:fillRef idx="1">
+        <a:scrgbClr r="0" g="0" b="0"/>
+      </a:fillRef>
+      <a:effectRef idx="0">
+        <a:scrgbClr r="0" g="0" b="0"/>
+      </a:effectRef>
+      <a:fontRef idx="minor"/>
+    </dgm:style>
+  </dgm:styleLbl>
+  <dgm:styleLbl name="fgAcc4">
+    <dgm:scene3d>
+      <a:camera prst="orthographicFront"/>
+      <a:lightRig rig="threePt" dir="t"/>
+    </dgm:scene3d>
+    <dgm:sp3d/>
+    <dgm:txPr/>
+    <dgm:style>
+      <a:lnRef idx="2">
+        <a:scrgbClr r="0" g="0" b="0"/>
+      </a:lnRef>
+      <a:fillRef idx="1">
+        <a:scrgbClr r="0" g="0" b="0"/>
+      </a:fillRef>
+      <a:effectRef idx="0">
+        <a:scrgbClr r="0" g="0" b="0"/>
+      </a:effectRef>
+      <a:fontRef idx="minor"/>
+    </dgm:style>
+  </dgm:styleLbl>
+  <dgm:styleLbl name="bgShp">
+    <dgm:scene3d>
+      <a:camera prst="orthographicFront"/>
+      <a:lightRig rig="threePt" dir="t"/>
+    </dgm:scene3d>
+    <dgm:sp3d/>
+    <dgm:txPr/>
+    <dgm:style>
+      <a:lnRef idx="0">
+        <a:scrgbClr r="0" g="0" b="0"/>
+      </a:lnRef>
+      <a:fillRef idx="1">
+        <a:scrgbClr r="0" g="0" b="0"/>
+      </a:fillRef>
+      <a:effectRef idx="0">
+        <a:scrgbClr r="0" g="0" b="0"/>
+      </a:effectRef>
+      <a:fontRef idx="minor"/>
+    </dgm:style>
+  </dgm:styleLbl>
+  <dgm:styleLbl name="dkBgShp">
+    <dgm:scene3d>
+      <a:camera prst="orthographicFront"/>
+      <a:lightRig rig="threePt" dir="t"/>
+    </dgm:scene3d>
+    <dgm:sp3d/>
+    <dgm:txPr/>
+    <dgm:style>
+      <a:lnRef idx="0">
+        <a:scrgbClr r="0" g="0" b="0"/>
+      </a:lnRef>
+      <a:fillRef idx="1">
+        <a:scrgbClr r="0" g="0" b="0"/>
+      </a:fillRef>
+      <a:effectRef idx="0">
+        <a:scrgbClr r="0" g="0" b="0"/>
+      </a:effectRef>
+      <a:fontRef idx="minor"/>
+    </dgm:style>
+  </dgm:styleLbl>
+  <dgm:styleLbl name="trBgShp">
+    <dgm:scene3d>
+      <a:camera prst="orthographicFront"/>
+      <a:lightRig rig="threePt" dir="t"/>
+    </dgm:scene3d>
+    <dgm:sp3d/>
+    <dgm:txPr/>
+    <dgm:style>
+      <a:lnRef idx="0">
+        <a:scrgbClr r="0" g="0" b="0"/>
+      </a:lnRef>
+      <a:fillRef idx="1">
+        <a:scrgbClr r="0" g="0" b="0"/>
+      </a:fillRef>
+      <a:effectRef idx="0">
+        <a:scrgbClr r="0" g="0" b="0"/>
+      </a:effectRef>
+      <a:fontRef idx="minor"/>
+    </dgm:style>
+  </dgm:styleLbl>
+  <dgm:styleLbl name="fgShp">
+    <dgm:scene3d>
+      <a:camera prst="orthographicFront"/>
+      <a:lightRig rig="threePt" dir="t"/>
+    </dgm:scene3d>
+    <dgm:sp3d/>
+    <dgm:txPr/>
+    <dgm:style>
+      <a:lnRef idx="2">
+        <a:scrgbClr r="0" g="0" b="0"/>
+      </a:lnRef>
+      <a:fillRef idx="1">
+        <a:scrgbClr r="0" g="0" b="0"/>
+      </a:fillRef>
+      <a:effectRef idx="0">
+        <a:scrgbClr r="0" g="0" b="0"/>
+      </a:effectRef>
+      <a:fontRef idx="minor"/>
+    </dgm:style>
+  </dgm:styleLbl>
+  <dgm:styleLbl name="revTx">
+    <dgm:scene3d>
+      <a:camera prst="orthographicFront"/>
+      <a:lightRig rig="threePt" dir="t"/>
+    </dgm:scene3d>
+    <dgm:sp3d/>
+    <dgm:txPr/>
+    <dgm:style>
+      <a:lnRef idx="0">
+        <a:scrgbClr r="0" g="0" b="0"/>
+      </a:lnRef>
+      <a:fillRef idx="0">
+        <a:scrgbClr r="0" g="0" b="0"/>
+      </a:fillRef>
+      <a:effectRef idx="0">
+        <a:scrgbClr r="0" g="0" b="0"/>
+      </a:effectRef>
+      <a:fontRef idx="minor"/>
+    </dgm:style>
+  </dgm:styleLbl>
+</dgm:styleDef>
+</file>
+
 <file path=ppt/notesMasters/notesMaster1.xml><?xml version="1.0" encoding="utf-8"?>
 <p:notesMaster xmlns:a="http://schemas.openxmlformats.org/drawingml/2006/main" xmlns:r="http://schemas.openxmlformats.org/officeDocument/2006/relationships" xmlns:p="http://schemas.openxmlformats.org/presentationml/2006/main">
   <p:cSld>
@@ -200,7 +4104,7 @@
           <a:p>
             <a:fld id="{4D7C8D95-C581-49F4-AE96-C88D2E3102AD}" type="datetimeFigureOut">
               <a:rPr lang="en-US" smtClean="0"/>
-              <a:t>9/22/2021</a:t>
+              <a:t>9/27/2021</a:t>
             </a:fld>
             <a:endParaRPr lang="en-US"/>
           </a:p>
@@ -847,7 +4751,7 @@
           <a:p>
             <a:fld id="{EBB1B3D4-265D-4665-ADC9-1438520F930D}" type="datetimeFigureOut">
               <a:rPr lang="en-US" smtClean="0"/>
-              <a:t>9/22/2021</a:t>
+              <a:t>9/27/2021</a:t>
             </a:fld>
             <a:endParaRPr lang="en-US"/>
           </a:p>
@@ -1055,7 +4959,7 @@
           <a:p>
             <a:fld id="{EBB1B3D4-265D-4665-ADC9-1438520F930D}" type="datetimeFigureOut">
               <a:rPr lang="en-US" smtClean="0"/>
-              <a:t>9/22/2021</a:t>
+              <a:t>9/27/2021</a:t>
             </a:fld>
             <a:endParaRPr lang="en-US"/>
           </a:p>
@@ -1313,7 +5217,7 @@
           <a:p>
             <a:fld id="{EBB1B3D4-265D-4665-ADC9-1438520F930D}" type="datetimeFigureOut">
               <a:rPr lang="en-US" smtClean="0"/>
-              <a:t>9/22/2021</a:t>
+              <a:t>9/27/2021</a:t>
             </a:fld>
             <a:endParaRPr lang="en-US"/>
           </a:p>
@@ -1553,7 +5457,7 @@
           <a:p>
             <a:fld id="{D088F999-7A4E-6B4F-9FED-EF75B73AD044}" type="datetimeFigureOut">
               <a:rPr lang="en-US" smtClean="0"/>
-              <a:t>9/22/2021</a:t>
+              <a:t>9/27/2021</a:t>
             </a:fld>
             <a:endParaRPr lang="en-US"/>
           </a:p>
@@ -1721,7 +5625,7 @@
           <a:p>
             <a:fld id="{D088F999-7A4E-6B4F-9FED-EF75B73AD044}" type="datetimeFigureOut">
               <a:rPr lang="en-US" smtClean="0"/>
-              <a:t>9/22/2021</a:t>
+              <a:t>9/27/2021</a:t>
             </a:fld>
             <a:endParaRPr lang="en-US"/>
           </a:p>
@@ -1966,7 +5870,7 @@
           <a:p>
             <a:fld id="{D088F999-7A4E-6B4F-9FED-EF75B73AD044}" type="datetimeFigureOut">
               <a:rPr lang="en-US" smtClean="0"/>
-              <a:t>9/22/2021</a:t>
+              <a:t>9/27/2021</a:t>
             </a:fld>
             <a:endParaRPr lang="en-US"/>
           </a:p>
@@ -2251,7 +6155,7 @@
           <a:p>
             <a:fld id="{D088F999-7A4E-6B4F-9FED-EF75B73AD044}" type="datetimeFigureOut">
               <a:rPr lang="en-US" smtClean="0"/>
-              <a:t>9/22/2021</a:t>
+              <a:t>9/27/2021</a:t>
             </a:fld>
             <a:endParaRPr lang="en-US"/>
           </a:p>
@@ -2670,7 +6574,7 @@
           <a:p>
             <a:fld id="{D088F999-7A4E-6B4F-9FED-EF75B73AD044}" type="datetimeFigureOut">
               <a:rPr lang="en-US" smtClean="0"/>
-              <a:t>9/22/2021</a:t>
+              <a:t>9/27/2021</a:t>
             </a:fld>
             <a:endParaRPr lang="en-US"/>
           </a:p>
@@ -2787,7 +6691,7 @@
           <a:p>
             <a:fld id="{D088F999-7A4E-6B4F-9FED-EF75B73AD044}" type="datetimeFigureOut">
               <a:rPr lang="en-US" smtClean="0"/>
-              <a:t>9/22/2021</a:t>
+              <a:t>9/27/2021</a:t>
             </a:fld>
             <a:endParaRPr lang="en-US"/>
           </a:p>
@@ -2882,7 +6786,7 @@
           <a:p>
             <a:fld id="{D088F999-7A4E-6B4F-9FED-EF75B73AD044}" type="datetimeFigureOut">
               <a:rPr lang="en-US" smtClean="0"/>
-              <a:t>9/22/2021</a:t>
+              <a:t>9/27/2021</a:t>
             </a:fld>
             <a:endParaRPr lang="en-US"/>
           </a:p>
@@ -3157,7 +7061,7 @@
           <a:p>
             <a:fld id="{D088F999-7A4E-6B4F-9FED-EF75B73AD044}" type="datetimeFigureOut">
               <a:rPr lang="en-US" smtClean="0"/>
-              <a:t>9/22/2021</a:t>
+              <a:t>9/27/2021</a:t>
             </a:fld>
             <a:endParaRPr lang="en-US"/>
           </a:p>
@@ -3327,7 +7231,7 @@
           <a:p>
             <a:fld id="{EBB1B3D4-265D-4665-ADC9-1438520F930D}" type="datetimeFigureOut">
               <a:rPr lang="en-US" smtClean="0"/>
-              <a:t>9/22/2021</a:t>
+              <a:t>9/27/2021</a:t>
             </a:fld>
             <a:endParaRPr lang="en-US"/>
           </a:p>
@@ -3579,7 +7483,7 @@
           <a:p>
             <a:fld id="{D088F999-7A4E-6B4F-9FED-EF75B73AD044}" type="datetimeFigureOut">
               <a:rPr lang="en-US" smtClean="0"/>
-              <a:t>9/22/2021</a:t>
+              <a:t>9/27/2021</a:t>
             </a:fld>
             <a:endParaRPr lang="en-US"/>
           </a:p>
@@ -3747,7 +7651,7 @@
           <a:p>
             <a:fld id="{D088F999-7A4E-6B4F-9FED-EF75B73AD044}" type="datetimeFigureOut">
               <a:rPr lang="en-US" smtClean="0"/>
-              <a:t>9/22/2021</a:t>
+              <a:t>9/27/2021</a:t>
             </a:fld>
             <a:endParaRPr lang="en-US"/>
           </a:p>
@@ -3925,7 +7829,7 @@
           <a:p>
             <a:fld id="{D088F999-7A4E-6B4F-9FED-EF75B73AD044}" type="datetimeFigureOut">
               <a:rPr lang="en-US" smtClean="0"/>
-              <a:t>9/22/2021</a:t>
+              <a:t>9/27/2021</a:t>
             </a:fld>
             <a:endParaRPr lang="en-US"/>
           </a:p>
@@ -4262,7 +8166,7 @@
           <a:p>
             <a:fld id="{EBB1B3D4-265D-4665-ADC9-1438520F930D}" type="datetimeFigureOut">
               <a:rPr lang="en-US" smtClean="0"/>
-              <a:t>9/22/2021</a:t>
+              <a:t>9/27/2021</a:t>
             </a:fld>
             <a:endParaRPr lang="en-US"/>
           </a:p>
@@ -4537,7 +8441,7 @@
           <a:p>
             <a:fld id="{EBB1B3D4-265D-4665-ADC9-1438520F930D}" type="datetimeFigureOut">
               <a:rPr lang="en-US" smtClean="0"/>
-              <a:t>9/22/2021</a:t>
+              <a:t>9/27/2021</a:t>
             </a:fld>
             <a:endParaRPr lang="en-US"/>
           </a:p>
@@ -4920,7 +8824,7 @@
           <a:p>
             <a:fld id="{EBB1B3D4-265D-4665-ADC9-1438520F930D}" type="datetimeFigureOut">
               <a:rPr lang="en-US" smtClean="0"/>
-              <a:t>9/22/2021</a:t>
+              <a:t>9/27/2021</a:t>
             </a:fld>
             <a:endParaRPr lang="en-US"/>
           </a:p>
@@ -5038,7 +8942,7 @@
           <a:p>
             <a:fld id="{EBB1B3D4-265D-4665-ADC9-1438520F930D}" type="datetimeFigureOut">
               <a:rPr lang="en-US" smtClean="0"/>
-              <a:t>9/22/2021</a:t>
+              <a:t>9/27/2021</a:t>
             </a:fld>
             <a:endParaRPr lang="en-US"/>
           </a:p>
@@ -5211,7 +9115,7 @@
           <a:p>
             <a:fld id="{EBB1B3D4-265D-4665-ADC9-1438520F930D}" type="datetimeFigureOut">
               <a:rPr lang="en-US" smtClean="0"/>
-              <a:t>9/22/2021</a:t>
+              <a:t>9/27/2021</a:t>
             </a:fld>
             <a:endParaRPr lang="en-US"/>
           </a:p>
@@ -5567,7 +9471,7 @@
           <a:p>
             <a:fld id="{EBB1B3D4-265D-4665-ADC9-1438520F930D}" type="datetimeFigureOut">
               <a:rPr lang="en-US" smtClean="0"/>
-              <a:t>9/22/2021</a:t>
+              <a:t>9/27/2021</a:t>
             </a:fld>
             <a:endParaRPr lang="en-US"/>
           </a:p>
@@ -5915,7 +9819,7 @@
           <a:p>
             <a:fld id="{EBB1B3D4-265D-4665-ADC9-1438520F930D}" type="datetimeFigureOut">
               <a:rPr lang="en-US" smtClean="0"/>
-              <a:t>9/22/2021</a:t>
+              <a:t>9/27/2021</a:t>
             </a:fld>
             <a:endParaRPr lang="en-US"/>
           </a:p>
@@ -6226,7 +10130,7 @@
           <a:p>
             <a:fld id="{EBB1B3D4-265D-4665-ADC9-1438520F930D}" type="datetimeFigureOut">
               <a:rPr lang="en-US" smtClean="0"/>
-              <a:t>9/22/2021</a:t>
+              <a:t>9/27/2021</a:t>
             </a:fld>
             <a:endParaRPr lang="en-US"/>
           </a:p>
@@ -6892,7 +10796,7 @@
           <a:p>
             <a:fld id="{D088F999-7A4E-6B4F-9FED-EF75B73AD044}" type="datetimeFigureOut">
               <a:rPr lang="en-US" smtClean="0"/>
-              <a:t>9/22/2021</a:t>
+              <a:t>9/27/2021</a:t>
             </a:fld>
             <a:endParaRPr lang="en-US"/>
           </a:p>
@@ -8000,7 +11904,7 @@
           <a:lstStyle/>
           <a:p>
             <a:r>
-              <a:rPr lang="en-US" sz="3600">
+              <a:rPr lang="en-US" sz="3600" dirty="0">
                 <a:solidFill>
                   <a:srgbClr val="FFFFFF"/>
                 </a:solidFill>
@@ -8141,6 +12045,95 @@
     <p:extLst>
       <p:ext uri="{BB962C8B-B14F-4D97-AF65-F5344CB8AC3E}">
         <p14:creationId xmlns:p14="http://schemas.microsoft.com/office/powerpoint/2010/main" val="1568774553"/>
+      </p:ext>
+    </p:extLst>
+  </p:cSld>
+  <p:clrMapOvr>
+    <a:masterClrMapping/>
+  </p:clrMapOvr>
+</p:sld>
+</file>
+
+<file path=ppt/slides/slide4.xml><?xml version="1.0" encoding="utf-8"?>
+<p:sld xmlns:a="http://schemas.openxmlformats.org/drawingml/2006/main" xmlns:r="http://schemas.openxmlformats.org/officeDocument/2006/relationships" xmlns:p="http://schemas.openxmlformats.org/presentationml/2006/main">
+  <p:cSld>
+    <p:spTree>
+      <p:nvGrpSpPr>
+        <p:cNvPr id="1" name=""/>
+        <p:cNvGrpSpPr/>
+        <p:nvPr/>
+      </p:nvGrpSpPr>
+      <p:grpSpPr>
+        <a:xfrm>
+          <a:off x="0" y="0"/>
+          <a:ext cx="0" cy="0"/>
+          <a:chOff x="0" y="0"/>
+          <a:chExt cx="0" cy="0"/>
+        </a:xfrm>
+      </p:grpSpPr>
+      <p:sp>
+        <p:nvSpPr>
+          <p:cNvPr id="2" name="Title 1">
+            <a:extLst>
+              <a:ext uri="{FF2B5EF4-FFF2-40B4-BE49-F238E27FC236}">
+                <a16:creationId xmlns:a16="http://schemas.microsoft.com/office/drawing/2014/main" id="{9DE63785-38F7-4A26-B912-FE29543AC6F2}"/>
+              </a:ext>
+            </a:extLst>
+          </p:cNvPr>
+          <p:cNvSpPr>
+            <a:spLocks noGrp="1"/>
+          </p:cNvSpPr>
+          <p:nvPr>
+            <p:ph type="title"/>
+          </p:nvPr>
+        </p:nvSpPr>
+        <p:spPr/>
+        <p:txBody>
+          <a:bodyPr/>
+          <a:lstStyle/>
+          <a:p>
+            <a:r>
+              <a:rPr lang="en-US" dirty="0"/>
+              <a:t>Other ways to provide Identity</a:t>
+            </a:r>
+          </a:p>
+        </p:txBody>
+      </p:sp>
+      <p:graphicFrame>
+        <p:nvGraphicFramePr>
+          <p:cNvPr id="4" name="Content Placeholder 3">
+            <a:extLst>
+              <a:ext uri="{FF2B5EF4-FFF2-40B4-BE49-F238E27FC236}">
+                <a16:creationId xmlns:a16="http://schemas.microsoft.com/office/drawing/2014/main" id="{E3288202-3760-457F-A4FD-52CB0754C7CF}"/>
+              </a:ext>
+            </a:extLst>
+          </p:cNvPr>
+          <p:cNvGraphicFramePr>
+            <a:graphicFrameLocks noGrp="1"/>
+          </p:cNvGraphicFramePr>
+          <p:nvPr>
+            <p:ph idx="1"/>
+            <p:extLst>
+              <p:ext uri="{D42A27DB-BD31-4B8C-83A1-F6EECF244321}">
+                <p14:modId xmlns:p14="http://schemas.microsoft.com/office/powerpoint/2010/main" val="708301290"/>
+              </p:ext>
+            </p:extLst>
+          </p:nvPr>
+        </p:nvGraphicFramePr>
+        <p:xfrm>
+          <a:off x="1096963" y="1846263"/>
+          <a:ext cx="10058400" cy="4022725"/>
+        </p:xfrm>
+        <a:graphic>
+          <a:graphicData uri="http://schemas.openxmlformats.org/drawingml/2006/diagram">
+            <dgm:relIds xmlns:dgm="http://schemas.openxmlformats.org/drawingml/2006/diagram" xmlns:r="http://schemas.openxmlformats.org/officeDocument/2006/relationships" r:dm="rId2" r:lo="rId3" r:qs="rId4" r:cs="rId5"/>
+          </a:graphicData>
+        </a:graphic>
+      </p:graphicFrame>
+    </p:spTree>
+    <p:extLst>
+      <p:ext uri="{BB962C8B-B14F-4D97-AF65-F5344CB8AC3E}">
+        <p14:creationId xmlns:p14="http://schemas.microsoft.com/office/powerpoint/2010/main" val="1659201605"/>
       </p:ext>
     </p:extLst>
   </p:cSld>
